--- a/9°A/Integradora/diapositiva/SM-ROOT_APPMO-SP.pptx
+++ b/9°A/Integradora/diapositiva/SM-ROOT_APPMO-SP.pptx
@@ -11,6 +11,22 @@
     <p:sldId id="259" r:id="rId5"/>
     <p:sldId id="260" r:id="rId6"/>
     <p:sldId id="261" r:id="rId7"/>
+    <p:sldId id="262" r:id="rId8"/>
+    <p:sldId id="264" r:id="rId9"/>
+    <p:sldId id="265" r:id="rId10"/>
+    <p:sldId id="263" r:id="rId11"/>
+    <p:sldId id="266" r:id="rId12"/>
+    <p:sldId id="267" r:id="rId13"/>
+    <p:sldId id="268" r:id="rId14"/>
+    <p:sldId id="269" r:id="rId15"/>
+    <p:sldId id="270" r:id="rId16"/>
+    <p:sldId id="271" r:id="rId17"/>
+    <p:sldId id="272" r:id="rId18"/>
+    <p:sldId id="273" r:id="rId19"/>
+    <p:sldId id="274" r:id="rId20"/>
+    <p:sldId id="276" r:id="rId21"/>
+    <p:sldId id="275" r:id="rId22"/>
+    <p:sldId id="277" r:id="rId23"/>
   </p:sldIdLst>
   <p:sldSz cx="12192000" cy="6858000"/>
   <p:notesSz cx="6858000" cy="9144000"/>
@@ -109,6 +125,11 @@
       </a:defRPr>
     </a:lvl9pPr>
   </p:defaultTextStyle>
+  <p:extLst>
+    <p:ext uri="{EFAFB233-063F-42B5-8137-9DF3F51BA10A}">
+      <p15:sldGuideLst xmlns:p15="http://schemas.microsoft.com/office/powerpoint/2012/main"/>
+    </p:ext>
+  </p:extLst>
 </p:presentation>
 </file>
 
@@ -4382,6 +4403,1431 @@
 </p:sld>
 </file>
 
+<file path=ppt/slides/slide10.xml><?xml version="1.0" encoding="utf-8"?>
+<p:sld xmlns:a="http://schemas.openxmlformats.org/drawingml/2006/main" xmlns:r="http://schemas.openxmlformats.org/officeDocument/2006/relationships" xmlns:p="http://schemas.openxmlformats.org/presentationml/2006/main">
+  <p:cSld>
+    <p:spTree>
+      <p:nvGrpSpPr>
+        <p:cNvPr id="1" name=""/>
+        <p:cNvGrpSpPr/>
+        <p:nvPr/>
+      </p:nvGrpSpPr>
+      <p:grpSpPr>
+        <a:xfrm>
+          <a:off x="0" y="0"/>
+          <a:ext cx="0" cy="0"/>
+          <a:chOff x="0" y="0"/>
+          <a:chExt cx="0" cy="0"/>
+        </a:xfrm>
+      </p:grpSpPr>
+      <p:sp>
+        <p:nvSpPr>
+          <p:cNvPr id="2" name="Título 1"/>
+          <p:cNvSpPr>
+            <a:spLocks noGrp="1"/>
+          </p:cNvSpPr>
+          <p:nvPr>
+            <p:ph type="title"/>
+          </p:nvPr>
+        </p:nvSpPr>
+        <p:spPr>
+          <a:xfrm>
+            <a:off x="2163065" y="316345"/>
+            <a:ext cx="9601200" cy="1485900"/>
+          </a:xfrm>
+        </p:spPr>
+        <p:txBody>
+          <a:bodyPr>
+            <a:normAutofit/>
+          </a:bodyPr>
+          <a:lstStyle/>
+          <a:p>
+            <a:pPr algn="ctr"/>
+            <a:r>
+              <a:rPr lang="es-MX" sz="4000" dirty="0" smtClean="0"/>
+              <a:t>DEFINICIÓN DE ACTIVIDADES, ROLES Y MATRIZ DE RESPONSABILIDAD.</a:t>
+            </a:r>
+            <a:endParaRPr lang="es-MX" sz="4000" dirty="0"/>
+          </a:p>
+        </p:txBody>
+      </p:sp>
+      <p:pic>
+        <p:nvPicPr>
+          <p:cNvPr id="4" name="Marcador de contenido 3"/>
+          <p:cNvPicPr>
+            <a:picLocks noGrp="1" noChangeAspect="1"/>
+          </p:cNvPicPr>
+          <p:nvPr>
+            <p:ph idx="1"/>
+          </p:nvPr>
+        </p:nvPicPr>
+        <p:blipFill>
+          <a:blip r:embed="rId2"/>
+          <a:stretch>
+            <a:fillRect/>
+          </a:stretch>
+        </p:blipFill>
+        <p:spPr>
+          <a:xfrm>
+            <a:off x="4284566" y="2701634"/>
+            <a:ext cx="5210416" cy="3971263"/>
+          </a:xfrm>
+          <a:prstGeom prst="rect">
+            <a:avLst/>
+          </a:prstGeom>
+        </p:spPr>
+      </p:pic>
+      <p:sp>
+        <p:nvSpPr>
+          <p:cNvPr id="6" name="CuadroTexto 5"/>
+          <p:cNvSpPr txBox="1"/>
+          <p:nvPr/>
+        </p:nvSpPr>
+        <p:spPr>
+          <a:xfrm>
+            <a:off x="5467374" y="2201140"/>
+            <a:ext cx="2844800" cy="369332"/>
+          </a:xfrm>
+          <a:prstGeom prst="rect">
+            <a:avLst/>
+          </a:prstGeom>
+          <a:noFill/>
+        </p:spPr>
+        <p:txBody>
+          <a:bodyPr wrap="square" rtlCol="0">
+            <a:spAutoFit/>
+          </a:bodyPr>
+          <a:lstStyle/>
+          <a:p>
+            <a:r>
+              <a:rPr lang="es-MX" dirty="0" smtClean="0"/>
+              <a:t>LISTA DE STAKEHOLDERS</a:t>
+            </a:r>
+            <a:endParaRPr lang="es-MX" dirty="0"/>
+          </a:p>
+        </p:txBody>
+      </p:sp>
+    </p:spTree>
+    <p:extLst>
+      <p:ext uri="{BB962C8B-B14F-4D97-AF65-F5344CB8AC3E}">
+        <p14:creationId xmlns:p14="http://schemas.microsoft.com/office/powerpoint/2010/main" val="2614830262"/>
+      </p:ext>
+    </p:extLst>
+  </p:cSld>
+  <p:clrMapOvr>
+    <a:masterClrMapping/>
+  </p:clrMapOvr>
+</p:sld>
+</file>
+
+<file path=ppt/slides/slide11.xml><?xml version="1.0" encoding="utf-8"?>
+<p:sld xmlns:a="http://schemas.openxmlformats.org/drawingml/2006/main" xmlns:r="http://schemas.openxmlformats.org/officeDocument/2006/relationships" xmlns:p="http://schemas.openxmlformats.org/presentationml/2006/main">
+  <p:cSld>
+    <p:spTree>
+      <p:nvGrpSpPr>
+        <p:cNvPr id="1" name=""/>
+        <p:cNvGrpSpPr/>
+        <p:nvPr/>
+      </p:nvGrpSpPr>
+      <p:grpSpPr>
+        <a:xfrm>
+          <a:off x="0" y="0"/>
+          <a:ext cx="0" cy="0"/>
+          <a:chOff x="0" y="0"/>
+          <a:chExt cx="0" cy="0"/>
+        </a:xfrm>
+      </p:grpSpPr>
+      <p:pic>
+        <p:nvPicPr>
+          <p:cNvPr id="4" name="Marcador de contenido 3"/>
+          <p:cNvPicPr>
+            <a:picLocks noGrp="1" noChangeAspect="1"/>
+          </p:cNvPicPr>
+          <p:nvPr>
+            <p:ph idx="1"/>
+          </p:nvPr>
+        </p:nvPicPr>
+        <p:blipFill>
+          <a:blip r:embed="rId2"/>
+          <a:stretch>
+            <a:fillRect/>
+          </a:stretch>
+        </p:blipFill>
+        <p:spPr>
+          <a:xfrm>
+            <a:off x="6530109" y="430828"/>
+            <a:ext cx="5403272" cy="3059918"/>
+          </a:xfrm>
+          <a:prstGeom prst="rect">
+            <a:avLst/>
+          </a:prstGeom>
+        </p:spPr>
+      </p:pic>
+      <p:pic>
+        <p:nvPicPr>
+          <p:cNvPr id="5" name="Imagen 4"/>
+          <p:cNvPicPr>
+            <a:picLocks noChangeAspect="1"/>
+          </p:cNvPicPr>
+          <p:nvPr/>
+        </p:nvPicPr>
+        <p:blipFill>
+          <a:blip r:embed="rId3"/>
+          <a:stretch>
+            <a:fillRect/>
+          </a:stretch>
+        </p:blipFill>
+        <p:spPr>
+          <a:xfrm>
+            <a:off x="6530109" y="3490746"/>
+            <a:ext cx="5403272" cy="3071763"/>
+          </a:xfrm>
+          <a:prstGeom prst="rect">
+            <a:avLst/>
+          </a:prstGeom>
+        </p:spPr>
+      </p:pic>
+      <p:pic>
+        <p:nvPicPr>
+          <p:cNvPr id="6" name="Imagen 5"/>
+          <p:cNvPicPr>
+            <a:picLocks noChangeAspect="1"/>
+          </p:cNvPicPr>
+          <p:nvPr/>
+        </p:nvPicPr>
+        <p:blipFill rotWithShape="1">
+          <a:blip r:embed="rId4"/>
+          <a:srcRect t="1530"/>
+          <a:stretch/>
+        </p:blipFill>
+        <p:spPr>
+          <a:xfrm>
+            <a:off x="1025236" y="1013355"/>
+            <a:ext cx="5139459" cy="2477391"/>
+          </a:xfrm>
+          <a:prstGeom prst="rect">
+            <a:avLst/>
+          </a:prstGeom>
+        </p:spPr>
+      </p:pic>
+      <p:sp>
+        <p:nvSpPr>
+          <p:cNvPr id="8" name="CuadroTexto 7"/>
+          <p:cNvSpPr txBox="1"/>
+          <p:nvPr/>
+        </p:nvSpPr>
+        <p:spPr>
+          <a:xfrm>
+            <a:off x="2080202" y="430828"/>
+            <a:ext cx="2844800" cy="369332"/>
+          </a:xfrm>
+          <a:prstGeom prst="rect">
+            <a:avLst/>
+          </a:prstGeom>
+          <a:noFill/>
+        </p:spPr>
+        <p:txBody>
+          <a:bodyPr wrap="square" rtlCol="0">
+            <a:spAutoFit/>
+          </a:bodyPr>
+          <a:lstStyle/>
+          <a:p>
+            <a:pPr algn="ctr"/>
+            <a:r>
+              <a:rPr lang="es-MX" dirty="0" smtClean="0"/>
+              <a:t>MATRIZ RACI</a:t>
+            </a:r>
+            <a:endParaRPr lang="es-MX" dirty="0"/>
+          </a:p>
+        </p:txBody>
+      </p:sp>
+    </p:spTree>
+    <p:extLst>
+      <p:ext uri="{BB962C8B-B14F-4D97-AF65-F5344CB8AC3E}">
+        <p14:creationId xmlns:p14="http://schemas.microsoft.com/office/powerpoint/2010/main" val="3920510371"/>
+      </p:ext>
+    </p:extLst>
+  </p:cSld>
+  <p:clrMapOvr>
+    <a:masterClrMapping/>
+  </p:clrMapOvr>
+</p:sld>
+</file>
+
+<file path=ppt/slides/slide12.xml><?xml version="1.0" encoding="utf-8"?>
+<p:sld xmlns:a="http://schemas.openxmlformats.org/drawingml/2006/main" xmlns:r="http://schemas.openxmlformats.org/officeDocument/2006/relationships" xmlns:p="http://schemas.openxmlformats.org/presentationml/2006/main">
+  <p:cSld>
+    <p:spTree>
+      <p:nvGrpSpPr>
+        <p:cNvPr id="1" name=""/>
+        <p:cNvGrpSpPr/>
+        <p:nvPr/>
+      </p:nvGrpSpPr>
+      <p:grpSpPr>
+        <a:xfrm>
+          <a:off x="0" y="0"/>
+          <a:ext cx="0" cy="0"/>
+          <a:chOff x="0" y="0"/>
+          <a:chExt cx="0" cy="0"/>
+        </a:xfrm>
+      </p:grpSpPr>
+      <p:sp>
+        <p:nvSpPr>
+          <p:cNvPr id="2" name="Título 1"/>
+          <p:cNvSpPr>
+            <a:spLocks noGrp="1"/>
+          </p:cNvSpPr>
+          <p:nvPr>
+            <p:ph type="title"/>
+          </p:nvPr>
+        </p:nvSpPr>
+        <p:spPr/>
+        <p:txBody>
+          <a:bodyPr/>
+          <a:lstStyle/>
+          <a:p>
+            <a:pPr algn="ctr"/>
+            <a:r>
+              <a:rPr lang="es-MX" dirty="0" smtClean="0"/>
+              <a:t>PROGRAMACIÓN DE ACTIVIDADES</a:t>
+            </a:r>
+            <a:endParaRPr lang="es-MX" dirty="0"/>
+          </a:p>
+        </p:txBody>
+      </p:sp>
+      <p:pic>
+        <p:nvPicPr>
+          <p:cNvPr id="4" name="Marcador de contenido 3"/>
+          <p:cNvPicPr>
+            <a:picLocks noGrp="1" noChangeAspect="1"/>
+          </p:cNvPicPr>
+          <p:nvPr>
+            <p:ph idx="1"/>
+          </p:nvPr>
+        </p:nvPicPr>
+        <p:blipFill rotWithShape="1">
+          <a:blip r:embed="rId2">
+            <a:extLst>
+              <a:ext uri="{28A0092B-C50C-407E-A947-70E740481C1C}">
+                <a14:useLocalDpi xmlns:a14="http://schemas.microsoft.com/office/drawing/2010/main" val="0"/>
+              </a:ext>
+            </a:extLst>
+          </a:blip>
+          <a:srcRect t="5851" r="35647"/>
+          <a:stretch/>
+        </p:blipFill>
+        <p:spPr>
+          <a:xfrm>
+            <a:off x="2873226" y="2079336"/>
+            <a:ext cx="6597947" cy="4228360"/>
+          </a:xfrm>
+        </p:spPr>
+      </p:pic>
+    </p:spTree>
+    <p:extLst>
+      <p:ext uri="{BB962C8B-B14F-4D97-AF65-F5344CB8AC3E}">
+        <p14:creationId xmlns:p14="http://schemas.microsoft.com/office/powerpoint/2010/main" val="1757424061"/>
+      </p:ext>
+    </p:extLst>
+  </p:cSld>
+  <p:clrMapOvr>
+    <a:masterClrMapping/>
+  </p:clrMapOvr>
+</p:sld>
+</file>
+
+<file path=ppt/slides/slide13.xml><?xml version="1.0" encoding="utf-8"?>
+<p:sld xmlns:a="http://schemas.openxmlformats.org/drawingml/2006/main" xmlns:r="http://schemas.openxmlformats.org/officeDocument/2006/relationships" xmlns:p="http://schemas.openxmlformats.org/presentationml/2006/main">
+  <p:cSld>
+    <p:spTree>
+      <p:nvGrpSpPr>
+        <p:cNvPr id="1" name=""/>
+        <p:cNvGrpSpPr/>
+        <p:nvPr/>
+      </p:nvGrpSpPr>
+      <p:grpSpPr>
+        <a:xfrm>
+          <a:off x="0" y="0"/>
+          <a:ext cx="0" cy="0"/>
+          <a:chOff x="0" y="0"/>
+          <a:chExt cx="0" cy="0"/>
+        </a:xfrm>
+      </p:grpSpPr>
+      <p:sp>
+        <p:nvSpPr>
+          <p:cNvPr id="2" name="Título 1"/>
+          <p:cNvSpPr>
+            <a:spLocks noGrp="1"/>
+          </p:cNvSpPr>
+          <p:nvPr>
+            <p:ph type="title"/>
+          </p:nvPr>
+        </p:nvSpPr>
+        <p:spPr/>
+        <p:txBody>
+          <a:bodyPr>
+            <a:normAutofit/>
+          </a:bodyPr>
+          <a:lstStyle/>
+          <a:p>
+            <a:pPr algn="ctr"/>
+            <a:r>
+              <a:rPr lang="es-MX" sz="4000" dirty="0" smtClean="0"/>
+              <a:t>ESTIMACIÓN DE RECURSOS Y COSTOS.</a:t>
+            </a:r>
+            <a:endParaRPr lang="es-MX" sz="4000" dirty="0"/>
+          </a:p>
+        </p:txBody>
+      </p:sp>
+      <p:pic>
+        <p:nvPicPr>
+          <p:cNvPr id="4" name="Marcador de contenido 3"/>
+          <p:cNvPicPr>
+            <a:picLocks noGrp="1" noChangeAspect="1"/>
+          </p:cNvPicPr>
+          <p:nvPr>
+            <p:ph idx="1"/>
+          </p:nvPr>
+        </p:nvPicPr>
+        <p:blipFill>
+          <a:blip r:embed="rId2"/>
+          <a:stretch>
+            <a:fillRect/>
+          </a:stretch>
+        </p:blipFill>
+        <p:spPr>
+          <a:xfrm>
+            <a:off x="4470170" y="2171700"/>
+            <a:ext cx="5685844" cy="2466440"/>
+          </a:xfrm>
+          <a:prstGeom prst="rect">
+            <a:avLst/>
+          </a:prstGeom>
+        </p:spPr>
+      </p:pic>
+      <p:pic>
+        <p:nvPicPr>
+          <p:cNvPr id="5" name="Imagen 4"/>
+          <p:cNvPicPr>
+            <a:picLocks noChangeAspect="1"/>
+          </p:cNvPicPr>
+          <p:nvPr/>
+        </p:nvPicPr>
+        <p:blipFill>
+          <a:blip r:embed="rId3"/>
+          <a:stretch>
+            <a:fillRect/>
+          </a:stretch>
+        </p:blipFill>
+        <p:spPr>
+          <a:xfrm>
+            <a:off x="4470170" y="4638139"/>
+            <a:ext cx="5654674" cy="1756558"/>
+          </a:xfrm>
+          <a:prstGeom prst="rect">
+            <a:avLst/>
+          </a:prstGeom>
+        </p:spPr>
+      </p:pic>
+      <p:pic>
+        <p:nvPicPr>
+          <p:cNvPr id="6" name="Imagen 5"/>
+          <p:cNvPicPr>
+            <a:picLocks noChangeAspect="1"/>
+          </p:cNvPicPr>
+          <p:nvPr/>
+        </p:nvPicPr>
+        <p:blipFill rotWithShape="1">
+          <a:blip r:embed="rId4"/>
+          <a:srcRect l="1400" t="603" r="-1" b="1"/>
+          <a:stretch/>
+        </p:blipFill>
+        <p:spPr>
+          <a:xfrm>
+            <a:off x="2028641" y="2550081"/>
+            <a:ext cx="1589474" cy="2630417"/>
+          </a:xfrm>
+          <a:prstGeom prst="rect">
+            <a:avLst/>
+          </a:prstGeom>
+          <a:ln>
+            <a:solidFill>
+              <a:schemeClr val="tx1"/>
+            </a:solidFill>
+          </a:ln>
+        </p:spPr>
+      </p:pic>
+      <p:pic>
+        <p:nvPicPr>
+          <p:cNvPr id="7" name="Imagen 6"/>
+          <p:cNvPicPr>
+            <a:picLocks noChangeAspect="1"/>
+          </p:cNvPicPr>
+          <p:nvPr/>
+        </p:nvPicPr>
+        <p:blipFill>
+          <a:blip r:embed="rId5"/>
+          <a:stretch>
+            <a:fillRect/>
+          </a:stretch>
+        </p:blipFill>
+        <p:spPr>
+          <a:xfrm>
+            <a:off x="1046885" y="5558879"/>
+            <a:ext cx="3423285" cy="817271"/>
+          </a:xfrm>
+          <a:prstGeom prst="rect">
+            <a:avLst/>
+          </a:prstGeom>
+        </p:spPr>
+      </p:pic>
+      <p:sp>
+        <p:nvSpPr>
+          <p:cNvPr id="9" name="CuadroTexto 8"/>
+          <p:cNvSpPr txBox="1"/>
+          <p:nvPr/>
+        </p:nvSpPr>
+        <p:spPr>
+          <a:xfrm>
+            <a:off x="5905500" y="1754679"/>
+            <a:ext cx="3345181" cy="369332"/>
+          </a:xfrm>
+          <a:prstGeom prst="rect">
+            <a:avLst/>
+          </a:prstGeom>
+          <a:noFill/>
+        </p:spPr>
+        <p:txBody>
+          <a:bodyPr wrap="square" rtlCol="0">
+            <a:spAutoFit/>
+          </a:bodyPr>
+          <a:lstStyle/>
+          <a:p>
+            <a:r>
+              <a:rPr lang="es-MX" dirty="0" smtClean="0"/>
+              <a:t>JUSTIFICACIÓN DE COSTOS</a:t>
+            </a:r>
+            <a:endParaRPr lang="es-MX" dirty="0"/>
+          </a:p>
+        </p:txBody>
+      </p:sp>
+    </p:spTree>
+    <p:extLst>
+      <p:ext uri="{BB962C8B-B14F-4D97-AF65-F5344CB8AC3E}">
+        <p14:creationId xmlns:p14="http://schemas.microsoft.com/office/powerpoint/2010/main" val="3230040892"/>
+      </p:ext>
+    </p:extLst>
+  </p:cSld>
+  <p:clrMapOvr>
+    <a:masterClrMapping/>
+  </p:clrMapOvr>
+  <p:timing>
+    <p:tnLst>
+      <p:par>
+        <p:cTn id="1" dur="indefinite" restart="never" nodeType="tmRoot"/>
+      </p:par>
+    </p:tnLst>
+  </p:timing>
+</p:sld>
+</file>
+
+<file path=ppt/slides/slide14.xml><?xml version="1.0" encoding="utf-8"?>
+<p:sld xmlns:a="http://schemas.openxmlformats.org/drawingml/2006/main" xmlns:r="http://schemas.openxmlformats.org/officeDocument/2006/relationships" xmlns:p="http://schemas.openxmlformats.org/presentationml/2006/main">
+  <p:cSld>
+    <p:spTree>
+      <p:nvGrpSpPr>
+        <p:cNvPr id="1" name=""/>
+        <p:cNvGrpSpPr/>
+        <p:nvPr/>
+      </p:nvGrpSpPr>
+      <p:grpSpPr>
+        <a:xfrm>
+          <a:off x="0" y="0"/>
+          <a:ext cx="0" cy="0"/>
+          <a:chOff x="0" y="0"/>
+          <a:chExt cx="0" cy="0"/>
+        </a:xfrm>
+      </p:grpSpPr>
+      <p:sp>
+        <p:nvSpPr>
+          <p:cNvPr id="2" name="Título 1"/>
+          <p:cNvSpPr>
+            <a:spLocks noGrp="1"/>
+          </p:cNvSpPr>
+          <p:nvPr>
+            <p:ph type="title"/>
+          </p:nvPr>
+        </p:nvSpPr>
+        <p:spPr/>
+        <p:txBody>
+          <a:bodyPr>
+            <a:normAutofit/>
+          </a:bodyPr>
+          <a:lstStyle/>
+          <a:p>
+            <a:pPr algn="ctr"/>
+            <a:r>
+              <a:rPr lang="es-MX" sz="3600" dirty="0" smtClean="0"/>
+              <a:t>ANÁLISIS DE RIESGOS</a:t>
+            </a:r>
+            <a:endParaRPr lang="es-MX" sz="3600" dirty="0"/>
+          </a:p>
+        </p:txBody>
+      </p:sp>
+      <p:pic>
+        <p:nvPicPr>
+          <p:cNvPr id="4" name="Marcador de contenido 3"/>
+          <p:cNvPicPr>
+            <a:picLocks noGrp="1" noChangeAspect="1"/>
+          </p:cNvPicPr>
+          <p:nvPr>
+            <p:ph idx="1"/>
+          </p:nvPr>
+        </p:nvPicPr>
+        <p:blipFill>
+          <a:blip r:embed="rId2"/>
+          <a:stretch>
+            <a:fillRect/>
+          </a:stretch>
+        </p:blipFill>
+        <p:spPr>
+          <a:xfrm>
+            <a:off x="3634740" y="1684020"/>
+            <a:ext cx="5158740" cy="2328281"/>
+          </a:xfrm>
+          <a:prstGeom prst="rect">
+            <a:avLst/>
+          </a:prstGeom>
+        </p:spPr>
+      </p:pic>
+      <p:pic>
+        <p:nvPicPr>
+          <p:cNvPr id="5" name="Imagen 4"/>
+          <p:cNvPicPr>
+            <a:picLocks noChangeAspect="1"/>
+          </p:cNvPicPr>
+          <p:nvPr/>
+        </p:nvPicPr>
+        <p:blipFill>
+          <a:blip r:embed="rId3"/>
+          <a:stretch>
+            <a:fillRect/>
+          </a:stretch>
+        </p:blipFill>
+        <p:spPr>
+          <a:xfrm>
+            <a:off x="3634740" y="4012301"/>
+            <a:ext cx="5158740" cy="2012274"/>
+          </a:xfrm>
+          <a:prstGeom prst="rect">
+            <a:avLst/>
+          </a:prstGeom>
+        </p:spPr>
+      </p:pic>
+    </p:spTree>
+    <p:extLst>
+      <p:ext uri="{BB962C8B-B14F-4D97-AF65-F5344CB8AC3E}">
+        <p14:creationId xmlns:p14="http://schemas.microsoft.com/office/powerpoint/2010/main" val="74689949"/>
+      </p:ext>
+    </p:extLst>
+  </p:cSld>
+  <p:clrMapOvr>
+    <a:masterClrMapping/>
+  </p:clrMapOvr>
+  <p:timing>
+    <p:tnLst>
+      <p:par>
+        <p:cTn id="1" dur="indefinite" restart="never" nodeType="tmRoot"/>
+      </p:par>
+    </p:tnLst>
+  </p:timing>
+</p:sld>
+</file>
+
+<file path=ppt/slides/slide15.xml><?xml version="1.0" encoding="utf-8"?>
+<p:sld xmlns:a="http://schemas.openxmlformats.org/drawingml/2006/main" xmlns:r="http://schemas.openxmlformats.org/officeDocument/2006/relationships" xmlns:p="http://schemas.openxmlformats.org/presentationml/2006/main">
+  <p:cSld>
+    <p:spTree>
+      <p:nvGrpSpPr>
+        <p:cNvPr id="1" name=""/>
+        <p:cNvGrpSpPr/>
+        <p:nvPr/>
+      </p:nvGrpSpPr>
+      <p:grpSpPr>
+        <a:xfrm>
+          <a:off x="0" y="0"/>
+          <a:ext cx="0" cy="0"/>
+          <a:chOff x="0" y="0"/>
+          <a:chExt cx="0" cy="0"/>
+        </a:xfrm>
+      </p:grpSpPr>
+      <p:pic>
+        <p:nvPicPr>
+          <p:cNvPr id="8" name="Marcador de contenido 7"/>
+          <p:cNvPicPr>
+            <a:picLocks noGrp="1" noChangeAspect="1"/>
+          </p:cNvPicPr>
+          <p:nvPr>
+            <p:ph idx="1"/>
+          </p:nvPr>
+        </p:nvPicPr>
+        <p:blipFill>
+          <a:blip r:embed="rId2"/>
+          <a:stretch>
+            <a:fillRect/>
+          </a:stretch>
+        </p:blipFill>
+        <p:spPr>
+          <a:xfrm>
+            <a:off x="2958622" y="1211885"/>
+            <a:ext cx="7125906" cy="3132377"/>
+          </a:xfrm>
+          <a:prstGeom prst="rect">
+            <a:avLst/>
+          </a:prstGeom>
+        </p:spPr>
+      </p:pic>
+      <p:pic>
+        <p:nvPicPr>
+          <p:cNvPr id="9" name="Imagen 8"/>
+          <p:cNvPicPr>
+            <a:picLocks noChangeAspect="1"/>
+          </p:cNvPicPr>
+          <p:nvPr/>
+        </p:nvPicPr>
+        <p:blipFill>
+          <a:blip r:embed="rId3"/>
+          <a:stretch>
+            <a:fillRect/>
+          </a:stretch>
+        </p:blipFill>
+        <p:spPr>
+          <a:xfrm>
+            <a:off x="2958622" y="4344262"/>
+            <a:ext cx="7125906" cy="1776430"/>
+          </a:xfrm>
+          <a:prstGeom prst="rect">
+            <a:avLst/>
+          </a:prstGeom>
+        </p:spPr>
+      </p:pic>
+      <p:sp>
+        <p:nvSpPr>
+          <p:cNvPr id="10" name="CuadroTexto 9"/>
+          <p:cNvSpPr txBox="1"/>
+          <p:nvPr/>
+        </p:nvSpPr>
+        <p:spPr>
+          <a:xfrm>
+            <a:off x="4953000" y="842553"/>
+            <a:ext cx="3604260" cy="369332"/>
+          </a:xfrm>
+          <a:prstGeom prst="rect">
+            <a:avLst/>
+          </a:prstGeom>
+          <a:noFill/>
+        </p:spPr>
+        <p:txBody>
+          <a:bodyPr wrap="square" rtlCol="0">
+            <a:spAutoFit/>
+          </a:bodyPr>
+          <a:lstStyle/>
+          <a:p>
+            <a:r>
+              <a:rPr lang="es-MX" dirty="0" smtClean="0"/>
+              <a:t>Seguimiento y control de Riesgos</a:t>
+            </a:r>
+            <a:endParaRPr lang="es-MX" dirty="0"/>
+          </a:p>
+        </p:txBody>
+      </p:sp>
+    </p:spTree>
+    <p:extLst>
+      <p:ext uri="{BB962C8B-B14F-4D97-AF65-F5344CB8AC3E}">
+        <p14:creationId xmlns:p14="http://schemas.microsoft.com/office/powerpoint/2010/main" val="1253462028"/>
+      </p:ext>
+    </p:extLst>
+  </p:cSld>
+  <p:clrMapOvr>
+    <a:masterClrMapping/>
+  </p:clrMapOvr>
+  <p:timing>
+    <p:tnLst>
+      <p:par>
+        <p:cTn id="1" dur="indefinite" restart="never" nodeType="tmRoot"/>
+      </p:par>
+    </p:tnLst>
+  </p:timing>
+</p:sld>
+</file>
+
+<file path=ppt/slides/slide16.xml><?xml version="1.0" encoding="utf-8"?>
+<p:sld xmlns:a="http://schemas.openxmlformats.org/drawingml/2006/main" xmlns:r="http://schemas.openxmlformats.org/officeDocument/2006/relationships" xmlns:p="http://schemas.openxmlformats.org/presentationml/2006/main">
+  <p:cSld>
+    <p:spTree>
+      <p:nvGrpSpPr>
+        <p:cNvPr id="1" name=""/>
+        <p:cNvGrpSpPr/>
+        <p:nvPr/>
+      </p:nvGrpSpPr>
+      <p:grpSpPr>
+        <a:xfrm>
+          <a:off x="0" y="0"/>
+          <a:ext cx="0" cy="0"/>
+          <a:chOff x="0" y="0"/>
+          <a:chExt cx="0" cy="0"/>
+        </a:xfrm>
+      </p:grpSpPr>
+      <p:sp>
+        <p:nvSpPr>
+          <p:cNvPr id="2" name="Título 1"/>
+          <p:cNvSpPr>
+            <a:spLocks noGrp="1"/>
+          </p:cNvSpPr>
+          <p:nvPr>
+            <p:ph type="title"/>
+          </p:nvPr>
+        </p:nvSpPr>
+        <p:spPr/>
+        <p:txBody>
+          <a:bodyPr>
+            <a:normAutofit/>
+          </a:bodyPr>
+          <a:lstStyle/>
+          <a:p>
+            <a:pPr algn="ctr"/>
+            <a:r>
+              <a:rPr lang="es-MX" sz="4000" dirty="0" smtClean="0"/>
+              <a:t>MÉTODOS DE COMUNICACIÓN</a:t>
+            </a:r>
+            <a:endParaRPr lang="es-MX" sz="4000" dirty="0"/>
+          </a:p>
+        </p:txBody>
+      </p:sp>
+      <p:pic>
+        <p:nvPicPr>
+          <p:cNvPr id="12" name="Marcador de contenido 11"/>
+          <p:cNvPicPr>
+            <a:picLocks noGrp="1" noChangeAspect="1"/>
+          </p:cNvPicPr>
+          <p:nvPr>
+            <p:ph idx="1"/>
+          </p:nvPr>
+        </p:nvPicPr>
+        <p:blipFill rotWithShape="1">
+          <a:blip r:embed="rId2"/>
+          <a:srcRect l="238" r="238" b="882"/>
+          <a:stretch/>
+        </p:blipFill>
+        <p:spPr>
+          <a:xfrm>
+            <a:off x="1958340" y="1579066"/>
+            <a:ext cx="4346046" cy="1559608"/>
+          </a:xfrm>
+          <a:prstGeom prst="rect">
+            <a:avLst/>
+          </a:prstGeom>
+        </p:spPr>
+      </p:pic>
+      <p:pic>
+        <p:nvPicPr>
+          <p:cNvPr id="13" name="Imagen 12"/>
+          <p:cNvPicPr>
+            <a:picLocks noChangeAspect="1"/>
+          </p:cNvPicPr>
+          <p:nvPr/>
+        </p:nvPicPr>
+        <p:blipFill>
+          <a:blip r:embed="rId3"/>
+          <a:stretch>
+            <a:fillRect/>
+          </a:stretch>
+        </p:blipFill>
+        <p:spPr>
+          <a:xfrm>
+            <a:off x="1958340" y="3138674"/>
+            <a:ext cx="4346046" cy="2597271"/>
+          </a:xfrm>
+          <a:prstGeom prst="rect">
+            <a:avLst/>
+          </a:prstGeom>
+        </p:spPr>
+      </p:pic>
+      <p:pic>
+        <p:nvPicPr>
+          <p:cNvPr id="15" name="Marcador de contenido 3"/>
+          <p:cNvPicPr>
+            <a:picLocks noChangeAspect="1"/>
+          </p:cNvPicPr>
+          <p:nvPr/>
+        </p:nvPicPr>
+        <p:blipFill>
+          <a:blip r:embed="rId4"/>
+          <a:stretch>
+            <a:fillRect/>
+          </a:stretch>
+        </p:blipFill>
+        <p:spPr>
+          <a:xfrm>
+            <a:off x="7038500" y="1615999"/>
+            <a:ext cx="4429601" cy="1522675"/>
+          </a:xfrm>
+          <a:prstGeom prst="rect">
+            <a:avLst/>
+          </a:prstGeom>
+          <a:ln>
+            <a:solidFill>
+              <a:schemeClr val="tx1"/>
+            </a:solidFill>
+          </a:ln>
+        </p:spPr>
+      </p:pic>
+      <p:pic>
+        <p:nvPicPr>
+          <p:cNvPr id="16" name="Imagen 15"/>
+          <p:cNvPicPr>
+            <a:picLocks noChangeAspect="1"/>
+          </p:cNvPicPr>
+          <p:nvPr/>
+        </p:nvPicPr>
+        <p:blipFill>
+          <a:blip r:embed="rId5"/>
+          <a:stretch>
+            <a:fillRect/>
+          </a:stretch>
+        </p:blipFill>
+        <p:spPr>
+          <a:xfrm>
+            <a:off x="7038499" y="3148227"/>
+            <a:ext cx="4429601" cy="1045370"/>
+          </a:xfrm>
+          <a:prstGeom prst="rect">
+            <a:avLst/>
+          </a:prstGeom>
+          <a:ln>
+            <a:solidFill>
+              <a:schemeClr val="tx1"/>
+            </a:solidFill>
+          </a:ln>
+        </p:spPr>
+      </p:pic>
+      <p:pic>
+        <p:nvPicPr>
+          <p:cNvPr id="17" name="Imagen 16"/>
+          <p:cNvPicPr>
+            <a:picLocks noChangeAspect="1"/>
+          </p:cNvPicPr>
+          <p:nvPr/>
+        </p:nvPicPr>
+        <p:blipFill rotWithShape="1">
+          <a:blip r:embed="rId6"/>
+          <a:srcRect l="211" t="1760" r="-1"/>
+          <a:stretch/>
+        </p:blipFill>
+        <p:spPr>
+          <a:xfrm>
+            <a:off x="7038499" y="4193597"/>
+            <a:ext cx="4440675" cy="1069890"/>
+          </a:xfrm>
+          <a:prstGeom prst="rect">
+            <a:avLst/>
+          </a:prstGeom>
+        </p:spPr>
+      </p:pic>
+    </p:spTree>
+    <p:extLst>
+      <p:ext uri="{BB962C8B-B14F-4D97-AF65-F5344CB8AC3E}">
+        <p14:creationId xmlns:p14="http://schemas.microsoft.com/office/powerpoint/2010/main" val="1798884094"/>
+      </p:ext>
+    </p:extLst>
+  </p:cSld>
+  <p:clrMapOvr>
+    <a:masterClrMapping/>
+  </p:clrMapOvr>
+  <p:timing>
+    <p:tnLst>
+      <p:par>
+        <p:cTn id="1" dur="indefinite" restart="never" nodeType="tmRoot"/>
+      </p:par>
+    </p:tnLst>
+  </p:timing>
+</p:sld>
+</file>
+
+<file path=ppt/slides/slide17.xml><?xml version="1.0" encoding="utf-8"?>
+<p:sld xmlns:a="http://schemas.openxmlformats.org/drawingml/2006/main" xmlns:r="http://schemas.openxmlformats.org/officeDocument/2006/relationships" xmlns:p="http://schemas.openxmlformats.org/presentationml/2006/main">
+  <p:cSld>
+    <p:spTree>
+      <p:nvGrpSpPr>
+        <p:cNvPr id="1" name=""/>
+        <p:cNvGrpSpPr/>
+        <p:nvPr/>
+      </p:nvGrpSpPr>
+      <p:grpSpPr>
+        <a:xfrm>
+          <a:off x="0" y="0"/>
+          <a:ext cx="0" cy="0"/>
+          <a:chOff x="0" y="0"/>
+          <a:chExt cx="0" cy="0"/>
+        </a:xfrm>
+      </p:grpSpPr>
+      <p:sp>
+        <p:nvSpPr>
+          <p:cNvPr id="2" name="Título 1"/>
+          <p:cNvSpPr>
+            <a:spLocks noGrp="1"/>
+          </p:cNvSpPr>
+          <p:nvPr>
+            <p:ph type="title"/>
+          </p:nvPr>
+        </p:nvSpPr>
+        <p:spPr>
+          <a:xfrm>
+            <a:off x="1295400" y="320040"/>
+            <a:ext cx="9601200" cy="1485900"/>
+          </a:xfrm>
+        </p:spPr>
+        <p:txBody>
+          <a:bodyPr/>
+          <a:lstStyle/>
+          <a:p>
+            <a:pPr algn="ctr"/>
+            <a:r>
+              <a:rPr lang="es-MX" dirty="0" smtClean="0"/>
+              <a:t>MODELO DE NEGOCIOS</a:t>
+            </a:r>
+            <a:endParaRPr lang="es-MX" dirty="0"/>
+          </a:p>
+        </p:txBody>
+      </p:sp>
+      <p:pic>
+        <p:nvPicPr>
+          <p:cNvPr id="4" name="Marcador de contenido 3" descr="C:\Users\FRANC\Downloads\APPMO-SP_MPN_v1.1.png"/>
+          <p:cNvPicPr>
+            <a:picLocks noGrp="1"/>
+          </p:cNvPicPr>
+          <p:nvPr>
+            <p:ph idx="1"/>
+          </p:nvPr>
+        </p:nvPicPr>
+        <p:blipFill rotWithShape="1">
+          <a:blip r:embed="rId2" cstate="print">
+            <a:extLst>
+              <a:ext uri="{28A0092B-C50C-407E-A947-70E740481C1C}">
+                <a14:useLocalDpi xmlns:a14="http://schemas.microsoft.com/office/drawing/2010/main" val="0"/>
+              </a:ext>
+            </a:extLst>
+          </a:blip>
+          <a:srcRect l="-204" r="52228" b="9320"/>
+          <a:stretch/>
+        </p:blipFill>
+        <p:spPr bwMode="auto">
+          <a:xfrm>
+            <a:off x="2133600" y="1805940"/>
+            <a:ext cx="8359140" cy="4091940"/>
+          </a:xfrm>
+          <a:prstGeom prst="rect">
+            <a:avLst/>
+          </a:prstGeom>
+          <a:noFill/>
+          <a:ln>
+            <a:noFill/>
+          </a:ln>
+          <a:extLst>
+            <a:ext uri="{53640926-AAD7-44D8-BBD7-CCE9431645EC}">
+              <a14:shadowObscured xmlns:a14="http://schemas.microsoft.com/office/drawing/2010/main"/>
+            </a:ext>
+          </a:extLst>
+        </p:spPr>
+      </p:pic>
+      <p:sp>
+        <p:nvSpPr>
+          <p:cNvPr id="6" name="CuadroTexto 5"/>
+          <p:cNvSpPr txBox="1"/>
+          <p:nvPr/>
+        </p:nvSpPr>
+        <p:spPr>
+          <a:xfrm>
+            <a:off x="5806440" y="5897880"/>
+            <a:ext cx="1584960" cy="276999"/>
+          </a:xfrm>
+          <a:prstGeom prst="rect">
+            <a:avLst/>
+          </a:prstGeom>
+          <a:noFill/>
+        </p:spPr>
+        <p:txBody>
+          <a:bodyPr wrap="square" rtlCol="0">
+            <a:spAutoFit/>
+          </a:bodyPr>
+          <a:lstStyle/>
+          <a:p>
+            <a:r>
+              <a:rPr lang="es-MX" sz="1200" dirty="0" smtClean="0"/>
+              <a:t>Parte 1 de 2</a:t>
+            </a:r>
+            <a:endParaRPr lang="es-MX" sz="1200" dirty="0"/>
+          </a:p>
+        </p:txBody>
+      </p:sp>
+    </p:spTree>
+    <p:extLst>
+      <p:ext uri="{BB962C8B-B14F-4D97-AF65-F5344CB8AC3E}">
+        <p14:creationId xmlns:p14="http://schemas.microsoft.com/office/powerpoint/2010/main" val="2689249979"/>
+      </p:ext>
+    </p:extLst>
+  </p:cSld>
+  <p:clrMapOvr>
+    <a:masterClrMapping/>
+  </p:clrMapOvr>
+</p:sld>
+</file>
+
+<file path=ppt/slides/slide18.xml><?xml version="1.0" encoding="utf-8"?>
+<p:sld xmlns:a="http://schemas.openxmlformats.org/drawingml/2006/main" xmlns:r="http://schemas.openxmlformats.org/officeDocument/2006/relationships" xmlns:p="http://schemas.openxmlformats.org/presentationml/2006/main">
+  <p:cSld>
+    <p:spTree>
+      <p:nvGrpSpPr>
+        <p:cNvPr id="1" name=""/>
+        <p:cNvGrpSpPr/>
+        <p:nvPr/>
+      </p:nvGrpSpPr>
+      <p:grpSpPr>
+        <a:xfrm>
+          <a:off x="0" y="0"/>
+          <a:ext cx="0" cy="0"/>
+          <a:chOff x="0" y="0"/>
+          <a:chExt cx="0" cy="0"/>
+        </a:xfrm>
+      </p:grpSpPr>
+      <p:pic>
+        <p:nvPicPr>
+          <p:cNvPr id="4" name="Marcador de contenido 3" descr="C:\Users\FRANC\Downloads\APPMO-SP_MPN_v1.1.png"/>
+          <p:cNvPicPr>
+            <a:picLocks noGrp="1"/>
+          </p:cNvPicPr>
+          <p:nvPr>
+            <p:ph idx="1"/>
+          </p:nvPr>
+        </p:nvPicPr>
+        <p:blipFill rotWithShape="1">
+          <a:blip r:embed="rId2" cstate="print">
+            <a:extLst>
+              <a:ext uri="{28A0092B-C50C-407E-A947-70E740481C1C}">
+                <a14:useLocalDpi xmlns:a14="http://schemas.microsoft.com/office/drawing/2010/main" val="0"/>
+              </a:ext>
+            </a:extLst>
+          </a:blip>
+          <a:srcRect l="47707" b="8859"/>
+          <a:stretch/>
+        </p:blipFill>
+        <p:spPr bwMode="auto">
+          <a:xfrm>
+            <a:off x="2072078" y="1714500"/>
+            <a:ext cx="8870242" cy="3604260"/>
+          </a:xfrm>
+          <a:prstGeom prst="rect">
+            <a:avLst/>
+          </a:prstGeom>
+          <a:noFill/>
+          <a:ln>
+            <a:noFill/>
+          </a:ln>
+          <a:extLst>
+            <a:ext uri="{53640926-AAD7-44D8-BBD7-CCE9431645EC}">
+              <a14:shadowObscured xmlns:a14="http://schemas.microsoft.com/office/drawing/2010/main"/>
+            </a:ext>
+          </a:extLst>
+        </p:spPr>
+      </p:pic>
+      <p:sp>
+        <p:nvSpPr>
+          <p:cNvPr id="5" name="CuadroTexto 4"/>
+          <p:cNvSpPr txBox="1"/>
+          <p:nvPr/>
+        </p:nvSpPr>
+        <p:spPr>
+          <a:xfrm>
+            <a:off x="5631180" y="5425440"/>
+            <a:ext cx="1584960" cy="276999"/>
+          </a:xfrm>
+          <a:prstGeom prst="rect">
+            <a:avLst/>
+          </a:prstGeom>
+          <a:noFill/>
+        </p:spPr>
+        <p:txBody>
+          <a:bodyPr wrap="square" rtlCol="0">
+            <a:spAutoFit/>
+          </a:bodyPr>
+          <a:lstStyle/>
+          <a:p>
+            <a:r>
+              <a:rPr lang="es-MX" sz="1200" dirty="0" smtClean="0"/>
+              <a:t>Parte 2 de 2</a:t>
+            </a:r>
+            <a:endParaRPr lang="es-MX" sz="1200" dirty="0"/>
+          </a:p>
+        </p:txBody>
+      </p:sp>
+    </p:spTree>
+    <p:extLst>
+      <p:ext uri="{BB962C8B-B14F-4D97-AF65-F5344CB8AC3E}">
+        <p14:creationId xmlns:p14="http://schemas.microsoft.com/office/powerpoint/2010/main" val="2751197313"/>
+      </p:ext>
+    </p:extLst>
+  </p:cSld>
+  <p:clrMapOvr>
+    <a:masterClrMapping/>
+  </p:clrMapOvr>
+</p:sld>
+</file>
+
+<file path=ppt/slides/slide19.xml><?xml version="1.0" encoding="utf-8"?>
+<p:sld xmlns:a="http://schemas.openxmlformats.org/drawingml/2006/main" xmlns:r="http://schemas.openxmlformats.org/officeDocument/2006/relationships" xmlns:p="http://schemas.openxmlformats.org/presentationml/2006/main">
+  <p:cSld>
+    <p:spTree>
+      <p:nvGrpSpPr>
+        <p:cNvPr id="1" name=""/>
+        <p:cNvGrpSpPr/>
+        <p:nvPr/>
+      </p:nvGrpSpPr>
+      <p:grpSpPr>
+        <a:xfrm>
+          <a:off x="0" y="0"/>
+          <a:ext cx="0" cy="0"/>
+          <a:chOff x="0" y="0"/>
+          <a:chExt cx="0" cy="0"/>
+        </a:xfrm>
+      </p:grpSpPr>
+      <p:sp>
+        <p:nvSpPr>
+          <p:cNvPr id="2" name="Título 1"/>
+          <p:cNvSpPr>
+            <a:spLocks noGrp="1"/>
+          </p:cNvSpPr>
+          <p:nvPr>
+            <p:ph type="title"/>
+          </p:nvPr>
+        </p:nvSpPr>
+        <p:spPr>
+          <a:xfrm>
+            <a:off x="1371600" y="381000"/>
+            <a:ext cx="9601200" cy="1485900"/>
+          </a:xfrm>
+        </p:spPr>
+        <p:txBody>
+          <a:bodyPr>
+            <a:normAutofit/>
+          </a:bodyPr>
+          <a:lstStyle/>
+          <a:p>
+            <a:pPr algn="ctr"/>
+            <a:r>
+              <a:rPr lang="es-MX" sz="4000" dirty="0" smtClean="0"/>
+              <a:t>ESTANDARES APLICADOS EN EL PROYECTO.</a:t>
+            </a:r>
+            <a:endParaRPr lang="es-MX" sz="4000" dirty="0"/>
+          </a:p>
+        </p:txBody>
+      </p:sp>
+      <p:pic>
+        <p:nvPicPr>
+          <p:cNvPr id="5" name="Imagen 4"/>
+          <p:cNvPicPr>
+            <a:picLocks noChangeAspect="1"/>
+          </p:cNvPicPr>
+          <p:nvPr/>
+        </p:nvPicPr>
+        <p:blipFill>
+          <a:blip r:embed="rId2"/>
+          <a:stretch>
+            <a:fillRect/>
+          </a:stretch>
+        </p:blipFill>
+        <p:spPr>
+          <a:xfrm>
+            <a:off x="2771330" y="4047226"/>
+            <a:ext cx="7180390" cy="2645681"/>
+          </a:xfrm>
+          <a:prstGeom prst="rect">
+            <a:avLst/>
+          </a:prstGeom>
+        </p:spPr>
+      </p:pic>
+      <p:sp>
+        <p:nvSpPr>
+          <p:cNvPr id="6" name="CuadroTexto 5"/>
+          <p:cNvSpPr txBox="1"/>
+          <p:nvPr/>
+        </p:nvSpPr>
+        <p:spPr>
+          <a:xfrm>
+            <a:off x="2362200" y="2209080"/>
+            <a:ext cx="7802880" cy="1754326"/>
+          </a:xfrm>
+          <a:prstGeom prst="rect">
+            <a:avLst/>
+          </a:prstGeom>
+          <a:noFill/>
+        </p:spPr>
+        <p:txBody>
+          <a:bodyPr wrap="square" rtlCol="0">
+            <a:spAutoFit/>
+          </a:bodyPr>
+          <a:lstStyle/>
+          <a:p>
+            <a:pPr algn="ctr"/>
+            <a:r>
+              <a:rPr lang="es-MX" dirty="0"/>
+              <a:t>ISO/IEC 25000, conocida como Suaré (System and Software </a:t>
+            </a:r>
+            <a:r>
+              <a:rPr lang="es-MX" dirty="0" err="1" smtClean="0"/>
+              <a:t>Quality</a:t>
+            </a:r>
+            <a:endParaRPr lang="es-MX" dirty="0" smtClean="0"/>
+          </a:p>
+          <a:p>
+            <a:pPr algn="ctr"/>
+            <a:r>
+              <a:rPr lang="es-MX" dirty="0" smtClean="0"/>
+              <a:t> </a:t>
+            </a:r>
+            <a:r>
+              <a:rPr lang="es-MX" dirty="0" err="1"/>
+              <a:t>Requirements</a:t>
+            </a:r>
+            <a:r>
+              <a:rPr lang="es-MX" dirty="0"/>
+              <a:t> and Evaluación), es una familia de normas que tiene por </a:t>
+            </a:r>
+            <a:endParaRPr lang="es-MX" dirty="0" smtClean="0"/>
+          </a:p>
+          <a:p>
+            <a:pPr algn="ctr"/>
+            <a:r>
+              <a:rPr lang="es-MX" dirty="0" smtClean="0"/>
+              <a:t>objetivo </a:t>
+            </a:r>
+            <a:r>
+              <a:rPr lang="es-MX" dirty="0"/>
+              <a:t>la creación de un marco de trabajo común para evaluar la calidad </a:t>
+            </a:r>
+            <a:r>
+              <a:rPr lang="es-MX" dirty="0" smtClean="0"/>
+              <a:t>del</a:t>
+            </a:r>
+          </a:p>
+          <a:p>
+            <a:pPr algn="ctr"/>
+            <a:r>
+              <a:rPr lang="es-MX" dirty="0" smtClean="0"/>
+              <a:t> </a:t>
+            </a:r>
+            <a:r>
+              <a:rPr lang="es-MX" dirty="0"/>
+              <a:t>producto software</a:t>
+            </a:r>
+            <a:r>
+              <a:rPr lang="es-MX" dirty="0" smtClean="0"/>
+              <a:t>. </a:t>
+            </a:r>
+            <a:r>
+              <a:rPr lang="es-MX" dirty="0"/>
+              <a:t>, </a:t>
+            </a:r>
+            <a:r>
+              <a:rPr lang="es-MX" dirty="0" smtClean="0"/>
+              <a:t>describe </a:t>
+            </a:r>
+            <a:r>
+              <a:rPr lang="es-MX" dirty="0"/>
+              <a:t>las particularidades de un modelo de calidad </a:t>
+            </a:r>
+            <a:r>
+              <a:rPr lang="es-MX" dirty="0" smtClean="0"/>
+              <a:t>del</a:t>
+            </a:r>
+          </a:p>
+          <a:p>
+            <a:pPr algn="ctr"/>
+            <a:r>
+              <a:rPr lang="es-MX" dirty="0" smtClean="0"/>
+              <a:t> </a:t>
+            </a:r>
+            <a:r>
+              <a:rPr lang="es-MX" dirty="0"/>
+              <a:t>producto </a:t>
+            </a:r>
+            <a:r>
+              <a:rPr lang="es-MX" dirty="0" err="1" smtClean="0"/>
+              <a:t>software,que</a:t>
+            </a:r>
+            <a:r>
+              <a:rPr lang="es-MX" dirty="0" smtClean="0"/>
+              <a:t> </a:t>
+            </a:r>
+            <a:r>
+              <a:rPr lang="es-MX" dirty="0"/>
+              <a:t>abordaba el proceso de evaluación de productos </a:t>
+            </a:r>
+            <a:endParaRPr lang="es-MX" dirty="0" smtClean="0"/>
+          </a:p>
+          <a:p>
+            <a:pPr algn="ctr"/>
+            <a:r>
+              <a:rPr lang="es-MX" dirty="0" smtClean="0"/>
+              <a:t>software </a:t>
+            </a:r>
+            <a:endParaRPr lang="es-MX" dirty="0"/>
+          </a:p>
+        </p:txBody>
+      </p:sp>
+      <p:sp>
+        <p:nvSpPr>
+          <p:cNvPr id="8" name="CuadroTexto 7"/>
+          <p:cNvSpPr txBox="1"/>
+          <p:nvPr/>
+        </p:nvSpPr>
+        <p:spPr>
+          <a:xfrm>
+            <a:off x="4892040" y="1540903"/>
+            <a:ext cx="3322320" cy="461665"/>
+          </a:xfrm>
+          <a:prstGeom prst="rect">
+            <a:avLst/>
+          </a:prstGeom>
+          <a:noFill/>
+        </p:spPr>
+        <p:txBody>
+          <a:bodyPr wrap="square" rtlCol="0">
+            <a:spAutoFit/>
+          </a:bodyPr>
+          <a:lstStyle/>
+          <a:p>
+            <a:pPr algn="ctr"/>
+            <a:r>
+              <a:rPr lang="es-MX" sz="2400" b="1" dirty="0" smtClean="0"/>
+              <a:t>ISO 25000</a:t>
+            </a:r>
+            <a:endParaRPr lang="es-MX" sz="2400" b="1" dirty="0"/>
+          </a:p>
+        </p:txBody>
+      </p:sp>
+    </p:spTree>
+    <p:extLst>
+      <p:ext uri="{BB962C8B-B14F-4D97-AF65-F5344CB8AC3E}">
+        <p14:creationId xmlns:p14="http://schemas.microsoft.com/office/powerpoint/2010/main" val="3088391084"/>
+      </p:ext>
+    </p:extLst>
+  </p:cSld>
+  <p:clrMapOvr>
+    <a:masterClrMapping/>
+  </p:clrMapOvr>
+</p:sld>
+</file>
+
 <file path=ppt/slides/slide2.xml><?xml version="1.0" encoding="utf-8"?>
 <p:sld xmlns:a="http://schemas.openxmlformats.org/drawingml/2006/main" xmlns:r="http://schemas.openxmlformats.org/officeDocument/2006/relationships" xmlns:p="http://schemas.openxmlformats.org/presentationml/2006/main">
   <p:cSld>
@@ -4471,6 +5917,376 @@
     <p:extLst>
       <p:ext uri="{BB962C8B-B14F-4D97-AF65-F5344CB8AC3E}">
         <p14:creationId xmlns:p14="http://schemas.microsoft.com/office/powerpoint/2010/main" val="3595940211"/>
+      </p:ext>
+    </p:extLst>
+  </p:cSld>
+  <p:clrMapOvr>
+    <a:masterClrMapping/>
+  </p:clrMapOvr>
+</p:sld>
+</file>
+
+<file path=ppt/slides/slide20.xml><?xml version="1.0" encoding="utf-8"?>
+<p:sld xmlns:a="http://schemas.openxmlformats.org/drawingml/2006/main" xmlns:r="http://schemas.openxmlformats.org/officeDocument/2006/relationships" xmlns:p="http://schemas.openxmlformats.org/presentationml/2006/main">
+  <p:cSld>
+    <p:spTree>
+      <p:nvGrpSpPr>
+        <p:cNvPr id="1" name=""/>
+        <p:cNvGrpSpPr/>
+        <p:nvPr/>
+      </p:nvGrpSpPr>
+      <p:grpSpPr>
+        <a:xfrm>
+          <a:off x="0" y="0"/>
+          <a:ext cx="0" cy="0"/>
+          <a:chOff x="0" y="0"/>
+          <a:chExt cx="0" cy="0"/>
+        </a:xfrm>
+      </p:grpSpPr>
+      <p:sp>
+        <p:nvSpPr>
+          <p:cNvPr id="5" name="Marcador de contenido 4"/>
+          <p:cNvSpPr>
+            <a:spLocks noGrp="1"/>
+          </p:cNvSpPr>
+          <p:nvPr>
+            <p:ph idx="1"/>
+          </p:nvPr>
+        </p:nvSpPr>
+        <p:spPr>
+          <a:xfrm>
+            <a:off x="1341120" y="1052719"/>
+            <a:ext cx="9707880" cy="2300081"/>
+          </a:xfrm>
+        </p:spPr>
+        <p:txBody>
+          <a:bodyPr/>
+          <a:lstStyle/>
+          <a:p>
+            <a:pPr marL="0" indent="0" algn="ctr">
+              <a:buNone/>
+            </a:pPr>
+            <a:r>
+              <a:rPr lang="es-MX" dirty="0" smtClean="0"/>
+              <a:t>El </a:t>
+            </a:r>
+            <a:r>
+              <a:rPr lang="es-MX" dirty="0"/>
+              <a:t>estándar IEEE 830-1998 para el SRS o ERS (Especificación de requerimientos de </a:t>
+            </a:r>
+            <a:endParaRPr lang="es-MX" dirty="0" smtClean="0"/>
+          </a:p>
+          <a:p>
+            <a:pPr marL="0" indent="0" algn="ctr">
+              <a:buNone/>
+            </a:pPr>
+            <a:r>
+              <a:rPr lang="es-MX" dirty="0" smtClean="0"/>
+              <a:t>software</a:t>
+            </a:r>
+            <a:r>
+              <a:rPr lang="es-MX" dirty="0"/>
+              <a:t>) es un conjunto de recomendaciones para la especificación de los </a:t>
+            </a:r>
+            <a:endParaRPr lang="es-MX" dirty="0" smtClean="0"/>
+          </a:p>
+          <a:p>
+            <a:pPr marL="0" indent="0" algn="ctr">
+              <a:buNone/>
+            </a:pPr>
+            <a:r>
+              <a:rPr lang="es-MX" dirty="0" smtClean="0"/>
+              <a:t>requerimiento </a:t>
+            </a:r>
+            <a:r>
+              <a:rPr lang="es-MX" dirty="0"/>
+              <a:t>o requisitos de software el cual tiene como producto final la </a:t>
+            </a:r>
+            <a:endParaRPr lang="es-MX" dirty="0" smtClean="0"/>
+          </a:p>
+          <a:p>
+            <a:pPr marL="0" indent="0" algn="ctr">
+              <a:buNone/>
+            </a:pPr>
+            <a:r>
+              <a:rPr lang="es-MX" dirty="0" smtClean="0"/>
+              <a:t>documentación </a:t>
+            </a:r>
+            <a:r>
+              <a:rPr lang="es-MX" dirty="0"/>
+              <a:t>de los acuerdos entre el cliente y el grupo de desarrollo para </a:t>
+            </a:r>
+            <a:r>
+              <a:rPr lang="es-MX" dirty="0" smtClean="0"/>
+              <a:t>así</a:t>
+            </a:r>
+          </a:p>
+          <a:p>
+            <a:pPr marL="0" indent="0" algn="ctr">
+              <a:buNone/>
+            </a:pPr>
+            <a:r>
+              <a:rPr lang="es-MX" dirty="0" smtClean="0"/>
+              <a:t> </a:t>
+            </a:r>
+            <a:r>
+              <a:rPr lang="es-MX" dirty="0"/>
+              <a:t>cumplir con la totalidad de exigencias </a:t>
+            </a:r>
+            <a:r>
+              <a:rPr lang="es-MX" dirty="0" smtClean="0"/>
+              <a:t>estipuladas.</a:t>
+            </a:r>
+          </a:p>
+          <a:p>
+            <a:pPr marL="0" indent="0" algn="ctr">
+              <a:buNone/>
+            </a:pPr>
+            <a:endParaRPr lang="es-MX" dirty="0"/>
+          </a:p>
+        </p:txBody>
+      </p:sp>
+      <p:sp>
+        <p:nvSpPr>
+          <p:cNvPr id="6" name="CuadroTexto 5"/>
+          <p:cNvSpPr txBox="1"/>
+          <p:nvPr/>
+        </p:nvSpPr>
+        <p:spPr>
+          <a:xfrm>
+            <a:off x="4686300" y="451243"/>
+            <a:ext cx="3322320" cy="461665"/>
+          </a:xfrm>
+          <a:prstGeom prst="rect">
+            <a:avLst/>
+          </a:prstGeom>
+          <a:noFill/>
+        </p:spPr>
+        <p:txBody>
+          <a:bodyPr wrap="square" rtlCol="0">
+            <a:spAutoFit/>
+          </a:bodyPr>
+          <a:lstStyle/>
+          <a:p>
+            <a:pPr algn="ctr"/>
+            <a:r>
+              <a:rPr lang="es-MX" sz="2400" b="1" dirty="0" smtClean="0"/>
+              <a:t>IEEE 830</a:t>
+            </a:r>
+            <a:endParaRPr lang="es-MX" sz="2400" b="1" dirty="0"/>
+          </a:p>
+        </p:txBody>
+      </p:sp>
+      <p:pic>
+        <p:nvPicPr>
+          <p:cNvPr id="7" name="Imagen 6"/>
+          <p:cNvPicPr>
+            <a:picLocks noChangeAspect="1"/>
+          </p:cNvPicPr>
+          <p:nvPr/>
+        </p:nvPicPr>
+        <p:blipFill>
+          <a:blip r:embed="rId2"/>
+          <a:stretch>
+            <a:fillRect/>
+          </a:stretch>
+        </p:blipFill>
+        <p:spPr>
+          <a:xfrm>
+            <a:off x="6423660" y="3492611"/>
+            <a:ext cx="3535614" cy="2989634"/>
+          </a:xfrm>
+          <a:prstGeom prst="rect">
+            <a:avLst/>
+          </a:prstGeom>
+        </p:spPr>
+      </p:pic>
+      <p:pic>
+        <p:nvPicPr>
+          <p:cNvPr id="8" name="Imagen 7"/>
+          <p:cNvPicPr>
+            <a:picLocks noChangeAspect="1"/>
+          </p:cNvPicPr>
+          <p:nvPr/>
+        </p:nvPicPr>
+        <p:blipFill>
+          <a:blip r:embed="rId3"/>
+          <a:stretch>
+            <a:fillRect/>
+          </a:stretch>
+        </p:blipFill>
+        <p:spPr>
+          <a:xfrm>
+            <a:off x="2684145" y="3492611"/>
+            <a:ext cx="3465195" cy="656835"/>
+          </a:xfrm>
+          <a:prstGeom prst="rect">
+            <a:avLst/>
+          </a:prstGeom>
+          <a:ln>
+            <a:solidFill>
+              <a:schemeClr val="tx1"/>
+            </a:solidFill>
+          </a:ln>
+        </p:spPr>
+      </p:pic>
+    </p:spTree>
+    <p:extLst>
+      <p:ext uri="{BB962C8B-B14F-4D97-AF65-F5344CB8AC3E}">
+        <p14:creationId xmlns:p14="http://schemas.microsoft.com/office/powerpoint/2010/main" val="576983190"/>
+      </p:ext>
+    </p:extLst>
+  </p:cSld>
+  <p:clrMapOvr>
+    <a:masterClrMapping/>
+  </p:clrMapOvr>
+</p:sld>
+</file>
+
+<file path=ppt/slides/slide21.xml><?xml version="1.0" encoding="utf-8"?>
+<p:sld xmlns:a="http://schemas.openxmlformats.org/drawingml/2006/main" xmlns:r="http://schemas.openxmlformats.org/officeDocument/2006/relationships" xmlns:p="http://schemas.openxmlformats.org/presentationml/2006/main">
+  <p:cSld>
+    <p:spTree>
+      <p:nvGrpSpPr>
+        <p:cNvPr id="1" name=""/>
+        <p:cNvGrpSpPr/>
+        <p:nvPr/>
+      </p:nvGrpSpPr>
+      <p:grpSpPr>
+        <a:xfrm>
+          <a:off x="0" y="0"/>
+          <a:ext cx="0" cy="0"/>
+          <a:chOff x="0" y="0"/>
+          <a:chExt cx="0" cy="0"/>
+        </a:xfrm>
+      </p:grpSpPr>
+      <p:sp>
+        <p:nvSpPr>
+          <p:cNvPr id="2" name="Título 1"/>
+          <p:cNvSpPr>
+            <a:spLocks noGrp="1"/>
+          </p:cNvSpPr>
+          <p:nvPr>
+            <p:ph type="title"/>
+          </p:nvPr>
+        </p:nvSpPr>
+        <p:spPr/>
+        <p:txBody>
+          <a:bodyPr/>
+          <a:lstStyle/>
+          <a:p>
+            <a:pPr algn="ctr"/>
+            <a:r>
+              <a:rPr lang="es-MX" dirty="0" smtClean="0"/>
+              <a:t>DEMOSTRACIÓN DEL SOFTWARE</a:t>
+            </a:r>
+            <a:endParaRPr lang="es-MX" dirty="0"/>
+          </a:p>
+        </p:txBody>
+      </p:sp>
+      <p:pic>
+        <p:nvPicPr>
+          <p:cNvPr id="4" name="Marcador de contenido 3"/>
+          <p:cNvPicPr>
+            <a:picLocks noGrp="1" noChangeAspect="1"/>
+          </p:cNvPicPr>
+          <p:nvPr>
+            <p:ph idx="1"/>
+          </p:nvPr>
+        </p:nvPicPr>
+        <p:blipFill>
+          <a:blip r:embed="rId2"/>
+          <a:stretch>
+            <a:fillRect/>
+          </a:stretch>
+        </p:blipFill>
+        <p:spPr>
+          <a:xfrm>
+            <a:off x="3431870" y="1996440"/>
+            <a:ext cx="5267300" cy="3581400"/>
+          </a:xfrm>
+          <a:prstGeom prst="rect">
+            <a:avLst/>
+          </a:prstGeom>
+        </p:spPr>
+      </p:pic>
+    </p:spTree>
+    <p:extLst>
+      <p:ext uri="{BB962C8B-B14F-4D97-AF65-F5344CB8AC3E}">
+        <p14:creationId xmlns:p14="http://schemas.microsoft.com/office/powerpoint/2010/main" val="1184427947"/>
+      </p:ext>
+    </p:extLst>
+  </p:cSld>
+  <p:clrMapOvr>
+    <a:masterClrMapping/>
+  </p:clrMapOvr>
+</p:sld>
+</file>
+
+<file path=ppt/slides/slide22.xml><?xml version="1.0" encoding="utf-8"?>
+<p:sld xmlns:a="http://schemas.openxmlformats.org/drawingml/2006/main" xmlns:r="http://schemas.openxmlformats.org/officeDocument/2006/relationships" xmlns:p="http://schemas.openxmlformats.org/presentationml/2006/main">
+  <p:cSld>
+    <p:spTree>
+      <p:nvGrpSpPr>
+        <p:cNvPr id="1" name=""/>
+        <p:cNvGrpSpPr/>
+        <p:nvPr/>
+      </p:nvGrpSpPr>
+      <p:grpSpPr>
+        <a:xfrm>
+          <a:off x="0" y="0"/>
+          <a:ext cx="0" cy="0"/>
+          <a:chOff x="0" y="0"/>
+          <a:chExt cx="0" cy="0"/>
+        </a:xfrm>
+      </p:grpSpPr>
+      <p:sp>
+        <p:nvSpPr>
+          <p:cNvPr id="2" name="Título 1"/>
+          <p:cNvSpPr>
+            <a:spLocks noGrp="1"/>
+          </p:cNvSpPr>
+          <p:nvPr>
+            <p:ph type="title"/>
+          </p:nvPr>
+        </p:nvSpPr>
+        <p:spPr/>
+        <p:txBody>
+          <a:bodyPr/>
+          <a:lstStyle/>
+          <a:p>
+            <a:pPr algn="ctr"/>
+            <a:r>
+              <a:rPr lang="es-MX" dirty="0" smtClean="0"/>
+              <a:t>CIERRE DEL PROYECTO</a:t>
+            </a:r>
+            <a:endParaRPr lang="es-MX" dirty="0"/>
+          </a:p>
+        </p:txBody>
+      </p:sp>
+      <p:sp>
+        <p:nvSpPr>
+          <p:cNvPr id="3" name="Marcador de contenido 2"/>
+          <p:cNvSpPr>
+            <a:spLocks noGrp="1"/>
+          </p:cNvSpPr>
+          <p:nvPr>
+            <p:ph idx="1"/>
+          </p:nvPr>
+        </p:nvSpPr>
+        <p:spPr/>
+        <p:txBody>
+          <a:bodyPr/>
+          <a:lstStyle/>
+          <a:p>
+            <a:endParaRPr lang="es-MX" dirty="0"/>
+          </a:p>
+        </p:txBody>
+      </p:sp>
+    </p:spTree>
+    <p:extLst>
+      <p:ext uri="{BB962C8B-B14F-4D97-AF65-F5344CB8AC3E}">
+        <p14:creationId xmlns:p14="http://schemas.microsoft.com/office/powerpoint/2010/main" val="2236254483"/>
       </p:ext>
     </p:extLst>
   </p:cSld>
@@ -4540,7 +6356,7 @@
         </p:nvSpPr>
         <p:spPr>
           <a:xfrm>
-            <a:off x="4379189" y="1548498"/>
+            <a:off x="4105564" y="1228280"/>
             <a:ext cx="4010891" cy="858924"/>
           </a:xfrm>
         </p:spPr>
@@ -4629,6 +6445,44 @@
               <a:t>FODA</a:t>
             </a:r>
             <a:endParaRPr lang="es-MX" b="1" dirty="0"/>
+          </a:p>
+        </p:txBody>
+      </p:sp>
+      <p:sp>
+        <p:nvSpPr>
+          <p:cNvPr id="6" name="CuadroTexto 5"/>
+          <p:cNvSpPr txBox="1"/>
+          <p:nvPr/>
+        </p:nvSpPr>
+        <p:spPr>
+          <a:xfrm>
+            <a:off x="1163782" y="1440873"/>
+            <a:ext cx="2032000" cy="646331"/>
+          </a:xfrm>
+          <a:prstGeom prst="rect">
+            <a:avLst/>
+          </a:prstGeom>
+          <a:noFill/>
+        </p:spPr>
+        <p:txBody>
+          <a:bodyPr wrap="square" rtlCol="0">
+            <a:spAutoFit/>
+          </a:bodyPr>
+          <a:lstStyle/>
+          <a:p>
+            <a:r>
+              <a:rPr lang="es-MX" dirty="0" smtClean="0">
+                <a:solidFill>
+                  <a:srgbClr val="FF0000"/>
+                </a:solidFill>
+              </a:rPr>
+              <a:t>Agregar logo de la panadería</a:t>
+            </a:r>
+            <a:endParaRPr lang="es-MX" dirty="0">
+              <a:solidFill>
+                <a:srgbClr val="FF0000"/>
+              </a:solidFill>
+            </a:endParaRPr>
           </a:p>
         </p:txBody>
       </p:sp>
@@ -4916,12 +6770,20 @@
               <a:buNone/>
             </a:pPr>
             <a:r>
-              <a:rPr lang="es-MX" dirty="0" smtClean="0"/>
-              <a:t>la aplicación móvil “APPMO-SP” ayudará </a:t>
-            </a:r>
-            <a:r>
-              <a:rPr lang="es-MX" smtClean="0"/>
-              <a:t>a control </a:t>
+              <a:rPr lang="es-MX" dirty="0"/>
+              <a:t>L</a:t>
+            </a:r>
+            <a:r>
+              <a:rPr lang="es-MX" dirty="0" smtClean="0"/>
+              <a:t>a </a:t>
+            </a:r>
+            <a:r>
+              <a:rPr lang="es-MX" dirty="0" smtClean="0"/>
+              <a:t>aplicación móvil “APPMO-SP” ayudará a </a:t>
+            </a:r>
+            <a:r>
+              <a:rPr lang="es-MX" dirty="0" smtClean="0"/>
+              <a:t>controlar y administrar esta parte.</a:t>
             </a:r>
             <a:endParaRPr lang="es-MX" dirty="0" smtClean="0"/>
           </a:p>
@@ -4984,7 +6846,12 @@
           <a:bodyPr/>
           <a:lstStyle/>
           <a:p>
-            <a:endParaRPr lang="es-MX"/>
+            <a:pPr algn="ctr"/>
+            <a:r>
+              <a:rPr lang="es-MX" sz="4000" dirty="0" smtClean="0"/>
+              <a:t>JUSTIFICACIÓN</a:t>
+            </a:r>
+            <a:endParaRPr lang="es-MX" dirty="0"/>
           </a:p>
         </p:txBody>
       </p:sp>
@@ -4998,12 +6865,116 @@
             <p:ph idx="1"/>
           </p:nvPr>
         </p:nvSpPr>
-        <p:spPr/>
+        <p:spPr>
+          <a:xfrm>
+            <a:off x="1371600" y="1842654"/>
+            <a:ext cx="10053783" cy="3581400"/>
+          </a:xfrm>
+        </p:spPr>
         <p:txBody>
           <a:bodyPr/>
           <a:lstStyle/>
           <a:p>
-            <a:endParaRPr lang="es-MX"/>
+            <a:pPr marL="0" indent="0" algn="ctr">
+              <a:buNone/>
+            </a:pPr>
+            <a:r>
+              <a:rPr lang="es-MX" dirty="0" smtClean="0"/>
+              <a:t>La empresa panadería </a:t>
+            </a:r>
+            <a:r>
+              <a:rPr lang="es-MX" b="1" dirty="0" smtClean="0"/>
+              <a:t>San Pedro</a:t>
+            </a:r>
+            <a:r>
+              <a:rPr lang="es-MX" dirty="0" smtClean="0"/>
+              <a:t> carece de un control inteligente para</a:t>
+            </a:r>
+          </a:p>
+          <a:p>
+            <a:pPr marL="0" indent="0" algn="ctr">
+              <a:buNone/>
+            </a:pPr>
+            <a:r>
+              <a:rPr lang="es-MX" dirty="0" smtClean="0"/>
+              <a:t>administrar sus departamentos, </a:t>
+            </a:r>
+            <a:r>
+              <a:rPr lang="es-MX" dirty="0"/>
+              <a:t>inventarios, </a:t>
+            </a:r>
+            <a:r>
+              <a:rPr lang="es-MX" dirty="0" smtClean="0"/>
+              <a:t>ventas, compras</a:t>
+            </a:r>
+            <a:r>
+              <a:rPr lang="es-MX" dirty="0"/>
+              <a:t>, suministros, registros </a:t>
+            </a:r>
+            <a:r>
+              <a:rPr lang="es-MX" dirty="0" smtClean="0"/>
+              <a:t>de</a:t>
+            </a:r>
+          </a:p>
+          <a:p>
+            <a:pPr marL="0" indent="0" algn="ctr">
+              <a:buNone/>
+            </a:pPr>
+            <a:r>
+              <a:rPr lang="es-MX" dirty="0" smtClean="0"/>
+              <a:t>entradas</a:t>
+            </a:r>
+            <a:r>
+              <a:rPr lang="es-MX" dirty="0"/>
+              <a:t>, salidas y </a:t>
+            </a:r>
+            <a:r>
+              <a:rPr lang="es-MX" dirty="0" smtClean="0"/>
+              <a:t>rutas. Por lo que es muy común que existan perdidas  de información.</a:t>
+            </a:r>
+            <a:endParaRPr lang="es-MX" dirty="0"/>
+          </a:p>
+          <a:p>
+            <a:pPr marL="0" indent="0" algn="ctr">
+              <a:buNone/>
+            </a:pPr>
+            <a:r>
+              <a:rPr lang="es-MX" dirty="0" smtClean="0"/>
+              <a:t>El desarrollo de una aplicación móvil que permita conocer los estados de cada</a:t>
+            </a:r>
+          </a:p>
+          <a:p>
+            <a:pPr marL="0" indent="0" algn="ctr">
+              <a:buNone/>
+            </a:pPr>
+            <a:r>
+              <a:rPr lang="es-MX" dirty="0" smtClean="0"/>
+              <a:t>modulo y departamento de la empresa, será una forma para mejorar la parte </a:t>
+            </a:r>
+          </a:p>
+          <a:p>
+            <a:pPr marL="0" indent="0" algn="ctr">
+              <a:buNone/>
+            </a:pPr>
+            <a:r>
+              <a:rPr lang="es-MX" dirty="0" smtClean="0"/>
+              <a:t>administrativa de la empresa. El fin de la aplicación consistirá en que, tanto los empleados</a:t>
+            </a:r>
+          </a:p>
+          <a:p>
+            <a:pPr marL="0" indent="0" algn="ctr">
+              <a:buNone/>
+            </a:pPr>
+            <a:r>
+              <a:rPr lang="es-MX" dirty="0" smtClean="0"/>
+              <a:t>como el administrador puedan tener a la mano la información sin que existan perdidas.</a:t>
+            </a:r>
+          </a:p>
+          <a:p>
+            <a:pPr marL="0" indent="0" algn="ctr">
+              <a:buNone/>
+            </a:pPr>
+            <a:endParaRPr lang="es-MX" dirty="0" smtClean="0"/>
           </a:p>
         </p:txBody>
       </p:sp>
@@ -5011,6 +6982,746 @@
     <p:extLst>
       <p:ext uri="{BB962C8B-B14F-4D97-AF65-F5344CB8AC3E}">
         <p14:creationId xmlns:p14="http://schemas.microsoft.com/office/powerpoint/2010/main" val="1350898886"/>
+      </p:ext>
+    </p:extLst>
+  </p:cSld>
+  <p:clrMapOvr>
+    <a:masterClrMapping/>
+  </p:clrMapOvr>
+</p:sld>
+</file>
+
+<file path=ppt/slides/slide7.xml><?xml version="1.0" encoding="utf-8"?>
+<p:sld xmlns:a="http://schemas.openxmlformats.org/drawingml/2006/main" xmlns:r="http://schemas.openxmlformats.org/officeDocument/2006/relationships" xmlns:p="http://schemas.openxmlformats.org/presentationml/2006/main">
+  <p:cSld>
+    <p:spTree>
+      <p:nvGrpSpPr>
+        <p:cNvPr id="1" name=""/>
+        <p:cNvGrpSpPr/>
+        <p:nvPr/>
+      </p:nvGrpSpPr>
+      <p:grpSpPr>
+        <a:xfrm>
+          <a:off x="0" y="0"/>
+          <a:ext cx="0" cy="0"/>
+          <a:chOff x="0" y="0"/>
+          <a:chExt cx="0" cy="0"/>
+        </a:xfrm>
+      </p:grpSpPr>
+      <p:sp>
+        <p:nvSpPr>
+          <p:cNvPr id="2" name="Título 1"/>
+          <p:cNvSpPr>
+            <a:spLocks noGrp="1"/>
+          </p:cNvSpPr>
+          <p:nvPr>
+            <p:ph type="title"/>
+          </p:nvPr>
+        </p:nvSpPr>
+        <p:spPr/>
+        <p:txBody>
+          <a:bodyPr/>
+          <a:lstStyle/>
+          <a:p>
+            <a:pPr algn="ctr"/>
+            <a:r>
+              <a:rPr lang="es-MX" dirty="0" smtClean="0"/>
+              <a:t>OBJETIVOS</a:t>
+            </a:r>
+            <a:endParaRPr lang="es-MX" dirty="0"/>
+          </a:p>
+        </p:txBody>
+      </p:sp>
+      <p:sp>
+        <p:nvSpPr>
+          <p:cNvPr id="3" name="Marcador de contenido 2"/>
+          <p:cNvSpPr>
+            <a:spLocks noGrp="1"/>
+          </p:cNvSpPr>
+          <p:nvPr>
+            <p:ph idx="1"/>
+          </p:nvPr>
+        </p:nvSpPr>
+        <p:spPr>
+          <a:xfrm>
+            <a:off x="1094509" y="2171700"/>
+            <a:ext cx="10460183" cy="3674918"/>
+          </a:xfrm>
+        </p:spPr>
+        <p:txBody>
+          <a:bodyPr>
+            <a:normAutofit/>
+          </a:bodyPr>
+          <a:lstStyle/>
+          <a:p>
+            <a:pPr marL="0" indent="0" algn="ctr">
+              <a:buNone/>
+            </a:pPr>
+            <a:r>
+              <a:rPr lang="es-MX" b="1" dirty="0" smtClean="0"/>
+              <a:t>General</a:t>
+            </a:r>
+            <a:r>
+              <a:rPr lang="es-MX" dirty="0" smtClean="0"/>
+              <a:t>:</a:t>
+            </a:r>
+          </a:p>
+          <a:p>
+            <a:pPr marL="0" indent="0" algn="ctr">
+              <a:buNone/>
+            </a:pPr>
+            <a:r>
+              <a:rPr lang="es-MX" dirty="0"/>
+              <a:t>Administrar el proyecto de la aplicación Móvil de la Panadería San Pedro </a:t>
+            </a:r>
+            <a:endParaRPr lang="es-MX" dirty="0" smtClean="0"/>
+          </a:p>
+          <a:p>
+            <a:pPr marL="0" indent="0" algn="ctr">
+              <a:buNone/>
+            </a:pPr>
+            <a:r>
+              <a:rPr lang="es-MX" dirty="0" smtClean="0"/>
+              <a:t>gestionando </a:t>
+            </a:r>
+            <a:r>
+              <a:rPr lang="es-MX" dirty="0"/>
+              <a:t>en sus diferentes etapas de desarrollo, llevando acabo la realización </a:t>
+            </a:r>
+            <a:r>
+              <a:rPr lang="es-MX" dirty="0" smtClean="0"/>
+              <a:t>de</a:t>
+            </a:r>
+          </a:p>
+          <a:p>
+            <a:pPr marL="0" indent="0" algn="ctr">
+              <a:buNone/>
+            </a:pPr>
+            <a:r>
+              <a:rPr lang="es-MX" dirty="0" smtClean="0"/>
+              <a:t> </a:t>
+            </a:r>
+            <a:r>
+              <a:rPr lang="es-MX" dirty="0"/>
+              <a:t>documentos </a:t>
+            </a:r>
+            <a:r>
+              <a:rPr lang="es-MX" dirty="0" smtClean="0"/>
+              <a:t>la </a:t>
+            </a:r>
+            <a:r>
+              <a:rPr lang="es-MX" dirty="0"/>
+              <a:t>cual servirá de apoyo para el </a:t>
+            </a:r>
+            <a:r>
+              <a:rPr lang="es-MX" dirty="0" smtClean="0"/>
+              <a:t>desarrollo de la misma, durando en un periodo</a:t>
+            </a:r>
+          </a:p>
+          <a:p>
+            <a:pPr marL="0" indent="0" algn="ctr">
+              <a:buNone/>
+            </a:pPr>
+            <a:r>
+              <a:rPr lang="es-MX" dirty="0" smtClean="0"/>
+              <a:t>total de </a:t>
+            </a:r>
+            <a:r>
+              <a:rPr lang="es-MX" dirty="0"/>
+              <a:t>8 </a:t>
+            </a:r>
+            <a:r>
+              <a:rPr lang="es-MX" dirty="0" smtClean="0"/>
+              <a:t>meses, iniciando en </a:t>
+            </a:r>
+            <a:r>
+              <a:rPr lang="es-MX" dirty="0"/>
+              <a:t>el mes de enero y </a:t>
+            </a:r>
+            <a:r>
+              <a:rPr lang="es-MX" dirty="0" smtClean="0"/>
+              <a:t>finalizando </a:t>
+            </a:r>
+            <a:r>
+              <a:rPr lang="es-MX" dirty="0"/>
+              <a:t>en el mes de agosto</a:t>
+            </a:r>
+            <a:r>
+              <a:rPr lang="es-MX" dirty="0" smtClean="0"/>
+              <a:t>.</a:t>
+            </a:r>
+          </a:p>
+          <a:p>
+            <a:pPr marL="0" indent="0" algn="ctr">
+              <a:buNone/>
+            </a:pPr>
+            <a:r>
+              <a:rPr lang="es-MX" dirty="0" smtClean="0"/>
+              <a:t>El proyecto será guiado usando la metodología del PMBOK para establecer bases </a:t>
+            </a:r>
+          </a:p>
+          <a:p>
+            <a:pPr marL="0" indent="0" algn="ctr">
+              <a:buNone/>
+            </a:pPr>
+            <a:r>
+              <a:rPr lang="es-MX" dirty="0" smtClean="0"/>
+              <a:t>en el inicio, planeación, control, seguimiento, tiempos, costos  y fin del proyecto. </a:t>
+            </a:r>
+          </a:p>
+          <a:p>
+            <a:pPr marL="0" indent="0" algn="ctr">
+              <a:buNone/>
+            </a:pPr>
+            <a:endParaRPr lang="es-MX" dirty="0"/>
+          </a:p>
+          <a:p>
+            <a:pPr marL="0" indent="0" algn="ctr">
+              <a:buNone/>
+            </a:pPr>
+            <a:endParaRPr lang="es-MX" dirty="0" smtClean="0"/>
+          </a:p>
+          <a:p>
+            <a:pPr marL="0" indent="0">
+              <a:buNone/>
+            </a:pPr>
+            <a:endParaRPr lang="es-MX" dirty="0"/>
+          </a:p>
+        </p:txBody>
+      </p:sp>
+    </p:spTree>
+    <p:extLst>
+      <p:ext uri="{BB962C8B-B14F-4D97-AF65-F5344CB8AC3E}">
+        <p14:creationId xmlns:p14="http://schemas.microsoft.com/office/powerpoint/2010/main" val="1551424684"/>
+      </p:ext>
+    </p:extLst>
+  </p:cSld>
+  <p:clrMapOvr>
+    <a:masterClrMapping/>
+  </p:clrMapOvr>
+</p:sld>
+</file>
+
+<file path=ppt/slides/slide8.xml><?xml version="1.0" encoding="utf-8"?>
+<p:sld xmlns:a="http://schemas.openxmlformats.org/drawingml/2006/main" xmlns:r="http://schemas.openxmlformats.org/officeDocument/2006/relationships" xmlns:p="http://schemas.openxmlformats.org/presentationml/2006/main">
+  <p:cSld>
+    <p:spTree>
+      <p:nvGrpSpPr>
+        <p:cNvPr id="1" name=""/>
+        <p:cNvGrpSpPr/>
+        <p:nvPr/>
+      </p:nvGrpSpPr>
+      <p:grpSpPr>
+        <a:xfrm>
+          <a:off x="0" y="0"/>
+          <a:ext cx="0" cy="0"/>
+          <a:chOff x="0" y="0"/>
+          <a:chExt cx="0" cy="0"/>
+        </a:xfrm>
+      </p:grpSpPr>
+      <p:sp>
+        <p:nvSpPr>
+          <p:cNvPr id="4" name="Marcador de contenido 2"/>
+          <p:cNvSpPr txBox="1">
+            <a:spLocks noGrp="1"/>
+          </p:cNvSpPr>
+          <p:nvPr>
+            <p:ph idx="1"/>
+          </p:nvPr>
+        </p:nvSpPr>
+        <p:spPr>
+          <a:xfrm>
+            <a:off x="1685636" y="2055091"/>
+            <a:ext cx="9601200" cy="3581400"/>
+          </a:xfrm>
+          <a:prstGeom prst="rect">
+            <a:avLst/>
+          </a:prstGeom>
+        </p:spPr>
+        <p:txBody>
+          <a:bodyPr vert="horz" lIns="91440" tIns="45720" rIns="91440" bIns="45720" rtlCol="0">
+            <a:normAutofit/>
+          </a:bodyPr>
+          <a:lstStyle>
+            <a:lvl1pPr marL="384048" indent="-384048" algn="l" defTabSz="914400" rtl="0" eaLnBrk="1" latinLnBrk="0" hangingPunct="1">
+              <a:lnSpc>
+                <a:spcPct val="94000"/>
+              </a:lnSpc>
+              <a:spcBef>
+                <a:spcPts val="1000"/>
+              </a:spcBef>
+              <a:spcAft>
+                <a:spcPts val="200"/>
+              </a:spcAft>
+              <a:buFont typeface="Franklin Gothic Book" panose="020B0503020102020204" pitchFamily="34" charset="0"/>
+              <a:buChar char="■"/>
+              <a:defRPr sz="2000" kern="1200" baseline="0">
+                <a:solidFill>
+                  <a:schemeClr val="tx2"/>
+                </a:solidFill>
+                <a:latin typeface="+mn-lt"/>
+                <a:ea typeface="+mn-ea"/>
+                <a:cs typeface="+mn-cs"/>
+              </a:defRPr>
+            </a:lvl1pPr>
+            <a:lvl2pPr marL="914400" indent="-384048" algn="l" defTabSz="914400" rtl="0" eaLnBrk="1" latinLnBrk="0" hangingPunct="1">
+              <a:lnSpc>
+                <a:spcPct val="94000"/>
+              </a:lnSpc>
+              <a:spcBef>
+                <a:spcPts val="500"/>
+              </a:spcBef>
+              <a:spcAft>
+                <a:spcPts val="200"/>
+              </a:spcAft>
+              <a:buFont typeface="Franklin Gothic Book" panose="020B0503020102020204" pitchFamily="34" charset="0"/>
+              <a:buChar char="–"/>
+              <a:defRPr sz="2000" i="1" kern="1200" baseline="0">
+                <a:solidFill>
+                  <a:schemeClr val="tx2"/>
+                </a:solidFill>
+                <a:latin typeface="+mn-lt"/>
+                <a:ea typeface="+mn-ea"/>
+                <a:cs typeface="+mn-cs"/>
+              </a:defRPr>
+            </a:lvl2pPr>
+            <a:lvl3pPr marL="1371600" indent="-384048" algn="l" defTabSz="914400" rtl="0" eaLnBrk="1" latinLnBrk="0" hangingPunct="1">
+              <a:lnSpc>
+                <a:spcPct val="94000"/>
+              </a:lnSpc>
+              <a:spcBef>
+                <a:spcPts val="500"/>
+              </a:spcBef>
+              <a:spcAft>
+                <a:spcPts val="200"/>
+              </a:spcAft>
+              <a:buFont typeface="Franklin Gothic Book" panose="020B0503020102020204" pitchFamily="34" charset="0"/>
+              <a:buChar char="■"/>
+              <a:defRPr sz="1800" kern="1200" baseline="0">
+                <a:solidFill>
+                  <a:schemeClr val="tx2"/>
+                </a:solidFill>
+                <a:latin typeface="+mn-lt"/>
+                <a:ea typeface="+mn-ea"/>
+                <a:cs typeface="+mn-cs"/>
+              </a:defRPr>
+            </a:lvl3pPr>
+            <a:lvl4pPr marL="1828800" indent="-384048" algn="l" defTabSz="914400" rtl="0" eaLnBrk="1" latinLnBrk="0" hangingPunct="1">
+              <a:lnSpc>
+                <a:spcPct val="94000"/>
+              </a:lnSpc>
+              <a:spcBef>
+                <a:spcPts val="500"/>
+              </a:spcBef>
+              <a:spcAft>
+                <a:spcPts val="200"/>
+              </a:spcAft>
+              <a:buFont typeface="Franklin Gothic Book" panose="020B0503020102020204" pitchFamily="34" charset="0"/>
+              <a:buChar char="–"/>
+              <a:defRPr sz="1800" i="1" kern="1200" baseline="0">
+                <a:solidFill>
+                  <a:schemeClr val="tx2"/>
+                </a:solidFill>
+                <a:latin typeface="+mn-lt"/>
+                <a:ea typeface="+mn-ea"/>
+                <a:cs typeface="+mn-cs"/>
+              </a:defRPr>
+            </a:lvl4pPr>
+            <a:lvl5pPr marL="2286000" indent="-384048" algn="l" defTabSz="914400" rtl="0" eaLnBrk="1" latinLnBrk="0" hangingPunct="1">
+              <a:lnSpc>
+                <a:spcPct val="94000"/>
+              </a:lnSpc>
+              <a:spcBef>
+                <a:spcPts val="500"/>
+              </a:spcBef>
+              <a:spcAft>
+                <a:spcPts val="200"/>
+              </a:spcAft>
+              <a:buFont typeface="Franklin Gothic Book" panose="020B0503020102020204" pitchFamily="34" charset="0"/>
+              <a:buChar char="■"/>
+              <a:defRPr sz="1600" kern="1200" baseline="0">
+                <a:solidFill>
+                  <a:schemeClr val="tx2"/>
+                </a:solidFill>
+                <a:latin typeface="+mn-lt"/>
+                <a:ea typeface="+mn-ea"/>
+                <a:cs typeface="+mn-cs"/>
+              </a:defRPr>
+            </a:lvl5pPr>
+            <a:lvl6pPr marL="2743200" indent="-384048" algn="l" defTabSz="914400" rtl="0" eaLnBrk="1" latinLnBrk="0" hangingPunct="1">
+              <a:lnSpc>
+                <a:spcPct val="94000"/>
+              </a:lnSpc>
+              <a:spcBef>
+                <a:spcPts val="500"/>
+              </a:spcBef>
+              <a:spcAft>
+                <a:spcPts val="200"/>
+              </a:spcAft>
+              <a:buFont typeface="Franklin Gothic Book" panose="020B0503020102020204" pitchFamily="34" charset="0"/>
+              <a:buChar char="–"/>
+              <a:defRPr sz="1600" i="1" kern="1200" baseline="0">
+                <a:solidFill>
+                  <a:schemeClr val="tx2"/>
+                </a:solidFill>
+                <a:latin typeface="+mn-lt"/>
+                <a:ea typeface="+mn-ea"/>
+                <a:cs typeface="+mn-cs"/>
+              </a:defRPr>
+            </a:lvl6pPr>
+            <a:lvl7pPr marL="3200400" indent="-384048" algn="l" defTabSz="914400" rtl="0" eaLnBrk="1" latinLnBrk="0" hangingPunct="1">
+              <a:lnSpc>
+                <a:spcPct val="94000"/>
+              </a:lnSpc>
+              <a:spcBef>
+                <a:spcPts val="500"/>
+              </a:spcBef>
+              <a:spcAft>
+                <a:spcPts val="200"/>
+              </a:spcAft>
+              <a:buFont typeface="Franklin Gothic Book" panose="020B0503020102020204" pitchFamily="34" charset="0"/>
+              <a:buChar char="■"/>
+              <a:defRPr sz="1400" kern="1200" baseline="0">
+                <a:solidFill>
+                  <a:schemeClr val="tx2"/>
+                </a:solidFill>
+                <a:latin typeface="+mn-lt"/>
+                <a:ea typeface="+mn-ea"/>
+                <a:cs typeface="+mn-cs"/>
+              </a:defRPr>
+            </a:lvl7pPr>
+            <a:lvl8pPr marL="3657600" indent="-384048" algn="l" defTabSz="914400" rtl="0" eaLnBrk="1" latinLnBrk="0" hangingPunct="1">
+              <a:lnSpc>
+                <a:spcPct val="94000"/>
+              </a:lnSpc>
+              <a:spcBef>
+                <a:spcPts val="500"/>
+              </a:spcBef>
+              <a:spcAft>
+                <a:spcPts val="200"/>
+              </a:spcAft>
+              <a:buFont typeface="Franklin Gothic Book" panose="020B0503020102020204" pitchFamily="34" charset="0"/>
+              <a:buChar char="–"/>
+              <a:defRPr sz="1400" i="1" kern="1200" baseline="0">
+                <a:solidFill>
+                  <a:schemeClr val="tx2"/>
+                </a:solidFill>
+                <a:latin typeface="+mn-lt"/>
+                <a:ea typeface="+mn-ea"/>
+                <a:cs typeface="+mn-cs"/>
+              </a:defRPr>
+            </a:lvl8pPr>
+            <a:lvl9pPr marL="4114800" indent="-384048" algn="l" defTabSz="914400" rtl="0" eaLnBrk="1" latinLnBrk="0" hangingPunct="1">
+              <a:lnSpc>
+                <a:spcPct val="94000"/>
+              </a:lnSpc>
+              <a:spcBef>
+                <a:spcPts val="500"/>
+              </a:spcBef>
+              <a:spcAft>
+                <a:spcPts val="200"/>
+              </a:spcAft>
+              <a:buFont typeface="Franklin Gothic Book" panose="020B0503020102020204" pitchFamily="34" charset="0"/>
+              <a:buChar char="■"/>
+              <a:defRPr sz="1400" kern="1200" baseline="0">
+                <a:solidFill>
+                  <a:schemeClr val="tx2"/>
+                </a:solidFill>
+                <a:latin typeface="+mn-lt"/>
+                <a:ea typeface="+mn-ea"/>
+                <a:cs typeface="+mn-cs"/>
+              </a:defRPr>
+            </a:lvl9pPr>
+          </a:lstStyle>
+          <a:p>
+            <a:pPr marL="0" indent="0" algn="ctr">
+              <a:buFont typeface="Franklin Gothic Book" panose="020B0503020102020204" pitchFamily="34" charset="0"/>
+              <a:buNone/>
+            </a:pPr>
+            <a:r>
+              <a:rPr lang="es-MX" b="1" dirty="0" smtClean="0"/>
+              <a:t>Especifico</a:t>
+            </a:r>
+            <a:r>
+              <a:rPr lang="es-MX" dirty="0" smtClean="0"/>
+              <a:t>:</a:t>
+            </a:r>
+          </a:p>
+          <a:p>
+            <a:r>
+              <a:rPr lang="es-MX" dirty="0" smtClean="0"/>
+              <a:t>La </a:t>
+            </a:r>
+            <a:r>
+              <a:rPr lang="es-MX" dirty="0"/>
+              <a:t>aplicación móvil </a:t>
+            </a:r>
+            <a:r>
+              <a:rPr lang="es-MX" dirty="0" smtClean="0"/>
+              <a:t>controlará las </a:t>
+            </a:r>
+            <a:r>
+              <a:rPr lang="es-MX" dirty="0"/>
+              <a:t>entradas, procesos y </a:t>
+            </a:r>
+            <a:r>
+              <a:rPr lang="es-MX" dirty="0" smtClean="0"/>
+              <a:t>salidas de los módulos.</a:t>
+            </a:r>
+          </a:p>
+          <a:p>
+            <a:r>
+              <a:rPr lang="es-MX" dirty="0" smtClean="0"/>
+              <a:t>La administración del proyecto se guiará según la metodología PMBOK v6.0.</a:t>
+            </a:r>
+            <a:endParaRPr lang="es-MX" dirty="0"/>
+          </a:p>
+          <a:p>
+            <a:r>
+              <a:rPr lang="es-MX" dirty="0"/>
+              <a:t>El proyecto </a:t>
+            </a:r>
+            <a:r>
+              <a:rPr lang="es-MX" dirty="0" smtClean="0"/>
+              <a:t>tendrá un costo total de $ </a:t>
+            </a:r>
+            <a:r>
+              <a:rPr lang="es-MX" dirty="0"/>
+              <a:t>$</a:t>
+            </a:r>
+            <a:r>
+              <a:rPr lang="es-MX" dirty="0" smtClean="0"/>
+              <a:t>106,128.72 y durará 8 meses.</a:t>
+            </a:r>
+            <a:endParaRPr lang="es-MX" dirty="0"/>
+          </a:p>
+          <a:p>
+            <a:pPr marL="0" indent="0" algn="ctr">
+              <a:buFont typeface="Franklin Gothic Book" panose="020B0503020102020204" pitchFamily="34" charset="0"/>
+              <a:buNone/>
+            </a:pPr>
+            <a:r>
+              <a:rPr lang="es-MX" dirty="0" smtClean="0"/>
+              <a:t>.</a:t>
+            </a:r>
+          </a:p>
+          <a:p>
+            <a:pPr marL="0" indent="0" algn="ctr">
+              <a:buFont typeface="Franklin Gothic Book" panose="020B0503020102020204" pitchFamily="34" charset="0"/>
+              <a:buNone/>
+            </a:pPr>
+            <a:endParaRPr lang="es-MX" dirty="0" smtClean="0"/>
+          </a:p>
+          <a:p>
+            <a:pPr marL="0" indent="0">
+              <a:buFont typeface="Franklin Gothic Book" panose="020B0503020102020204" pitchFamily="34" charset="0"/>
+              <a:buNone/>
+            </a:pPr>
+            <a:endParaRPr lang="es-MX" dirty="0"/>
+          </a:p>
+        </p:txBody>
+      </p:sp>
+    </p:spTree>
+    <p:extLst>
+      <p:ext uri="{BB962C8B-B14F-4D97-AF65-F5344CB8AC3E}">
+        <p14:creationId xmlns:p14="http://schemas.microsoft.com/office/powerpoint/2010/main" val="109640754"/>
+      </p:ext>
+    </p:extLst>
+  </p:cSld>
+  <p:clrMapOvr>
+    <a:masterClrMapping/>
+  </p:clrMapOvr>
+</p:sld>
+</file>
+
+<file path=ppt/slides/slide9.xml><?xml version="1.0" encoding="utf-8"?>
+<p:sld xmlns:a="http://schemas.openxmlformats.org/drawingml/2006/main" xmlns:r="http://schemas.openxmlformats.org/officeDocument/2006/relationships" xmlns:p="http://schemas.openxmlformats.org/presentationml/2006/main">
+  <p:cSld>
+    <p:spTree>
+      <p:nvGrpSpPr>
+        <p:cNvPr id="1" name=""/>
+        <p:cNvGrpSpPr/>
+        <p:nvPr/>
+      </p:nvGrpSpPr>
+      <p:grpSpPr>
+        <a:xfrm>
+          <a:off x="0" y="0"/>
+          <a:ext cx="0" cy="0"/>
+          <a:chOff x="0" y="0"/>
+          <a:chExt cx="0" cy="0"/>
+        </a:xfrm>
+      </p:grpSpPr>
+      <p:sp>
+        <p:nvSpPr>
+          <p:cNvPr id="2" name="Título 1"/>
+          <p:cNvSpPr>
+            <a:spLocks noGrp="1"/>
+          </p:cNvSpPr>
+          <p:nvPr>
+            <p:ph type="title"/>
+          </p:nvPr>
+        </p:nvSpPr>
+        <p:spPr/>
+        <p:txBody>
+          <a:bodyPr/>
+          <a:lstStyle/>
+          <a:p>
+            <a:pPr algn="ctr"/>
+            <a:r>
+              <a:rPr lang="es-MX" dirty="0" smtClean="0"/>
+              <a:t>ALCANCES</a:t>
+            </a:r>
+            <a:endParaRPr lang="es-MX" dirty="0"/>
+          </a:p>
+        </p:txBody>
+      </p:sp>
+      <p:sp>
+        <p:nvSpPr>
+          <p:cNvPr id="3" name="Marcador de contenido 2"/>
+          <p:cNvSpPr>
+            <a:spLocks noGrp="1"/>
+          </p:cNvSpPr>
+          <p:nvPr>
+            <p:ph idx="1"/>
+          </p:nvPr>
+        </p:nvSpPr>
+        <p:spPr>
+          <a:xfrm>
+            <a:off x="1565563" y="2171700"/>
+            <a:ext cx="10386291" cy="3581400"/>
+          </a:xfrm>
+        </p:spPr>
+        <p:txBody>
+          <a:bodyPr/>
+          <a:lstStyle/>
+          <a:p>
+            <a:pPr marL="0" indent="0" algn="ctr">
+              <a:buNone/>
+            </a:pPr>
+            <a:r>
+              <a:rPr lang="es-MX" dirty="0"/>
+              <a:t>Administrar un proyecto que consiste en el desarrollo de una aplicación </a:t>
+            </a:r>
+            <a:r>
+              <a:rPr lang="es-MX" dirty="0" smtClean="0"/>
+              <a:t>móvil, siguiendo la</a:t>
+            </a:r>
+          </a:p>
+          <a:p>
+            <a:pPr marL="0" indent="0" algn="ctr">
+              <a:buNone/>
+            </a:pPr>
+            <a:r>
+              <a:rPr lang="es-MX" dirty="0" smtClean="0"/>
+              <a:t>metodología </a:t>
+            </a:r>
+            <a:r>
+              <a:rPr lang="es-MX" dirty="0"/>
+              <a:t>PMBOK v6.0 siendo una guía para establecer </a:t>
+            </a:r>
+            <a:r>
+              <a:rPr lang="es-MX" dirty="0"/>
+              <a:t>bases </a:t>
+            </a:r>
+            <a:r>
+              <a:rPr lang="es-MX" dirty="0" smtClean="0"/>
+              <a:t>en </a:t>
+            </a:r>
+            <a:r>
+              <a:rPr lang="es-MX" dirty="0"/>
+              <a:t>el inicio, </a:t>
+            </a:r>
+            <a:r>
+              <a:rPr lang="es-MX" dirty="0" smtClean="0"/>
+              <a:t>planeación,</a:t>
+            </a:r>
+          </a:p>
+          <a:p>
+            <a:pPr marL="0" indent="0" algn="ctr">
+              <a:buNone/>
+            </a:pPr>
+            <a:r>
+              <a:rPr lang="es-MX" dirty="0" smtClean="0"/>
+              <a:t>control</a:t>
+            </a:r>
+            <a:r>
+              <a:rPr lang="es-MX" dirty="0"/>
+              <a:t>, seguimiento, tiempos, costos  y fin del </a:t>
+            </a:r>
+            <a:r>
+              <a:rPr lang="es-MX" dirty="0" smtClean="0"/>
+              <a:t>proyecto. Bajo esta planeación se</a:t>
+            </a:r>
+          </a:p>
+          <a:p>
+            <a:pPr marL="0" indent="0" algn="ctr">
+              <a:buNone/>
+            </a:pPr>
+            <a:r>
+              <a:rPr lang="es-MX" dirty="0" smtClean="0"/>
+              <a:t>Incluyen documentos tales como Project </a:t>
+            </a:r>
+            <a:r>
+              <a:rPr lang="es-MX" dirty="0" err="1" smtClean="0"/>
+              <a:t>Charter</a:t>
+            </a:r>
+            <a:r>
+              <a:rPr lang="es-MX" dirty="0" smtClean="0"/>
+              <a:t>, </a:t>
+            </a:r>
+            <a:r>
+              <a:rPr lang="es-MX" dirty="0" err="1" smtClean="0"/>
+              <a:t>Stakeholders</a:t>
+            </a:r>
+            <a:r>
+              <a:rPr lang="es-MX" dirty="0" smtClean="0"/>
+              <a:t>, Diagrama de Gantt, etc.</a:t>
+            </a:r>
+          </a:p>
+          <a:p>
+            <a:pPr marL="0" indent="0" algn="ctr">
+              <a:buNone/>
+            </a:pPr>
+            <a:r>
+              <a:rPr lang="es-MX" dirty="0" smtClean="0"/>
+              <a:t>La aplicación Móvil tendrá la finalidad de aportar a la empresa </a:t>
+            </a:r>
+            <a:r>
+              <a:rPr lang="es-MX" b="1" dirty="0" smtClean="0"/>
+              <a:t>Panadería </a:t>
+            </a:r>
+          </a:p>
+          <a:p>
+            <a:pPr marL="0" indent="0" algn="ctr">
+              <a:buNone/>
+            </a:pPr>
+            <a:r>
+              <a:rPr lang="es-MX" b="1" dirty="0" smtClean="0"/>
+              <a:t>San Pedro </a:t>
+            </a:r>
+            <a:r>
+              <a:rPr lang="es-MX" dirty="0" smtClean="0"/>
+              <a:t>control y administración a los módulos y departamentos existentes.</a:t>
+            </a:r>
+          </a:p>
+          <a:p>
+            <a:pPr marL="0" indent="0" algn="ctr">
+              <a:buNone/>
+            </a:pPr>
+            <a:endParaRPr lang="es-MX" dirty="0" smtClean="0"/>
+          </a:p>
+          <a:p>
+            <a:pPr marL="0" indent="0" algn="ctr">
+              <a:buNone/>
+            </a:pPr>
+            <a:endParaRPr lang="es-MX" dirty="0"/>
+          </a:p>
+        </p:txBody>
+      </p:sp>
+    </p:spTree>
+    <p:extLst>
+      <p:ext uri="{BB962C8B-B14F-4D97-AF65-F5344CB8AC3E}">
+        <p14:creationId xmlns:p14="http://schemas.microsoft.com/office/powerpoint/2010/main" val="511744383"/>
       </p:ext>
     </p:extLst>
   </p:cSld>

--- a/9°A/Integradora/diapositiva/SM-ROOT_APPMO-SP.pptx
+++ b/9°A/Integradora/diapositiva/SM-ROOT_APPMO-SP.pptx
@@ -27,6 +27,7 @@
     <p:sldId id="276" r:id="rId21"/>
     <p:sldId id="275" r:id="rId22"/>
     <p:sldId id="277" r:id="rId23"/>
+    <p:sldId id="278" r:id="rId24"/>
   </p:sldIdLst>
   <p:sldSz cx="12192000" cy="6858000"/>
   <p:notesSz cx="6858000" cy="9144000"/>
@@ -5883,8 +5884,8 @@
         </p:nvSpPr>
         <p:spPr>
           <a:xfrm>
-            <a:off x="1371600" y="1824182"/>
-            <a:ext cx="9601200" cy="3581400"/>
+            <a:off x="1371600" y="2289002"/>
+            <a:ext cx="9601200" cy="416098"/>
           </a:xfrm>
         </p:spPr>
         <p:txBody>
@@ -6264,29 +6265,164 @@
           </a:p>
         </p:txBody>
       </p:sp>
-      <p:sp>
-        <p:nvSpPr>
-          <p:cNvPr id="3" name="Marcador de contenido 2"/>
-          <p:cNvSpPr>
-            <a:spLocks noGrp="1"/>
-          </p:cNvSpPr>
+      <p:pic>
+        <p:nvPicPr>
+          <p:cNvPr id="4" name="Marcador de contenido 3"/>
+          <p:cNvPicPr>
+            <a:picLocks noGrp="1" noChangeAspect="1"/>
+          </p:cNvPicPr>
           <p:nvPr>
             <p:ph idx="1"/>
           </p:nvPr>
-        </p:nvSpPr>
-        <p:spPr/>
-        <p:txBody>
-          <a:bodyPr/>
-          <a:lstStyle/>
-          <a:p>
-            <a:endParaRPr lang="es-MX" dirty="0"/>
-          </a:p>
-        </p:txBody>
-      </p:sp>
+        </p:nvPicPr>
+        <p:blipFill>
+          <a:blip r:embed="rId2"/>
+          <a:stretch>
+            <a:fillRect/>
+          </a:stretch>
+        </p:blipFill>
+        <p:spPr>
+          <a:xfrm>
+            <a:off x="1873727" y="1470823"/>
+            <a:ext cx="4694713" cy="860101"/>
+          </a:xfrm>
+          <a:prstGeom prst="rect">
+            <a:avLst/>
+          </a:prstGeom>
+        </p:spPr>
+      </p:pic>
+      <p:pic>
+        <p:nvPicPr>
+          <p:cNvPr id="5" name="Imagen 4"/>
+          <p:cNvPicPr>
+            <a:picLocks noChangeAspect="1"/>
+          </p:cNvPicPr>
+          <p:nvPr/>
+        </p:nvPicPr>
+        <p:blipFill>
+          <a:blip r:embed="rId3"/>
+          <a:stretch>
+            <a:fillRect/>
+          </a:stretch>
+        </p:blipFill>
+        <p:spPr>
+          <a:xfrm>
+            <a:off x="1873726" y="2415910"/>
+            <a:ext cx="4694713" cy="1400073"/>
+          </a:xfrm>
+          <a:prstGeom prst="rect">
+            <a:avLst/>
+          </a:prstGeom>
+        </p:spPr>
+      </p:pic>
+      <p:pic>
+        <p:nvPicPr>
+          <p:cNvPr id="6" name="Imagen 5"/>
+          <p:cNvPicPr>
+            <a:picLocks noChangeAspect="1"/>
+          </p:cNvPicPr>
+          <p:nvPr/>
+        </p:nvPicPr>
+        <p:blipFill>
+          <a:blip r:embed="rId4"/>
+          <a:stretch>
+            <a:fillRect/>
+          </a:stretch>
+        </p:blipFill>
+        <p:spPr>
+          <a:xfrm>
+            <a:off x="6828052" y="1470823"/>
+            <a:ext cx="3885136" cy="4373554"/>
+          </a:xfrm>
+          <a:prstGeom prst="rect">
+            <a:avLst/>
+          </a:prstGeom>
+        </p:spPr>
+      </p:pic>
     </p:spTree>
     <p:extLst>
       <p:ext uri="{BB962C8B-B14F-4D97-AF65-F5344CB8AC3E}">
         <p14:creationId xmlns:p14="http://schemas.microsoft.com/office/powerpoint/2010/main" val="2236254483"/>
+      </p:ext>
+    </p:extLst>
+  </p:cSld>
+  <p:clrMapOvr>
+    <a:masterClrMapping/>
+  </p:clrMapOvr>
+</p:sld>
+</file>
+
+<file path=ppt/slides/slide23.xml><?xml version="1.0" encoding="utf-8"?>
+<p:sld xmlns:a="http://schemas.openxmlformats.org/drawingml/2006/main" xmlns:r="http://schemas.openxmlformats.org/officeDocument/2006/relationships" xmlns:p="http://schemas.openxmlformats.org/presentationml/2006/main">
+  <p:cSld>
+    <p:spTree>
+      <p:nvGrpSpPr>
+        <p:cNvPr id="1" name=""/>
+        <p:cNvGrpSpPr/>
+        <p:nvPr/>
+      </p:nvGrpSpPr>
+      <p:grpSpPr>
+        <a:xfrm>
+          <a:off x="0" y="0"/>
+          <a:ext cx="0" cy="0"/>
+          <a:chOff x="0" y="0"/>
+          <a:chExt cx="0" cy="0"/>
+        </a:xfrm>
+      </p:grpSpPr>
+      <p:pic>
+        <p:nvPicPr>
+          <p:cNvPr id="4" name="Marcador de contenido 3"/>
+          <p:cNvPicPr>
+            <a:picLocks noGrp="1" noChangeAspect="1"/>
+          </p:cNvPicPr>
+          <p:nvPr>
+            <p:ph idx="1"/>
+          </p:nvPr>
+        </p:nvPicPr>
+        <p:blipFill>
+          <a:blip r:embed="rId2"/>
+          <a:stretch>
+            <a:fillRect/>
+          </a:stretch>
+        </p:blipFill>
+        <p:spPr>
+          <a:xfrm>
+            <a:off x="3794760" y="1410189"/>
+            <a:ext cx="5298757" cy="2100725"/>
+          </a:xfrm>
+          <a:prstGeom prst="rect">
+            <a:avLst/>
+          </a:prstGeom>
+        </p:spPr>
+      </p:pic>
+      <p:pic>
+        <p:nvPicPr>
+          <p:cNvPr id="6" name="Imagen 5"/>
+          <p:cNvPicPr>
+            <a:picLocks noChangeAspect="1"/>
+          </p:cNvPicPr>
+          <p:nvPr/>
+        </p:nvPicPr>
+        <p:blipFill>
+          <a:blip r:embed="rId3"/>
+          <a:stretch>
+            <a:fillRect/>
+          </a:stretch>
+        </p:blipFill>
+        <p:spPr>
+          <a:xfrm>
+            <a:off x="3794759" y="3729762"/>
+            <a:ext cx="5298757" cy="2901979"/>
+          </a:xfrm>
+          <a:prstGeom prst="rect">
+            <a:avLst/>
+          </a:prstGeom>
+        </p:spPr>
+      </p:pic>
+    </p:spTree>
+    <p:extLst>
+      <p:ext uri="{BB962C8B-B14F-4D97-AF65-F5344CB8AC3E}">
+        <p14:creationId xmlns:p14="http://schemas.microsoft.com/office/powerpoint/2010/main" val="4166497122"/>
       </p:ext>
     </p:extLst>
   </p:cSld>
@@ -6356,31 +6492,143 @@
         </p:nvSpPr>
         <p:spPr>
           <a:xfrm>
-            <a:off x="4105564" y="1228280"/>
-            <a:ext cx="4010891" cy="858924"/>
-          </a:xfrm>
-        </p:spPr>
-        <p:txBody>
-          <a:bodyPr/>
+            <a:off x="1571888" y="2016626"/>
+            <a:ext cx="9828693" cy="3279273"/>
+          </a:xfrm>
+        </p:spPr>
+        <p:txBody>
+          <a:bodyPr>
+            <a:noAutofit/>
+          </a:bodyPr>
           <a:lstStyle/>
           <a:p>
             <a:pPr marL="0" indent="0" algn="ctr">
               <a:buNone/>
             </a:pPr>
             <a:r>
-              <a:rPr lang="es-MX" dirty="0" smtClean="0"/>
-              <a:t>Nombre: </a:t>
-            </a:r>
-            <a:r>
-              <a:rPr lang="es-MX" b="1" dirty="0" smtClean="0"/>
-              <a:t>PANADERÍA SAN PEDRO</a:t>
-            </a:r>
+              <a:rPr lang="es-MX" dirty="0"/>
+              <a:t>La panadería </a:t>
+            </a:r>
+            <a:r>
+              <a:rPr lang="es-MX" b="1" dirty="0"/>
+              <a:t>San Pedro</a:t>
+            </a:r>
+            <a:r>
+              <a:rPr lang="es-MX" dirty="0"/>
+              <a:t> se encuentra ubicada en esquina con Calzada </a:t>
+            </a:r>
+            <a:endParaRPr lang="es-MX" dirty="0" smtClean="0"/>
           </a:p>
           <a:p>
             <a:pPr marL="0" indent="0" algn="ctr">
               <a:buNone/>
             </a:pPr>
-            <a:endParaRPr lang="es-MX" b="1" dirty="0" smtClean="0"/>
+            <a:r>
+              <a:rPr lang="es-MX" dirty="0" smtClean="0"/>
+              <a:t>Salomón </a:t>
+            </a:r>
+            <a:r>
+              <a:rPr lang="es-MX" dirty="0"/>
+              <a:t>Gonzales y Puerto Madero en San Cristóbal de Las </a:t>
+            </a:r>
+            <a:r>
+              <a:rPr lang="es-MX" dirty="0" smtClean="0"/>
+              <a:t>Casas,</a:t>
+            </a:r>
+          </a:p>
+          <a:p>
+            <a:pPr marL="0" indent="0" algn="ctr">
+              <a:buNone/>
+            </a:pPr>
+            <a:r>
+              <a:rPr lang="es-MX" dirty="0" smtClean="0"/>
+              <a:t>Chiapas, es</a:t>
+            </a:r>
+            <a:r>
+              <a:rPr lang="es-MX" dirty="0" smtClean="0"/>
+              <a:t> </a:t>
+            </a:r>
+            <a:r>
+              <a:rPr lang="es-MX" dirty="0"/>
+              <a:t>una panificadora que se dedica a la venta de todo </a:t>
+            </a:r>
+            <a:r>
+              <a:rPr lang="es-MX" dirty="0" smtClean="0"/>
+              <a:t>lo relacionado </a:t>
+            </a:r>
+          </a:p>
+          <a:p>
+            <a:pPr marL="0" indent="0" algn="ctr">
+              <a:buNone/>
+            </a:pPr>
+            <a:r>
+              <a:rPr lang="es-MX" dirty="0" smtClean="0"/>
+              <a:t>con la Industria del Pan. </a:t>
+            </a:r>
+            <a:r>
+              <a:rPr lang="es-MX" dirty="0"/>
+              <a:t>La </a:t>
+            </a:r>
+            <a:r>
+              <a:rPr lang="es-MX" dirty="0" smtClean="0"/>
+              <a:t>organización </a:t>
+            </a:r>
+            <a:r>
+              <a:rPr lang="es-MX" dirty="0"/>
+              <a:t>cuenta con diferentes sucursales posicionados </a:t>
+            </a:r>
+            <a:endParaRPr lang="es-MX" dirty="0" smtClean="0"/>
+          </a:p>
+          <a:p>
+            <a:pPr marL="0" indent="0" algn="ctr">
+              <a:buNone/>
+            </a:pPr>
+            <a:r>
+              <a:rPr lang="es-MX" dirty="0" smtClean="0"/>
+              <a:t>de </a:t>
+            </a:r>
+            <a:r>
+              <a:rPr lang="es-MX" dirty="0"/>
+              <a:t>manera </a:t>
+            </a:r>
+            <a:r>
+              <a:rPr lang="es-MX" dirty="0" smtClean="0"/>
+              <a:t>estratégica en la ciudad y realiza ventas en mayoreo</a:t>
+            </a:r>
+            <a:r>
+              <a:rPr lang="es-MX" dirty="0"/>
+              <a:t>, menudeo y </a:t>
+            </a:r>
+            <a:endParaRPr lang="es-MX" dirty="0" smtClean="0"/>
+          </a:p>
+          <a:p>
+            <a:pPr marL="0" indent="0" algn="ctr">
+              <a:buNone/>
+            </a:pPr>
+            <a:r>
+              <a:rPr lang="es-MX" dirty="0" smtClean="0"/>
+              <a:t>ventas en rutas (que </a:t>
+            </a:r>
+            <a:r>
+              <a:rPr lang="es-MX" dirty="0"/>
+              <a:t>es un método muy sutil que consiste en la venta de productos por </a:t>
+            </a:r>
+            <a:endParaRPr lang="es-MX" dirty="0" smtClean="0"/>
+          </a:p>
+          <a:p>
+            <a:pPr marL="0" indent="0" algn="ctr">
+              <a:buNone/>
+            </a:pPr>
+            <a:r>
+              <a:rPr lang="es-MX" dirty="0" smtClean="0"/>
+              <a:t>rutas ya definidas por la empresa). </a:t>
+            </a:r>
+          </a:p>
+          <a:p>
+            <a:pPr marL="0" indent="0" algn="ctr">
+              <a:buNone/>
+            </a:pPr>
+            <a:endParaRPr lang="es-MX" dirty="0" smtClean="0"/>
           </a:p>
           <a:p>
             <a:pPr marL="0" indent="0">
@@ -6390,102 +6638,102 @@
           </a:p>
         </p:txBody>
       </p:sp>
+      <p:sp>
+        <p:nvSpPr>
+          <p:cNvPr id="6" name="CuadroTexto 5"/>
+          <p:cNvSpPr txBox="1"/>
+          <p:nvPr/>
+        </p:nvSpPr>
+        <p:spPr>
+          <a:xfrm>
+            <a:off x="8760113" y="734412"/>
+            <a:ext cx="3021445" cy="923330"/>
+          </a:xfrm>
+          <a:prstGeom prst="rect">
+            <a:avLst/>
+          </a:prstGeom>
+          <a:noFill/>
+        </p:spPr>
+        <p:txBody>
+          <a:bodyPr wrap="square" rtlCol="0">
+            <a:spAutoFit/>
+          </a:bodyPr>
+          <a:lstStyle/>
+          <a:p>
+            <a:r>
+              <a:rPr lang="es-MX" dirty="0" smtClean="0">
+                <a:solidFill>
+                  <a:srgbClr val="FF0000"/>
+                </a:solidFill>
+              </a:rPr>
+              <a:t>Agregar logo de la </a:t>
+            </a:r>
+            <a:r>
+              <a:rPr lang="es-MX" dirty="0" smtClean="0">
+                <a:solidFill>
+                  <a:srgbClr val="FF0000"/>
+                </a:solidFill>
+              </a:rPr>
+              <a:t>panadería</a:t>
+            </a:r>
+          </a:p>
+          <a:p>
+            <a:r>
+              <a:rPr lang="es-MX" dirty="0" smtClean="0">
+                <a:solidFill>
+                  <a:srgbClr val="FF0000"/>
+                </a:solidFill>
+              </a:rPr>
+              <a:t>Ubicación</a:t>
+            </a:r>
+          </a:p>
+          <a:p>
+            <a:r>
+              <a:rPr lang="es-MX" dirty="0" smtClean="0">
+                <a:solidFill>
+                  <a:srgbClr val="FF0000"/>
+                </a:solidFill>
+              </a:rPr>
+              <a:t>Giro</a:t>
+            </a:r>
+            <a:endParaRPr lang="es-MX" dirty="0" smtClean="0">
+              <a:solidFill>
+                <a:srgbClr val="FF0000"/>
+              </a:solidFill>
+            </a:endParaRPr>
+          </a:p>
+        </p:txBody>
+      </p:sp>
       <p:pic>
         <p:nvPicPr>
-          <p:cNvPr id="4" name="Imagen 3"/>
+          <p:cNvPr id="7" name="Imagen 6"/>
           <p:cNvPicPr>
             <a:picLocks noChangeAspect="1"/>
           </p:cNvPicPr>
           <p:nvPr/>
         </p:nvPicPr>
         <p:blipFill>
-          <a:blip r:embed="rId2"/>
+          <a:blip r:embed="rId2" cstate="print">
+            <a:extLst>
+              <a:ext uri="{28A0092B-C50C-407E-A947-70E740481C1C}">
+                <a14:useLocalDpi xmlns:a14="http://schemas.microsoft.com/office/drawing/2010/main" val="0"/>
+              </a:ext>
+            </a:extLst>
+          </a:blip>
           <a:stretch>
             <a:fillRect/>
           </a:stretch>
         </p:blipFill>
         <p:spPr>
           <a:xfrm>
-            <a:off x="3071317" y="2592088"/>
-            <a:ext cx="6829836" cy="3976231"/>
+            <a:off x="1571888" y="367206"/>
+            <a:ext cx="1658436" cy="1657742"/>
           </a:xfrm>
           <a:prstGeom prst="rect">
             <a:avLst/>
           </a:prstGeom>
         </p:spPr>
       </p:pic>
-      <p:sp>
-        <p:nvSpPr>
-          <p:cNvPr id="5" name="CuadroTexto 4"/>
-          <p:cNvSpPr txBox="1"/>
-          <p:nvPr/>
-        </p:nvSpPr>
-        <p:spPr>
-          <a:xfrm>
-            <a:off x="5484091" y="2222756"/>
-            <a:ext cx="2632364" cy="369332"/>
-          </a:xfrm>
-          <a:prstGeom prst="rect">
-            <a:avLst/>
-          </a:prstGeom>
-          <a:noFill/>
-        </p:spPr>
-        <p:txBody>
-          <a:bodyPr wrap="square" rtlCol="0">
-            <a:spAutoFit/>
-          </a:bodyPr>
-          <a:lstStyle/>
-          <a:p>
-            <a:r>
-              <a:rPr lang="es-MX" dirty="0" smtClean="0"/>
-              <a:t>Análisis </a:t>
-            </a:r>
-            <a:r>
-              <a:rPr lang="es-MX" b="1" dirty="0" smtClean="0"/>
-              <a:t>FODA</a:t>
-            </a:r>
-            <a:endParaRPr lang="es-MX" b="1" dirty="0"/>
-          </a:p>
-        </p:txBody>
-      </p:sp>
-      <p:sp>
-        <p:nvSpPr>
-          <p:cNvPr id="6" name="CuadroTexto 5"/>
-          <p:cNvSpPr txBox="1"/>
-          <p:nvPr/>
-        </p:nvSpPr>
-        <p:spPr>
-          <a:xfrm>
-            <a:off x="1163782" y="1440873"/>
-            <a:ext cx="2032000" cy="646331"/>
-          </a:xfrm>
-          <a:prstGeom prst="rect">
-            <a:avLst/>
-          </a:prstGeom>
-          <a:noFill/>
-        </p:spPr>
-        <p:txBody>
-          <a:bodyPr wrap="square" rtlCol="0">
-            <a:spAutoFit/>
-          </a:bodyPr>
-          <a:lstStyle/>
-          <a:p>
-            <a:r>
-              <a:rPr lang="es-MX" dirty="0" smtClean="0">
-                <a:solidFill>
-                  <a:srgbClr val="FF0000"/>
-                </a:solidFill>
-              </a:rPr>
-              <a:t>Agregar logo de la panadería</a:t>
-            </a:r>
-            <a:endParaRPr lang="es-MX" dirty="0">
-              <a:solidFill>
-                <a:srgbClr val="FF0000"/>
-              </a:solidFill>
-            </a:endParaRPr>
-          </a:p>
-        </p:txBody>
-      </p:sp>
     </p:spTree>
     <p:extLst>
       <p:ext uri="{BB962C8B-B14F-4D97-AF65-F5344CB8AC3E}">
@@ -6496,6 +6744,13 @@
   <p:clrMapOvr>
     <a:masterClrMapping/>
   </p:clrMapOvr>
+  <p:timing>
+    <p:tnLst>
+      <p:par>
+        <p:cTn id="1" dur="indefinite" restart="never" nodeType="tmRoot"/>
+      </p:par>
+    </p:tnLst>
+  </p:timing>
 </p:sld>
 </file>
 
@@ -6528,22 +6783,24 @@
         </p:nvSpPr>
         <p:spPr>
           <a:xfrm>
-            <a:off x="1565563" y="891309"/>
-            <a:ext cx="9767454" cy="5500255"/>
-          </a:xfrm>
-        </p:spPr>
-        <p:txBody>
-          <a:bodyPr/>
+            <a:off x="4678680" y="3394124"/>
+            <a:ext cx="3141516" cy="428258"/>
+          </a:xfrm>
+        </p:spPr>
+        <p:txBody>
+          <a:bodyPr>
+            <a:normAutofit/>
+          </a:bodyPr>
           <a:lstStyle/>
           <a:p>
             <a:pPr marL="0" indent="0" algn="ctr">
               <a:buNone/>
             </a:pPr>
             <a:r>
-              <a:rPr lang="es-MX" b="1" dirty="0" smtClean="0"/>
+              <a:rPr lang="es-MX" sz="1800" b="1" dirty="0" smtClean="0"/>
               <a:t>ORGANIGRAMA</a:t>
             </a:r>
-            <a:endParaRPr lang="es-MX" b="1" dirty="0"/>
+            <a:endParaRPr lang="es-MX" sz="1800" b="1" dirty="0"/>
           </a:p>
         </p:txBody>
       </p:sp>
@@ -6568,8 +6825,8 @@
         </p:blipFill>
         <p:spPr bwMode="auto">
           <a:xfrm>
-            <a:off x="2205649" y="1644072"/>
-            <a:ext cx="8487281" cy="2929313"/>
+            <a:off x="2743200" y="3767852"/>
+            <a:ext cx="6600996" cy="2650204"/>
           </a:xfrm>
           <a:prstGeom prst="rect">
             <a:avLst/>
@@ -6580,6 +6837,65 @@
           </a:ln>
         </p:spPr>
       </p:pic>
+      <p:pic>
+        <p:nvPicPr>
+          <p:cNvPr id="5" name="Imagen 4"/>
+          <p:cNvPicPr>
+            <a:picLocks noChangeAspect="1"/>
+          </p:cNvPicPr>
+          <p:nvPr/>
+        </p:nvPicPr>
+        <p:blipFill>
+          <a:blip r:embed="rId3"/>
+          <a:stretch>
+            <a:fillRect/>
+          </a:stretch>
+        </p:blipFill>
+        <p:spPr>
+          <a:xfrm>
+            <a:off x="3862051" y="500428"/>
+            <a:ext cx="4552165" cy="2650204"/>
+          </a:xfrm>
+          <a:prstGeom prst="rect">
+            <a:avLst/>
+          </a:prstGeom>
+        </p:spPr>
+      </p:pic>
+      <p:sp>
+        <p:nvSpPr>
+          <p:cNvPr id="6" name="CuadroTexto 5"/>
+          <p:cNvSpPr txBox="1"/>
+          <p:nvPr/>
+        </p:nvSpPr>
+        <p:spPr>
+          <a:xfrm>
+            <a:off x="5057827" y="126700"/>
+            <a:ext cx="2160611" cy="369332"/>
+          </a:xfrm>
+          <a:prstGeom prst="rect">
+            <a:avLst/>
+          </a:prstGeom>
+          <a:noFill/>
+        </p:spPr>
+        <p:txBody>
+          <a:bodyPr wrap="square" rtlCol="0">
+            <a:spAutoFit/>
+          </a:bodyPr>
+          <a:lstStyle/>
+          <a:p>
+            <a:pPr algn="ctr"/>
+            <a:r>
+              <a:rPr lang="es-MX" dirty="0" smtClean="0"/>
+              <a:t>Análisis </a:t>
+            </a:r>
+            <a:r>
+              <a:rPr lang="es-MX" b="1" dirty="0" smtClean="0"/>
+              <a:t>FODA</a:t>
+            </a:r>
+            <a:endParaRPr lang="es-MX" b="1" dirty="0"/>
+          </a:p>
+        </p:txBody>
+      </p:sp>
     </p:spTree>
     <p:extLst>
       <p:ext uri="{BB962C8B-B14F-4D97-AF65-F5344CB8AC3E}">
@@ -6590,6 +6906,13 @@
   <p:clrMapOvr>
     <a:masterClrMapping/>
   </p:clrMapOvr>
+  <p:timing>
+    <p:tnLst>
+      <p:par>
+        <p:cTn id="1" dur="indefinite" restart="never" nodeType="tmRoot"/>
+      </p:par>
+    </p:tnLst>
+  </p:timing>
 </p:sld>
 </file>
 
@@ -6775,17 +7098,8 @@
             </a:r>
             <a:r>
               <a:rPr lang="es-MX" dirty="0" smtClean="0"/>
-              <a:t>a </a:t>
-            </a:r>
-            <a:r>
-              <a:rPr lang="es-MX" dirty="0" smtClean="0"/>
-              <a:t>aplicación móvil “APPMO-SP” ayudará a </a:t>
-            </a:r>
-            <a:r>
-              <a:rPr lang="es-MX" dirty="0" smtClean="0"/>
-              <a:t>controlar y administrar esta parte.</a:t>
-            </a:r>
-            <a:endParaRPr lang="es-MX" dirty="0" smtClean="0"/>
+              <a:t>a aplicación móvil “APPMO-SP” ayudará a controlar y administrar esta parte.</a:t>
+            </a:r>
           </a:p>
           <a:p>
             <a:pPr marL="0" indent="0" algn="ctr">
@@ -6811,6 +7125,13 @@
   <p:clrMapOvr>
     <a:masterClrMapping/>
   </p:clrMapOvr>
+  <p:timing>
+    <p:tnLst>
+      <p:par>
+        <p:cTn id="1" dur="indefinite" restart="never" nodeType="tmRoot"/>
+      </p:par>
+    </p:tnLst>
+  </p:timing>
 </p:sld>
 </file>
 
@@ -7617,11 +7938,7 @@
             </a:r>
             <a:r>
               <a:rPr lang="es-MX" dirty="0"/>
-              <a:t>PMBOK v6.0 siendo una guía para establecer </a:t>
-            </a:r>
-            <a:r>
-              <a:rPr lang="es-MX" dirty="0"/>
-              <a:t>bases </a:t>
+              <a:t>PMBOK v6.0 siendo una guía para establecer bases </a:t>
             </a:r>
             <a:r>
               <a:rPr lang="es-MX" dirty="0" smtClean="0"/>

--- a/9°A/Integradora/diapositiva/SM-ROOT_APPMO-SP.pptx
+++ b/9°A/Integradora/diapositiva/SM-ROOT_APPMO-SP.pptx
@@ -303,7 +303,7 @@
           <a:p>
             <a:fld id="{05AC1E8C-0CF9-436B-A299-46ADE80B9252}" type="datetimeFigureOut">
               <a:rPr lang="es-MX" smtClean="0"/>
-              <a:t>15/08/2019</a:t>
+              <a:t>18/08/2019</a:t>
             </a:fld>
             <a:endParaRPr lang="es-MX"/>
           </a:p>
@@ -633,7 +633,7 @@
           <a:p>
             <a:fld id="{05AC1E8C-0CF9-436B-A299-46ADE80B9252}" type="datetimeFigureOut">
               <a:rPr lang="es-MX" smtClean="0"/>
-              <a:t>15/08/2019</a:t>
+              <a:t>18/08/2019</a:t>
             </a:fld>
             <a:endParaRPr lang="es-MX"/>
           </a:p>
@@ -813,7 +813,7 @@
           <a:p>
             <a:fld id="{05AC1E8C-0CF9-436B-A299-46ADE80B9252}" type="datetimeFigureOut">
               <a:rPr lang="es-MX" smtClean="0"/>
-              <a:t>15/08/2019</a:t>
+              <a:t>18/08/2019</a:t>
             </a:fld>
             <a:endParaRPr lang="es-MX"/>
           </a:p>
@@ -983,7 +983,7 @@
           <a:p>
             <a:fld id="{05AC1E8C-0CF9-436B-A299-46ADE80B9252}" type="datetimeFigureOut">
               <a:rPr lang="es-MX" smtClean="0"/>
-              <a:t>15/08/2019</a:t>
+              <a:t>18/08/2019</a:t>
             </a:fld>
             <a:endParaRPr lang="es-MX"/>
           </a:p>
@@ -1260,7 +1260,7 @@
           <a:p>
             <a:fld id="{05AC1E8C-0CF9-436B-A299-46ADE80B9252}" type="datetimeFigureOut">
               <a:rPr lang="es-MX" smtClean="0"/>
-              <a:t>15/08/2019</a:t>
+              <a:t>18/08/2019</a:t>
             </a:fld>
             <a:endParaRPr lang="es-MX"/>
           </a:p>
@@ -1654,7 +1654,7 @@
           <a:p>
             <a:fld id="{05AC1E8C-0CF9-436B-A299-46ADE80B9252}" type="datetimeFigureOut">
               <a:rPr lang="es-MX" smtClean="0"/>
-              <a:t>15/08/2019</a:t>
+              <a:t>18/08/2019</a:t>
             </a:fld>
             <a:endParaRPr lang="es-MX"/>
           </a:p>
@@ -2136,7 +2136,7 @@
           <a:p>
             <a:fld id="{05AC1E8C-0CF9-436B-A299-46ADE80B9252}" type="datetimeFigureOut">
               <a:rPr lang="es-MX" smtClean="0"/>
-              <a:t>15/08/2019</a:t>
+              <a:t>18/08/2019</a:t>
             </a:fld>
             <a:endParaRPr lang="es-MX"/>
           </a:p>
@@ -2259,7 +2259,7 @@
           <a:p>
             <a:fld id="{05AC1E8C-0CF9-436B-A299-46ADE80B9252}" type="datetimeFigureOut">
               <a:rPr lang="es-MX" smtClean="0"/>
-              <a:t>15/08/2019</a:t>
+              <a:t>18/08/2019</a:t>
             </a:fld>
             <a:endParaRPr lang="es-MX"/>
           </a:p>
@@ -2354,7 +2354,7 @@
           <a:p>
             <a:fld id="{05AC1E8C-0CF9-436B-A299-46ADE80B9252}" type="datetimeFigureOut">
               <a:rPr lang="es-MX" smtClean="0"/>
-              <a:t>15/08/2019</a:t>
+              <a:t>18/08/2019</a:t>
             </a:fld>
             <a:endParaRPr lang="es-MX"/>
           </a:p>
@@ -2700,7 +2700,7 @@
           <a:p>
             <a:fld id="{05AC1E8C-0CF9-436B-A299-46ADE80B9252}" type="datetimeFigureOut">
               <a:rPr lang="es-MX" smtClean="0"/>
-              <a:t>15/08/2019</a:t>
+              <a:t>18/08/2019</a:t>
             </a:fld>
             <a:endParaRPr lang="es-MX"/>
           </a:p>
@@ -3093,7 +3093,7 @@
           <a:p>
             <a:fld id="{05AC1E8C-0CF9-436B-A299-46ADE80B9252}" type="datetimeFigureOut">
               <a:rPr lang="es-MX" smtClean="0"/>
-              <a:t>15/08/2019</a:t>
+              <a:t>18/08/2019</a:t>
             </a:fld>
             <a:endParaRPr lang="es-MX"/>
           </a:p>
@@ -3371,7 +3371,7 @@
           <a:p>
             <a:fld id="{05AC1E8C-0CF9-436B-A299-46ADE80B9252}" type="datetimeFigureOut">
               <a:rPr lang="es-MX" smtClean="0"/>
-              <a:t>15/08/2019</a:t>
+              <a:t>18/08/2019</a:t>
             </a:fld>
             <a:endParaRPr lang="es-MX"/>
           </a:p>
@@ -5401,76 +5401,67 @@
           </a:p>
         </p:txBody>
       </p:sp>
+      <p:sp>
+        <p:nvSpPr>
+          <p:cNvPr id="6" name="CuadroTexto 5"/>
+          <p:cNvSpPr txBox="1"/>
+          <p:nvPr/>
+        </p:nvSpPr>
+        <p:spPr>
+          <a:xfrm>
+            <a:off x="4872839" y="5238718"/>
+            <a:ext cx="3228378" cy="276999"/>
+          </a:xfrm>
+          <a:prstGeom prst="rect">
+            <a:avLst/>
+          </a:prstGeom>
+          <a:noFill/>
+        </p:spPr>
+        <p:txBody>
+          <a:bodyPr wrap="square" rtlCol="0">
+            <a:spAutoFit/>
+          </a:bodyPr>
+          <a:lstStyle/>
+          <a:p>
+            <a:r>
+              <a:rPr lang="es-MX" sz="1200" dirty="0" smtClean="0"/>
+              <a:t>MODELO DE PROCESO DE NEGOCIOS. AS-IS.</a:t>
+            </a:r>
+            <a:endParaRPr lang="es-MX" sz="1200" dirty="0"/>
+          </a:p>
+        </p:txBody>
+      </p:sp>
       <p:pic>
         <p:nvPicPr>
-          <p:cNvPr id="4" name="Marcador de contenido 3" descr="C:\Users\FRANC\Downloads\APPMO-SP_MPN_v1.1.png"/>
+          <p:cNvPr id="10" name="Marcador de contenido 9"/>
           <p:cNvPicPr>
-            <a:picLocks noGrp="1"/>
+            <a:picLocks noGrp="1" noChangeAspect="1"/>
           </p:cNvPicPr>
           <p:nvPr>
             <p:ph idx="1"/>
           </p:nvPr>
         </p:nvPicPr>
         <p:blipFill rotWithShape="1">
-          <a:blip r:embed="rId2" cstate="print">
+          <a:blip r:embed="rId2">
             <a:extLst>
               <a:ext uri="{28A0092B-C50C-407E-A947-70E740481C1C}">
                 <a14:useLocalDpi xmlns:a14="http://schemas.microsoft.com/office/drawing/2010/main" val="0"/>
               </a:ext>
             </a:extLst>
           </a:blip>
-          <a:srcRect l="-204" r="52228" b="9320"/>
+          <a:srcRect l="879" t="2610" r="883" b="18660"/>
           <a:stretch/>
         </p:blipFill>
-        <p:spPr bwMode="auto">
-          <a:xfrm>
-            <a:off x="2133600" y="1805940"/>
-            <a:ext cx="8359140" cy="4091940"/>
+        <p:spPr>
+          <a:xfrm>
+            <a:off x="782057" y="2269964"/>
+            <a:ext cx="11409943" cy="2643230"/>
           </a:xfrm>
           <a:prstGeom prst="rect">
             <a:avLst/>
           </a:prstGeom>
-          <a:noFill/>
-          <a:ln>
-            <a:noFill/>
-          </a:ln>
-          <a:extLst>
-            <a:ext uri="{53640926-AAD7-44D8-BBD7-CCE9431645EC}">
-              <a14:shadowObscured xmlns:a14="http://schemas.microsoft.com/office/drawing/2010/main"/>
-            </a:ext>
-          </a:extLst>
         </p:spPr>
       </p:pic>
-      <p:sp>
-        <p:nvSpPr>
-          <p:cNvPr id="6" name="CuadroTexto 5"/>
-          <p:cNvSpPr txBox="1"/>
-          <p:nvPr/>
-        </p:nvSpPr>
-        <p:spPr>
-          <a:xfrm>
-            <a:off x="5806440" y="5897880"/>
-            <a:ext cx="1584960" cy="276999"/>
-          </a:xfrm>
-          <a:prstGeom prst="rect">
-            <a:avLst/>
-          </a:prstGeom>
-          <a:noFill/>
-        </p:spPr>
-        <p:txBody>
-          <a:bodyPr wrap="square" rtlCol="0">
-            <a:spAutoFit/>
-          </a:bodyPr>
-          <a:lstStyle/>
-          <a:p>
-            <a:r>
-              <a:rPr lang="es-MX" sz="1200" dirty="0" smtClean="0"/>
-              <a:t>Parte 1 de 2</a:t>
-            </a:r>
-            <a:endParaRPr lang="es-MX" sz="1200" dirty="0"/>
-          </a:p>
-        </p:txBody>
-      </p:sp>
     </p:spTree>
     <p:extLst>
       <p:ext uri="{BB962C8B-B14F-4D97-AF65-F5344CB8AC3E}">
@@ -5501,76 +5492,67 @@
           <a:chExt cx="0" cy="0"/>
         </a:xfrm>
       </p:grpSpPr>
+      <p:sp>
+        <p:nvSpPr>
+          <p:cNvPr id="5" name="CuadroTexto 4"/>
+          <p:cNvSpPr txBox="1"/>
+          <p:nvPr/>
+        </p:nvSpPr>
+        <p:spPr>
+          <a:xfrm>
+            <a:off x="4947027" y="4647518"/>
+            <a:ext cx="2953263" cy="279324"/>
+          </a:xfrm>
+          <a:prstGeom prst="rect">
+            <a:avLst/>
+          </a:prstGeom>
+          <a:noFill/>
+        </p:spPr>
+        <p:txBody>
+          <a:bodyPr wrap="square" rtlCol="0">
+            <a:spAutoFit/>
+          </a:bodyPr>
+          <a:lstStyle/>
+          <a:p>
+            <a:r>
+              <a:rPr lang="es-MX" sz="1200" dirty="0" smtClean="0"/>
+              <a:t>PROCESO MODELO DE NEGOCIOS. TO-BE.</a:t>
+            </a:r>
+            <a:endParaRPr lang="es-MX" sz="1200" dirty="0"/>
+          </a:p>
+        </p:txBody>
+      </p:sp>
       <p:pic>
         <p:nvPicPr>
-          <p:cNvPr id="4" name="Marcador de contenido 3" descr="C:\Users\FRANC\Downloads\APPMO-SP_MPN_v1.1.png"/>
+          <p:cNvPr id="7" name="Marcador de contenido 4"/>
           <p:cNvPicPr>
-            <a:picLocks noGrp="1"/>
+            <a:picLocks noGrp="1" noChangeAspect="1"/>
           </p:cNvPicPr>
           <p:nvPr>
             <p:ph idx="1"/>
           </p:nvPr>
         </p:nvPicPr>
         <p:blipFill rotWithShape="1">
-          <a:blip r:embed="rId2" cstate="print">
+          <a:blip r:embed="rId2">
             <a:extLst>
               <a:ext uri="{28A0092B-C50C-407E-A947-70E740481C1C}">
                 <a14:useLocalDpi xmlns:a14="http://schemas.microsoft.com/office/drawing/2010/main" val="0"/>
               </a:ext>
             </a:extLst>
           </a:blip>
-          <a:srcRect l="47707" b="8859"/>
+          <a:srcRect l="1491" t="3766" r="1573" b="27259"/>
           <a:stretch/>
         </p:blipFill>
-        <p:spPr bwMode="auto">
-          <a:xfrm>
-            <a:off x="2072078" y="1714500"/>
-            <a:ext cx="8870242" cy="3604260"/>
+        <p:spPr>
+          <a:xfrm>
+            <a:off x="1379566" y="1446661"/>
+            <a:ext cx="10088187" cy="3084395"/>
           </a:xfrm>
           <a:prstGeom prst="rect">
             <a:avLst/>
           </a:prstGeom>
-          <a:noFill/>
-          <a:ln>
-            <a:noFill/>
-          </a:ln>
-          <a:extLst>
-            <a:ext uri="{53640926-AAD7-44D8-BBD7-CCE9431645EC}">
-              <a14:shadowObscured xmlns:a14="http://schemas.microsoft.com/office/drawing/2010/main"/>
-            </a:ext>
-          </a:extLst>
         </p:spPr>
       </p:pic>
-      <p:sp>
-        <p:nvSpPr>
-          <p:cNvPr id="5" name="CuadroTexto 4"/>
-          <p:cNvSpPr txBox="1"/>
-          <p:nvPr/>
-        </p:nvSpPr>
-        <p:spPr>
-          <a:xfrm>
-            <a:off x="5631180" y="5425440"/>
-            <a:ext cx="1584960" cy="276999"/>
-          </a:xfrm>
-          <a:prstGeom prst="rect">
-            <a:avLst/>
-          </a:prstGeom>
-          <a:noFill/>
-        </p:spPr>
-        <p:txBody>
-          <a:bodyPr wrap="square" rtlCol="0">
-            <a:spAutoFit/>
-          </a:bodyPr>
-          <a:lstStyle/>
-          <a:p>
-            <a:r>
-              <a:rPr lang="es-MX" sz="1200" dirty="0" smtClean="0"/>
-              <a:t>Parte 2 de 2</a:t>
-            </a:r>
-            <a:endParaRPr lang="es-MX" sz="1200" dirty="0"/>
-          </a:p>
-        </p:txBody>
-      </p:sp>
     </p:spTree>
     <p:extLst>
       <p:ext uri="{BB962C8B-B14F-4D97-AF65-F5344CB8AC3E}">
@@ -6542,11 +6524,7 @@
             </a:pPr>
             <a:r>
               <a:rPr lang="es-MX" dirty="0" smtClean="0"/>
-              <a:t>Chiapas, es</a:t>
-            </a:r>
-            <a:r>
-              <a:rPr lang="es-MX" dirty="0" smtClean="0"/>
-              <a:t> </a:t>
+              <a:t>Chiapas, es </a:t>
             </a:r>
             <a:r>
               <a:rPr lang="es-MX" dirty="0"/>
@@ -6635,72 +6613,6 @@
               <a:buNone/>
             </a:pPr>
             <a:endParaRPr lang="es-MX" b="1" dirty="0"/>
-          </a:p>
-        </p:txBody>
-      </p:sp>
-      <p:sp>
-        <p:nvSpPr>
-          <p:cNvPr id="6" name="CuadroTexto 5"/>
-          <p:cNvSpPr txBox="1"/>
-          <p:nvPr/>
-        </p:nvSpPr>
-        <p:spPr>
-          <a:xfrm>
-            <a:off x="8760113" y="734412"/>
-            <a:ext cx="3021445" cy="923330"/>
-          </a:xfrm>
-          <a:prstGeom prst="rect">
-            <a:avLst/>
-          </a:prstGeom>
-          <a:noFill/>
-        </p:spPr>
-        <p:txBody>
-          <a:bodyPr wrap="square" rtlCol="0">
-            <a:spAutoFit/>
-          </a:bodyPr>
-          <a:lstStyle/>
-          <a:p>
-            <a:r>
-              <a:rPr lang="es-MX" dirty="0" smtClean="0">
-                <a:solidFill>
-                  <a:srgbClr val="FF0000"/>
-                </a:solidFill>
-              </a:rPr>
-              <a:t>Agregar logo de la </a:t>
-            </a:r>
-            <a:r>
-              <a:rPr lang="es-MX" dirty="0" smtClean="0">
-                <a:solidFill>
-                  <a:srgbClr val="FF0000"/>
-                </a:solidFill>
-              </a:rPr>
-              <a:t>panadería</a:t>
-            </a:r>
-          </a:p>
-          <a:p>
-            <a:r>
-              <a:rPr lang="es-MX" dirty="0" smtClean="0">
-                <a:solidFill>
-                  <a:srgbClr val="FF0000"/>
-                </a:solidFill>
-              </a:rPr>
-              <a:t>Ubicación</a:t>
-            </a:r>
-          </a:p>
-          <a:p>
-            <a:r>
-              <a:rPr lang="es-MX" dirty="0" smtClean="0">
-                <a:solidFill>
-                  <a:srgbClr val="FF0000"/>
-                </a:solidFill>
-              </a:rPr>
-              <a:t>Giro</a:t>
-            </a:r>
-            <a:endParaRPr lang="es-MX" dirty="0" smtClean="0">
-              <a:solidFill>
-                <a:srgbClr val="FF0000"/>
-              </a:solidFill>
-            </a:endParaRPr>
           </a:p>
         </p:txBody>
       </p:sp>

--- a/9°A/Integradora/diapositiva/SM-ROOT_APPMO-SP.pptx
+++ b/9°A/Integradora/diapositiva/SM-ROOT_APPMO-SP.pptx
@@ -303,7 +303,7 @@
           <a:p>
             <a:fld id="{05AC1E8C-0CF9-436B-A299-46ADE80B9252}" type="datetimeFigureOut">
               <a:rPr lang="es-MX" smtClean="0"/>
-              <a:t>18/08/2019</a:t>
+              <a:t>19/08/2019</a:t>
             </a:fld>
             <a:endParaRPr lang="es-MX"/>
           </a:p>
@@ -633,7 +633,7 @@
           <a:p>
             <a:fld id="{05AC1E8C-0CF9-436B-A299-46ADE80B9252}" type="datetimeFigureOut">
               <a:rPr lang="es-MX" smtClean="0"/>
-              <a:t>18/08/2019</a:t>
+              <a:t>19/08/2019</a:t>
             </a:fld>
             <a:endParaRPr lang="es-MX"/>
           </a:p>
@@ -813,7 +813,7 @@
           <a:p>
             <a:fld id="{05AC1E8C-0CF9-436B-A299-46ADE80B9252}" type="datetimeFigureOut">
               <a:rPr lang="es-MX" smtClean="0"/>
-              <a:t>18/08/2019</a:t>
+              <a:t>19/08/2019</a:t>
             </a:fld>
             <a:endParaRPr lang="es-MX"/>
           </a:p>
@@ -983,7 +983,7 @@
           <a:p>
             <a:fld id="{05AC1E8C-0CF9-436B-A299-46ADE80B9252}" type="datetimeFigureOut">
               <a:rPr lang="es-MX" smtClean="0"/>
-              <a:t>18/08/2019</a:t>
+              <a:t>19/08/2019</a:t>
             </a:fld>
             <a:endParaRPr lang="es-MX"/>
           </a:p>
@@ -1260,7 +1260,7 @@
           <a:p>
             <a:fld id="{05AC1E8C-0CF9-436B-A299-46ADE80B9252}" type="datetimeFigureOut">
               <a:rPr lang="es-MX" smtClean="0"/>
-              <a:t>18/08/2019</a:t>
+              <a:t>19/08/2019</a:t>
             </a:fld>
             <a:endParaRPr lang="es-MX"/>
           </a:p>
@@ -1654,7 +1654,7 @@
           <a:p>
             <a:fld id="{05AC1E8C-0CF9-436B-A299-46ADE80B9252}" type="datetimeFigureOut">
               <a:rPr lang="es-MX" smtClean="0"/>
-              <a:t>18/08/2019</a:t>
+              <a:t>19/08/2019</a:t>
             </a:fld>
             <a:endParaRPr lang="es-MX"/>
           </a:p>
@@ -2136,7 +2136,7 @@
           <a:p>
             <a:fld id="{05AC1E8C-0CF9-436B-A299-46ADE80B9252}" type="datetimeFigureOut">
               <a:rPr lang="es-MX" smtClean="0"/>
-              <a:t>18/08/2019</a:t>
+              <a:t>19/08/2019</a:t>
             </a:fld>
             <a:endParaRPr lang="es-MX"/>
           </a:p>
@@ -2259,7 +2259,7 @@
           <a:p>
             <a:fld id="{05AC1E8C-0CF9-436B-A299-46ADE80B9252}" type="datetimeFigureOut">
               <a:rPr lang="es-MX" smtClean="0"/>
-              <a:t>18/08/2019</a:t>
+              <a:t>19/08/2019</a:t>
             </a:fld>
             <a:endParaRPr lang="es-MX"/>
           </a:p>
@@ -2354,7 +2354,7 @@
           <a:p>
             <a:fld id="{05AC1E8C-0CF9-436B-A299-46ADE80B9252}" type="datetimeFigureOut">
               <a:rPr lang="es-MX" smtClean="0"/>
-              <a:t>18/08/2019</a:t>
+              <a:t>19/08/2019</a:t>
             </a:fld>
             <a:endParaRPr lang="es-MX"/>
           </a:p>
@@ -2700,7 +2700,7 @@
           <a:p>
             <a:fld id="{05AC1E8C-0CF9-436B-A299-46ADE80B9252}" type="datetimeFigureOut">
               <a:rPr lang="es-MX" smtClean="0"/>
-              <a:t>18/08/2019</a:t>
+              <a:t>19/08/2019</a:t>
             </a:fld>
             <a:endParaRPr lang="es-MX"/>
           </a:p>
@@ -3093,7 +3093,7 @@
           <a:p>
             <a:fld id="{05AC1E8C-0CF9-436B-A299-46ADE80B9252}" type="datetimeFigureOut">
               <a:rPr lang="es-MX" smtClean="0"/>
-              <a:t>18/08/2019</a:t>
+              <a:t>19/08/2019</a:t>
             </a:fld>
             <a:endParaRPr lang="es-MX"/>
           </a:p>
@@ -3371,7 +3371,7 @@
           <a:p>
             <a:fld id="{05AC1E8C-0CF9-436B-A299-46ADE80B9252}" type="datetimeFigureOut">
               <a:rPr lang="es-MX" smtClean="0"/>
-              <a:t>18/08/2019</a:t>
+              <a:t>19/08/2019</a:t>
             </a:fld>
             <a:endParaRPr lang="es-MX"/>
           </a:p>
@@ -4401,6 +4401,13 @@
   <p:clrMapOvr>
     <a:masterClrMapping/>
   </p:clrMapOvr>
+  <p:timing>
+    <p:tnLst>
+      <p:par>
+        <p:cTn id="1" dur="indefinite" restart="never" nodeType="tmRoot"/>
+      </p:par>
+    </p:tnLst>
+  </p:timing>
 </p:sld>
 </file>
 
@@ -4518,6 +4525,13 @@
   <p:clrMapOvr>
     <a:masterClrMapping/>
   </p:clrMapOvr>
+  <p:timing>
+    <p:tnLst>
+      <p:par>
+        <p:cTn id="1" dur="indefinite" restart="never" nodeType="tmRoot"/>
+      </p:par>
+    </p:tnLst>
+  </p:timing>
 </p:sld>
 </file>
 
@@ -4652,6 +4666,13 @@
   <p:clrMapOvr>
     <a:masterClrMapping/>
   </p:clrMapOvr>
+  <p:timing>
+    <p:tnLst>
+      <p:par>
+        <p:cTn id="1" dur="indefinite" restart="never" nodeType="tmRoot"/>
+      </p:par>
+    </p:tnLst>
+  </p:timing>
 </p:sld>
 </file>
 
@@ -4734,6 +4755,13 @@
   <p:clrMapOvr>
     <a:masterClrMapping/>
   </p:clrMapOvr>
+  <p:timing>
+    <p:tnLst>
+      <p:par>
+        <p:cTn id="1" dur="indefinite" restart="never" nodeType="tmRoot"/>
+      </p:par>
+    </p:tnLst>
+  </p:timing>
 </p:sld>
 </file>
 
@@ -5472,6 +5500,13 @@
   <p:clrMapOvr>
     <a:masterClrMapping/>
   </p:clrMapOvr>
+  <p:timing>
+    <p:tnLst>
+      <p:par>
+        <p:cTn id="1" dur="indefinite" restart="never" nodeType="tmRoot"/>
+      </p:par>
+    </p:tnLst>
+  </p:timing>
 </p:sld>
 </file>
 
@@ -5563,6 +5598,13 @@
   <p:clrMapOvr>
     <a:masterClrMapping/>
   </p:clrMapOvr>
+  <p:timing>
+    <p:tnLst>
+      <p:par>
+        <p:cTn id="1" dur="indefinite" restart="never" nodeType="tmRoot"/>
+      </p:par>
+    </p:tnLst>
+  </p:timing>
 </p:sld>
 </file>
 
@@ -5808,6 +5850,13 @@
   <p:clrMapOvr>
     <a:masterClrMapping/>
   </p:clrMapOvr>
+  <p:timing>
+    <p:tnLst>
+      <p:par>
+        <p:cTn id="1" dur="indefinite" restart="never" nodeType="tmRoot"/>
+      </p:par>
+    </p:tnLst>
+  </p:timing>
 </p:sld>
 </file>
 
@@ -5906,6 +5955,13 @@
   <p:clrMapOvr>
     <a:masterClrMapping/>
   </p:clrMapOvr>
+  <p:timing>
+    <p:tnLst>
+      <p:par>
+        <p:cTn id="1" dur="indefinite" restart="never" nodeType="tmRoot"/>
+      </p:par>
+    </p:tnLst>
+  </p:timing>
 </p:sld>
 </file>
 
@@ -6123,6 +6179,13 @@
   <p:clrMapOvr>
     <a:masterClrMapping/>
   </p:clrMapOvr>
+  <p:timing>
+    <p:tnLst>
+      <p:par>
+        <p:cTn id="1" dur="indefinite" restart="never" nodeType="tmRoot"/>
+      </p:par>
+    </p:tnLst>
+  </p:timing>
 </p:sld>
 </file>
 
@@ -6203,6 +6266,13 @@
   <p:clrMapOvr>
     <a:masterClrMapping/>
   </p:clrMapOvr>
+  <p:timing>
+    <p:tnLst>
+      <p:par>
+        <p:cTn id="1" dur="indefinite" restart="never" nodeType="tmRoot"/>
+      </p:par>
+    </p:tnLst>
+  </p:timing>
 </p:sld>
 </file>
 
@@ -6331,6 +6401,13 @@
   <p:clrMapOvr>
     <a:masterClrMapping/>
   </p:clrMapOvr>
+  <p:timing>
+    <p:tnLst>
+      <p:par>
+        <p:cTn id="1" dur="indefinite" restart="never" nodeType="tmRoot"/>
+      </p:par>
+    </p:tnLst>
+  </p:timing>
 </p:sld>
 </file>
 
@@ -6411,6 +6488,13 @@
   <p:clrMapOvr>
     <a:masterClrMapping/>
   </p:clrMapOvr>
+  <p:timing>
+    <p:tnLst>
+      <p:par>
+        <p:cTn id="1" dur="indefinite" restart="never" nodeType="tmRoot"/>
+      </p:par>
+    </p:tnLst>
+  </p:timing>
 </p:sld>
 </file>
 
@@ -7221,6 +7305,13 @@
   <p:clrMapOvr>
     <a:masterClrMapping/>
   </p:clrMapOvr>
+  <p:timing>
+    <p:tnLst>
+      <p:par>
+        <p:cTn id="1" dur="indefinite" restart="never" nodeType="tmRoot"/>
+      </p:par>
+    </p:tnLst>
+  </p:timing>
 </p:sld>
 </file>
 
@@ -7432,6 +7523,13 @@
   <p:clrMapOvr>
     <a:masterClrMapping/>
   </p:clrMapOvr>
+  <p:timing>
+    <p:tnLst>
+      <p:par>
+        <p:cTn id="1" dur="indefinite" restart="never" nodeType="tmRoot"/>
+      </p:par>
+    </p:tnLst>
+  </p:timing>
 </p:sld>
 </file>
 
@@ -7764,6 +7862,13 @@
   <p:clrMapOvr>
     <a:masterClrMapping/>
   </p:clrMapOvr>
+  <p:timing>
+    <p:tnLst>
+      <p:par>
+        <p:cTn id="1" dur="indefinite" restart="never" nodeType="tmRoot"/>
+      </p:par>
+    </p:tnLst>
+  </p:timing>
 </p:sld>
 </file>
 
@@ -7957,6 +8062,13 @@
   <p:clrMapOvr>
     <a:masterClrMapping/>
   </p:clrMapOvr>
+  <p:timing>
+    <p:tnLst>
+      <p:par>
+        <p:cTn id="1" dur="indefinite" restart="never" nodeType="tmRoot"/>
+      </p:par>
+    </p:tnLst>
+  </p:timing>
 </p:sld>
 </file>
 

--- a/9°A/Integradora/diapositiva/SM-ROOT_APPMO-SP.pptx
+++ b/9°A/Integradora/diapositiva/SM-ROOT_APPMO-SP.pptx
@@ -29,7 +29,9 @@
     <p:sldId id="274" r:id="rId23"/>
     <p:sldId id="276" r:id="rId24"/>
     <p:sldId id="275" r:id="rId25"/>
-    <p:sldId id="283" r:id="rId26"/>
+    <p:sldId id="284" r:id="rId26"/>
+    <p:sldId id="287" r:id="rId27"/>
+    <p:sldId id="286" r:id="rId28"/>
   </p:sldIdLst>
   <p:sldSz cx="12192000" cy="6858000"/>
   <p:notesSz cx="6858000" cy="9144000"/>
@@ -305,7 +307,7 @@
           <a:p>
             <a:fld id="{05AC1E8C-0CF9-436B-A299-46ADE80B9252}" type="datetimeFigureOut">
               <a:rPr lang="es-MX" smtClean="0"/>
-              <a:t>19/08/2019</a:t>
+              <a:t>20/08/2019</a:t>
             </a:fld>
             <a:endParaRPr lang="es-MX"/>
           </a:p>
@@ -635,7 +637,7 @@
           <a:p>
             <a:fld id="{05AC1E8C-0CF9-436B-A299-46ADE80B9252}" type="datetimeFigureOut">
               <a:rPr lang="es-MX" smtClean="0"/>
-              <a:t>19/08/2019</a:t>
+              <a:t>20/08/2019</a:t>
             </a:fld>
             <a:endParaRPr lang="es-MX"/>
           </a:p>
@@ -815,7 +817,7 @@
           <a:p>
             <a:fld id="{05AC1E8C-0CF9-436B-A299-46ADE80B9252}" type="datetimeFigureOut">
               <a:rPr lang="es-MX" smtClean="0"/>
-              <a:t>19/08/2019</a:t>
+              <a:t>20/08/2019</a:t>
             </a:fld>
             <a:endParaRPr lang="es-MX"/>
           </a:p>
@@ -985,7 +987,7 @@
           <a:p>
             <a:fld id="{05AC1E8C-0CF9-436B-A299-46ADE80B9252}" type="datetimeFigureOut">
               <a:rPr lang="es-MX" smtClean="0"/>
-              <a:t>19/08/2019</a:t>
+              <a:t>20/08/2019</a:t>
             </a:fld>
             <a:endParaRPr lang="es-MX"/>
           </a:p>
@@ -1262,7 +1264,7 @@
           <a:p>
             <a:fld id="{05AC1E8C-0CF9-436B-A299-46ADE80B9252}" type="datetimeFigureOut">
               <a:rPr lang="es-MX" smtClean="0"/>
-              <a:t>19/08/2019</a:t>
+              <a:t>20/08/2019</a:t>
             </a:fld>
             <a:endParaRPr lang="es-MX"/>
           </a:p>
@@ -1656,7 +1658,7 @@
           <a:p>
             <a:fld id="{05AC1E8C-0CF9-436B-A299-46ADE80B9252}" type="datetimeFigureOut">
               <a:rPr lang="es-MX" smtClean="0"/>
-              <a:t>19/08/2019</a:t>
+              <a:t>20/08/2019</a:t>
             </a:fld>
             <a:endParaRPr lang="es-MX"/>
           </a:p>
@@ -2138,7 +2140,7 @@
           <a:p>
             <a:fld id="{05AC1E8C-0CF9-436B-A299-46ADE80B9252}" type="datetimeFigureOut">
               <a:rPr lang="es-MX" smtClean="0"/>
-              <a:t>19/08/2019</a:t>
+              <a:t>20/08/2019</a:t>
             </a:fld>
             <a:endParaRPr lang="es-MX"/>
           </a:p>
@@ -2261,7 +2263,7 @@
           <a:p>
             <a:fld id="{05AC1E8C-0CF9-436B-A299-46ADE80B9252}" type="datetimeFigureOut">
               <a:rPr lang="es-MX" smtClean="0"/>
-              <a:t>19/08/2019</a:t>
+              <a:t>20/08/2019</a:t>
             </a:fld>
             <a:endParaRPr lang="es-MX"/>
           </a:p>
@@ -2356,7 +2358,7 @@
           <a:p>
             <a:fld id="{05AC1E8C-0CF9-436B-A299-46ADE80B9252}" type="datetimeFigureOut">
               <a:rPr lang="es-MX" smtClean="0"/>
-              <a:t>19/08/2019</a:t>
+              <a:t>20/08/2019</a:t>
             </a:fld>
             <a:endParaRPr lang="es-MX"/>
           </a:p>
@@ -2702,7 +2704,7 @@
           <a:p>
             <a:fld id="{05AC1E8C-0CF9-436B-A299-46ADE80B9252}" type="datetimeFigureOut">
               <a:rPr lang="es-MX" smtClean="0"/>
-              <a:t>19/08/2019</a:t>
+              <a:t>20/08/2019</a:t>
             </a:fld>
             <a:endParaRPr lang="es-MX"/>
           </a:p>
@@ -3095,7 +3097,7 @@
           <a:p>
             <a:fld id="{05AC1E8C-0CF9-436B-A299-46ADE80B9252}" type="datetimeFigureOut">
               <a:rPr lang="es-MX" smtClean="0"/>
-              <a:t>19/08/2019</a:t>
+              <a:t>20/08/2019</a:t>
             </a:fld>
             <a:endParaRPr lang="es-MX"/>
           </a:p>
@@ -3373,7 +3375,7 @@
           <a:p>
             <a:fld id="{05AC1E8C-0CF9-436B-A299-46ADE80B9252}" type="datetimeFigureOut">
               <a:rPr lang="es-MX" smtClean="0"/>
-              <a:t>19/08/2019</a:t>
+              <a:t>20/08/2019</a:t>
             </a:fld>
             <a:endParaRPr lang="es-MX"/>
           </a:p>
@@ -4401,7 +4403,7 @@
         </p:nvSpPr>
         <p:spPr>
           <a:xfrm>
-            <a:off x="4835885" y="2641997"/>
+            <a:off x="4835885" y="2457331"/>
             <a:ext cx="2674360" cy="369332"/>
           </a:xfrm>
           <a:prstGeom prst="rect">
@@ -4524,11 +4526,7 @@
             </a:r>
             <a:r>
               <a:rPr lang="es-MX" dirty="0" smtClean="0"/>
-              <a:t>móvil, siguiendo </a:t>
-            </a:r>
-            <a:r>
-              <a:rPr lang="es-MX" dirty="0" smtClean="0"/>
-              <a:t>la metodología </a:t>
+              <a:t>móvil, siguiendo la metodología </a:t>
             </a:r>
             <a:r>
               <a:rPr lang="es-MX" dirty="0"/>
@@ -4560,31 +4558,11 @@
             </a:r>
             <a:r>
               <a:rPr lang="es-MX" dirty="0" smtClean="0"/>
-              <a:t>proyecto. Bajo esta planeación </a:t>
-            </a:r>
-            <a:r>
-              <a:rPr lang="es-MX" dirty="0" smtClean="0"/>
-              <a:t>se Incluyen documentos </a:t>
-            </a:r>
-            <a:r>
-              <a:rPr lang="es-MX" dirty="0" smtClean="0"/>
-              <a:t>tales como Project Charter, Stakeholders, Diagrama de Gantt, </a:t>
-            </a:r>
-            <a:r>
-              <a:rPr lang="es-MX" dirty="0" smtClean="0"/>
-              <a:t>etc. La </a:t>
-            </a:r>
-            <a:r>
-              <a:rPr lang="es-MX" dirty="0" smtClean="0"/>
-              <a:t>aplicación Móvil tendrá la finalidad de aportar a la empresa </a:t>
+              <a:t>proyecto. Bajo esta planeación se Incluyen documentos tales como Project Charter, Stakeholders, Diagrama de Gantt, etc. La aplicación Móvil tendrá la finalidad de aportar a la empresa </a:t>
             </a:r>
             <a:r>
               <a:rPr lang="es-MX" b="1" dirty="0" smtClean="0"/>
-              <a:t>Panadería San </a:t>
-            </a:r>
-            <a:r>
-              <a:rPr lang="es-MX" b="1" dirty="0" smtClean="0"/>
-              <a:t>Pedro </a:t>
+              <a:t>Panadería San Pedro </a:t>
             </a:r>
             <a:r>
               <a:rPr lang="es-MX" dirty="0" smtClean="0"/>
@@ -4947,11 +4925,7 @@
             <a:pPr algn="ctr"/>
             <a:r>
               <a:rPr lang="es-MX" sz="4000" b="1" dirty="0" smtClean="0"/>
-              <a:t>LISTA DE STAKEHOLDERS, </a:t>
-            </a:r>
-            <a:r>
-              <a:rPr lang="es-MX" sz="4000" b="1" dirty="0" smtClean="0"/>
-              <a:t>ROLES Y MATRIZ DE RESPONSABILIDAD.</a:t>
+              <a:t>LISTA DE STAKEHOLDERS, ROLES Y MATRIZ DE RESPONSABILIDAD.</a:t>
             </a:r>
             <a:endParaRPr lang="es-MX" sz="4000" b="1" dirty="0"/>
           </a:p>
@@ -5275,7 +5249,7 @@
       </p:pic>
       <p:pic>
         <p:nvPicPr>
-          <p:cNvPr id="11" name="Marcador de contenido 10"/>
+          <p:cNvPr id="14" name="Marcador de contenido 13"/>
           <p:cNvPicPr>
             <a:picLocks noGrp="1" noChangeAspect="1"/>
           </p:cNvPicPr>
@@ -5291,8 +5265,8 @@
         </p:blipFill>
         <p:spPr>
           <a:xfrm>
-            <a:off x="3974553" y="2521853"/>
-            <a:ext cx="5094041" cy="4056747"/>
+            <a:off x="4073582" y="2636981"/>
+            <a:ext cx="5098126" cy="4063935"/>
           </a:xfrm>
           <a:prstGeom prst="rect">
             <a:avLst/>
@@ -5401,7 +5375,7 @@
         </p:blipFill>
         <p:spPr>
           <a:xfrm>
-            <a:off x="949485" y="2483982"/>
+            <a:off x="1032740" y="2538377"/>
             <a:ext cx="5139459" cy="2477391"/>
           </a:xfrm>
           <a:prstGeom prst="rect">
@@ -5683,6 +5657,36 @@
           </a:extLst>
         </p:spPr>
       </p:pic>
+      <p:sp>
+        <p:nvSpPr>
+          <p:cNvPr id="2" name="CuadroTexto 1"/>
+          <p:cNvSpPr txBox="1"/>
+          <p:nvPr/>
+        </p:nvSpPr>
+        <p:spPr>
+          <a:xfrm>
+            <a:off x="2193923" y="1855188"/>
+            <a:ext cx="2817091" cy="369332"/>
+          </a:xfrm>
+          <a:prstGeom prst="rect">
+            <a:avLst/>
+          </a:prstGeom>
+          <a:noFill/>
+        </p:spPr>
+        <p:txBody>
+          <a:bodyPr wrap="square" rtlCol="0">
+            <a:spAutoFit/>
+          </a:bodyPr>
+          <a:lstStyle/>
+          <a:p>
+            <a:r>
+              <a:rPr lang="es-MX" dirty="0" smtClean="0"/>
+              <a:t>Matriz de Responsabilidad</a:t>
+            </a:r>
+            <a:endParaRPr lang="es-MX" dirty="0"/>
+          </a:p>
+        </p:txBody>
+      </p:sp>
     </p:spTree>
     <p:extLst>
       <p:ext uri="{BB962C8B-B14F-4D97-AF65-F5344CB8AC3E}">
@@ -6515,7 +6519,7 @@
       </p:sp>
       <p:pic>
         <p:nvPicPr>
-          <p:cNvPr id="18" name="Marcador de contenido 17"/>
+          <p:cNvPr id="20" name="Marcador de contenido 19"/>
           <p:cNvPicPr>
             <a:picLocks noGrp="1" noChangeAspect="1"/>
           </p:cNvPicPr>
@@ -6531,8 +6535,8 @@
         </p:blipFill>
         <p:spPr>
           <a:xfrm>
-            <a:off x="3482208" y="2016230"/>
-            <a:ext cx="5633983" cy="4691245"/>
+            <a:off x="3420943" y="1997757"/>
+            <a:ext cx="5619475" cy="4698606"/>
           </a:xfrm>
           <a:prstGeom prst="rect">
             <a:avLst/>
@@ -7641,9 +7645,39 @@
           </a:extLst>
         </p:spPr>
       </p:pic>
+      <p:sp>
+        <p:nvSpPr>
+          <p:cNvPr id="5" name="CuadroTexto 4"/>
+          <p:cNvSpPr txBox="1"/>
+          <p:nvPr/>
+        </p:nvSpPr>
+        <p:spPr>
+          <a:xfrm>
+            <a:off x="5183712" y="1748908"/>
+            <a:ext cx="2731838" cy="369332"/>
+          </a:xfrm>
+          <a:prstGeom prst="rect">
+            <a:avLst/>
+          </a:prstGeom>
+          <a:noFill/>
+        </p:spPr>
+        <p:txBody>
+          <a:bodyPr wrap="none" rtlCol="0">
+            <a:spAutoFit/>
+          </a:bodyPr>
+          <a:lstStyle/>
+          <a:p>
+            <a:r>
+              <a:rPr lang="es-MX" dirty="0" smtClean="0"/>
+              <a:t>Matriz de comunicaciones</a:t>
+            </a:r>
+            <a:endParaRPr lang="es-MX" dirty="0"/>
+          </a:p>
+        </p:txBody>
+      </p:sp>
       <p:pic>
         <p:nvPicPr>
-          <p:cNvPr id="4" name="Marcador de contenido 3"/>
+          <p:cNvPr id="6" name="Marcador de contenido 5"/>
           <p:cNvPicPr>
             <a:picLocks noGrp="1" noChangeAspect="1"/>
           </p:cNvPicPr>
@@ -7651,51 +7685,22 @@
             <p:ph idx="1"/>
           </p:nvPr>
         </p:nvPicPr>
-        <p:blipFill rotWithShape="1">
+        <p:blipFill>
           <a:blip r:embed="rId6"/>
-          <a:srcRect b="41279"/>
-          <a:stretch/>
+          <a:stretch>
+            <a:fillRect/>
+          </a:stretch>
         </p:blipFill>
         <p:spPr>
           <a:xfrm>
-            <a:off x="1209064" y="2212974"/>
-            <a:ext cx="10681134" cy="3953017"/>
+            <a:off x="1086819" y="2212974"/>
+            <a:ext cx="10870812" cy="4227142"/>
           </a:xfrm>
           <a:prstGeom prst="rect">
             <a:avLst/>
           </a:prstGeom>
         </p:spPr>
       </p:pic>
-      <p:sp>
-        <p:nvSpPr>
-          <p:cNvPr id="5" name="CuadroTexto 4"/>
-          <p:cNvSpPr txBox="1"/>
-          <p:nvPr/>
-        </p:nvSpPr>
-        <p:spPr>
-          <a:xfrm>
-            <a:off x="5183712" y="1748908"/>
-            <a:ext cx="2731838" cy="369332"/>
-          </a:xfrm>
-          <a:prstGeom prst="rect">
-            <a:avLst/>
-          </a:prstGeom>
-          <a:noFill/>
-        </p:spPr>
-        <p:txBody>
-          <a:bodyPr wrap="none" rtlCol="0">
-            <a:spAutoFit/>
-          </a:bodyPr>
-          <a:lstStyle/>
-          <a:p>
-            <a:r>
-              <a:rPr lang="es-MX" dirty="0" smtClean="0"/>
-              <a:t>Matriz de comunicaciones</a:t>
-            </a:r>
-            <a:endParaRPr lang="es-MX" dirty="0"/>
-          </a:p>
-        </p:txBody>
-      </p:sp>
     </p:spTree>
     <p:extLst>
       <p:ext uri="{BB962C8B-B14F-4D97-AF65-F5344CB8AC3E}">
@@ -8167,7 +8172,7 @@
         </p:nvSpPr>
         <p:spPr>
           <a:xfrm>
-            <a:off x="1371600" y="1999169"/>
+            <a:off x="1390650" y="2346726"/>
             <a:ext cx="9601200" cy="416098"/>
           </a:xfrm>
         </p:spPr>
@@ -8180,7 +8185,11 @@
             </a:pPr>
             <a:r>
               <a:rPr lang="es-MX" b="1" dirty="0" smtClean="0"/>
-              <a:t>APPMO-SP (APLICACIÓN MÓVIL SAN PEDRO)</a:t>
+              <a:t>APPMO-SP (ADMINISTRACIÓN DE LA APLICACIÓN </a:t>
+            </a:r>
+            <a:r>
+              <a:rPr lang="es-MX" b="1" dirty="0" smtClean="0"/>
+              <a:t>MÓVIL SAN PEDRO)</a:t>
             </a:r>
           </a:p>
           <a:p>
@@ -8610,8 +8619,8 @@
         </p:blipFill>
         <p:spPr>
           <a:xfrm>
-            <a:off x="5362032" y="2578098"/>
-            <a:ext cx="1658436" cy="1657742"/>
+            <a:off x="4429158" y="2762824"/>
+            <a:ext cx="3412513" cy="3411085"/>
           </a:xfrm>
           <a:prstGeom prst="rect">
             <a:avLst/>
@@ -9942,11 +9951,7 @@
             </a:r>
             <a:r>
               <a:rPr lang="es-MX" dirty="0"/>
-              <a:t>estándar IEEE 830-1998 para el SRS o ERS (Especificación de requerimientos de </a:t>
-            </a:r>
-            <a:r>
-              <a:rPr lang="es-MX" dirty="0"/>
-              <a:t> </a:t>
+              <a:t>estándar IEEE 830-1998 para el SRS o ERS (Especificación de requerimientos de  </a:t>
             </a:r>
             <a:r>
               <a:rPr lang="es-MX" dirty="0" smtClean="0"/>
@@ -9954,27 +9959,19 @@
             </a:r>
             <a:r>
               <a:rPr lang="es-MX" dirty="0" smtClean="0"/>
-              <a:t>software</a:t>
+              <a:t>software) </a:t>
             </a:r>
             <a:r>
               <a:rPr lang="es-MX" dirty="0"/>
-              <a:t>) es un conjunto de recomendaciones para la especificación de los </a:t>
+              <a:t>es un conjunto de recomendaciones para la especificación de los  </a:t>
+            </a:r>
+            <a:r>
+              <a:rPr lang="es-MX" dirty="0" smtClean="0"/>
+              <a:t>requerimientos </a:t>
             </a:r>
             <a:r>
               <a:rPr lang="es-MX" dirty="0"/>
-              <a:t> </a:t>
-            </a:r>
-            <a:r>
-              <a:rPr lang="es-MX" dirty="0" smtClean="0"/>
-              <a:t>requerimiento </a:t>
-            </a:r>
-            <a:r>
-              <a:rPr lang="es-MX" dirty="0"/>
-              <a:t>o requisitos de software el cual tiene como producto final la </a:t>
-            </a:r>
-            <a:r>
-              <a:rPr lang="es-MX" dirty="0"/>
-              <a:t> </a:t>
+              <a:t>o requisitos de software el cual tiene como producto final la  </a:t>
             </a:r>
             <a:r>
               <a:rPr lang="es-MX" dirty="0" smtClean="0"/>
@@ -10711,6 +10708,30 @@
           <a:chExt cx="0" cy="0"/>
         </a:xfrm>
       </p:grpSpPr>
+      <p:sp>
+        <p:nvSpPr>
+          <p:cNvPr id="2" name="Título 1"/>
+          <p:cNvSpPr>
+            <a:spLocks noGrp="1"/>
+          </p:cNvSpPr>
+          <p:nvPr>
+            <p:ph type="title"/>
+          </p:nvPr>
+        </p:nvSpPr>
+        <p:spPr/>
+        <p:txBody>
+          <a:bodyPr/>
+          <a:lstStyle/>
+          <a:p>
+            <a:pPr algn="ctr"/>
+            <a:r>
+              <a:rPr lang="es-MX" dirty="0" smtClean="0"/>
+              <a:t>ANEXOS</a:t>
+            </a:r>
+            <a:endParaRPr lang="es-MX" dirty="0"/>
+          </a:p>
+        </p:txBody>
+      </p:sp>
       <p:pic>
         <p:nvPicPr>
           <p:cNvPr id="4" name="Marcador de contenido 3"/>
@@ -10735,8 +10756,8 @@
         </p:blipFill>
         <p:spPr>
           <a:xfrm>
-            <a:off x="4639733" y="146503"/>
-            <a:ext cx="3662438" cy="2746828"/>
+            <a:off x="2378588" y="2169013"/>
+            <a:ext cx="3120409" cy="4020526"/>
           </a:xfrm>
         </p:spPr>
       </p:pic>
@@ -10762,6 +10783,274 @@
         </p:blipFill>
         <p:spPr>
           <a:xfrm>
+            <a:off x="7321085" y="2169013"/>
+            <a:ext cx="3065634" cy="4017839"/>
+          </a:xfrm>
+          <a:prstGeom prst="rect">
+            <a:avLst/>
+          </a:prstGeom>
+        </p:spPr>
+      </p:pic>
+      <p:sp>
+        <p:nvSpPr>
+          <p:cNvPr id="6" name="CuadroTexto 5"/>
+          <p:cNvSpPr txBox="1"/>
+          <p:nvPr/>
+        </p:nvSpPr>
+        <p:spPr>
+          <a:xfrm>
+            <a:off x="2245990" y="6192226"/>
+            <a:ext cx="3385607" cy="369332"/>
+          </a:xfrm>
+          <a:prstGeom prst="rect">
+            <a:avLst/>
+          </a:prstGeom>
+          <a:noFill/>
+        </p:spPr>
+        <p:txBody>
+          <a:bodyPr wrap="none" rtlCol="0">
+            <a:spAutoFit/>
+          </a:bodyPr>
+          <a:lstStyle/>
+          <a:p>
+            <a:r>
+              <a:rPr lang="es-MX" dirty="0" smtClean="0"/>
+              <a:t>Carta de aceptación del proyecto</a:t>
+            </a:r>
+            <a:endParaRPr lang="es-MX" dirty="0"/>
+          </a:p>
+        </p:txBody>
+      </p:sp>
+      <p:sp>
+        <p:nvSpPr>
+          <p:cNvPr id="7" name="CuadroTexto 6"/>
+          <p:cNvSpPr txBox="1"/>
+          <p:nvPr/>
+        </p:nvSpPr>
+        <p:spPr>
+          <a:xfrm>
+            <a:off x="6794866" y="6186852"/>
+            <a:ext cx="4023345" cy="369332"/>
+          </a:xfrm>
+          <a:prstGeom prst="rect">
+            <a:avLst/>
+          </a:prstGeom>
+          <a:noFill/>
+        </p:spPr>
+        <p:txBody>
+          <a:bodyPr wrap="none" rtlCol="0">
+            <a:spAutoFit/>
+          </a:bodyPr>
+          <a:lstStyle/>
+          <a:p>
+            <a:r>
+              <a:rPr lang="es-MX" dirty="0" smtClean="0"/>
+              <a:t>Carta de liberación y cierre del proyecto</a:t>
+            </a:r>
+            <a:endParaRPr lang="es-MX" dirty="0"/>
+          </a:p>
+        </p:txBody>
+      </p:sp>
+    </p:spTree>
+    <p:extLst>
+      <p:ext uri="{BB962C8B-B14F-4D97-AF65-F5344CB8AC3E}">
+        <p14:creationId xmlns:p14="http://schemas.microsoft.com/office/powerpoint/2010/main" val="1675596822"/>
+      </p:ext>
+    </p:extLst>
+  </p:cSld>
+  <p:clrMapOvr>
+    <a:masterClrMapping/>
+  </p:clrMapOvr>
+</p:sld>
+</file>
+
+<file path=ppt/slides/slide26.xml><?xml version="1.0" encoding="utf-8"?>
+<p:sld xmlns:a="http://schemas.openxmlformats.org/drawingml/2006/main" xmlns:r="http://schemas.openxmlformats.org/officeDocument/2006/relationships" xmlns:p="http://schemas.openxmlformats.org/presentationml/2006/main">
+  <p:cSld>
+    <p:spTree>
+      <p:nvGrpSpPr>
+        <p:cNvPr id="1" name=""/>
+        <p:cNvGrpSpPr/>
+        <p:nvPr/>
+      </p:nvGrpSpPr>
+      <p:grpSpPr>
+        <a:xfrm>
+          <a:off x="0" y="0"/>
+          <a:ext cx="0" cy="0"/>
+          <a:chOff x="0" y="0"/>
+          <a:chExt cx="0" cy="0"/>
+        </a:xfrm>
+      </p:grpSpPr>
+      <p:pic>
+        <p:nvPicPr>
+          <p:cNvPr id="4" name="Marcador de contenido 3"/>
+          <p:cNvPicPr>
+            <a:picLocks noGrp="1" noChangeAspect="1"/>
+          </p:cNvPicPr>
+          <p:nvPr>
+            <p:ph idx="1"/>
+          </p:nvPr>
+        </p:nvPicPr>
+        <p:blipFill>
+          <a:blip r:embed="rId2" cstate="print">
+            <a:extLst>
+              <a:ext uri="{28A0092B-C50C-407E-A947-70E740481C1C}">
+                <a14:useLocalDpi xmlns:a14="http://schemas.microsoft.com/office/drawing/2010/main" val="0"/>
+              </a:ext>
+            </a:extLst>
+          </a:blip>
+          <a:stretch>
+            <a:fillRect/>
+          </a:stretch>
+        </p:blipFill>
+        <p:spPr>
+          <a:xfrm>
+            <a:off x="6204796" y="647700"/>
+            <a:ext cx="2769448" cy="3581400"/>
+          </a:xfrm>
+        </p:spPr>
+      </p:pic>
+      <p:pic>
+        <p:nvPicPr>
+          <p:cNvPr id="5" name="Imagen 4"/>
+          <p:cNvPicPr>
+            <a:picLocks noChangeAspect="1"/>
+          </p:cNvPicPr>
+          <p:nvPr/>
+        </p:nvPicPr>
+        <p:blipFill>
+          <a:blip r:embed="rId3" cstate="print">
+            <a:extLst>
+              <a:ext uri="{28A0092B-C50C-407E-A947-70E740481C1C}">
+                <a14:useLocalDpi xmlns:a14="http://schemas.microsoft.com/office/drawing/2010/main" val="0"/>
+              </a:ext>
+            </a:extLst>
+          </a:blip>
+          <a:stretch>
+            <a:fillRect/>
+          </a:stretch>
+        </p:blipFill>
+        <p:spPr>
+          <a:xfrm>
+            <a:off x="2984420" y="647700"/>
+            <a:ext cx="2797346" cy="3581400"/>
+          </a:xfrm>
+          <a:prstGeom prst="rect">
+            <a:avLst/>
+          </a:prstGeom>
+        </p:spPr>
+      </p:pic>
+      <p:sp>
+        <p:nvSpPr>
+          <p:cNvPr id="6" name="CuadroTexto 5"/>
+          <p:cNvSpPr txBox="1"/>
+          <p:nvPr/>
+        </p:nvSpPr>
+        <p:spPr>
+          <a:xfrm>
+            <a:off x="3739726" y="4290060"/>
+            <a:ext cx="4930140" cy="369332"/>
+          </a:xfrm>
+          <a:prstGeom prst="rect">
+            <a:avLst/>
+          </a:prstGeom>
+          <a:noFill/>
+        </p:spPr>
+        <p:txBody>
+          <a:bodyPr wrap="square" rtlCol="0">
+            <a:spAutoFit/>
+          </a:bodyPr>
+          <a:lstStyle/>
+          <a:p>
+            <a:r>
+              <a:rPr lang="es-MX" dirty="0" smtClean="0"/>
+              <a:t>Minuta de finalización y cierre de proyecto.</a:t>
+            </a:r>
+            <a:endParaRPr lang="es-MX" dirty="0"/>
+          </a:p>
+        </p:txBody>
+      </p:sp>
+    </p:spTree>
+    <p:extLst>
+      <p:ext uri="{BB962C8B-B14F-4D97-AF65-F5344CB8AC3E}">
+        <p14:creationId xmlns:p14="http://schemas.microsoft.com/office/powerpoint/2010/main" val="4018782445"/>
+      </p:ext>
+    </p:extLst>
+  </p:cSld>
+  <p:clrMapOvr>
+    <a:masterClrMapping/>
+  </p:clrMapOvr>
+</p:sld>
+</file>
+
+<file path=ppt/slides/slide27.xml><?xml version="1.0" encoding="utf-8"?>
+<p:sld xmlns:a="http://schemas.openxmlformats.org/drawingml/2006/main" xmlns:r="http://schemas.openxmlformats.org/officeDocument/2006/relationships" xmlns:p="http://schemas.openxmlformats.org/presentationml/2006/main">
+  <p:cSld>
+    <p:spTree>
+      <p:nvGrpSpPr>
+        <p:cNvPr id="1" name=""/>
+        <p:cNvGrpSpPr/>
+        <p:nvPr/>
+      </p:nvGrpSpPr>
+      <p:grpSpPr>
+        <a:xfrm>
+          <a:off x="0" y="0"/>
+          <a:ext cx="0" cy="0"/>
+          <a:chOff x="0" y="0"/>
+          <a:chExt cx="0" cy="0"/>
+        </a:xfrm>
+      </p:grpSpPr>
+      <p:pic>
+        <p:nvPicPr>
+          <p:cNvPr id="4" name="Marcador de contenido 3"/>
+          <p:cNvPicPr>
+            <a:picLocks noGrp="1" noChangeAspect="1"/>
+          </p:cNvPicPr>
+          <p:nvPr>
+            <p:ph idx="1"/>
+          </p:nvPr>
+        </p:nvPicPr>
+        <p:blipFill>
+          <a:blip r:embed="rId2" cstate="print">
+            <a:extLst>
+              <a:ext uri="{28A0092B-C50C-407E-A947-70E740481C1C}">
+                <a14:useLocalDpi xmlns:a14="http://schemas.microsoft.com/office/drawing/2010/main" val="0"/>
+              </a:ext>
+            </a:extLst>
+          </a:blip>
+          <a:stretch>
+            <a:fillRect/>
+          </a:stretch>
+        </p:blipFill>
+        <p:spPr>
+          <a:xfrm>
+            <a:off x="4639733" y="146503"/>
+            <a:ext cx="3662438" cy="2746828"/>
+          </a:xfrm>
+        </p:spPr>
+      </p:pic>
+      <p:pic>
+        <p:nvPicPr>
+          <p:cNvPr id="5" name="Imagen 4"/>
+          <p:cNvPicPr>
+            <a:picLocks noChangeAspect="1"/>
+          </p:cNvPicPr>
+          <p:nvPr/>
+        </p:nvPicPr>
+        <p:blipFill>
+          <a:blip r:embed="rId3" cstate="print">
+            <a:extLst>
+              <a:ext uri="{28A0092B-C50C-407E-A947-70E740481C1C}">
+                <a14:useLocalDpi xmlns:a14="http://schemas.microsoft.com/office/drawing/2010/main" val="0"/>
+              </a:ext>
+            </a:extLst>
+          </a:blip>
+          <a:stretch>
+            <a:fillRect/>
+          </a:stretch>
+        </p:blipFill>
+        <p:spPr>
+          <a:xfrm>
             <a:off x="7477780" y="3788229"/>
             <a:ext cx="3280227" cy="2460170"/>
           </a:xfrm>
@@ -10833,7 +11122,7 @@
     </p:spTree>
     <p:extLst>
       <p:ext uri="{BB962C8B-B14F-4D97-AF65-F5344CB8AC3E}">
-        <p14:creationId xmlns:p14="http://schemas.microsoft.com/office/powerpoint/2010/main" val="1111260884"/>
+        <p14:creationId xmlns:p14="http://schemas.microsoft.com/office/powerpoint/2010/main" val="1433499742"/>
       </p:ext>
     </p:extLst>
   </p:cSld>
@@ -10964,23 +11253,7 @@
             </a:r>
             <a:r>
               <a:rPr lang="es-MX" dirty="0" smtClean="0"/>
-              <a:t>lo relacionado </a:t>
-            </a:r>
-            <a:r>
-              <a:rPr lang="es-MX" dirty="0" smtClean="0"/>
-              <a:t> con </a:t>
-            </a:r>
-            <a:r>
-              <a:rPr lang="es-MX" dirty="0" smtClean="0"/>
-              <a:t>la Industria del Pan. </a:t>
-            </a:r>
-            <a:r>
-              <a:rPr lang="es-MX" dirty="0" smtClean="0"/>
-              <a:t>La </a:t>
-            </a:r>
-            <a:r>
-              <a:rPr lang="es-MX" dirty="0" smtClean="0"/>
-              <a:t>organización </a:t>
+              <a:t>lo relacionado  con la Industria del Pan. La organización </a:t>
             </a:r>
             <a:r>
               <a:rPr lang="es-MX" dirty="0"/>
@@ -11004,11 +11277,7 @@
             </a:r>
             <a:r>
               <a:rPr lang="es-MX" dirty="0" smtClean="0"/>
-              <a:t>ventas </a:t>
-            </a:r>
-            <a:r>
-              <a:rPr lang="es-MX" dirty="0" smtClean="0"/>
-              <a:t>en rutas (que </a:t>
+              <a:t>ventas en rutas (que </a:t>
             </a:r>
             <a:r>
               <a:rPr lang="es-MX" dirty="0"/>
@@ -11016,11 +11285,7 @@
             </a:r>
             <a:r>
               <a:rPr lang="es-MX" dirty="0" smtClean="0"/>
-              <a:t>rutas </a:t>
-            </a:r>
-            <a:r>
-              <a:rPr lang="es-MX" dirty="0" smtClean="0"/>
-              <a:t>ya definidas por la empresa). </a:t>
+              <a:t>rutas ya definidas por la empresa). </a:t>
             </a:r>
           </a:p>
           <a:p>
@@ -11339,7 +11604,7 @@
         </p:blipFill>
         <p:spPr>
           <a:xfrm>
-            <a:off x="2623102" y="4984751"/>
+            <a:off x="5888904" y="5048704"/>
             <a:ext cx="1658436" cy="1657742"/>
           </a:xfrm>
           <a:prstGeom prst="rect">
@@ -11602,32 +11867,6 @@
           </a:p>
         </p:txBody>
       </p:sp>
-      <p:pic>
-        <p:nvPicPr>
-          <p:cNvPr id="7" name="Marcador de contenido 6"/>
-          <p:cNvPicPr>
-            <a:picLocks noGrp="1" noChangeAspect="1"/>
-          </p:cNvPicPr>
-          <p:nvPr>
-            <p:ph idx="1"/>
-          </p:nvPr>
-        </p:nvPicPr>
-        <p:blipFill>
-          <a:blip r:embed="rId2"/>
-          <a:stretch>
-            <a:fillRect/>
-          </a:stretch>
-        </p:blipFill>
-        <p:spPr>
-          <a:xfrm>
-            <a:off x="1943971" y="1408199"/>
-            <a:ext cx="8456453" cy="4923225"/>
-          </a:xfrm>
-          <a:prstGeom prst="rect">
-            <a:avLst/>
-          </a:prstGeom>
-        </p:spPr>
-      </p:pic>
       <p:sp>
         <p:nvSpPr>
           <p:cNvPr id="12" name="Documento 3"/>
@@ -11777,7 +12016,7 @@
           <p:nvPr/>
         </p:nvPicPr>
         <p:blipFill>
-          <a:blip r:embed="rId3" cstate="print">
+          <a:blip r:embed="rId2" cstate="print">
             <a:extLst>
               <a:ext uri="{28A0092B-C50C-407E-A947-70E740481C1C}">
                 <a14:useLocalDpi xmlns:a14="http://schemas.microsoft.com/office/drawing/2010/main" val="0"/>
@@ -11818,13 +12057,13 @@
           <p:nvPr/>
         </p:nvPicPr>
         <p:blipFill>
-          <a:blip r:embed="rId4">
+          <a:blip r:embed="rId3">
             <a:grayscl/>
             <a:biLevel thresh="50000"/>
             <a:extLst>
               <a:ext uri="{BEBA8EAE-BF5A-486C-A8C5-ECC9F3942E4B}">
                 <a14:imgProps xmlns:a14="http://schemas.microsoft.com/office/drawing/2010/main">
-                  <a14:imgLayer r:embed="rId5">
+                  <a14:imgLayer r:embed="rId4">
                     <a14:imgEffect>
                       <a14:artisticPaintStrokes/>
                     </a14:imgEffect>
@@ -11870,7 +12109,7 @@
           <p:nvPr/>
         </p:nvPicPr>
         <p:blipFill>
-          <a:blip r:embed="rId6" cstate="print">
+          <a:blip r:embed="rId5" cstate="print">
             <a:extLst>
               <a:ext uri="{28A0092B-C50C-407E-A947-70E740481C1C}">
                 <a14:useLocalDpi xmlns:a14="http://schemas.microsoft.com/office/drawing/2010/main" val="0"/>
@@ -11900,6 +12139,32 @@
               </a14:hiddenFill>
             </a:ext>
           </a:extLst>
+        </p:spPr>
+      </p:pic>
+      <p:pic>
+        <p:nvPicPr>
+          <p:cNvPr id="4" name="Marcador de contenido 3"/>
+          <p:cNvPicPr>
+            <a:picLocks noGrp="1" noChangeAspect="1"/>
+          </p:cNvPicPr>
+          <p:nvPr>
+            <p:ph idx="1"/>
+          </p:nvPr>
+        </p:nvPicPr>
+        <p:blipFill>
+          <a:blip r:embed="rId6"/>
+          <a:stretch>
+            <a:fillRect/>
+          </a:stretch>
+        </p:blipFill>
+        <p:spPr>
+          <a:xfrm>
+            <a:off x="1915964" y="1388933"/>
+            <a:ext cx="8512467" cy="4988788"/>
+          </a:xfrm>
+          <a:prstGeom prst="rect">
+            <a:avLst/>
+          </a:prstGeom>
         </p:spPr>
       </p:pic>
     </p:spTree>
@@ -12381,15 +12646,7 @@
             </a:r>
             <a:r>
               <a:rPr lang="es-MX" dirty="0" smtClean="0"/>
-              <a:t> es una empresa grande con una trayectoria de </a:t>
-            </a:r>
-            <a:r>
-              <a:rPr lang="es-MX" dirty="0" smtClean="0"/>
-              <a:t>años en </a:t>
-            </a:r>
-            <a:r>
-              <a:rPr lang="es-MX" dirty="0" smtClean="0"/>
-              <a:t>el mercado. No obstante, </a:t>
+              <a:t> es una empresa grande con una trayectoria de años en el mercado. No obstante, </a:t>
             </a:r>
             <a:r>
               <a:rPr lang="es-MX" dirty="0"/>
@@ -12397,11 +12654,7 @@
             </a:r>
             <a:r>
               <a:rPr lang="es-MX" dirty="0" smtClean="0"/>
-              <a:t>en </a:t>
-            </a:r>
-            <a:r>
-              <a:rPr lang="es-MX" dirty="0" smtClean="0"/>
-              <a:t>tecnologías, por </a:t>
+              <a:t>en tecnologías, por </a:t>
             </a:r>
             <a:r>
               <a:rPr lang="es-MX" dirty="0"/>
@@ -12441,39 +12694,23 @@
             </a:r>
             <a:r>
               <a:rPr lang="es-MX" dirty="0" smtClean="0"/>
-              <a:t>Excel. Esta </a:t>
+              <a:t>Excel. Esta forma de trabajar es un </a:t>
             </a:r>
             <a:r>
               <a:rPr lang="es-MX" dirty="0" smtClean="0"/>
-              <a:t>forma de trabajar </a:t>
+              <a:t>poco ambigua </a:t>
             </a:r>
             <a:r>
               <a:rPr lang="es-MX" dirty="0" smtClean="0"/>
-              <a:t>es un ambiguo ya que es </a:t>
+              <a:t>ya que es muy susceptible a que existan </a:t>
             </a:r>
             <a:r>
               <a:rPr lang="es-MX" dirty="0" smtClean="0"/>
-              <a:t>muy susceptible a </a:t>
+              <a:t>perdidas,  debido a que la </a:t>
             </a:r>
             <a:r>
               <a:rPr lang="es-MX" dirty="0" smtClean="0"/>
-              <a:t>que existan perdidas </a:t>
-            </a:r>
-            <a:r>
-              <a:rPr lang="es-MX" dirty="0" smtClean="0"/>
-              <a:t>y la </a:t>
-            </a:r>
-            <a:r>
-              <a:rPr lang="es-MX" dirty="0" smtClean="0"/>
-              <a:t>información no </a:t>
-            </a:r>
-            <a:r>
-              <a:rPr lang="es-MX" dirty="0" smtClean="0"/>
-              <a:t>siempre es exacta ni fiable, lo que compromete a la empresa a tener </a:t>
-            </a:r>
-            <a:r>
-              <a:rPr lang="es-MX" dirty="0" smtClean="0"/>
-              <a:t>perdidas</a:t>
+              <a:t>información no siempre es exacta ni fiable, lo que compromete a la empresa a tener perdidas</a:t>
             </a:r>
             <a:r>
               <a:rPr lang="es-MX" dirty="0"/>
@@ -12483,7 +12720,6 @@
               <a:rPr lang="es-MX" dirty="0" smtClean="0"/>
               <a:t>en materiales y productos.</a:t>
             </a:r>
-            <a:endParaRPr lang="es-MX" dirty="0" smtClean="0"/>
           </a:p>
           <a:p>
             <a:pPr marL="0" indent="0" algn="just">
@@ -12853,7 +13089,7 @@
         <p:spPr>
           <a:xfrm>
             <a:off x="1379197" y="1784595"/>
-            <a:ext cx="9611953" cy="3803403"/>
+            <a:ext cx="10101603" cy="3803403"/>
           </a:xfrm>
         </p:spPr>
         <p:txBody>
@@ -12878,15 +13114,7 @@
             </a:r>
             <a:r>
               <a:rPr lang="es-MX" dirty="0" smtClean="0"/>
-              <a:t> carece de un control inteligente </a:t>
-            </a:r>
-            <a:r>
-              <a:rPr lang="es-MX" dirty="0" smtClean="0"/>
-              <a:t>para administrar </a:t>
-            </a:r>
-            <a:r>
-              <a:rPr lang="es-MX" dirty="0" smtClean="0"/>
-              <a:t>sus departamentos, </a:t>
+              <a:t> carece de un control inteligente para administrar sus departamentos, </a:t>
             </a:r>
             <a:r>
               <a:rPr lang="es-MX" dirty="0"/>
@@ -12902,7 +13130,11 @@
             </a:r>
             <a:r>
               <a:rPr lang="es-MX" dirty="0" smtClean="0"/>
-              <a:t>de entradas</a:t>
+              <a:t>de </a:t>
+            </a:r>
+            <a:r>
+              <a:rPr lang="es-MX" dirty="0" smtClean="0"/>
+              <a:t>información entradas</a:t>
             </a:r>
             <a:r>
               <a:rPr lang="es-MX" dirty="0"/>
@@ -12914,52 +13146,48 @@
             </a:r>
             <a:r>
               <a:rPr lang="es-MX" dirty="0" smtClean="0"/>
-              <a:t>información.</a:t>
-            </a:r>
-            <a:r>
-              <a:rPr lang="es-MX" dirty="0"/>
-              <a:t> </a:t>
+              <a:t>información, con el </a:t>
             </a:r>
             <a:r>
               <a:rPr lang="es-MX" dirty="0" smtClean="0"/>
-              <a:t>El </a:t>
+              <a:t>desarrollo de una aplicación móvil que permita conocer los estados de cada </a:t>
             </a:r>
             <a:r>
               <a:rPr lang="es-MX" dirty="0" smtClean="0"/>
-              <a:t>desarrollo de una aplicación móvil que permita conocer los estados de </a:t>
+              <a:t>módulo </a:t>
             </a:r>
             <a:r>
               <a:rPr lang="es-MX" dirty="0" smtClean="0"/>
-              <a:t>cada modulo </a:t>
+              <a:t>y departamento de la empresa, será una forma para mejorar la parte  administrativa de la empresa. El fin de la aplicación consistirá en </a:t>
             </a:r>
             <a:r>
               <a:rPr lang="es-MX" dirty="0" smtClean="0"/>
-              <a:t>y departamento de la empresa, será una forma para mejorar la parte </a:t>
+              <a:t>que </a:t>
             </a:r>
             <a:r>
               <a:rPr lang="es-MX" dirty="0" smtClean="0"/>
-              <a:t> administrativa </a:t>
+              <a:t>los </a:t>
             </a:r>
             <a:r>
               <a:rPr lang="es-MX" dirty="0" smtClean="0"/>
-              <a:t>de la empresa. El fin de la aplicación consistirá en que, tanto los </a:t>
+              <a:t>empleados pertenecientes a la </a:t>
             </a:r>
             <a:r>
               <a:rPr lang="es-MX" dirty="0" smtClean="0"/>
-              <a:t>empleados con permisos nivel administrador </a:t>
+              <a:t>gerencia general </a:t>
             </a:r>
             <a:r>
               <a:rPr lang="es-MX" dirty="0" smtClean="0"/>
-              <a:t>puedan tener a la mano la información sin que existan perdidas.</a:t>
-            </a:r>
-          </a:p>
-          <a:p>
-            <a:pPr marL="0" indent="0" algn="just">
-              <a:lnSpc>
-                <a:spcPct val="150000"/>
-              </a:lnSpc>
-              <a:buNone/>
-            </a:pPr>
+              <a:t>puedan </a:t>
+            </a:r>
+            <a:r>
+              <a:rPr lang="es-MX" dirty="0" smtClean="0"/>
+              <a:t>tener </a:t>
+            </a:r>
+            <a:r>
+              <a:rPr lang="es-MX" dirty="0" smtClean="0"/>
+              <a:t>acceso a la información de los módulos.</a:t>
+            </a:r>
             <a:endParaRPr lang="es-MX" dirty="0" smtClean="0"/>
           </a:p>
         </p:txBody>
@@ -13350,11 +13578,7 @@
             </a:r>
             <a:r>
               <a:rPr lang="es-MX" dirty="0" smtClean="0"/>
-              <a:t>de documentos </a:t>
-            </a:r>
-            <a:r>
-              <a:rPr lang="es-MX" dirty="0" smtClean="0"/>
-              <a:t>la </a:t>
+              <a:t>de documentos la </a:t>
             </a:r>
             <a:r>
               <a:rPr lang="es-MX" dirty="0"/>
@@ -13362,23 +13586,15 @@
             </a:r>
             <a:r>
               <a:rPr lang="es-MX" dirty="0" smtClean="0"/>
-              <a:t>desarrollo de la misma, durando </a:t>
+              <a:t>desarrollo de la misma, durando en un periodo total de </a:t>
             </a:r>
             <a:r>
               <a:rPr lang="es-MX" dirty="0" smtClean="0"/>
-              <a:t>en un periodo total </a:t>
+              <a:t>32 semanas, </a:t>
             </a:r>
             <a:r>
               <a:rPr lang="es-MX" dirty="0" smtClean="0"/>
-              <a:t>de </a:t>
-            </a:r>
-            <a:r>
-              <a:rPr lang="es-MX" dirty="0"/>
-              <a:t>8 </a:t>
-            </a:r>
-            <a:r>
-              <a:rPr lang="es-MX" dirty="0" smtClean="0"/>
-              <a:t>meses, iniciando en </a:t>
+              <a:t>iniciando en </a:t>
             </a:r>
             <a:r>
               <a:rPr lang="es-MX" dirty="0"/>
@@ -13394,27 +13610,7 @@
             </a:r>
             <a:r>
               <a:rPr lang="es-MX" dirty="0" smtClean="0"/>
-              <a:t>agosto. El </a:t>
-            </a:r>
-            <a:r>
-              <a:rPr lang="es-MX" dirty="0" smtClean="0"/>
-              <a:t>proyecto será guiado usando la metodología del PMBOK </a:t>
-            </a:r>
-            <a:r>
-              <a:rPr lang="es-MX" dirty="0" smtClean="0"/>
-              <a:t>versión 6.0 para </a:t>
-            </a:r>
-            <a:r>
-              <a:rPr lang="es-MX" dirty="0" smtClean="0"/>
-              <a:t>establecer </a:t>
-            </a:r>
-            <a:r>
-              <a:rPr lang="es-MX" dirty="0" smtClean="0"/>
-              <a:t>bases en </a:t>
-            </a:r>
-            <a:r>
-              <a:rPr lang="es-MX" dirty="0" smtClean="0"/>
-              <a:t>el inicio, planeación, control, seguimiento, tiempos, costos  y fin del proyecto. </a:t>
+              <a:t>agosto. El proyecto será guiado usando la metodología del PMBOK versión 6.0 para establecer bases en el inicio, planeación, control, seguimiento, tiempos, costos  y fin del proyecto. </a:t>
             </a:r>
           </a:p>
           <a:p>

--- a/9°A/Integradora/diapositiva/SM-ROOT_APPMO-SP.pptx
+++ b/9°A/Integradora/diapositiva/SM-ROOT_APPMO-SP.pptx
@@ -307,7 +307,7 @@
           <a:p>
             <a:fld id="{05AC1E8C-0CF9-436B-A299-46ADE80B9252}" type="datetimeFigureOut">
               <a:rPr lang="es-MX" smtClean="0"/>
-              <a:t>20/08/2019</a:t>
+              <a:t>21/08/2019</a:t>
             </a:fld>
             <a:endParaRPr lang="es-MX"/>
           </a:p>
@@ -637,7 +637,7 @@
           <a:p>
             <a:fld id="{05AC1E8C-0CF9-436B-A299-46ADE80B9252}" type="datetimeFigureOut">
               <a:rPr lang="es-MX" smtClean="0"/>
-              <a:t>20/08/2019</a:t>
+              <a:t>21/08/2019</a:t>
             </a:fld>
             <a:endParaRPr lang="es-MX"/>
           </a:p>
@@ -817,7 +817,7 @@
           <a:p>
             <a:fld id="{05AC1E8C-0CF9-436B-A299-46ADE80B9252}" type="datetimeFigureOut">
               <a:rPr lang="es-MX" smtClean="0"/>
-              <a:t>20/08/2019</a:t>
+              <a:t>21/08/2019</a:t>
             </a:fld>
             <a:endParaRPr lang="es-MX"/>
           </a:p>
@@ -987,7 +987,7 @@
           <a:p>
             <a:fld id="{05AC1E8C-0CF9-436B-A299-46ADE80B9252}" type="datetimeFigureOut">
               <a:rPr lang="es-MX" smtClean="0"/>
-              <a:t>20/08/2019</a:t>
+              <a:t>21/08/2019</a:t>
             </a:fld>
             <a:endParaRPr lang="es-MX"/>
           </a:p>
@@ -1264,7 +1264,7 @@
           <a:p>
             <a:fld id="{05AC1E8C-0CF9-436B-A299-46ADE80B9252}" type="datetimeFigureOut">
               <a:rPr lang="es-MX" smtClean="0"/>
-              <a:t>20/08/2019</a:t>
+              <a:t>21/08/2019</a:t>
             </a:fld>
             <a:endParaRPr lang="es-MX"/>
           </a:p>
@@ -1658,7 +1658,7 @@
           <a:p>
             <a:fld id="{05AC1E8C-0CF9-436B-A299-46ADE80B9252}" type="datetimeFigureOut">
               <a:rPr lang="es-MX" smtClean="0"/>
-              <a:t>20/08/2019</a:t>
+              <a:t>21/08/2019</a:t>
             </a:fld>
             <a:endParaRPr lang="es-MX"/>
           </a:p>
@@ -2140,7 +2140,7 @@
           <a:p>
             <a:fld id="{05AC1E8C-0CF9-436B-A299-46ADE80B9252}" type="datetimeFigureOut">
               <a:rPr lang="es-MX" smtClean="0"/>
-              <a:t>20/08/2019</a:t>
+              <a:t>21/08/2019</a:t>
             </a:fld>
             <a:endParaRPr lang="es-MX"/>
           </a:p>
@@ -2263,7 +2263,7 @@
           <a:p>
             <a:fld id="{05AC1E8C-0CF9-436B-A299-46ADE80B9252}" type="datetimeFigureOut">
               <a:rPr lang="es-MX" smtClean="0"/>
-              <a:t>20/08/2019</a:t>
+              <a:t>21/08/2019</a:t>
             </a:fld>
             <a:endParaRPr lang="es-MX"/>
           </a:p>
@@ -2358,7 +2358,7 @@
           <a:p>
             <a:fld id="{05AC1E8C-0CF9-436B-A299-46ADE80B9252}" type="datetimeFigureOut">
               <a:rPr lang="es-MX" smtClean="0"/>
-              <a:t>20/08/2019</a:t>
+              <a:t>21/08/2019</a:t>
             </a:fld>
             <a:endParaRPr lang="es-MX"/>
           </a:p>
@@ -2704,7 +2704,7 @@
           <a:p>
             <a:fld id="{05AC1E8C-0CF9-436B-A299-46ADE80B9252}" type="datetimeFigureOut">
               <a:rPr lang="es-MX" smtClean="0"/>
-              <a:t>20/08/2019</a:t>
+              <a:t>21/08/2019</a:t>
             </a:fld>
             <a:endParaRPr lang="es-MX"/>
           </a:p>
@@ -3097,7 +3097,7 @@
           <a:p>
             <a:fld id="{05AC1E8C-0CF9-436B-A299-46ADE80B9252}" type="datetimeFigureOut">
               <a:rPr lang="es-MX" smtClean="0"/>
-              <a:t>20/08/2019</a:t>
+              <a:t>21/08/2019</a:t>
             </a:fld>
             <a:endParaRPr lang="es-MX"/>
           </a:p>
@@ -3375,7 +3375,7 @@
           <a:p>
             <a:fld id="{05AC1E8C-0CF9-436B-A299-46ADE80B9252}" type="datetimeFigureOut">
               <a:rPr lang="es-MX" smtClean="0"/>
-              <a:t>20/08/2019</a:t>
+              <a:t>21/08/2019</a:t>
             </a:fld>
             <a:endParaRPr lang="es-MX"/>
           </a:p>
@@ -8185,11 +8185,7 @@
             </a:pPr>
             <a:r>
               <a:rPr lang="es-MX" b="1" dirty="0" smtClean="0"/>
-              <a:t>APPMO-SP (ADMINISTRACIÓN DE LA APLICACIÓN </a:t>
-            </a:r>
-            <a:r>
-              <a:rPr lang="es-MX" b="1" dirty="0" smtClean="0"/>
-              <a:t>MÓVIL SAN PEDRO)</a:t>
+              <a:t>APPMO-SP (ADMINISTRACIÓN DE LA APLICACIÓN MÓVIL SAN PEDRO)</a:t>
             </a:r>
           </a:p>
           <a:p>
@@ -9476,8 +9472,8 @@
         </p:nvSpPr>
         <p:spPr>
           <a:xfrm>
-            <a:off x="2362199" y="2209080"/>
-            <a:ext cx="8146143" cy="2805896"/>
+            <a:off x="2288453" y="2289862"/>
+            <a:ext cx="8146143" cy="1477328"/>
           </a:xfrm>
           <a:prstGeom prst="rect">
             <a:avLst/>
@@ -9497,27 +9493,15 @@
             </a:pPr>
             <a:r>
               <a:rPr lang="es-MX" sz="2000" dirty="0"/>
-              <a:t>ISO/IEC 25000, conocida como Suaré (System and Software </a:t>
-            </a:r>
-            <a:r>
-              <a:rPr lang="es-MX" sz="2000" dirty="0" err="1" smtClean="0"/>
-              <a:t>Quality</a:t>
+              <a:t>ISO/IEC </a:t>
+            </a:r>
+            <a:r>
+              <a:rPr lang="es-MX" sz="2000" dirty="0" smtClean="0"/>
+              <a:t>25000 es </a:t>
             </a:r>
             <a:r>
               <a:rPr lang="es-MX" sz="2000" dirty="0"/>
-              <a:t> </a:t>
-            </a:r>
-            <a:r>
-              <a:rPr lang="es-MX" sz="2000" dirty="0" err="1" smtClean="0"/>
-              <a:t>Requirements</a:t>
-            </a:r>
-            <a:r>
-              <a:rPr lang="es-MX" sz="2000" dirty="0" smtClean="0"/>
-              <a:t> </a:t>
-            </a:r>
-            <a:r>
-              <a:rPr lang="es-MX" sz="2000" dirty="0"/>
-              <a:t>and Evaluación), es una familia de normas que tiene por </a:t>
+              <a:t>una familia de normas que tiene por </a:t>
             </a:r>
             <a:r>
               <a:rPr lang="es-MX" sz="2000" dirty="0" smtClean="0"/>
@@ -9537,39 +9521,7 @@
             </a:r>
             <a:r>
               <a:rPr lang="es-MX" sz="2000" dirty="0" smtClean="0"/>
-              <a:t>. </a:t>
-            </a:r>
-            <a:r>
-              <a:rPr lang="es-MX" sz="2000" dirty="0"/>
-              <a:t>, </a:t>
-            </a:r>
-            <a:r>
-              <a:rPr lang="es-MX" sz="2000" dirty="0" smtClean="0"/>
-              <a:t>describe </a:t>
-            </a:r>
-            <a:r>
-              <a:rPr lang="es-MX" sz="2000" dirty="0"/>
-              <a:t>las particularidades de un modelo de calidad </a:t>
-            </a:r>
-            <a:r>
-              <a:rPr lang="es-MX" sz="2000" dirty="0" smtClean="0"/>
-              <a:t>del </a:t>
-            </a:r>
-            <a:r>
-              <a:rPr lang="es-MX" sz="2000" dirty="0"/>
-              <a:t>producto </a:t>
-            </a:r>
-            <a:r>
-              <a:rPr lang="es-MX" sz="2000" dirty="0" smtClean="0"/>
-              <a:t>software, que </a:t>
-            </a:r>
-            <a:r>
-              <a:rPr lang="es-MX" sz="2000" dirty="0"/>
-              <a:t>abordaba el proceso de evaluación de productos </a:t>
-            </a:r>
-            <a:r>
-              <a:rPr lang="es-MX" sz="2000" dirty="0" smtClean="0"/>
-              <a:t>software.</a:t>
+              <a:t>.</a:t>
             </a:r>
             <a:endParaRPr lang="es-MX" sz="2000" dirty="0"/>
           </a:p>
@@ -9880,6 +9832,109 @@
           </a:extLst>
         </p:spPr>
       </p:pic>
+      <p:graphicFrame>
+        <p:nvGraphicFramePr>
+          <p:cNvPr id="3" name="Tabla 2"/>
+          <p:cNvGraphicFramePr>
+            <a:graphicFrameLocks noGrp="1"/>
+          </p:cNvGraphicFramePr>
+          <p:nvPr>
+            <p:extLst>
+              <p:ext uri="{D42A27DB-BD31-4B8C-83A1-F6EECF244321}">
+                <p14:modId xmlns:p14="http://schemas.microsoft.com/office/powerpoint/2010/main" val="401912336"/>
+              </p:ext>
+            </p:extLst>
+          </p:nvPr>
+        </p:nvGraphicFramePr>
+        <p:xfrm>
+          <a:off x="3970835" y="4712842"/>
+          <a:ext cx="4402727" cy="1483360"/>
+        </p:xfrm>
+        <a:graphic>
+          <a:graphicData uri="http://schemas.openxmlformats.org/drawingml/2006/table">
+            <a:tbl>
+              <a:tblPr firstRow="1" bandRow="1">
+                <a:tableStyleId>{21E4AEA4-8DFA-4A89-87EB-49C32662AFE0}</a:tableStyleId>
+              </a:tblPr>
+              <a:tblGrid>
+                <a:gridCol w="4402727"/>
+              </a:tblGrid>
+              <a:tr h="370840">
+                <a:tc>
+                  <a:txBody>
+                    <a:bodyPr/>
+                    <a:lstStyle/>
+                    <a:p>
+                      <a:pPr algn="ctr"/>
+                      <a:r>
+                        <a:rPr lang="es-MX" dirty="0" smtClean="0"/>
+                        <a:t>ISO</a:t>
+                      </a:r>
+                      <a:r>
+                        <a:rPr lang="es-MX" baseline="0" dirty="0" smtClean="0"/>
+                        <a:t>/ICE Aplicados al Proyecto</a:t>
+                      </a:r>
+                      <a:endParaRPr lang="es-MX" dirty="0"/>
+                    </a:p>
+                  </a:txBody>
+                  <a:tcPr/>
+                </a:tc>
+              </a:tr>
+              <a:tr h="370840">
+                <a:tc>
+                  <a:txBody>
+                    <a:bodyPr/>
+                    <a:lstStyle/>
+                    <a:p>
+                      <a:pPr algn="ctr"/>
+                      <a:r>
+                        <a:rPr lang="es-MX" baseline="0" dirty="0" smtClean="0"/>
+                        <a:t>25000</a:t>
+                      </a:r>
+                      <a:endParaRPr lang="es-MX" dirty="0"/>
+                    </a:p>
+                  </a:txBody>
+                  <a:tcPr/>
+                </a:tc>
+              </a:tr>
+              <a:tr h="370840">
+                <a:tc>
+                  <a:txBody>
+                    <a:bodyPr/>
+                    <a:lstStyle/>
+                    <a:p>
+                      <a:pPr algn="ctr"/>
+                      <a:r>
+                        <a:rPr lang="es-MX" dirty="0" smtClean="0"/>
+                        <a:t>25001</a:t>
+                      </a:r>
+                      <a:endParaRPr lang="es-MX" dirty="0"/>
+                    </a:p>
+                  </a:txBody>
+                  <a:tcPr/>
+                </a:tc>
+              </a:tr>
+              <a:tr h="370840">
+                <a:tc>
+                  <a:txBody>
+                    <a:bodyPr/>
+                    <a:lstStyle/>
+                    <a:p>
+                      <a:pPr algn="ctr"/>
+                      <a:r>
+                        <a:rPr lang="es-MX" dirty="0" smtClean="0"/>
+                        <a:t>25002</a:t>
+                      </a:r>
+                      <a:endParaRPr lang="es-MX" dirty="0"/>
+                    </a:p>
+                  </a:txBody>
+                  <a:tcPr/>
+                </a:tc>
+              </a:tr>
+            </a:tbl>
+          </a:graphicData>
+        </a:graphic>
+      </p:graphicFrame>
     </p:spTree>
     <p:extLst>
       <p:ext uri="{BB962C8B-B14F-4D97-AF65-F5344CB8AC3E}">
@@ -9929,13 +9984,13 @@
         </p:nvSpPr>
         <p:spPr>
           <a:xfrm>
-            <a:off x="1517445" y="1503096"/>
-            <a:ext cx="9905298" cy="2720561"/>
+            <a:off x="2819400" y="1588821"/>
+            <a:ext cx="8536668" cy="2720561"/>
           </a:xfrm>
         </p:spPr>
         <p:txBody>
           <a:bodyPr>
-            <a:normAutofit/>
+            <a:normAutofit lnSpcReduction="10000"/>
           </a:bodyPr>
           <a:lstStyle/>
           <a:p>
@@ -9955,11 +10010,7 @@
             </a:r>
             <a:r>
               <a:rPr lang="es-MX" dirty="0" smtClean="0"/>
-              <a:t> </a:t>
-            </a:r>
-            <a:r>
-              <a:rPr lang="es-MX" dirty="0" smtClean="0"/>
-              <a:t>software) </a:t>
+              <a:t> software) </a:t>
             </a:r>
             <a:r>
               <a:rPr lang="es-MX" dirty="0"/>
@@ -12694,23 +12745,7 @@
             </a:r>
             <a:r>
               <a:rPr lang="es-MX" dirty="0" smtClean="0"/>
-              <a:t>Excel. Esta forma de trabajar es un </a:t>
-            </a:r>
-            <a:r>
-              <a:rPr lang="es-MX" dirty="0" smtClean="0"/>
-              <a:t>poco ambigua </a:t>
-            </a:r>
-            <a:r>
-              <a:rPr lang="es-MX" dirty="0" smtClean="0"/>
-              <a:t>ya que es muy susceptible a que existan </a:t>
-            </a:r>
-            <a:r>
-              <a:rPr lang="es-MX" dirty="0" smtClean="0"/>
-              <a:t>perdidas,  debido a que la </a:t>
-            </a:r>
-            <a:r>
-              <a:rPr lang="es-MX" dirty="0" smtClean="0"/>
-              <a:t>información no siempre es exacta ni fiable, lo que compromete a la empresa a tener perdidas</a:t>
+              <a:t>Excel. Esta forma de trabajar es un poco ambigua ya que es muy susceptible a que existan perdidas,  debido a que la información no siempre es exacta ni fiable, lo que compromete a la empresa a tener perdidas</a:t>
             </a:r>
             <a:r>
               <a:rPr lang="es-MX" dirty="0"/>
@@ -13130,11 +13165,7 @@
             </a:r>
             <a:r>
               <a:rPr lang="es-MX" dirty="0" smtClean="0"/>
-              <a:t>de </a:t>
-            </a:r>
-            <a:r>
-              <a:rPr lang="es-MX" dirty="0" smtClean="0"/>
-              <a:t>información entradas</a:t>
+              <a:t>de información entradas</a:t>
             </a:r>
             <a:r>
               <a:rPr lang="es-MX" dirty="0"/>
@@ -13142,53 +13173,8 @@
             </a:r>
             <a:r>
               <a:rPr lang="es-MX" dirty="0" smtClean="0"/>
-              <a:t>rutas. Por lo que es muy común que existan perdidas  de </a:t>
-            </a:r>
-            <a:r>
-              <a:rPr lang="es-MX" dirty="0" smtClean="0"/>
-              <a:t>información, con el </a:t>
-            </a:r>
-            <a:r>
-              <a:rPr lang="es-MX" dirty="0" smtClean="0"/>
-              <a:t>desarrollo de una aplicación móvil que permita conocer los estados de cada </a:t>
-            </a:r>
-            <a:r>
-              <a:rPr lang="es-MX" dirty="0" smtClean="0"/>
-              <a:t>módulo </a:t>
-            </a:r>
-            <a:r>
-              <a:rPr lang="es-MX" dirty="0" smtClean="0"/>
-              <a:t>y departamento de la empresa, será una forma para mejorar la parte  administrativa de la empresa. El fin de la aplicación consistirá en </a:t>
-            </a:r>
-            <a:r>
-              <a:rPr lang="es-MX" dirty="0" smtClean="0"/>
-              <a:t>que </a:t>
-            </a:r>
-            <a:r>
-              <a:rPr lang="es-MX" dirty="0" smtClean="0"/>
-              <a:t>los </a:t>
-            </a:r>
-            <a:r>
-              <a:rPr lang="es-MX" dirty="0" smtClean="0"/>
-              <a:t>empleados pertenecientes a la </a:t>
-            </a:r>
-            <a:r>
-              <a:rPr lang="es-MX" dirty="0" smtClean="0"/>
-              <a:t>gerencia general </a:t>
-            </a:r>
-            <a:r>
-              <a:rPr lang="es-MX" dirty="0" smtClean="0"/>
-              <a:t>puedan </a:t>
-            </a:r>
-            <a:r>
-              <a:rPr lang="es-MX" dirty="0" smtClean="0"/>
-              <a:t>tener </a:t>
-            </a:r>
-            <a:r>
-              <a:rPr lang="es-MX" dirty="0" smtClean="0"/>
-              <a:t>acceso a la información de los módulos.</a:t>
-            </a:r>
-            <a:endParaRPr lang="es-MX" dirty="0" smtClean="0"/>
+              <a:t>rutas. Por lo que es muy común que existan perdidas  de información, con el desarrollo de una aplicación móvil que permita conocer los estados de cada módulo y departamento de la empresa, será una forma para mejorar la parte  administrativa de la empresa. El fin de la aplicación consistirá en que los empleados pertenecientes a la gerencia general puedan tener acceso a la información de los módulos.</a:t>
+            </a:r>
           </a:p>
         </p:txBody>
       </p:sp>
@@ -13586,15 +13572,7 @@
             </a:r>
             <a:r>
               <a:rPr lang="es-MX" dirty="0" smtClean="0"/>
-              <a:t>desarrollo de la misma, durando en un periodo total de </a:t>
-            </a:r>
-            <a:r>
-              <a:rPr lang="es-MX" dirty="0" smtClean="0"/>
-              <a:t>32 semanas, </a:t>
-            </a:r>
-            <a:r>
-              <a:rPr lang="es-MX" dirty="0" smtClean="0"/>
-              <a:t>iniciando en </a:t>
+              <a:t>desarrollo de la misma, durando en un periodo total de 32 semanas, iniciando en </a:t>
             </a:r>
             <a:r>
               <a:rPr lang="es-MX" dirty="0"/>

--- a/9°A/Integradora/diapositiva/SM-ROOT_APPMO-SP.pptx
+++ b/9°A/Integradora/diapositiva/SM-ROOT_APPMO-SP.pptx
@@ -307,7 +307,7 @@
           <a:p>
             <a:fld id="{05AC1E8C-0CF9-436B-A299-46ADE80B9252}" type="datetimeFigureOut">
               <a:rPr lang="es-MX" smtClean="0"/>
-              <a:t>20/08/2019</a:t>
+              <a:t>21/08/2019</a:t>
             </a:fld>
             <a:endParaRPr lang="es-MX"/>
           </a:p>
@@ -637,7 +637,7 @@
           <a:p>
             <a:fld id="{05AC1E8C-0CF9-436B-A299-46ADE80B9252}" type="datetimeFigureOut">
               <a:rPr lang="es-MX" smtClean="0"/>
-              <a:t>20/08/2019</a:t>
+              <a:t>21/08/2019</a:t>
             </a:fld>
             <a:endParaRPr lang="es-MX"/>
           </a:p>
@@ -817,7 +817,7 @@
           <a:p>
             <a:fld id="{05AC1E8C-0CF9-436B-A299-46ADE80B9252}" type="datetimeFigureOut">
               <a:rPr lang="es-MX" smtClean="0"/>
-              <a:t>20/08/2019</a:t>
+              <a:t>21/08/2019</a:t>
             </a:fld>
             <a:endParaRPr lang="es-MX"/>
           </a:p>
@@ -987,7 +987,7 @@
           <a:p>
             <a:fld id="{05AC1E8C-0CF9-436B-A299-46ADE80B9252}" type="datetimeFigureOut">
               <a:rPr lang="es-MX" smtClean="0"/>
-              <a:t>20/08/2019</a:t>
+              <a:t>21/08/2019</a:t>
             </a:fld>
             <a:endParaRPr lang="es-MX"/>
           </a:p>
@@ -1264,7 +1264,7 @@
           <a:p>
             <a:fld id="{05AC1E8C-0CF9-436B-A299-46ADE80B9252}" type="datetimeFigureOut">
               <a:rPr lang="es-MX" smtClean="0"/>
-              <a:t>20/08/2019</a:t>
+              <a:t>21/08/2019</a:t>
             </a:fld>
             <a:endParaRPr lang="es-MX"/>
           </a:p>
@@ -1658,7 +1658,7 @@
           <a:p>
             <a:fld id="{05AC1E8C-0CF9-436B-A299-46ADE80B9252}" type="datetimeFigureOut">
               <a:rPr lang="es-MX" smtClean="0"/>
-              <a:t>20/08/2019</a:t>
+              <a:t>21/08/2019</a:t>
             </a:fld>
             <a:endParaRPr lang="es-MX"/>
           </a:p>
@@ -2140,7 +2140,7 @@
           <a:p>
             <a:fld id="{05AC1E8C-0CF9-436B-A299-46ADE80B9252}" type="datetimeFigureOut">
               <a:rPr lang="es-MX" smtClean="0"/>
-              <a:t>20/08/2019</a:t>
+              <a:t>21/08/2019</a:t>
             </a:fld>
             <a:endParaRPr lang="es-MX"/>
           </a:p>
@@ -2263,7 +2263,7 @@
           <a:p>
             <a:fld id="{05AC1E8C-0CF9-436B-A299-46ADE80B9252}" type="datetimeFigureOut">
               <a:rPr lang="es-MX" smtClean="0"/>
-              <a:t>20/08/2019</a:t>
+              <a:t>21/08/2019</a:t>
             </a:fld>
             <a:endParaRPr lang="es-MX"/>
           </a:p>
@@ -2358,7 +2358,7 @@
           <a:p>
             <a:fld id="{05AC1E8C-0CF9-436B-A299-46ADE80B9252}" type="datetimeFigureOut">
               <a:rPr lang="es-MX" smtClean="0"/>
-              <a:t>20/08/2019</a:t>
+              <a:t>21/08/2019</a:t>
             </a:fld>
             <a:endParaRPr lang="es-MX"/>
           </a:p>
@@ -2704,7 +2704,7 @@
           <a:p>
             <a:fld id="{05AC1E8C-0CF9-436B-A299-46ADE80B9252}" type="datetimeFigureOut">
               <a:rPr lang="es-MX" smtClean="0"/>
-              <a:t>20/08/2019</a:t>
+              <a:t>21/08/2019</a:t>
             </a:fld>
             <a:endParaRPr lang="es-MX"/>
           </a:p>
@@ -3097,7 +3097,7 @@
           <a:p>
             <a:fld id="{05AC1E8C-0CF9-436B-A299-46ADE80B9252}" type="datetimeFigureOut">
               <a:rPr lang="es-MX" smtClean="0"/>
-              <a:t>20/08/2019</a:t>
+              <a:t>21/08/2019</a:t>
             </a:fld>
             <a:endParaRPr lang="es-MX"/>
           </a:p>
@@ -3375,7 +3375,7 @@
           <a:p>
             <a:fld id="{05AC1E8C-0CF9-436B-A299-46ADE80B9252}" type="datetimeFigureOut">
               <a:rPr lang="es-MX" smtClean="0"/>
-              <a:t>20/08/2019</a:t>
+              <a:t>21/08/2019</a:t>
             </a:fld>
             <a:endParaRPr lang="es-MX"/>
           </a:p>
@@ -6150,72 +6150,9 @@
           </a:prstGeom>
         </p:spPr>
       </p:pic>
-    </p:spTree>
-    <p:extLst>
-      <p:ext uri="{BB962C8B-B14F-4D97-AF65-F5344CB8AC3E}">
-        <p14:creationId xmlns:p14="http://schemas.microsoft.com/office/powerpoint/2010/main" val="1191239697"/>
-      </p:ext>
-    </p:extLst>
-  </p:cSld>
-  <p:clrMapOvr>
-    <a:masterClrMapping/>
-  </p:clrMapOvr>
-  <p:timing>
-    <p:tnLst>
-      <p:par>
-        <p:cTn id="1" dur="indefinite" restart="never" nodeType="tmRoot"/>
-      </p:par>
-    </p:tnLst>
-  </p:timing>
-</p:sld>
-</file>
-
-<file path=ppt/slides/slide15.xml><?xml version="1.0" encoding="utf-8"?>
-<p:sld xmlns:a="http://schemas.openxmlformats.org/drawingml/2006/main" xmlns:r="http://schemas.openxmlformats.org/officeDocument/2006/relationships" xmlns:p="http://schemas.openxmlformats.org/presentationml/2006/main">
-  <p:cSld>
-    <p:spTree>
-      <p:nvGrpSpPr>
-        <p:cNvPr id="1" name=""/>
-        <p:cNvGrpSpPr/>
-        <p:nvPr/>
-      </p:nvGrpSpPr>
-      <p:grpSpPr>
-        <a:xfrm>
-          <a:off x="0" y="0"/>
-          <a:ext cx="0" cy="0"/>
-          <a:chOff x="0" y="0"/>
-          <a:chExt cx="0" cy="0"/>
-        </a:xfrm>
-      </p:grpSpPr>
       <p:sp>
         <p:nvSpPr>
-          <p:cNvPr id="2" name="Título 1"/>
-          <p:cNvSpPr>
-            <a:spLocks noGrp="1"/>
-          </p:cNvSpPr>
-          <p:nvPr>
-            <p:ph type="title"/>
-          </p:nvPr>
-        </p:nvSpPr>
-        <p:spPr/>
-        <p:txBody>
-          <a:bodyPr>
-            <a:normAutofit/>
-          </a:bodyPr>
-          <a:lstStyle/>
-          <a:p>
-            <a:pPr algn="ctr"/>
-            <a:r>
-              <a:rPr lang="es-MX" sz="4000" dirty="0" smtClean="0"/>
-              <a:t>ESTIMACIÓN DE RECURSOS Y COSTOS.</a:t>
-            </a:r>
-            <a:endParaRPr lang="es-MX" sz="4000" dirty="0"/>
-          </a:p>
-        </p:txBody>
-      </p:sp>
-      <p:sp>
-        <p:nvSpPr>
-          <p:cNvPr id="11" name="Documento 3"/>
+          <p:cNvPr id="3" name="Documento 3"/>
           <p:cNvSpPr/>
           <p:nvPr/>
         </p:nvSpPr>
@@ -6355,14 +6292,14 @@
       </p:sp>
       <p:pic>
         <p:nvPicPr>
-          <p:cNvPr id="12" name="Imagen 53" descr="Logo_SM-ROOT"/>
+          <p:cNvPr id="4" name="Imagen 53" descr="Logo_SM-ROOT"/>
           <p:cNvPicPr>
             <a:picLocks noChangeAspect="1" noChangeArrowheads="1"/>
           </p:cNvPicPr>
           <p:nvPr/>
         </p:nvPicPr>
         <p:blipFill>
-          <a:blip r:embed="rId2" cstate="print">
+          <a:blip r:embed="rId3" cstate="print">
             <a:extLst>
               <a:ext uri="{28A0092B-C50C-407E-A947-70E740481C1C}">
                 <a14:useLocalDpi xmlns:a14="http://schemas.microsoft.com/office/drawing/2010/main" val="0"/>
@@ -6396,20 +6333,20 @@
       </p:pic>
       <p:pic>
         <p:nvPicPr>
-          <p:cNvPr id="13" name="Imagen 52" descr="Logo_SM-ROOT"/>
+          <p:cNvPr id="5" name="Imagen 52" descr="Logo_SM-ROOT"/>
           <p:cNvPicPr>
             <a:picLocks noChangeAspect="1" noChangeArrowheads="1"/>
           </p:cNvPicPr>
           <p:nvPr/>
         </p:nvPicPr>
         <p:blipFill>
-          <a:blip r:embed="rId3">
+          <a:blip r:embed="rId4">
             <a:grayscl/>
             <a:biLevel thresh="50000"/>
             <a:extLst>
               <a:ext uri="{BEBA8EAE-BF5A-486C-A8C5-ECC9F3942E4B}">
                 <a14:imgProps xmlns:a14="http://schemas.microsoft.com/office/drawing/2010/main">
-                  <a14:imgLayer r:embed="rId4">
+                  <a14:imgLayer r:embed="rId5">
                     <a14:imgEffect>
                       <a14:artisticPaintStrokes/>
                     </a14:imgEffect>
@@ -6448,14 +6385,14 @@
       </p:pic>
       <p:pic>
         <p:nvPicPr>
-          <p:cNvPr id="14" name="Imagen 54" descr="logo"/>
+          <p:cNvPr id="6" name="Imagen 54" descr="logo"/>
           <p:cNvPicPr>
             <a:picLocks noChangeAspect="1" noChangeArrowheads="1"/>
           </p:cNvPicPr>
           <p:nvPr/>
         </p:nvPicPr>
         <p:blipFill>
-          <a:blip r:embed="rId5" cstate="print">
+          <a:blip r:embed="rId6" cstate="print">
             <a:extLst>
               <a:ext uri="{28A0092B-C50C-407E-A947-70E740481C1C}">
                 <a14:useLocalDpi xmlns:a14="http://schemas.microsoft.com/office/drawing/2010/main" val="0"/>
@@ -6487,66 +6424,10 @@
           </a:extLst>
         </p:spPr>
       </p:pic>
-      <p:sp>
-        <p:nvSpPr>
-          <p:cNvPr id="15" name="CuadroTexto 14"/>
-          <p:cNvSpPr txBox="1"/>
-          <p:nvPr/>
-        </p:nvSpPr>
-        <p:spPr>
-          <a:xfrm>
-            <a:off x="5109029" y="1545298"/>
-            <a:ext cx="2380342" cy="369332"/>
-          </a:xfrm>
-          <a:prstGeom prst="rect">
-            <a:avLst/>
-          </a:prstGeom>
-          <a:noFill/>
-        </p:spPr>
-        <p:txBody>
-          <a:bodyPr wrap="square" rtlCol="0">
-            <a:spAutoFit/>
-          </a:bodyPr>
-          <a:lstStyle/>
-          <a:p>
-            <a:r>
-              <a:rPr lang="es-MX" dirty="0" smtClean="0"/>
-              <a:t>Costos de recursos</a:t>
-            </a:r>
-            <a:endParaRPr lang="es-MX" dirty="0"/>
-          </a:p>
-        </p:txBody>
-      </p:sp>
-      <p:pic>
-        <p:nvPicPr>
-          <p:cNvPr id="20" name="Marcador de contenido 19"/>
-          <p:cNvPicPr>
-            <a:picLocks noGrp="1" noChangeAspect="1"/>
-          </p:cNvPicPr>
-          <p:nvPr>
-            <p:ph idx="1"/>
-          </p:nvPr>
-        </p:nvPicPr>
-        <p:blipFill>
-          <a:blip r:embed="rId6"/>
-          <a:stretch>
-            <a:fillRect/>
-          </a:stretch>
-        </p:blipFill>
-        <p:spPr>
-          <a:xfrm>
-            <a:off x="3420943" y="1997757"/>
-            <a:ext cx="5619475" cy="4698606"/>
-          </a:xfrm>
-          <a:prstGeom prst="rect">
-            <a:avLst/>
-          </a:prstGeom>
-        </p:spPr>
-      </p:pic>
     </p:spTree>
     <p:extLst>
       <p:ext uri="{BB962C8B-B14F-4D97-AF65-F5344CB8AC3E}">
-        <p14:creationId xmlns:p14="http://schemas.microsoft.com/office/powerpoint/2010/main" val="3230040892"/>
+        <p14:creationId xmlns:p14="http://schemas.microsoft.com/office/powerpoint/2010/main" val="1191239697"/>
       </p:ext>
     </p:extLst>
   </p:cSld>
@@ -6563,7 +6444,7 @@
 </p:sld>
 </file>
 
-<file path=ppt/slides/slide16.xml><?xml version="1.0" encoding="utf-8"?>
+<file path=ppt/slides/slide15.xml><?xml version="1.0" encoding="utf-8"?>
 <p:sld xmlns:a="http://schemas.openxmlformats.org/drawingml/2006/main" xmlns:r="http://schemas.openxmlformats.org/officeDocument/2006/relationships" xmlns:p="http://schemas.openxmlformats.org/presentationml/2006/main">
   <p:cSld>
     <p:spTree>
@@ -6590,12 +6471,7 @@
             <p:ph type="title"/>
           </p:nvPr>
         </p:nvSpPr>
-        <p:spPr>
-          <a:xfrm>
-            <a:off x="1617260" y="671512"/>
-            <a:ext cx="9601200" cy="1485900"/>
-          </a:xfrm>
-        </p:spPr>
+        <p:spPr/>
         <p:txBody>
           <a:bodyPr>
             <a:normAutofit/>
@@ -6604,16 +6480,16 @@
           <a:p>
             <a:pPr algn="ctr"/>
             <a:r>
-              <a:rPr lang="es-MX" sz="4000" b="1" dirty="0" smtClean="0"/>
-              <a:t>ANÁLISIS DE RIESGOS</a:t>
-            </a:r>
-            <a:endParaRPr lang="es-MX" sz="4000" b="1" dirty="0"/>
+              <a:rPr lang="es-MX" sz="4000" dirty="0" smtClean="0"/>
+              <a:t>ESTIMACIÓN DE RECURSOS Y COSTOS.</a:t>
+            </a:r>
+            <a:endParaRPr lang="es-MX" sz="4000" dirty="0"/>
           </a:p>
         </p:txBody>
       </p:sp>
       <p:sp>
         <p:nvSpPr>
-          <p:cNvPr id="6" name="Documento 3"/>
+          <p:cNvPr id="11" name="Documento 3"/>
           <p:cNvSpPr/>
           <p:nvPr/>
         </p:nvSpPr>
@@ -6753,7 +6629,7 @@
       </p:sp>
       <p:pic>
         <p:nvPicPr>
-          <p:cNvPr id="7" name="Imagen 53" descr="Logo_SM-ROOT"/>
+          <p:cNvPr id="12" name="Imagen 53" descr="Logo_SM-ROOT"/>
           <p:cNvPicPr>
             <a:picLocks noChangeAspect="1" noChangeArrowheads="1"/>
           </p:cNvPicPr>
@@ -6794,7 +6670,7 @@
       </p:pic>
       <p:pic>
         <p:nvPicPr>
-          <p:cNvPr id="8" name="Imagen 52" descr="Logo_SM-ROOT"/>
+          <p:cNvPr id="13" name="Imagen 52" descr="Logo_SM-ROOT"/>
           <p:cNvPicPr>
             <a:picLocks noChangeAspect="1" noChangeArrowheads="1"/>
           </p:cNvPicPr>
@@ -6846,7 +6722,7 @@
       </p:pic>
       <p:pic>
         <p:nvPicPr>
-          <p:cNvPr id="9" name="Imagen 54" descr="logo"/>
+          <p:cNvPr id="14" name="Imagen 54" descr="logo"/>
           <p:cNvPicPr>
             <a:picLocks noChangeAspect="1" noChangeArrowheads="1"/>
           </p:cNvPicPr>
@@ -6885,9 +6761,39 @@
           </a:extLst>
         </p:spPr>
       </p:pic>
+      <p:sp>
+        <p:nvSpPr>
+          <p:cNvPr id="15" name="CuadroTexto 14"/>
+          <p:cNvSpPr txBox="1"/>
+          <p:nvPr/>
+        </p:nvSpPr>
+        <p:spPr>
+          <a:xfrm>
+            <a:off x="5109029" y="1545298"/>
+            <a:ext cx="2380342" cy="369332"/>
+          </a:xfrm>
+          <a:prstGeom prst="rect">
+            <a:avLst/>
+          </a:prstGeom>
+          <a:noFill/>
+        </p:spPr>
+        <p:txBody>
+          <a:bodyPr wrap="square" rtlCol="0">
+            <a:spAutoFit/>
+          </a:bodyPr>
+          <a:lstStyle/>
+          <a:p>
+            <a:r>
+              <a:rPr lang="es-MX" dirty="0" smtClean="0"/>
+              <a:t>Costos de recursos</a:t>
+            </a:r>
+            <a:endParaRPr lang="es-MX" dirty="0"/>
+          </a:p>
+        </p:txBody>
+      </p:sp>
       <p:pic>
         <p:nvPicPr>
-          <p:cNvPr id="10" name="Marcador de contenido 9"/>
+          <p:cNvPr id="20" name="Marcador de contenido 19"/>
           <p:cNvPicPr>
             <a:picLocks noGrp="1" noChangeAspect="1"/>
           </p:cNvPicPr>
@@ -6903,48 +6809,18 @@
         </p:blipFill>
         <p:spPr>
           <a:xfrm>
-            <a:off x="1122048" y="1908628"/>
-            <a:ext cx="10591624" cy="4742356"/>
+            <a:off x="3420943" y="1997757"/>
+            <a:ext cx="5619475" cy="4698606"/>
           </a:xfrm>
           <a:prstGeom prst="rect">
             <a:avLst/>
           </a:prstGeom>
         </p:spPr>
       </p:pic>
-      <p:sp>
-        <p:nvSpPr>
-          <p:cNvPr id="11" name="CuadroTexto 10"/>
-          <p:cNvSpPr txBox="1"/>
-          <p:nvPr/>
-        </p:nvSpPr>
-        <p:spPr>
-          <a:xfrm>
-            <a:off x="4531269" y="1539296"/>
-            <a:ext cx="3408049" cy="369332"/>
-          </a:xfrm>
-          <a:prstGeom prst="rect">
-            <a:avLst/>
-          </a:prstGeom>
-          <a:noFill/>
-        </p:spPr>
-        <p:txBody>
-          <a:bodyPr wrap="none" rtlCol="0">
-            <a:spAutoFit/>
-          </a:bodyPr>
-          <a:lstStyle/>
-          <a:p>
-            <a:r>
-              <a:rPr lang="es-MX" dirty="0" smtClean="0"/>
-              <a:t>Plan de Identificación de Riesgos</a:t>
-            </a:r>
-            <a:endParaRPr lang="es-MX" dirty="0"/>
-          </a:p>
-        </p:txBody>
-      </p:sp>
     </p:spTree>
     <p:extLst>
       <p:ext uri="{BB962C8B-B14F-4D97-AF65-F5344CB8AC3E}">
-        <p14:creationId xmlns:p14="http://schemas.microsoft.com/office/powerpoint/2010/main" val="74689949"/>
+        <p14:creationId xmlns:p14="http://schemas.microsoft.com/office/powerpoint/2010/main" val="3230040892"/>
       </p:ext>
     </p:extLst>
   </p:cSld>
@@ -6961,7 +6837,7 @@
 </p:sld>
 </file>
 
-<file path=ppt/slides/slide17.xml><?xml version="1.0" encoding="utf-8"?>
+<file path=ppt/slides/slide16.xml><?xml version="1.0" encoding="utf-8"?>
 <p:sld xmlns:a="http://schemas.openxmlformats.org/drawingml/2006/main" xmlns:r="http://schemas.openxmlformats.org/officeDocument/2006/relationships" xmlns:p="http://schemas.openxmlformats.org/presentationml/2006/main">
   <p:cSld>
     <p:spTree>
@@ -6978,65 +6854,40 @@
           <a:chExt cx="0" cy="0"/>
         </a:xfrm>
       </p:grpSpPr>
-      <p:pic>
-        <p:nvPicPr>
-          <p:cNvPr id="8" name="Marcador de contenido 7"/>
-          <p:cNvPicPr>
-            <a:picLocks noGrp="1" noChangeAspect="1"/>
-          </p:cNvPicPr>
-          <p:nvPr>
-            <p:ph idx="1"/>
-          </p:nvPr>
-        </p:nvPicPr>
-        <p:blipFill>
-          <a:blip r:embed="rId2"/>
-          <a:stretch>
-            <a:fillRect/>
-          </a:stretch>
-        </p:blipFill>
-        <p:spPr>
-          <a:xfrm>
-            <a:off x="1531606" y="1571113"/>
-            <a:ext cx="10351536" cy="4550287"/>
-          </a:xfrm>
-          <a:prstGeom prst="rect">
-            <a:avLst/>
-          </a:prstGeom>
-        </p:spPr>
-      </p:pic>
       <p:sp>
         <p:nvSpPr>
-          <p:cNvPr id="10" name="CuadroTexto 9"/>
-          <p:cNvSpPr txBox="1"/>
-          <p:nvPr/>
+          <p:cNvPr id="2" name="Título 1"/>
+          <p:cNvSpPr>
+            <a:spLocks noGrp="1"/>
+          </p:cNvSpPr>
+          <p:nvPr>
+            <p:ph type="title"/>
+          </p:nvPr>
         </p:nvSpPr>
         <p:spPr>
           <a:xfrm>
-            <a:off x="4652168" y="1201781"/>
-            <a:ext cx="3604260" cy="369332"/>
-          </a:xfrm>
-          <a:prstGeom prst="rect">
-            <a:avLst/>
-          </a:prstGeom>
-          <a:noFill/>
+            <a:off x="1617260" y="671512"/>
+            <a:ext cx="9601200" cy="1485900"/>
+          </a:xfrm>
         </p:spPr>
         <p:txBody>
-          <a:bodyPr wrap="square" rtlCol="0">
-            <a:spAutoFit/>
+          <a:bodyPr>
+            <a:normAutofit/>
           </a:bodyPr>
           <a:lstStyle/>
           <a:p>
-            <a:r>
-              <a:rPr lang="es-MX" dirty="0" smtClean="0"/>
-              <a:t>Seguimiento y control de Riesgos</a:t>
-            </a:r>
-            <a:endParaRPr lang="es-MX" dirty="0"/>
+            <a:pPr algn="ctr"/>
+            <a:r>
+              <a:rPr lang="es-MX" sz="4000" b="1" dirty="0" smtClean="0"/>
+              <a:t>ANÁLISIS DE RIESGOS</a:t>
+            </a:r>
+            <a:endParaRPr lang="es-MX" sz="4000" b="1" dirty="0"/>
           </a:p>
         </p:txBody>
       </p:sp>
       <p:sp>
         <p:nvSpPr>
-          <p:cNvPr id="5" name="Documento 3"/>
+          <p:cNvPr id="6" name="Documento 3"/>
           <p:cNvSpPr/>
           <p:nvPr/>
         </p:nvSpPr>
@@ -7176,14 +7027,14 @@
       </p:sp>
       <p:pic>
         <p:nvPicPr>
-          <p:cNvPr id="6" name="Imagen 53" descr="Logo_SM-ROOT"/>
+          <p:cNvPr id="7" name="Imagen 53" descr="Logo_SM-ROOT"/>
           <p:cNvPicPr>
             <a:picLocks noChangeAspect="1" noChangeArrowheads="1"/>
           </p:cNvPicPr>
           <p:nvPr/>
         </p:nvPicPr>
         <p:blipFill>
-          <a:blip r:embed="rId3" cstate="print">
+          <a:blip r:embed="rId2" cstate="print">
             <a:extLst>
               <a:ext uri="{28A0092B-C50C-407E-A947-70E740481C1C}">
                 <a14:useLocalDpi xmlns:a14="http://schemas.microsoft.com/office/drawing/2010/main" val="0"/>
@@ -7217,20 +7068,20 @@
       </p:pic>
       <p:pic>
         <p:nvPicPr>
-          <p:cNvPr id="7" name="Imagen 52" descr="Logo_SM-ROOT"/>
+          <p:cNvPr id="8" name="Imagen 52" descr="Logo_SM-ROOT"/>
           <p:cNvPicPr>
             <a:picLocks noChangeAspect="1" noChangeArrowheads="1"/>
           </p:cNvPicPr>
           <p:nvPr/>
         </p:nvPicPr>
         <p:blipFill>
-          <a:blip r:embed="rId4">
+          <a:blip r:embed="rId3">
             <a:grayscl/>
             <a:biLevel thresh="50000"/>
             <a:extLst>
               <a:ext uri="{BEBA8EAE-BF5A-486C-A8C5-ECC9F3942E4B}">
                 <a14:imgProps xmlns:a14="http://schemas.microsoft.com/office/drawing/2010/main">
-                  <a14:imgLayer r:embed="rId5">
+                  <a14:imgLayer r:embed="rId4">
                     <a14:imgEffect>
                       <a14:artisticPaintStrokes/>
                     </a14:imgEffect>
@@ -7269,14 +7120,14 @@
       </p:pic>
       <p:pic>
         <p:nvPicPr>
-          <p:cNvPr id="11" name="Imagen 54" descr="logo"/>
+          <p:cNvPr id="9" name="Imagen 54" descr="logo"/>
           <p:cNvPicPr>
             <a:picLocks noChangeAspect="1" noChangeArrowheads="1"/>
           </p:cNvPicPr>
           <p:nvPr/>
         </p:nvPicPr>
         <p:blipFill>
-          <a:blip r:embed="rId6" cstate="print">
+          <a:blip r:embed="rId5" cstate="print">
             <a:extLst>
               <a:ext uri="{28A0092B-C50C-407E-A947-70E740481C1C}">
                 <a14:useLocalDpi xmlns:a14="http://schemas.microsoft.com/office/drawing/2010/main" val="0"/>
@@ -7308,10 +7159,66 @@
           </a:extLst>
         </p:spPr>
       </p:pic>
+      <p:pic>
+        <p:nvPicPr>
+          <p:cNvPr id="10" name="Marcador de contenido 9"/>
+          <p:cNvPicPr>
+            <a:picLocks noGrp="1" noChangeAspect="1"/>
+          </p:cNvPicPr>
+          <p:nvPr>
+            <p:ph idx="1"/>
+          </p:nvPr>
+        </p:nvPicPr>
+        <p:blipFill>
+          <a:blip r:embed="rId6"/>
+          <a:stretch>
+            <a:fillRect/>
+          </a:stretch>
+        </p:blipFill>
+        <p:spPr>
+          <a:xfrm>
+            <a:off x="1122048" y="1908628"/>
+            <a:ext cx="10591624" cy="4742356"/>
+          </a:xfrm>
+          <a:prstGeom prst="rect">
+            <a:avLst/>
+          </a:prstGeom>
+        </p:spPr>
+      </p:pic>
+      <p:sp>
+        <p:nvSpPr>
+          <p:cNvPr id="11" name="CuadroTexto 10"/>
+          <p:cNvSpPr txBox="1"/>
+          <p:nvPr/>
+        </p:nvSpPr>
+        <p:spPr>
+          <a:xfrm>
+            <a:off x="4531269" y="1539296"/>
+            <a:ext cx="3408049" cy="369332"/>
+          </a:xfrm>
+          <a:prstGeom prst="rect">
+            <a:avLst/>
+          </a:prstGeom>
+          <a:noFill/>
+        </p:spPr>
+        <p:txBody>
+          <a:bodyPr wrap="none" rtlCol="0">
+            <a:spAutoFit/>
+          </a:bodyPr>
+          <a:lstStyle/>
+          <a:p>
+            <a:r>
+              <a:rPr lang="es-MX" dirty="0" smtClean="0"/>
+              <a:t>Plan de Identificación de Riesgos</a:t>
+            </a:r>
+            <a:endParaRPr lang="es-MX" dirty="0"/>
+          </a:p>
+        </p:txBody>
+      </p:sp>
     </p:spTree>
     <p:extLst>
       <p:ext uri="{BB962C8B-B14F-4D97-AF65-F5344CB8AC3E}">
-        <p14:creationId xmlns:p14="http://schemas.microsoft.com/office/powerpoint/2010/main" val="1253462028"/>
+        <p14:creationId xmlns:p14="http://schemas.microsoft.com/office/powerpoint/2010/main" val="74689949"/>
       </p:ext>
     </p:extLst>
   </p:cSld>
@@ -7328,7 +7235,7 @@
 </p:sld>
 </file>
 
-<file path=ppt/slides/slide18.xml><?xml version="1.0" encoding="utf-8"?>
+<file path=ppt/slides/slide17.xml><?xml version="1.0" encoding="utf-8"?>
 <p:sld xmlns:a="http://schemas.openxmlformats.org/drawingml/2006/main" xmlns:r="http://schemas.openxmlformats.org/officeDocument/2006/relationships" xmlns:p="http://schemas.openxmlformats.org/presentationml/2006/main">
   <p:cSld>
     <p:spTree>
@@ -7345,35 +7252,65 @@
           <a:chExt cx="0" cy="0"/>
         </a:xfrm>
       </p:grpSpPr>
+      <p:pic>
+        <p:nvPicPr>
+          <p:cNvPr id="8" name="Marcador de contenido 7"/>
+          <p:cNvPicPr>
+            <a:picLocks noGrp="1" noChangeAspect="1"/>
+          </p:cNvPicPr>
+          <p:nvPr>
+            <p:ph idx="1"/>
+          </p:nvPr>
+        </p:nvPicPr>
+        <p:blipFill>
+          <a:blip r:embed="rId2"/>
+          <a:stretch>
+            <a:fillRect/>
+          </a:stretch>
+        </p:blipFill>
+        <p:spPr>
+          <a:xfrm>
+            <a:off x="1531606" y="1571113"/>
+            <a:ext cx="10351536" cy="4550287"/>
+          </a:xfrm>
+          <a:prstGeom prst="rect">
+            <a:avLst/>
+          </a:prstGeom>
+        </p:spPr>
+      </p:pic>
       <p:sp>
         <p:nvSpPr>
-          <p:cNvPr id="2" name="Título 1"/>
-          <p:cNvSpPr>
-            <a:spLocks noGrp="1"/>
-          </p:cNvSpPr>
-          <p:nvPr>
-            <p:ph type="title"/>
-          </p:nvPr>
+          <p:cNvPr id="10" name="CuadroTexto 9"/>
+          <p:cNvSpPr txBox="1"/>
+          <p:nvPr/>
         </p:nvSpPr>
-        <p:spPr/>
+        <p:spPr>
+          <a:xfrm>
+            <a:off x="4652168" y="1201781"/>
+            <a:ext cx="3604260" cy="369332"/>
+          </a:xfrm>
+          <a:prstGeom prst="rect">
+            <a:avLst/>
+          </a:prstGeom>
+          <a:noFill/>
+        </p:spPr>
         <p:txBody>
-          <a:bodyPr>
-            <a:normAutofit/>
+          <a:bodyPr wrap="square" rtlCol="0">
+            <a:spAutoFit/>
           </a:bodyPr>
           <a:lstStyle/>
           <a:p>
-            <a:pPr algn="ctr"/>
-            <a:r>
-              <a:rPr lang="es-MX" sz="4000" dirty="0" smtClean="0"/>
-              <a:t>MÉTODOS DE COMUNICACIÓN</a:t>
-            </a:r>
-            <a:endParaRPr lang="es-MX" sz="4000" dirty="0"/>
+            <a:r>
+              <a:rPr lang="es-MX" dirty="0" smtClean="0"/>
+              <a:t>Seguimiento y control de Riesgos</a:t>
+            </a:r>
+            <a:endParaRPr lang="es-MX" dirty="0"/>
           </a:p>
         </p:txBody>
       </p:sp>
       <p:sp>
         <p:nvSpPr>
-          <p:cNvPr id="8" name="Documento 3"/>
+          <p:cNvPr id="5" name="Documento 3"/>
           <p:cNvSpPr/>
           <p:nvPr/>
         </p:nvSpPr>
@@ -7513,14 +7450,14 @@
       </p:sp>
       <p:pic>
         <p:nvPicPr>
-          <p:cNvPr id="9" name="Imagen 53" descr="Logo_SM-ROOT"/>
+          <p:cNvPr id="6" name="Imagen 53" descr="Logo_SM-ROOT"/>
           <p:cNvPicPr>
             <a:picLocks noChangeAspect="1" noChangeArrowheads="1"/>
           </p:cNvPicPr>
           <p:nvPr/>
         </p:nvPicPr>
         <p:blipFill>
-          <a:blip r:embed="rId2" cstate="print">
+          <a:blip r:embed="rId3" cstate="print">
             <a:extLst>
               <a:ext uri="{28A0092B-C50C-407E-A947-70E740481C1C}">
                 <a14:useLocalDpi xmlns:a14="http://schemas.microsoft.com/office/drawing/2010/main" val="0"/>
@@ -7554,20 +7491,20 @@
       </p:pic>
       <p:pic>
         <p:nvPicPr>
-          <p:cNvPr id="10" name="Imagen 52" descr="Logo_SM-ROOT"/>
+          <p:cNvPr id="7" name="Imagen 52" descr="Logo_SM-ROOT"/>
           <p:cNvPicPr>
             <a:picLocks noChangeAspect="1" noChangeArrowheads="1"/>
           </p:cNvPicPr>
           <p:nvPr/>
         </p:nvPicPr>
         <p:blipFill>
-          <a:blip r:embed="rId3">
+          <a:blip r:embed="rId4">
             <a:grayscl/>
             <a:biLevel thresh="50000"/>
             <a:extLst>
               <a:ext uri="{BEBA8EAE-BF5A-486C-A8C5-ECC9F3942E4B}">
                 <a14:imgProps xmlns:a14="http://schemas.microsoft.com/office/drawing/2010/main">
-                  <a14:imgLayer r:embed="rId4">
+                  <a14:imgLayer r:embed="rId5">
                     <a14:imgEffect>
                       <a14:artisticPaintStrokes/>
                     </a14:imgEffect>
@@ -7613,7 +7550,7 @@
           <p:nvPr/>
         </p:nvPicPr>
         <p:blipFill>
-          <a:blip r:embed="rId5" cstate="print">
+          <a:blip r:embed="rId6" cstate="print">
             <a:extLst>
               <a:ext uri="{28A0092B-C50C-407E-A947-70E740481C1C}">
                 <a14:useLocalDpi xmlns:a14="http://schemas.microsoft.com/office/drawing/2010/main" val="0"/>
@@ -7645,66 +7582,10 @@
           </a:extLst>
         </p:spPr>
       </p:pic>
-      <p:sp>
-        <p:nvSpPr>
-          <p:cNvPr id="5" name="CuadroTexto 4"/>
-          <p:cNvSpPr txBox="1"/>
-          <p:nvPr/>
-        </p:nvSpPr>
-        <p:spPr>
-          <a:xfrm>
-            <a:off x="5183712" y="1748908"/>
-            <a:ext cx="2731838" cy="369332"/>
-          </a:xfrm>
-          <a:prstGeom prst="rect">
-            <a:avLst/>
-          </a:prstGeom>
-          <a:noFill/>
-        </p:spPr>
-        <p:txBody>
-          <a:bodyPr wrap="none" rtlCol="0">
-            <a:spAutoFit/>
-          </a:bodyPr>
-          <a:lstStyle/>
-          <a:p>
-            <a:r>
-              <a:rPr lang="es-MX" dirty="0" smtClean="0"/>
-              <a:t>Matriz de comunicaciones</a:t>
-            </a:r>
-            <a:endParaRPr lang="es-MX" dirty="0"/>
-          </a:p>
-        </p:txBody>
-      </p:sp>
-      <p:pic>
-        <p:nvPicPr>
-          <p:cNvPr id="6" name="Marcador de contenido 5"/>
-          <p:cNvPicPr>
-            <a:picLocks noGrp="1" noChangeAspect="1"/>
-          </p:cNvPicPr>
-          <p:nvPr>
-            <p:ph idx="1"/>
-          </p:nvPr>
-        </p:nvPicPr>
-        <p:blipFill>
-          <a:blip r:embed="rId6"/>
-          <a:stretch>
-            <a:fillRect/>
-          </a:stretch>
-        </p:blipFill>
-        <p:spPr>
-          <a:xfrm>
-            <a:off x="1086819" y="2212974"/>
-            <a:ext cx="10870812" cy="4227142"/>
-          </a:xfrm>
-          <a:prstGeom prst="rect">
-            <a:avLst/>
-          </a:prstGeom>
-        </p:spPr>
-      </p:pic>
     </p:spTree>
     <p:extLst>
       <p:ext uri="{BB962C8B-B14F-4D97-AF65-F5344CB8AC3E}">
-        <p14:creationId xmlns:p14="http://schemas.microsoft.com/office/powerpoint/2010/main" val="1798884094"/>
+        <p14:creationId xmlns:p14="http://schemas.microsoft.com/office/powerpoint/2010/main" val="1253462028"/>
       </p:ext>
     </p:extLst>
   </p:cSld>
@@ -7721,7 +7602,7 @@
 </p:sld>
 </file>
 
-<file path=ppt/slides/slide19.xml><?xml version="1.0" encoding="utf-8"?>
+<file path=ppt/slides/slide18.xml><?xml version="1.0" encoding="utf-8"?>
 <p:sld xmlns:a="http://schemas.openxmlformats.org/drawingml/2006/main" xmlns:r="http://schemas.openxmlformats.org/officeDocument/2006/relationships" xmlns:p="http://schemas.openxmlformats.org/presentationml/2006/main">
   <p:cSld>
     <p:spTree>
@@ -7738,89 +7619,35 @@
           <a:chExt cx="0" cy="0"/>
         </a:xfrm>
       </p:grpSpPr>
-      <p:pic>
-        <p:nvPicPr>
-          <p:cNvPr id="4" name="Marcador de contenido 3"/>
-          <p:cNvPicPr>
-            <a:picLocks noGrp="1" noChangeAspect="1"/>
-          </p:cNvPicPr>
-          <p:nvPr>
-            <p:ph idx="1"/>
-          </p:nvPr>
-        </p:nvPicPr>
-        <p:blipFill>
-          <a:blip r:embed="rId2"/>
-          <a:stretch>
-            <a:fillRect/>
-          </a:stretch>
-        </p:blipFill>
-        <p:spPr>
-          <a:xfrm>
-            <a:off x="1023560" y="2084076"/>
-            <a:ext cx="5578567" cy="3102073"/>
-          </a:xfrm>
-          <a:prstGeom prst="rect">
-            <a:avLst/>
-          </a:prstGeom>
-        </p:spPr>
-      </p:pic>
-      <p:pic>
-        <p:nvPicPr>
-          <p:cNvPr id="5" name="Imagen 4"/>
-          <p:cNvPicPr>
-            <a:picLocks noChangeAspect="1"/>
-          </p:cNvPicPr>
-          <p:nvPr/>
-        </p:nvPicPr>
-        <p:blipFill>
-          <a:blip r:embed="rId3"/>
-          <a:stretch>
-            <a:fillRect/>
-          </a:stretch>
-        </p:blipFill>
-        <p:spPr>
-          <a:xfrm>
-            <a:off x="6753403" y="2102532"/>
-            <a:ext cx="4820883" cy="3102073"/>
-          </a:xfrm>
-          <a:prstGeom prst="rect">
-            <a:avLst/>
-          </a:prstGeom>
-        </p:spPr>
-      </p:pic>
       <p:sp>
         <p:nvSpPr>
-          <p:cNvPr id="11" name="CuadroTexto 10"/>
-          <p:cNvSpPr txBox="1"/>
-          <p:nvPr/>
+          <p:cNvPr id="2" name="Título 1"/>
+          <p:cNvSpPr>
+            <a:spLocks noGrp="1"/>
+          </p:cNvSpPr>
+          <p:nvPr>
+            <p:ph type="title"/>
+          </p:nvPr>
         </p:nvSpPr>
-        <p:spPr>
-          <a:xfrm>
-            <a:off x="4652168" y="1623488"/>
-            <a:ext cx="3713910" cy="369332"/>
-          </a:xfrm>
-          <a:prstGeom prst="rect">
-            <a:avLst/>
-          </a:prstGeom>
-          <a:noFill/>
-        </p:spPr>
+        <p:spPr/>
         <p:txBody>
-          <a:bodyPr wrap="square" rtlCol="0">
-            <a:spAutoFit/>
+          <a:bodyPr>
+            <a:normAutofit/>
           </a:bodyPr>
           <a:lstStyle/>
           <a:p>
-            <a:r>
-              <a:rPr lang="es-MX" dirty="0" smtClean="0"/>
-              <a:t>Calendario de Reuniones</a:t>
-            </a:r>
-            <a:endParaRPr lang="es-MX" dirty="0"/>
+            <a:pPr algn="ctr"/>
+            <a:r>
+              <a:rPr lang="es-MX" sz="4000" dirty="0" smtClean="0"/>
+              <a:t>MÉTODOS DE COMUNICACIÓN</a:t>
+            </a:r>
+            <a:endParaRPr lang="es-MX" sz="4000" dirty="0"/>
           </a:p>
         </p:txBody>
       </p:sp>
       <p:sp>
         <p:nvSpPr>
-          <p:cNvPr id="12" name="Documento 3"/>
+          <p:cNvPr id="8" name="Documento 3"/>
           <p:cNvSpPr/>
           <p:nvPr/>
         </p:nvSpPr>
@@ -7960,14 +7787,14 @@
       </p:sp>
       <p:pic>
         <p:nvPicPr>
-          <p:cNvPr id="13" name="Imagen 53" descr="Logo_SM-ROOT"/>
+          <p:cNvPr id="9" name="Imagen 53" descr="Logo_SM-ROOT"/>
           <p:cNvPicPr>
             <a:picLocks noChangeAspect="1" noChangeArrowheads="1"/>
           </p:cNvPicPr>
           <p:nvPr/>
         </p:nvPicPr>
         <p:blipFill>
-          <a:blip r:embed="rId4" cstate="print">
+          <a:blip r:embed="rId2" cstate="print">
             <a:extLst>
               <a:ext uri="{28A0092B-C50C-407E-A947-70E740481C1C}">
                 <a14:useLocalDpi xmlns:a14="http://schemas.microsoft.com/office/drawing/2010/main" val="0"/>
@@ -8001,20 +7828,20 @@
       </p:pic>
       <p:pic>
         <p:nvPicPr>
-          <p:cNvPr id="14" name="Imagen 52" descr="Logo_SM-ROOT"/>
+          <p:cNvPr id="10" name="Imagen 52" descr="Logo_SM-ROOT"/>
           <p:cNvPicPr>
             <a:picLocks noChangeAspect="1" noChangeArrowheads="1"/>
           </p:cNvPicPr>
           <p:nvPr/>
         </p:nvPicPr>
         <p:blipFill>
-          <a:blip r:embed="rId5">
+          <a:blip r:embed="rId3">
             <a:grayscl/>
             <a:biLevel thresh="50000"/>
             <a:extLst>
               <a:ext uri="{BEBA8EAE-BF5A-486C-A8C5-ECC9F3942E4B}">
                 <a14:imgProps xmlns:a14="http://schemas.microsoft.com/office/drawing/2010/main">
-                  <a14:imgLayer r:embed="rId6">
+                  <a14:imgLayer r:embed="rId4">
                     <a14:imgEffect>
                       <a14:artisticPaintStrokes/>
                     </a14:imgEffect>
@@ -8053,14 +7880,14 @@
       </p:pic>
       <p:pic>
         <p:nvPicPr>
-          <p:cNvPr id="15" name="Imagen 54" descr="logo"/>
+          <p:cNvPr id="11" name="Imagen 54" descr="logo"/>
           <p:cNvPicPr>
             <a:picLocks noChangeAspect="1" noChangeArrowheads="1"/>
           </p:cNvPicPr>
           <p:nvPr/>
         </p:nvPicPr>
         <p:blipFill>
-          <a:blip r:embed="rId7" cstate="print">
+          <a:blip r:embed="rId5" cstate="print">
             <a:extLst>
               <a:ext uri="{28A0092B-C50C-407E-A947-70E740481C1C}">
                 <a14:useLocalDpi xmlns:a14="http://schemas.microsoft.com/office/drawing/2010/main" val="0"/>
@@ -8092,10 +7919,66 @@
           </a:extLst>
         </p:spPr>
       </p:pic>
+      <p:sp>
+        <p:nvSpPr>
+          <p:cNvPr id="5" name="CuadroTexto 4"/>
+          <p:cNvSpPr txBox="1"/>
+          <p:nvPr/>
+        </p:nvSpPr>
+        <p:spPr>
+          <a:xfrm>
+            <a:off x="5183712" y="1748908"/>
+            <a:ext cx="2731838" cy="369332"/>
+          </a:xfrm>
+          <a:prstGeom prst="rect">
+            <a:avLst/>
+          </a:prstGeom>
+          <a:noFill/>
+        </p:spPr>
+        <p:txBody>
+          <a:bodyPr wrap="none" rtlCol="0">
+            <a:spAutoFit/>
+          </a:bodyPr>
+          <a:lstStyle/>
+          <a:p>
+            <a:r>
+              <a:rPr lang="es-MX" dirty="0" smtClean="0"/>
+              <a:t>Matriz de comunicaciones</a:t>
+            </a:r>
+            <a:endParaRPr lang="es-MX" dirty="0"/>
+          </a:p>
+        </p:txBody>
+      </p:sp>
+      <p:pic>
+        <p:nvPicPr>
+          <p:cNvPr id="6" name="Marcador de contenido 5"/>
+          <p:cNvPicPr>
+            <a:picLocks noGrp="1" noChangeAspect="1"/>
+          </p:cNvPicPr>
+          <p:nvPr>
+            <p:ph idx="1"/>
+          </p:nvPr>
+        </p:nvPicPr>
+        <p:blipFill>
+          <a:blip r:embed="rId6"/>
+          <a:stretch>
+            <a:fillRect/>
+          </a:stretch>
+        </p:blipFill>
+        <p:spPr>
+          <a:xfrm>
+            <a:off x="1086819" y="2212974"/>
+            <a:ext cx="10870812" cy="4227142"/>
+          </a:xfrm>
+          <a:prstGeom prst="rect">
+            <a:avLst/>
+          </a:prstGeom>
+        </p:spPr>
+      </p:pic>
     </p:spTree>
     <p:extLst>
       <p:ext uri="{BB962C8B-B14F-4D97-AF65-F5344CB8AC3E}">
-        <p14:creationId xmlns:p14="http://schemas.microsoft.com/office/powerpoint/2010/main" val="96484863"/>
+        <p14:creationId xmlns:p14="http://schemas.microsoft.com/office/powerpoint/2010/main" val="1798884094"/>
       </p:ext>
     </p:extLst>
   </p:cSld>
@@ -8112,7 +7995,7 @@
 </p:sld>
 </file>
 
-<file path=ppt/slides/slide2.xml><?xml version="1.0" encoding="utf-8"?>
+<file path=ppt/slides/slide19.xml><?xml version="1.0" encoding="utf-8"?>
 <p:sld xmlns:a="http://schemas.openxmlformats.org/drawingml/2006/main" xmlns:r="http://schemas.openxmlformats.org/officeDocument/2006/relationships" xmlns:p="http://schemas.openxmlformats.org/presentationml/2006/main">
   <p:cSld>
     <p:spTree>
@@ -8129,86 +8012,89 @@
           <a:chExt cx="0" cy="0"/>
         </a:xfrm>
       </p:grpSpPr>
+      <p:pic>
+        <p:nvPicPr>
+          <p:cNvPr id="4" name="Marcador de contenido 3"/>
+          <p:cNvPicPr>
+            <a:picLocks noGrp="1" noChangeAspect="1"/>
+          </p:cNvPicPr>
+          <p:nvPr>
+            <p:ph idx="1"/>
+          </p:nvPr>
+        </p:nvPicPr>
+        <p:blipFill>
+          <a:blip r:embed="rId2"/>
+          <a:stretch>
+            <a:fillRect/>
+          </a:stretch>
+        </p:blipFill>
+        <p:spPr>
+          <a:xfrm>
+            <a:off x="1023560" y="2084076"/>
+            <a:ext cx="5578567" cy="3102073"/>
+          </a:xfrm>
+          <a:prstGeom prst="rect">
+            <a:avLst/>
+          </a:prstGeom>
+        </p:spPr>
+      </p:pic>
+      <p:pic>
+        <p:nvPicPr>
+          <p:cNvPr id="5" name="Imagen 4"/>
+          <p:cNvPicPr>
+            <a:picLocks noChangeAspect="1"/>
+          </p:cNvPicPr>
+          <p:nvPr/>
+        </p:nvPicPr>
+        <p:blipFill>
+          <a:blip r:embed="rId3"/>
+          <a:stretch>
+            <a:fillRect/>
+          </a:stretch>
+        </p:blipFill>
+        <p:spPr>
+          <a:xfrm>
+            <a:off x="6753403" y="2102532"/>
+            <a:ext cx="4820883" cy="3102073"/>
+          </a:xfrm>
+          <a:prstGeom prst="rect">
+            <a:avLst/>
+          </a:prstGeom>
+        </p:spPr>
+      </p:pic>
       <p:sp>
         <p:nvSpPr>
-          <p:cNvPr id="2" name="Título 1"/>
-          <p:cNvSpPr>
-            <a:spLocks noGrp="1"/>
-          </p:cNvSpPr>
-          <p:nvPr>
-            <p:ph type="title"/>
-          </p:nvPr>
+          <p:cNvPr id="11" name="CuadroTexto 10"/>
+          <p:cNvSpPr txBox="1"/>
+          <p:nvPr/>
         </p:nvSpPr>
         <p:spPr>
           <a:xfrm>
-            <a:off x="1390650" y="868362"/>
-            <a:ext cx="9601200" cy="1485900"/>
-          </a:xfrm>
+            <a:off x="4652168" y="1623488"/>
+            <a:ext cx="3713910" cy="369332"/>
+          </a:xfrm>
+          <a:prstGeom prst="rect">
+            <a:avLst/>
+          </a:prstGeom>
+          <a:noFill/>
         </p:spPr>
         <p:txBody>
-          <a:bodyPr>
-            <a:normAutofit/>
+          <a:bodyPr wrap="square" rtlCol="0">
+            <a:spAutoFit/>
           </a:bodyPr>
           <a:lstStyle/>
           <a:p>
-            <a:pPr algn="ctr"/>
-            <a:r>
-              <a:rPr lang="es-MX" sz="4000" b="1" dirty="0" smtClean="0"/>
-              <a:t>NOMBRE DEL PROYECTO</a:t>
-            </a:r>
-            <a:endParaRPr lang="es-MX" sz="4000" b="1" dirty="0"/>
+            <a:r>
+              <a:rPr lang="es-MX" dirty="0" smtClean="0"/>
+              <a:t>Calendario de Reuniones</a:t>
+            </a:r>
+            <a:endParaRPr lang="es-MX" dirty="0"/>
           </a:p>
         </p:txBody>
       </p:sp>
       <p:sp>
         <p:nvSpPr>
-          <p:cNvPr id="3" name="Marcador de contenido 2"/>
-          <p:cNvSpPr>
-            <a:spLocks noGrp="1"/>
-          </p:cNvSpPr>
-          <p:nvPr>
-            <p:ph idx="1"/>
-          </p:nvPr>
-        </p:nvSpPr>
-        <p:spPr>
-          <a:xfrm>
-            <a:off x="1390650" y="2346726"/>
-            <a:ext cx="9601200" cy="416098"/>
-          </a:xfrm>
-        </p:spPr>
-        <p:txBody>
-          <a:bodyPr/>
-          <a:lstStyle/>
-          <a:p>
-            <a:pPr marL="0" indent="0" algn="ctr">
-              <a:buNone/>
-            </a:pPr>
-            <a:r>
-              <a:rPr lang="es-MX" b="1" dirty="0" smtClean="0"/>
-              <a:t>APPMO-SP (ADMINISTRACIÓN DE LA APLICACIÓN </a:t>
-            </a:r>
-            <a:r>
-              <a:rPr lang="es-MX" b="1" dirty="0" smtClean="0"/>
-              <a:t>MÓVIL SAN PEDRO)</a:t>
-            </a:r>
-          </a:p>
-          <a:p>
-            <a:pPr marL="0" indent="0" algn="ctr">
-              <a:buNone/>
-            </a:pPr>
-            <a:endParaRPr lang="es-MX" b="1" dirty="0"/>
-          </a:p>
-          <a:p>
-            <a:pPr marL="0" indent="0" algn="ctr">
-              <a:buNone/>
-            </a:pPr>
-            <a:endParaRPr lang="es-MX" b="1" dirty="0"/>
-          </a:p>
-        </p:txBody>
-      </p:sp>
-      <p:sp>
-        <p:nvSpPr>
-          <p:cNvPr id="4" name="Documento 3"/>
+          <p:cNvPr id="12" name="Documento 3"/>
           <p:cNvSpPr/>
           <p:nvPr/>
         </p:nvSpPr>
@@ -8348,91 +8234,7 @@
       </p:sp>
       <p:pic>
         <p:nvPicPr>
-          <p:cNvPr id="2052" name="Imagen 53" descr="Logo_SM-ROOT"/>
-          <p:cNvPicPr>
-            <a:picLocks noChangeAspect="1" noChangeArrowheads="1"/>
-          </p:cNvPicPr>
-          <p:nvPr/>
-        </p:nvPicPr>
-        <p:blipFill>
-          <a:blip r:embed="rId2" cstate="print">
-            <a:extLst>
-              <a:ext uri="{28A0092B-C50C-407E-A947-70E740481C1C}">
-                <a14:useLocalDpi xmlns:a14="http://schemas.microsoft.com/office/drawing/2010/main" val="0"/>
-              </a:ext>
-            </a:extLst>
-          </a:blip>
-          <a:srcRect b="15874"/>
-          <a:stretch>
-            <a:fillRect/>
-          </a:stretch>
-        </p:blipFill>
-        <p:spPr bwMode="auto">
-          <a:xfrm>
-            <a:off x="796925" y="-19049"/>
-            <a:ext cx="1149350" cy="663575"/>
-          </a:xfrm>
-          <a:prstGeom prst="rect">
-            <a:avLst/>
-          </a:prstGeom>
-          <a:noFill/>
-          <a:extLst>
-            <a:ext uri="{909E8E84-426E-40DD-AFC4-6F175D3DCCD1}">
-              <a14:hiddenFill xmlns:a14="http://schemas.microsoft.com/office/drawing/2010/main">
-                <a:solidFill>
-                  <a:srgbClr val="FFFFFF"/>
-                </a:solidFill>
-              </a14:hiddenFill>
-            </a:ext>
-          </a:extLst>
-        </p:spPr>
-      </p:pic>
-      <p:pic>
-        <p:nvPicPr>
-          <p:cNvPr id="2051" name="Imagen 52" descr="Logo_SM-ROOT"/>
-          <p:cNvPicPr>
-            <a:picLocks noChangeAspect="1" noChangeArrowheads="1"/>
-          </p:cNvPicPr>
-          <p:nvPr/>
-        </p:nvPicPr>
-        <p:blipFill>
-          <a:blip r:embed="rId3">
-            <a:grayscl/>
-            <a:biLevel thresh="50000"/>
-            <a:extLst>
-              <a:ext uri="{28A0092B-C50C-407E-A947-70E740481C1C}">
-                <a14:useLocalDpi xmlns:a14="http://schemas.microsoft.com/office/drawing/2010/main" val="0"/>
-              </a:ext>
-            </a:extLst>
-          </a:blip>
-          <a:srcRect t="84169"/>
-          <a:stretch>
-            <a:fillRect/>
-          </a:stretch>
-        </p:blipFill>
-        <p:spPr bwMode="auto">
-          <a:xfrm>
-            <a:off x="4652168" y="63500"/>
-            <a:ext cx="3040063" cy="330200"/>
-          </a:xfrm>
-          <a:prstGeom prst="rect">
-            <a:avLst/>
-          </a:prstGeom>
-          <a:noFill/>
-          <a:extLst>
-            <a:ext uri="{909E8E84-426E-40DD-AFC4-6F175D3DCCD1}">
-              <a14:hiddenFill xmlns:a14="http://schemas.microsoft.com/office/drawing/2010/main">
-                <a:solidFill>
-                  <a:srgbClr val="FFFFFF"/>
-                </a:solidFill>
-              </a14:hiddenFill>
-            </a:ext>
-          </a:extLst>
-        </p:spPr>
-      </p:pic>
-      <p:pic>
-        <p:nvPicPr>
-          <p:cNvPr id="2050" name="Imagen 54" descr="logo"/>
+          <p:cNvPr id="13" name="Imagen 53" descr="Logo_SM-ROOT"/>
           <p:cNvPicPr>
             <a:picLocks noChangeAspect="1" noChangeArrowheads="1"/>
           </p:cNvPicPr>
@@ -8446,15 +8248,15 @@
               </a:ext>
             </a:extLst>
           </a:blip>
-          <a:srcRect/>
+          <a:srcRect b="15874"/>
           <a:stretch>
             <a:fillRect/>
           </a:stretch>
         </p:blipFill>
         <p:spPr bwMode="auto">
           <a:xfrm>
-            <a:off x="11574286" y="-47625"/>
-            <a:ext cx="631825" cy="720725"/>
+            <a:off x="796925" y="-19049"/>
+            <a:ext cx="1149350" cy="663575"/>
           </a:xfrm>
           <a:prstGeom prst="rect">
             <a:avLst/>
@@ -8471,166 +8273,103 @@
           </a:extLst>
         </p:spPr>
       </p:pic>
-      <p:sp>
-        <p:nvSpPr>
-          <p:cNvPr id="5" name="Rectangle 5"/>
-          <p:cNvSpPr>
-            <a:spLocks noChangeArrowheads="1"/>
-          </p:cNvSpPr>
+      <p:pic>
+        <p:nvPicPr>
+          <p:cNvPr id="14" name="Imagen 52" descr="Logo_SM-ROOT"/>
+          <p:cNvPicPr>
+            <a:picLocks noChangeAspect="1" noChangeArrowheads="1"/>
+          </p:cNvPicPr>
           <p:nvPr/>
-        </p:nvSpPr>
+        </p:nvPicPr>
+        <p:blipFill>
+          <a:blip r:embed="rId5">
+            <a:grayscl/>
+            <a:biLevel thresh="50000"/>
+            <a:extLst>
+              <a:ext uri="{BEBA8EAE-BF5A-486C-A8C5-ECC9F3942E4B}">
+                <a14:imgProps xmlns:a14="http://schemas.microsoft.com/office/drawing/2010/main">
+                  <a14:imgLayer r:embed="rId6">
+                    <a14:imgEffect>
+                      <a14:artisticPaintStrokes/>
+                    </a14:imgEffect>
+                  </a14:imgLayer>
+                </a14:imgProps>
+              </a:ext>
+              <a:ext uri="{28A0092B-C50C-407E-A947-70E740481C1C}">
+                <a14:useLocalDpi xmlns:a14="http://schemas.microsoft.com/office/drawing/2010/main" val="0"/>
+              </a:ext>
+            </a:extLst>
+          </a:blip>
+          <a:srcRect t="84169"/>
+          <a:stretch>
+            <a:fillRect/>
+          </a:stretch>
+        </p:blipFill>
         <p:spPr bwMode="auto">
           <a:xfrm>
-            <a:off x="0" y="0"/>
-            <a:ext cx="12192000" cy="457200"/>
+            <a:off x="4652168" y="63500"/>
+            <a:ext cx="3040063" cy="330200"/>
           </a:xfrm>
           <a:prstGeom prst="rect">
             <a:avLst/>
           </a:prstGeom>
           <a:noFill/>
-          <a:ln>
-            <a:noFill/>
-          </a:ln>
-          <a:effectLst/>
           <a:extLst>
             <a:ext uri="{909E8E84-426E-40DD-AFC4-6F175D3DCCD1}">
               <a14:hiddenFill xmlns:a14="http://schemas.microsoft.com/office/drawing/2010/main">
                 <a:solidFill>
-                  <a:schemeClr val="accent1"/>
+                  <a:srgbClr val="FFFFFF"/>
                 </a:solidFill>
               </a14:hiddenFill>
             </a:ext>
-            <a:ext uri="{91240B29-F687-4F45-9708-019B960494DF}">
-              <a14:hiddenLine xmlns:a14="http://schemas.microsoft.com/office/drawing/2010/main" w="9525">
-                <a:solidFill>
-                  <a:schemeClr val="tx1"/>
-                </a:solidFill>
-                <a:miter lim="800000"/>
-                <a:headEnd/>
-                <a:tailEnd/>
-              </a14:hiddenLine>
-            </a:ext>
-            <a:ext uri="{AF507438-7753-43E0-B8FC-AC1667EBCBE1}">
-              <a14:hiddenEffects xmlns:a14="http://schemas.microsoft.com/office/drawing/2010/main">
-                <a:effectLst>
-                  <a:outerShdw dist="35921" dir="2700000" algn="ctr" rotWithShape="0">
-                    <a:schemeClr val="bg2"/>
-                  </a:outerShdw>
-                </a:effectLst>
-              </a14:hiddenEffects>
-            </a:ext>
           </a:extLst>
         </p:spPr>
-        <p:txBody>
-          <a:bodyPr vert="horz" wrap="none" lIns="91440" tIns="45720" rIns="91440" bIns="45720" numCol="1" anchor="ctr" anchorCtr="0" compatLnSpc="1">
-            <a:prstTxWarp prst="textNoShape">
-              <a:avLst/>
-            </a:prstTxWarp>
-            <a:spAutoFit/>
-          </a:bodyPr>
-          <a:lstStyle/>
-          <a:p>
-            <a:endParaRPr lang="es-MX"/>
-          </a:p>
-        </p:txBody>
-      </p:sp>
-      <p:sp>
-        <p:nvSpPr>
-          <p:cNvPr id="6" name="Rectangle 6"/>
-          <p:cNvSpPr>
-            <a:spLocks noChangeArrowheads="1"/>
-          </p:cNvSpPr>
-          <p:nvPr/>
-        </p:nvSpPr>
-        <p:spPr bwMode="auto">
-          <a:xfrm>
-            <a:off x="0" y="457200"/>
-            <a:ext cx="12192000" cy="0"/>
-          </a:xfrm>
-          <a:prstGeom prst="rect">
-            <a:avLst/>
-          </a:prstGeom>
-          <a:noFill/>
-          <a:ln>
-            <a:noFill/>
-          </a:ln>
-          <a:effectLst/>
-          <a:extLst>
-            <a:ext uri="{909E8E84-426E-40DD-AFC4-6F175D3DCCD1}">
-              <a14:hiddenFill xmlns:a14="http://schemas.microsoft.com/office/drawing/2010/main">
-                <a:solidFill>
-                  <a:schemeClr val="accent1"/>
-                </a:solidFill>
-              </a14:hiddenFill>
-            </a:ext>
-            <a:ext uri="{91240B29-F687-4F45-9708-019B960494DF}">
-              <a14:hiddenLine xmlns:a14="http://schemas.microsoft.com/office/drawing/2010/main" w="9525">
-                <a:solidFill>
-                  <a:schemeClr val="tx1"/>
-                </a:solidFill>
-                <a:miter lim="800000"/>
-                <a:headEnd/>
-                <a:tailEnd/>
-              </a14:hiddenLine>
-            </a:ext>
-            <a:ext uri="{AF507438-7753-43E0-B8FC-AC1667EBCBE1}">
-              <a14:hiddenEffects xmlns:a14="http://schemas.microsoft.com/office/drawing/2010/main">
-                <a:effectLst>
-                  <a:outerShdw dist="35921" dir="2700000" algn="ctr" rotWithShape="0">
-                    <a:schemeClr val="bg2"/>
-                  </a:outerShdw>
-                </a:effectLst>
-              </a14:hiddenEffects>
-            </a:ext>
-          </a:extLst>
-        </p:spPr>
-        <p:txBody>
-          <a:bodyPr vert="horz" wrap="none" lIns="91440" tIns="45720" rIns="91440" bIns="45720" numCol="1" anchor="ctr" anchorCtr="0" compatLnSpc="1">
-            <a:prstTxWarp prst="textNoShape">
-              <a:avLst/>
-            </a:prstTxWarp>
-            <a:spAutoFit/>
-          </a:bodyPr>
-          <a:lstStyle/>
-          <a:p>
-            <a:endParaRPr lang="es-MX"/>
-          </a:p>
-        </p:txBody>
-      </p:sp>
+      </p:pic>
       <p:pic>
         <p:nvPicPr>
-          <p:cNvPr id="11" name="Imagen 10"/>
+          <p:cNvPr id="15" name="Imagen 54" descr="logo"/>
           <p:cNvPicPr>
-            <a:picLocks noChangeAspect="1"/>
+            <a:picLocks noChangeAspect="1" noChangeArrowheads="1"/>
           </p:cNvPicPr>
           <p:nvPr/>
         </p:nvPicPr>
         <p:blipFill>
-          <a:blip r:embed="rId5" cstate="print">
+          <a:blip r:embed="rId7" cstate="print">
             <a:extLst>
               <a:ext uri="{28A0092B-C50C-407E-A947-70E740481C1C}">
                 <a14:useLocalDpi xmlns:a14="http://schemas.microsoft.com/office/drawing/2010/main" val="0"/>
               </a:ext>
             </a:extLst>
           </a:blip>
+          <a:srcRect/>
           <a:stretch>
             <a:fillRect/>
           </a:stretch>
         </p:blipFill>
-        <p:spPr>
-          <a:xfrm>
-            <a:off x="4429158" y="2762824"/>
-            <a:ext cx="3412513" cy="3411085"/>
+        <p:spPr bwMode="auto">
+          <a:xfrm>
+            <a:off x="11574286" y="-47625"/>
+            <a:ext cx="631825" cy="720725"/>
           </a:xfrm>
           <a:prstGeom prst="rect">
             <a:avLst/>
           </a:prstGeom>
+          <a:noFill/>
+          <a:extLst>
+            <a:ext uri="{909E8E84-426E-40DD-AFC4-6F175D3DCCD1}">
+              <a14:hiddenFill xmlns:a14="http://schemas.microsoft.com/office/drawing/2010/main">
+                <a:solidFill>
+                  <a:srgbClr val="FFFFFF"/>
+                </a:solidFill>
+              </a14:hiddenFill>
+            </a:ext>
+          </a:extLst>
         </p:spPr>
       </p:pic>
     </p:spTree>
     <p:extLst>
       <p:ext uri="{BB962C8B-B14F-4D97-AF65-F5344CB8AC3E}">
-        <p14:creationId xmlns:p14="http://schemas.microsoft.com/office/powerpoint/2010/main" val="3595940211"/>
+        <p14:creationId xmlns:p14="http://schemas.microsoft.com/office/powerpoint/2010/main" val="96484863"/>
       </p:ext>
     </p:extLst>
   </p:cSld>
@@ -8647,7 +8386,7 @@
 </p:sld>
 </file>
 
-<file path=ppt/slides/slide20.xml><?xml version="1.0" encoding="utf-8"?>
+<file path=ppt/slides/slide2.xml><?xml version="1.0" encoding="utf-8"?>
 <p:sld xmlns:a="http://schemas.openxmlformats.org/drawingml/2006/main" xmlns:r="http://schemas.openxmlformats.org/officeDocument/2006/relationships" xmlns:p="http://schemas.openxmlformats.org/presentationml/2006/main">
   <p:cSld>
     <p:spTree>
@@ -8676,87 +8415,70 @@
         </p:nvSpPr>
         <p:spPr>
           <a:xfrm>
-            <a:off x="1946275" y="958295"/>
-            <a:ext cx="9601200" cy="831155"/>
+            <a:off x="1390650" y="868362"/>
+            <a:ext cx="9601200" cy="1485900"/>
           </a:xfrm>
         </p:spPr>
         <p:txBody>
-          <a:bodyPr/>
+          <a:bodyPr>
+            <a:normAutofit/>
+          </a:bodyPr>
           <a:lstStyle/>
           <a:p>
             <a:pPr algn="ctr"/>
             <a:r>
-              <a:rPr lang="es-MX" dirty="0" smtClean="0"/>
-              <a:t>MODELO DE NEGOCIOS</a:t>
-            </a:r>
-            <a:endParaRPr lang="es-MX" dirty="0"/>
+              <a:rPr lang="es-MX" sz="4000" b="1" dirty="0" smtClean="0"/>
+              <a:t>NOMBRE DEL PROYECTO</a:t>
+            </a:r>
+            <a:endParaRPr lang="es-MX" sz="4000" b="1" dirty="0"/>
           </a:p>
         </p:txBody>
       </p:sp>
       <p:sp>
         <p:nvSpPr>
-          <p:cNvPr id="6" name="CuadroTexto 5"/>
-          <p:cNvSpPr txBox="1"/>
-          <p:nvPr/>
-        </p:nvSpPr>
-        <p:spPr>
-          <a:xfrm>
-            <a:off x="4488100" y="2239751"/>
-            <a:ext cx="4517550" cy="369332"/>
-          </a:xfrm>
-          <a:prstGeom prst="rect">
-            <a:avLst/>
-          </a:prstGeom>
-          <a:noFill/>
-        </p:spPr>
-        <p:txBody>
-          <a:bodyPr wrap="square" rtlCol="0">
-            <a:spAutoFit/>
-          </a:bodyPr>
-          <a:lstStyle/>
-          <a:p>
-            <a:r>
-              <a:rPr lang="es-MX" dirty="0" smtClean="0"/>
-              <a:t>MODELO DE PROCESO DE NEGOCIOS. AS-IS.</a:t>
-            </a:r>
-            <a:endParaRPr lang="es-MX" dirty="0"/>
-          </a:p>
-        </p:txBody>
-      </p:sp>
-      <p:pic>
-        <p:nvPicPr>
-          <p:cNvPr id="10" name="Marcador de contenido 9"/>
-          <p:cNvPicPr>
-            <a:picLocks noGrp="1" noChangeAspect="1"/>
-          </p:cNvPicPr>
+          <p:cNvPr id="3" name="Marcador de contenido 2"/>
+          <p:cNvSpPr>
+            <a:spLocks noGrp="1"/>
+          </p:cNvSpPr>
           <p:nvPr>
             <p:ph idx="1"/>
           </p:nvPr>
-        </p:nvPicPr>
-        <p:blipFill rotWithShape="1">
-          <a:blip r:embed="rId2">
-            <a:extLst>
-              <a:ext uri="{28A0092B-C50C-407E-A947-70E740481C1C}">
-                <a14:useLocalDpi xmlns:a14="http://schemas.microsoft.com/office/drawing/2010/main" val="0"/>
-              </a:ext>
-            </a:extLst>
-          </a:blip>
-          <a:srcRect l="879" t="2610" r="883" b="18660"/>
-          <a:stretch/>
-        </p:blipFill>
+        </p:nvSpPr>
         <p:spPr>
           <a:xfrm>
-            <a:off x="814437" y="2609083"/>
-            <a:ext cx="11075761" cy="2565813"/>
-          </a:xfrm>
-          <a:prstGeom prst="rect">
-            <a:avLst/>
-          </a:prstGeom>
-        </p:spPr>
-      </p:pic>
+            <a:off x="1390650" y="2346726"/>
+            <a:ext cx="9601200" cy="416098"/>
+          </a:xfrm>
+        </p:spPr>
+        <p:txBody>
+          <a:bodyPr/>
+          <a:lstStyle/>
+          <a:p>
+            <a:pPr marL="0" indent="0" algn="ctr">
+              <a:buNone/>
+            </a:pPr>
+            <a:r>
+              <a:rPr lang="es-MX" b="1" dirty="0" smtClean="0"/>
+              <a:t>APPMO-SP (ADMINISTRACIÓN DE LA APLICACIÓN MÓVIL SAN PEDRO)</a:t>
+            </a:r>
+          </a:p>
+          <a:p>
+            <a:pPr marL="0" indent="0" algn="ctr">
+              <a:buNone/>
+            </a:pPr>
+            <a:endParaRPr lang="es-MX" b="1" dirty="0"/>
+          </a:p>
+          <a:p>
+            <a:pPr marL="0" indent="0" algn="ctr">
+              <a:buNone/>
+            </a:pPr>
+            <a:endParaRPr lang="es-MX" b="1" dirty="0"/>
+          </a:p>
+        </p:txBody>
+      </p:sp>
       <p:sp>
         <p:nvSpPr>
-          <p:cNvPr id="5" name="Documento 3"/>
+          <p:cNvPr id="4" name="Documento 3"/>
           <p:cNvSpPr/>
           <p:nvPr/>
         </p:nvSpPr>
@@ -8896,14 +8618,14 @@
       </p:sp>
       <p:pic>
         <p:nvPicPr>
-          <p:cNvPr id="7" name="Imagen 53" descr="Logo_SM-ROOT"/>
+          <p:cNvPr id="2052" name="Imagen 53" descr="Logo_SM-ROOT"/>
           <p:cNvPicPr>
             <a:picLocks noChangeAspect="1" noChangeArrowheads="1"/>
           </p:cNvPicPr>
           <p:nvPr/>
         </p:nvPicPr>
         <p:blipFill>
-          <a:blip r:embed="rId3" cstate="print">
+          <a:blip r:embed="rId2" cstate="print">
             <a:extLst>
               <a:ext uri="{28A0092B-C50C-407E-A947-70E740481C1C}">
                 <a14:useLocalDpi xmlns:a14="http://schemas.microsoft.com/office/drawing/2010/main" val="0"/>
@@ -8937,26 +8659,17 @@
       </p:pic>
       <p:pic>
         <p:nvPicPr>
-          <p:cNvPr id="8" name="Imagen 52" descr="Logo_SM-ROOT"/>
+          <p:cNvPr id="2051" name="Imagen 52" descr="Logo_SM-ROOT"/>
           <p:cNvPicPr>
             <a:picLocks noChangeAspect="1" noChangeArrowheads="1"/>
           </p:cNvPicPr>
           <p:nvPr/>
         </p:nvPicPr>
         <p:blipFill>
-          <a:blip r:embed="rId4">
+          <a:blip r:embed="rId3">
             <a:grayscl/>
             <a:biLevel thresh="50000"/>
             <a:extLst>
-              <a:ext uri="{BEBA8EAE-BF5A-486C-A8C5-ECC9F3942E4B}">
-                <a14:imgProps xmlns:a14="http://schemas.microsoft.com/office/drawing/2010/main">
-                  <a14:imgLayer r:embed="rId5">
-                    <a14:imgEffect>
-                      <a14:artisticPaintStrokes/>
-                    </a14:imgEffect>
-                  </a14:imgLayer>
-                </a14:imgProps>
-              </a:ext>
               <a:ext uri="{28A0092B-C50C-407E-A947-70E740481C1C}">
                 <a14:useLocalDpi xmlns:a14="http://schemas.microsoft.com/office/drawing/2010/main" val="0"/>
               </a:ext>
@@ -8989,14 +8702,14 @@
       </p:pic>
       <p:pic>
         <p:nvPicPr>
-          <p:cNvPr id="9" name="Imagen 54" descr="logo"/>
+          <p:cNvPr id="2050" name="Imagen 54" descr="logo"/>
           <p:cNvPicPr>
             <a:picLocks noChangeAspect="1" noChangeArrowheads="1"/>
           </p:cNvPicPr>
           <p:nvPr/>
         </p:nvPicPr>
         <p:blipFill>
-          <a:blip r:embed="rId6" cstate="print">
+          <a:blip r:embed="rId4" cstate="print">
             <a:extLst>
               <a:ext uri="{28A0092B-C50C-407E-A947-70E740481C1C}">
                 <a14:useLocalDpi xmlns:a14="http://schemas.microsoft.com/office/drawing/2010/main" val="0"/>
@@ -9028,10 +8741,166 @@
           </a:extLst>
         </p:spPr>
       </p:pic>
+      <p:sp>
+        <p:nvSpPr>
+          <p:cNvPr id="5" name="Rectangle 5"/>
+          <p:cNvSpPr>
+            <a:spLocks noChangeArrowheads="1"/>
+          </p:cNvSpPr>
+          <p:nvPr/>
+        </p:nvSpPr>
+        <p:spPr bwMode="auto">
+          <a:xfrm>
+            <a:off x="0" y="0"/>
+            <a:ext cx="12192000" cy="457200"/>
+          </a:xfrm>
+          <a:prstGeom prst="rect">
+            <a:avLst/>
+          </a:prstGeom>
+          <a:noFill/>
+          <a:ln>
+            <a:noFill/>
+          </a:ln>
+          <a:effectLst/>
+          <a:extLst>
+            <a:ext uri="{909E8E84-426E-40DD-AFC4-6F175D3DCCD1}">
+              <a14:hiddenFill xmlns:a14="http://schemas.microsoft.com/office/drawing/2010/main">
+                <a:solidFill>
+                  <a:schemeClr val="accent1"/>
+                </a:solidFill>
+              </a14:hiddenFill>
+            </a:ext>
+            <a:ext uri="{91240B29-F687-4F45-9708-019B960494DF}">
+              <a14:hiddenLine xmlns:a14="http://schemas.microsoft.com/office/drawing/2010/main" w="9525">
+                <a:solidFill>
+                  <a:schemeClr val="tx1"/>
+                </a:solidFill>
+                <a:miter lim="800000"/>
+                <a:headEnd/>
+                <a:tailEnd/>
+              </a14:hiddenLine>
+            </a:ext>
+            <a:ext uri="{AF507438-7753-43E0-B8FC-AC1667EBCBE1}">
+              <a14:hiddenEffects xmlns:a14="http://schemas.microsoft.com/office/drawing/2010/main">
+                <a:effectLst>
+                  <a:outerShdw dist="35921" dir="2700000" algn="ctr" rotWithShape="0">
+                    <a:schemeClr val="bg2"/>
+                  </a:outerShdw>
+                </a:effectLst>
+              </a14:hiddenEffects>
+            </a:ext>
+          </a:extLst>
+        </p:spPr>
+        <p:txBody>
+          <a:bodyPr vert="horz" wrap="none" lIns="91440" tIns="45720" rIns="91440" bIns="45720" numCol="1" anchor="ctr" anchorCtr="0" compatLnSpc="1">
+            <a:prstTxWarp prst="textNoShape">
+              <a:avLst/>
+            </a:prstTxWarp>
+            <a:spAutoFit/>
+          </a:bodyPr>
+          <a:lstStyle/>
+          <a:p>
+            <a:endParaRPr lang="es-MX"/>
+          </a:p>
+        </p:txBody>
+      </p:sp>
+      <p:sp>
+        <p:nvSpPr>
+          <p:cNvPr id="6" name="Rectangle 6"/>
+          <p:cNvSpPr>
+            <a:spLocks noChangeArrowheads="1"/>
+          </p:cNvSpPr>
+          <p:nvPr/>
+        </p:nvSpPr>
+        <p:spPr bwMode="auto">
+          <a:xfrm>
+            <a:off x="0" y="457200"/>
+            <a:ext cx="12192000" cy="0"/>
+          </a:xfrm>
+          <a:prstGeom prst="rect">
+            <a:avLst/>
+          </a:prstGeom>
+          <a:noFill/>
+          <a:ln>
+            <a:noFill/>
+          </a:ln>
+          <a:effectLst/>
+          <a:extLst>
+            <a:ext uri="{909E8E84-426E-40DD-AFC4-6F175D3DCCD1}">
+              <a14:hiddenFill xmlns:a14="http://schemas.microsoft.com/office/drawing/2010/main">
+                <a:solidFill>
+                  <a:schemeClr val="accent1"/>
+                </a:solidFill>
+              </a14:hiddenFill>
+            </a:ext>
+            <a:ext uri="{91240B29-F687-4F45-9708-019B960494DF}">
+              <a14:hiddenLine xmlns:a14="http://schemas.microsoft.com/office/drawing/2010/main" w="9525">
+                <a:solidFill>
+                  <a:schemeClr val="tx1"/>
+                </a:solidFill>
+                <a:miter lim="800000"/>
+                <a:headEnd/>
+                <a:tailEnd/>
+              </a14:hiddenLine>
+            </a:ext>
+            <a:ext uri="{AF507438-7753-43E0-B8FC-AC1667EBCBE1}">
+              <a14:hiddenEffects xmlns:a14="http://schemas.microsoft.com/office/drawing/2010/main">
+                <a:effectLst>
+                  <a:outerShdw dist="35921" dir="2700000" algn="ctr" rotWithShape="0">
+                    <a:schemeClr val="bg2"/>
+                  </a:outerShdw>
+                </a:effectLst>
+              </a14:hiddenEffects>
+            </a:ext>
+          </a:extLst>
+        </p:spPr>
+        <p:txBody>
+          <a:bodyPr vert="horz" wrap="none" lIns="91440" tIns="45720" rIns="91440" bIns="45720" numCol="1" anchor="ctr" anchorCtr="0" compatLnSpc="1">
+            <a:prstTxWarp prst="textNoShape">
+              <a:avLst/>
+            </a:prstTxWarp>
+            <a:spAutoFit/>
+          </a:bodyPr>
+          <a:lstStyle/>
+          <a:p>
+            <a:endParaRPr lang="es-MX"/>
+          </a:p>
+        </p:txBody>
+      </p:sp>
+      <p:pic>
+        <p:nvPicPr>
+          <p:cNvPr id="11" name="Imagen 10"/>
+          <p:cNvPicPr>
+            <a:picLocks noChangeAspect="1"/>
+          </p:cNvPicPr>
+          <p:nvPr/>
+        </p:nvPicPr>
+        <p:blipFill>
+          <a:blip r:embed="rId5" cstate="print">
+            <a:extLst>
+              <a:ext uri="{28A0092B-C50C-407E-A947-70E740481C1C}">
+                <a14:useLocalDpi xmlns:a14="http://schemas.microsoft.com/office/drawing/2010/main" val="0"/>
+              </a:ext>
+            </a:extLst>
+          </a:blip>
+          <a:stretch>
+            <a:fillRect/>
+          </a:stretch>
+        </p:blipFill>
+        <p:spPr>
+          <a:xfrm>
+            <a:off x="4429158" y="2762824"/>
+            <a:ext cx="3412513" cy="3411085"/>
+          </a:xfrm>
+          <a:prstGeom prst="rect">
+            <a:avLst/>
+          </a:prstGeom>
+        </p:spPr>
+      </p:pic>
     </p:spTree>
     <p:extLst>
       <p:ext uri="{BB962C8B-B14F-4D97-AF65-F5344CB8AC3E}">
-        <p14:creationId xmlns:p14="http://schemas.microsoft.com/office/powerpoint/2010/main" val="2689249979"/>
+        <p14:creationId xmlns:p14="http://schemas.microsoft.com/office/powerpoint/2010/main" val="3595940211"/>
       </p:ext>
     </p:extLst>
   </p:cSld>
@@ -9048,7 +8917,7 @@
 </p:sld>
 </file>
 
-<file path=ppt/slides/slide21.xml><?xml version="1.0" encoding="utf-8"?>
+<file path=ppt/slides/slide20.xml><?xml version="1.0" encoding="utf-8"?>
 <p:sld xmlns:a="http://schemas.openxmlformats.org/drawingml/2006/main" xmlns:r="http://schemas.openxmlformats.org/officeDocument/2006/relationships" xmlns:p="http://schemas.openxmlformats.org/presentationml/2006/main">
   <p:cSld>
     <p:spTree>
@@ -9067,14 +8936,43 @@
       </p:grpSpPr>
       <p:sp>
         <p:nvSpPr>
-          <p:cNvPr id="5" name="CuadroTexto 4"/>
+          <p:cNvPr id="2" name="Título 1"/>
+          <p:cNvSpPr>
+            <a:spLocks noGrp="1"/>
+          </p:cNvSpPr>
+          <p:nvPr>
+            <p:ph type="title"/>
+          </p:nvPr>
+        </p:nvSpPr>
+        <p:spPr>
+          <a:xfrm>
+            <a:off x="1946275" y="958295"/>
+            <a:ext cx="9601200" cy="831155"/>
+          </a:xfrm>
+        </p:spPr>
+        <p:txBody>
+          <a:bodyPr/>
+          <a:lstStyle/>
+          <a:p>
+            <a:pPr algn="ctr"/>
+            <a:r>
+              <a:rPr lang="es-MX" dirty="0" smtClean="0"/>
+              <a:t>MODELO DE NEGOCIOS</a:t>
+            </a:r>
+            <a:endParaRPr lang="es-MX" dirty="0"/>
+          </a:p>
+        </p:txBody>
+      </p:sp>
+      <p:sp>
+        <p:nvSpPr>
+          <p:cNvPr id="6" name="CuadroTexto 5"/>
           <p:cNvSpPr txBox="1"/>
           <p:nvPr/>
         </p:nvSpPr>
         <p:spPr>
           <a:xfrm>
-            <a:off x="4215807" y="1628872"/>
-            <a:ext cx="4530801" cy="369332"/>
+            <a:off x="4488100" y="2239751"/>
+            <a:ext cx="4517550" cy="369332"/>
           </a:xfrm>
           <a:prstGeom prst="rect">
             <a:avLst/>
@@ -9089,7 +8987,7 @@
           <a:p>
             <a:r>
               <a:rPr lang="es-MX" dirty="0" smtClean="0"/>
-              <a:t>PROCESO MODELO DE NEGOCIOS. TO-BE.</a:t>
+              <a:t>MODELO DE PROCESO DE NEGOCIOS. AS-IS.</a:t>
             </a:r>
             <a:endParaRPr lang="es-MX" dirty="0"/>
           </a:p>
@@ -9097,7 +8995,7 @@
       </p:sp>
       <p:pic>
         <p:nvPicPr>
-          <p:cNvPr id="7" name="Marcador de contenido 4"/>
+          <p:cNvPr id="10" name="Marcador de contenido 9"/>
           <p:cNvPicPr>
             <a:picLocks noGrp="1" noChangeAspect="1"/>
           </p:cNvPicPr>
@@ -9113,13 +9011,13 @@
               </a:ext>
             </a:extLst>
           </a:blip>
-          <a:srcRect l="1491" t="3766" r="1573" b="27259"/>
+          <a:srcRect l="879" t="2610" r="883" b="18660"/>
           <a:stretch/>
         </p:blipFill>
         <p:spPr>
           <a:xfrm>
-            <a:off x="1437113" y="1998204"/>
-            <a:ext cx="10088187" cy="3084395"/>
+            <a:off x="814437" y="2609083"/>
+            <a:ext cx="11075761" cy="2565813"/>
           </a:xfrm>
           <a:prstGeom prst="rect">
             <a:avLst/>
@@ -9128,7 +9026,7 @@
       </p:pic>
       <p:sp>
         <p:nvSpPr>
-          <p:cNvPr id="4" name="Documento 3"/>
+          <p:cNvPr id="5" name="Documento 3"/>
           <p:cNvSpPr/>
           <p:nvPr/>
         </p:nvSpPr>
@@ -9268,7 +9166,7 @@
       </p:sp>
       <p:pic>
         <p:nvPicPr>
-          <p:cNvPr id="6" name="Imagen 53" descr="Logo_SM-ROOT"/>
+          <p:cNvPr id="7" name="Imagen 53" descr="Logo_SM-ROOT"/>
           <p:cNvPicPr>
             <a:picLocks noChangeAspect="1" noChangeArrowheads="1"/>
           </p:cNvPicPr>
@@ -9403,7 +9301,7 @@
     </p:spTree>
     <p:extLst>
       <p:ext uri="{BB962C8B-B14F-4D97-AF65-F5344CB8AC3E}">
-        <p14:creationId xmlns:p14="http://schemas.microsoft.com/office/powerpoint/2010/main" val="2751197313"/>
+        <p14:creationId xmlns:p14="http://schemas.microsoft.com/office/powerpoint/2010/main" val="2689249979"/>
       </p:ext>
     </p:extLst>
   </p:cSld>
@@ -9420,7 +9318,7 @@
 </p:sld>
 </file>
 
-<file path=ppt/slides/slide22.xml><?xml version="1.0" encoding="utf-8"?>
+<file path=ppt/slides/slide21.xml><?xml version="1.0" encoding="utf-8"?>
 <p:sld xmlns:a="http://schemas.openxmlformats.org/drawingml/2006/main" xmlns:r="http://schemas.openxmlformats.org/officeDocument/2006/relationships" xmlns:p="http://schemas.openxmlformats.org/presentationml/2006/main">
   <p:cSld>
     <p:spTree>
@@ -9439,45 +9337,14 @@
       </p:grpSpPr>
       <p:sp>
         <p:nvSpPr>
-          <p:cNvPr id="2" name="Título 1"/>
-          <p:cNvSpPr>
-            <a:spLocks noGrp="1"/>
-          </p:cNvSpPr>
-          <p:nvPr>
-            <p:ph type="title"/>
-          </p:nvPr>
-        </p:nvSpPr>
-        <p:spPr>
-          <a:xfrm>
-            <a:off x="1560925" y="747229"/>
-            <a:ext cx="9601200" cy="751764"/>
-          </a:xfrm>
-        </p:spPr>
-        <p:txBody>
-          <a:bodyPr>
-            <a:normAutofit/>
-          </a:bodyPr>
-          <a:lstStyle/>
-          <a:p>
-            <a:pPr algn="ctr"/>
-            <a:r>
-              <a:rPr lang="es-MX" sz="4000" dirty="0" smtClean="0"/>
-              <a:t>ESTANDARES APLICADOS EN EL PROYECTO.</a:t>
-            </a:r>
-            <a:endParaRPr lang="es-MX" sz="4000" dirty="0"/>
-          </a:p>
-        </p:txBody>
-      </p:sp>
-      <p:sp>
-        <p:nvSpPr>
-          <p:cNvPr id="6" name="CuadroTexto 5"/>
+          <p:cNvPr id="5" name="CuadroTexto 4"/>
           <p:cNvSpPr txBox="1"/>
           <p:nvPr/>
         </p:nvSpPr>
         <p:spPr>
           <a:xfrm>
-            <a:off x="2362199" y="2209080"/>
-            <a:ext cx="8146143" cy="2805896"/>
+            <a:off x="4215807" y="1628872"/>
+            <a:ext cx="4530801" cy="369332"/>
           </a:xfrm>
           <a:prstGeom prst="rect">
             <a:avLst/>
@@ -9490,125 +9357,48 @@
           </a:bodyPr>
           <a:lstStyle/>
           <a:p>
-            <a:pPr algn="just">
-              <a:lnSpc>
-                <a:spcPct val="150000"/>
-              </a:lnSpc>
-            </a:pPr>
-            <a:r>
-              <a:rPr lang="es-MX" sz="2000" dirty="0"/>
-              <a:t>ISO/IEC 25000, conocida como Suaré (System and Software </a:t>
-            </a:r>
-            <a:r>
-              <a:rPr lang="es-MX" sz="2000" dirty="0" err="1" smtClean="0"/>
-              <a:t>Quality</a:t>
-            </a:r>
-            <a:r>
-              <a:rPr lang="es-MX" sz="2000" dirty="0"/>
-              <a:t> </a:t>
-            </a:r>
-            <a:r>
-              <a:rPr lang="es-MX" sz="2000" dirty="0" err="1" smtClean="0"/>
-              <a:t>Requirements</a:t>
-            </a:r>
-            <a:r>
-              <a:rPr lang="es-MX" sz="2000" dirty="0" smtClean="0"/>
-              <a:t> </a:t>
-            </a:r>
-            <a:r>
-              <a:rPr lang="es-MX" sz="2000" dirty="0"/>
-              <a:t>and Evaluación), es una familia de normas que tiene por </a:t>
-            </a:r>
-            <a:r>
-              <a:rPr lang="es-MX" sz="2000" dirty="0" smtClean="0"/>
-              <a:t>objetivo </a:t>
-            </a:r>
-            <a:r>
-              <a:rPr lang="es-MX" sz="2000" dirty="0"/>
-              <a:t>la creación de un marco de trabajo común para evaluar la calidad </a:t>
-            </a:r>
-            <a:r>
-              <a:rPr lang="es-MX" sz="2000" dirty="0" smtClean="0"/>
-              <a:t>del </a:t>
-            </a:r>
-            <a:r>
-              <a:rPr lang="es-MX" sz="2000" dirty="0"/>
-              <a:t>producto software</a:t>
-            </a:r>
-            <a:r>
-              <a:rPr lang="es-MX" sz="2000" dirty="0" smtClean="0"/>
-              <a:t>. </a:t>
-            </a:r>
-            <a:r>
-              <a:rPr lang="es-MX" sz="2000" dirty="0"/>
-              <a:t>, </a:t>
-            </a:r>
-            <a:r>
-              <a:rPr lang="es-MX" sz="2000" dirty="0" smtClean="0"/>
-              <a:t>describe </a:t>
-            </a:r>
-            <a:r>
-              <a:rPr lang="es-MX" sz="2000" dirty="0"/>
-              <a:t>las particularidades de un modelo de calidad </a:t>
-            </a:r>
-            <a:r>
-              <a:rPr lang="es-MX" sz="2000" dirty="0" smtClean="0"/>
-              <a:t>del </a:t>
-            </a:r>
-            <a:r>
-              <a:rPr lang="es-MX" sz="2000" dirty="0"/>
-              <a:t>producto </a:t>
-            </a:r>
-            <a:r>
-              <a:rPr lang="es-MX" sz="2000" dirty="0" smtClean="0"/>
-              <a:t>software, que </a:t>
-            </a:r>
-            <a:r>
-              <a:rPr lang="es-MX" sz="2000" dirty="0"/>
-              <a:t>abordaba el proceso de evaluación de productos </a:t>
-            </a:r>
-            <a:r>
-              <a:rPr lang="es-MX" sz="2000" dirty="0" smtClean="0"/>
-              <a:t>software.</a:t>
-            </a:r>
-            <a:endParaRPr lang="es-MX" sz="2000" dirty="0"/>
+            <a:r>
+              <a:rPr lang="es-MX" dirty="0" smtClean="0"/>
+              <a:t>PROCESO MODELO DE NEGOCIOS. TO-BE.</a:t>
+            </a:r>
+            <a:endParaRPr lang="es-MX" dirty="0"/>
           </a:p>
         </p:txBody>
       </p:sp>
+      <p:pic>
+        <p:nvPicPr>
+          <p:cNvPr id="7" name="Marcador de contenido 4"/>
+          <p:cNvPicPr>
+            <a:picLocks noGrp="1" noChangeAspect="1"/>
+          </p:cNvPicPr>
+          <p:nvPr>
+            <p:ph idx="1"/>
+          </p:nvPr>
+        </p:nvPicPr>
+        <p:blipFill rotWithShape="1">
+          <a:blip r:embed="rId2">
+            <a:extLst>
+              <a:ext uri="{28A0092B-C50C-407E-A947-70E740481C1C}">
+                <a14:useLocalDpi xmlns:a14="http://schemas.microsoft.com/office/drawing/2010/main" val="0"/>
+              </a:ext>
+            </a:extLst>
+          </a:blip>
+          <a:srcRect l="1491" t="3766" r="1573" b="27259"/>
+          <a:stretch/>
+        </p:blipFill>
+        <p:spPr>
+          <a:xfrm>
+            <a:off x="1437113" y="1998204"/>
+            <a:ext cx="10088187" cy="3084395"/>
+          </a:xfrm>
+          <a:prstGeom prst="rect">
+            <a:avLst/>
+          </a:prstGeom>
+        </p:spPr>
+      </p:pic>
       <p:sp>
         <p:nvSpPr>
-          <p:cNvPr id="8" name="CuadroTexto 7"/>
-          <p:cNvSpPr txBox="1"/>
-          <p:nvPr/>
-        </p:nvSpPr>
-        <p:spPr>
-          <a:xfrm>
-            <a:off x="4700365" y="1663595"/>
-            <a:ext cx="3322320" cy="461665"/>
-          </a:xfrm>
-          <a:prstGeom prst="rect">
-            <a:avLst/>
-          </a:prstGeom>
-          <a:noFill/>
-        </p:spPr>
-        <p:txBody>
-          <a:bodyPr wrap="square" rtlCol="0">
-            <a:spAutoFit/>
-          </a:bodyPr>
-          <a:lstStyle/>
-          <a:p>
-            <a:pPr algn="ctr"/>
-            <a:r>
-              <a:rPr lang="es-MX" sz="2400" b="1" dirty="0" smtClean="0"/>
-              <a:t>ISO 25000</a:t>
-            </a:r>
-            <a:endParaRPr lang="es-MX" sz="2400" b="1" dirty="0"/>
-          </a:p>
-        </p:txBody>
-      </p:sp>
-      <p:sp>
-        <p:nvSpPr>
-          <p:cNvPr id="7" name="Documento 3"/>
+          <p:cNvPr id="4" name="Documento 3"/>
           <p:cNvSpPr/>
           <p:nvPr/>
         </p:nvSpPr>
@@ -9748,14 +9538,14 @@
       </p:sp>
       <p:pic>
         <p:nvPicPr>
-          <p:cNvPr id="9" name="Imagen 53" descr="Logo_SM-ROOT"/>
+          <p:cNvPr id="6" name="Imagen 53" descr="Logo_SM-ROOT"/>
           <p:cNvPicPr>
             <a:picLocks noChangeAspect="1" noChangeArrowheads="1"/>
           </p:cNvPicPr>
           <p:nvPr/>
         </p:nvPicPr>
         <p:blipFill>
-          <a:blip r:embed="rId2" cstate="print">
+          <a:blip r:embed="rId3" cstate="print">
             <a:extLst>
               <a:ext uri="{28A0092B-C50C-407E-A947-70E740481C1C}">
                 <a14:useLocalDpi xmlns:a14="http://schemas.microsoft.com/office/drawing/2010/main" val="0"/>
@@ -9789,20 +9579,20 @@
       </p:pic>
       <p:pic>
         <p:nvPicPr>
-          <p:cNvPr id="10" name="Imagen 52" descr="Logo_SM-ROOT"/>
+          <p:cNvPr id="8" name="Imagen 52" descr="Logo_SM-ROOT"/>
           <p:cNvPicPr>
             <a:picLocks noChangeAspect="1" noChangeArrowheads="1"/>
           </p:cNvPicPr>
           <p:nvPr/>
         </p:nvPicPr>
         <p:blipFill>
-          <a:blip r:embed="rId3">
+          <a:blip r:embed="rId4">
             <a:grayscl/>
             <a:biLevel thresh="50000"/>
             <a:extLst>
               <a:ext uri="{BEBA8EAE-BF5A-486C-A8C5-ECC9F3942E4B}">
                 <a14:imgProps xmlns:a14="http://schemas.microsoft.com/office/drawing/2010/main">
-                  <a14:imgLayer r:embed="rId4">
+                  <a14:imgLayer r:embed="rId5">
                     <a14:imgEffect>
                       <a14:artisticPaintStrokes/>
                     </a14:imgEffect>
@@ -9841,14 +9631,14 @@
       </p:pic>
       <p:pic>
         <p:nvPicPr>
-          <p:cNvPr id="11" name="Imagen 54" descr="logo"/>
+          <p:cNvPr id="9" name="Imagen 54" descr="logo"/>
           <p:cNvPicPr>
             <a:picLocks noChangeAspect="1" noChangeArrowheads="1"/>
           </p:cNvPicPr>
           <p:nvPr/>
         </p:nvPicPr>
         <p:blipFill>
-          <a:blip r:embed="rId5" cstate="print">
+          <a:blip r:embed="rId6" cstate="print">
             <a:extLst>
               <a:ext uri="{28A0092B-C50C-407E-A947-70E740481C1C}">
                 <a14:useLocalDpi xmlns:a14="http://schemas.microsoft.com/office/drawing/2010/main" val="0"/>
@@ -9883,7 +9673,7 @@
     </p:spTree>
     <p:extLst>
       <p:ext uri="{BB962C8B-B14F-4D97-AF65-F5344CB8AC3E}">
-        <p14:creationId xmlns:p14="http://schemas.microsoft.com/office/powerpoint/2010/main" val="3088391084"/>
+        <p14:creationId xmlns:p14="http://schemas.microsoft.com/office/powerpoint/2010/main" val="2751197313"/>
       </p:ext>
     </p:extLst>
   </p:cSld>
@@ -9900,7 +9690,7 @@
 </p:sld>
 </file>
 
-<file path=ppt/slides/slide23.xml><?xml version="1.0" encoding="utf-8"?>
+<file path=ppt/slides/slide22.xml><?xml version="1.0" encoding="utf-8"?>
 <p:sld xmlns:a="http://schemas.openxmlformats.org/drawingml/2006/main" xmlns:r="http://schemas.openxmlformats.org/officeDocument/2006/relationships" xmlns:p="http://schemas.openxmlformats.org/presentationml/2006/main">
   <p:cSld>
     <p:spTree>
@@ -9919,18 +9709,18 @@
       </p:grpSpPr>
       <p:sp>
         <p:nvSpPr>
-          <p:cNvPr id="5" name="Marcador de contenido 4"/>
+          <p:cNvPr id="2" name="Título 1"/>
           <p:cNvSpPr>
             <a:spLocks noGrp="1"/>
           </p:cNvSpPr>
           <p:nvPr>
-            <p:ph idx="1"/>
+            <p:ph type="title"/>
           </p:nvPr>
         </p:nvSpPr>
         <p:spPr>
           <a:xfrm>
-            <a:off x="1517445" y="1503096"/>
-            <a:ext cx="9905298" cy="2720561"/>
+            <a:off x="1560925" y="747229"/>
+            <a:ext cx="9601200" cy="751764"/>
           </a:xfrm>
         </p:spPr>
         <p:txBody>
@@ -9939,69 +9729,12 @@
           </a:bodyPr>
           <a:lstStyle/>
           <a:p>
-            <a:pPr marL="0" indent="0" algn="just">
-              <a:lnSpc>
-                <a:spcPct val="150000"/>
-              </a:lnSpc>
-              <a:buNone/>
-            </a:pPr>
-            <a:r>
-              <a:rPr lang="es-MX" dirty="0" smtClean="0"/>
-              <a:t>El </a:t>
-            </a:r>
-            <a:r>
-              <a:rPr lang="es-MX" dirty="0"/>
-              <a:t>estándar IEEE 830-1998 para el SRS o ERS (Especificación de requerimientos de  </a:t>
-            </a:r>
-            <a:r>
-              <a:rPr lang="es-MX" dirty="0" smtClean="0"/>
-              <a:t> </a:t>
-            </a:r>
-            <a:r>
-              <a:rPr lang="es-MX" dirty="0" smtClean="0"/>
-              <a:t>software) </a:t>
-            </a:r>
-            <a:r>
-              <a:rPr lang="es-MX" dirty="0"/>
-              <a:t>es un conjunto de recomendaciones para la especificación de los  </a:t>
-            </a:r>
-            <a:r>
-              <a:rPr lang="es-MX" dirty="0" smtClean="0"/>
-              <a:t>requerimientos </a:t>
-            </a:r>
-            <a:r>
-              <a:rPr lang="es-MX" dirty="0"/>
-              <a:t>o requisitos de software el cual tiene como producto final la  </a:t>
-            </a:r>
-            <a:r>
-              <a:rPr lang="es-MX" dirty="0" smtClean="0"/>
-              <a:t>documentación </a:t>
-            </a:r>
-            <a:r>
-              <a:rPr lang="es-MX" dirty="0"/>
-              <a:t>de los acuerdos entre el cliente y el grupo de desarrollo para </a:t>
-            </a:r>
-            <a:r>
-              <a:rPr lang="es-MX" dirty="0" smtClean="0"/>
-              <a:t>así cumplir </a:t>
-            </a:r>
-            <a:r>
-              <a:rPr lang="es-MX" dirty="0"/>
-              <a:t>con la totalidad de exigencias </a:t>
-            </a:r>
-            <a:r>
-              <a:rPr lang="es-MX" dirty="0" smtClean="0"/>
-              <a:t>estipuladas.</a:t>
-            </a:r>
-          </a:p>
-          <a:p>
-            <a:pPr marL="0" indent="0" algn="just">
-              <a:lnSpc>
-                <a:spcPct val="150000"/>
-              </a:lnSpc>
-              <a:buNone/>
-            </a:pPr>
-            <a:endParaRPr lang="es-MX" dirty="0"/>
+            <a:pPr algn="ctr"/>
+            <a:r>
+              <a:rPr lang="es-MX" sz="4000" dirty="0" smtClean="0"/>
+              <a:t>ESTANDARES APLICADOS EN EL PROYECTO.</a:t>
+            </a:r>
+            <a:endParaRPr lang="es-MX" sz="4000" dirty="0"/>
           </a:p>
         </p:txBody>
       </p:sp>
@@ -10013,8 +9746,8 @@
         </p:nvSpPr>
         <p:spPr>
           <a:xfrm>
-            <a:off x="4652168" y="815197"/>
-            <a:ext cx="3322320" cy="461665"/>
+            <a:off x="2362199" y="2209080"/>
+            <a:ext cx="8146143" cy="1477328"/>
           </a:xfrm>
           <a:prstGeom prst="rect">
             <a:avLst/>
@@ -10027,18 +9760,81 @@
           </a:bodyPr>
           <a:lstStyle/>
           <a:p>
-            <a:pPr algn="ctr"/>
-            <a:r>
-              <a:rPr lang="es-MX" sz="2400" b="1" dirty="0" smtClean="0"/>
-              <a:t>IEEE 830</a:t>
-            </a:r>
-            <a:endParaRPr lang="es-MX" sz="2400" b="1" dirty="0"/>
+            <a:pPr algn="just">
+              <a:lnSpc>
+                <a:spcPct val="150000"/>
+              </a:lnSpc>
+            </a:pPr>
+            <a:r>
+              <a:rPr lang="es-MX" sz="2000" dirty="0"/>
+              <a:t>ISO/IEC </a:t>
+            </a:r>
+            <a:r>
+              <a:rPr lang="es-MX" sz="2000" dirty="0" smtClean="0"/>
+              <a:t>25000 es </a:t>
+            </a:r>
+            <a:r>
+              <a:rPr lang="es-MX" sz="2000" dirty="0"/>
+              <a:t>una familia de normas que tiene por </a:t>
+            </a:r>
+            <a:r>
+              <a:rPr lang="es-MX" sz="2000" dirty="0" smtClean="0"/>
+              <a:t>objetivo </a:t>
+            </a:r>
+            <a:r>
+              <a:rPr lang="es-MX" sz="2000" dirty="0"/>
+              <a:t>la creación de un marco de trabajo común para evaluar la calidad </a:t>
+            </a:r>
+            <a:r>
+              <a:rPr lang="es-MX" sz="2000" dirty="0" smtClean="0"/>
+              <a:t>del </a:t>
+            </a:r>
+            <a:r>
+              <a:rPr lang="es-MX" sz="2000" dirty="0"/>
+              <a:t>producto </a:t>
+            </a:r>
+            <a:r>
+              <a:rPr lang="es-MX" sz="2000" dirty="0" smtClean="0"/>
+              <a:t>software.</a:t>
+            </a:r>
+            <a:endParaRPr lang="es-MX" sz="2000" dirty="0"/>
           </a:p>
         </p:txBody>
       </p:sp>
       <p:sp>
         <p:nvSpPr>
-          <p:cNvPr id="9" name="Documento 3"/>
+          <p:cNvPr id="8" name="CuadroTexto 7"/>
+          <p:cNvSpPr txBox="1"/>
+          <p:nvPr/>
+        </p:nvSpPr>
+        <p:spPr>
+          <a:xfrm>
+            <a:off x="4700365" y="1663595"/>
+            <a:ext cx="3322320" cy="461665"/>
+          </a:xfrm>
+          <a:prstGeom prst="rect">
+            <a:avLst/>
+          </a:prstGeom>
+          <a:noFill/>
+        </p:spPr>
+        <p:txBody>
+          <a:bodyPr wrap="square" rtlCol="0">
+            <a:spAutoFit/>
+          </a:bodyPr>
+          <a:lstStyle/>
+          <a:p>
+            <a:pPr algn="ctr"/>
+            <a:r>
+              <a:rPr lang="es-MX" sz="2400" b="1" dirty="0" smtClean="0"/>
+              <a:t>ISO 25000</a:t>
+            </a:r>
+            <a:endParaRPr lang="es-MX" sz="2400" b="1" dirty="0"/>
+          </a:p>
+        </p:txBody>
+      </p:sp>
+      <p:sp>
+        <p:nvSpPr>
+          <p:cNvPr id="7" name="Documento 3"/>
           <p:cNvSpPr/>
           <p:nvPr/>
         </p:nvSpPr>
@@ -10178,7 +9974,7 @@
       </p:sp>
       <p:pic>
         <p:nvPicPr>
-          <p:cNvPr id="10" name="Imagen 53" descr="Logo_SM-ROOT"/>
+          <p:cNvPr id="9" name="Imagen 53" descr="Logo_SM-ROOT"/>
           <p:cNvPicPr>
             <a:picLocks noChangeAspect="1" noChangeArrowheads="1"/>
           </p:cNvPicPr>
@@ -10219,7 +10015,7 @@
       </p:pic>
       <p:pic>
         <p:nvPicPr>
-          <p:cNvPr id="11" name="Imagen 52" descr="Logo_SM-ROOT"/>
+          <p:cNvPr id="10" name="Imagen 52" descr="Logo_SM-ROOT"/>
           <p:cNvPicPr>
             <a:picLocks noChangeAspect="1" noChangeArrowheads="1"/>
           </p:cNvPicPr>
@@ -10271,7 +10067,7 @@
       </p:pic>
       <p:pic>
         <p:nvPicPr>
-          <p:cNvPr id="12" name="Imagen 54" descr="logo"/>
+          <p:cNvPr id="11" name="Imagen 54" descr="logo"/>
           <p:cNvPicPr>
             <a:picLocks noChangeAspect="1" noChangeArrowheads="1"/>
           </p:cNvPicPr>
@@ -10310,10 +10106,135 @@
           </a:extLst>
         </p:spPr>
       </p:pic>
+      <p:graphicFrame>
+        <p:nvGraphicFramePr>
+          <p:cNvPr id="3" name="Tabla 2"/>
+          <p:cNvGraphicFramePr>
+            <a:graphicFrameLocks noGrp="1"/>
+          </p:cNvGraphicFramePr>
+          <p:nvPr>
+            <p:extLst>
+              <p:ext uri="{D42A27DB-BD31-4B8C-83A1-F6EECF244321}">
+                <p14:modId xmlns:p14="http://schemas.microsoft.com/office/powerpoint/2010/main" val="1909049417"/>
+              </p:ext>
+            </p:extLst>
+          </p:nvPr>
+        </p:nvGraphicFramePr>
+        <p:xfrm>
+          <a:off x="3916220" y="4247957"/>
+          <a:ext cx="5510394" cy="1483360"/>
+        </p:xfrm>
+        <a:graphic>
+          <a:graphicData uri="http://schemas.openxmlformats.org/drawingml/2006/table">
+            <a:tbl>
+              <a:tblPr firstRow="1" bandRow="1">
+                <a:tableStyleId>{21E4AEA4-8DFA-4A89-87EB-49C32662AFE0}</a:tableStyleId>
+              </a:tblPr>
+              <a:tblGrid>
+                <a:gridCol w="5510394">
+                  <a:extLst>
+                    <a:ext uri="{9D8B030D-6E8A-4147-A177-3AD203B41FA5}">
+                      <a16:colId xmlns:a16="http://schemas.microsoft.com/office/drawing/2014/main" val="4236769243"/>
+                    </a:ext>
+                  </a:extLst>
+                </a:gridCol>
+              </a:tblGrid>
+              <a:tr h="370840">
+                <a:tc>
+                  <a:txBody>
+                    <a:bodyPr/>
+                    <a:lstStyle/>
+                    <a:p>
+                      <a:pPr algn="ctr"/>
+                      <a:r>
+                        <a:rPr lang="es-MX" dirty="0" smtClean="0"/>
+                        <a:t>ISO/IEC APLICADOS AL PROYECTO</a:t>
+                      </a:r>
+                      <a:endParaRPr lang="es-MX" dirty="0"/>
+                    </a:p>
+                  </a:txBody>
+                  <a:tcPr/>
+                </a:tc>
+                <a:extLst>
+                  <a:ext uri="{0D108BD9-81ED-4DB2-BD59-A6C34878D82A}">
+                    <a16:rowId xmlns:a16="http://schemas.microsoft.com/office/drawing/2014/main" val="330609650"/>
+                  </a:ext>
+                </a:extLst>
+              </a:tr>
+              <a:tr h="370840">
+                <a:tc>
+                  <a:txBody>
+                    <a:bodyPr/>
+                    <a:lstStyle/>
+                    <a:p>
+                      <a:pPr algn="ctr"/>
+                      <a:r>
+                        <a:rPr lang="es-MX" dirty="0" smtClean="0"/>
+                        <a:t>25000</a:t>
+                      </a:r>
+                      <a:endParaRPr lang="es-MX" dirty="0"/>
+                    </a:p>
+                  </a:txBody>
+                  <a:tcPr/>
+                </a:tc>
+                <a:extLst>
+                  <a:ext uri="{0D108BD9-81ED-4DB2-BD59-A6C34878D82A}">
+                    <a16:rowId xmlns:a16="http://schemas.microsoft.com/office/drawing/2014/main" val="994368925"/>
+                  </a:ext>
+                </a:extLst>
+              </a:tr>
+              <a:tr h="370840">
+                <a:tc>
+                  <a:txBody>
+                    <a:bodyPr/>
+                    <a:lstStyle/>
+                    <a:p>
+                      <a:pPr algn="ctr"/>
+                      <a:r>
+                        <a:rPr lang="es-MX" dirty="0" smtClean="0"/>
+                        <a:t>25001</a:t>
+                      </a:r>
+                      <a:endParaRPr lang="es-MX" dirty="0"/>
+                    </a:p>
+                  </a:txBody>
+                  <a:tcPr/>
+                </a:tc>
+                <a:extLst>
+                  <a:ext uri="{0D108BD9-81ED-4DB2-BD59-A6C34878D82A}">
+                    <a16:rowId xmlns:a16="http://schemas.microsoft.com/office/drawing/2014/main" val="1552423851"/>
+                  </a:ext>
+                </a:extLst>
+              </a:tr>
+              <a:tr h="370840">
+                <a:tc>
+                  <a:txBody>
+                    <a:bodyPr/>
+                    <a:lstStyle/>
+                    <a:p>
+                      <a:pPr algn="ctr"/>
+                      <a:r>
+                        <a:rPr lang="es-MX" dirty="0" smtClean="0"/>
+                        <a:t>25002</a:t>
+                      </a:r>
+                      <a:endParaRPr lang="es-MX" dirty="0"/>
+                    </a:p>
+                  </a:txBody>
+                  <a:tcPr/>
+                </a:tc>
+                <a:extLst>
+                  <a:ext uri="{0D108BD9-81ED-4DB2-BD59-A6C34878D82A}">
+                    <a16:rowId xmlns:a16="http://schemas.microsoft.com/office/drawing/2014/main" val="2053740834"/>
+                  </a:ext>
+                </a:extLst>
+              </a:tr>
+            </a:tbl>
+          </a:graphicData>
+        </a:graphic>
+      </p:graphicFrame>
     </p:spTree>
     <p:extLst>
       <p:ext uri="{BB962C8B-B14F-4D97-AF65-F5344CB8AC3E}">
-        <p14:creationId xmlns:p14="http://schemas.microsoft.com/office/powerpoint/2010/main" val="576983190"/>
+        <p14:creationId xmlns:p14="http://schemas.microsoft.com/office/powerpoint/2010/main" val="3088391084"/>
       </p:ext>
     </p:extLst>
   </p:cSld>
@@ -10330,7 +10251,7 @@
 </p:sld>
 </file>
 
-<file path=ppt/slides/slide24.xml><?xml version="1.0" encoding="utf-8"?>
+<file path=ppt/slides/slide23.xml><?xml version="1.0" encoding="utf-8"?>
 <p:sld xmlns:a="http://schemas.openxmlformats.org/drawingml/2006/main" xmlns:r="http://schemas.openxmlformats.org/officeDocument/2006/relationships" xmlns:p="http://schemas.openxmlformats.org/presentationml/2006/main">
   <p:cSld>
     <p:spTree>
@@ -10349,57 +10270,122 @@
       </p:grpSpPr>
       <p:sp>
         <p:nvSpPr>
-          <p:cNvPr id="2" name="Título 1"/>
+          <p:cNvPr id="5" name="Marcador de contenido 4"/>
           <p:cNvSpPr>
             <a:spLocks noGrp="1"/>
           </p:cNvSpPr>
           <p:nvPr>
-            <p:ph type="title"/>
+            <p:ph idx="1"/>
           </p:nvPr>
         </p:nvSpPr>
-        <p:spPr/>
+        <p:spPr>
+          <a:xfrm>
+            <a:off x="1517445" y="1503096"/>
+            <a:ext cx="9905298" cy="2720561"/>
+          </a:xfrm>
+        </p:spPr>
         <p:txBody>
-          <a:bodyPr/>
+          <a:bodyPr>
+            <a:normAutofit/>
+          </a:bodyPr>
           <a:lstStyle/>
           <a:p>
-            <a:pPr algn="ctr"/>
+            <a:pPr marL="0" indent="0" algn="just">
+              <a:lnSpc>
+                <a:spcPct val="150000"/>
+              </a:lnSpc>
+              <a:buNone/>
+            </a:pPr>
             <a:r>
               <a:rPr lang="es-MX" dirty="0" smtClean="0"/>
-              <a:t>DEMOSTRACIÓN DEL SOFTWARE</a:t>
-            </a:r>
+              <a:t>El </a:t>
+            </a:r>
+            <a:r>
+              <a:rPr lang="es-MX" dirty="0"/>
+              <a:t>estándar IEEE 830-1998 para el SRS o ERS (Especificación de requerimientos de  </a:t>
+            </a:r>
+            <a:r>
+              <a:rPr lang="es-MX" dirty="0" smtClean="0"/>
+              <a:t> software) </a:t>
+            </a:r>
+            <a:r>
+              <a:rPr lang="es-MX" dirty="0"/>
+              <a:t>es un conjunto de recomendaciones para la especificación de los  </a:t>
+            </a:r>
+            <a:r>
+              <a:rPr lang="es-MX" dirty="0" smtClean="0"/>
+              <a:t>requerimientos </a:t>
+            </a:r>
+            <a:r>
+              <a:rPr lang="es-MX" dirty="0"/>
+              <a:t>o requisitos de software el cual tiene como producto final la  </a:t>
+            </a:r>
+            <a:r>
+              <a:rPr lang="es-MX" dirty="0" smtClean="0"/>
+              <a:t>documentación </a:t>
+            </a:r>
+            <a:r>
+              <a:rPr lang="es-MX" dirty="0"/>
+              <a:t>de los acuerdos entre el cliente y el grupo de desarrollo para </a:t>
+            </a:r>
+            <a:r>
+              <a:rPr lang="es-MX" dirty="0" smtClean="0"/>
+              <a:t>así cumplir </a:t>
+            </a:r>
+            <a:r>
+              <a:rPr lang="es-MX" dirty="0"/>
+              <a:t>con la totalidad de exigencias </a:t>
+            </a:r>
+            <a:r>
+              <a:rPr lang="es-MX" dirty="0" smtClean="0"/>
+              <a:t>estipuladas.</a:t>
+            </a:r>
+          </a:p>
+          <a:p>
+            <a:pPr marL="0" indent="0" algn="just">
+              <a:lnSpc>
+                <a:spcPct val="150000"/>
+              </a:lnSpc>
+              <a:buNone/>
+            </a:pPr>
             <a:endParaRPr lang="es-MX" dirty="0"/>
           </a:p>
         </p:txBody>
       </p:sp>
-      <p:pic>
-        <p:nvPicPr>
-          <p:cNvPr id="4" name="Marcador de contenido 3"/>
-          <p:cNvPicPr>
-            <a:picLocks noGrp="1" noChangeAspect="1"/>
-          </p:cNvPicPr>
-          <p:nvPr>
-            <p:ph idx="1"/>
-          </p:nvPr>
-        </p:nvPicPr>
-        <p:blipFill>
-          <a:blip r:embed="rId2"/>
-          <a:stretch>
-            <a:fillRect/>
-          </a:stretch>
-        </p:blipFill>
-        <p:spPr>
-          <a:xfrm>
-            <a:off x="3420862" y="1905680"/>
-            <a:ext cx="5792962" cy="3938814"/>
-          </a:xfrm>
-          <a:prstGeom prst="rect">
-            <a:avLst/>
-          </a:prstGeom>
-        </p:spPr>
-      </p:pic>
       <p:sp>
         <p:nvSpPr>
-          <p:cNvPr id="5" name="Documento 3"/>
+          <p:cNvPr id="6" name="CuadroTexto 5"/>
+          <p:cNvSpPr txBox="1"/>
+          <p:nvPr/>
+        </p:nvSpPr>
+        <p:spPr>
+          <a:xfrm>
+            <a:off x="4652168" y="815197"/>
+            <a:ext cx="3322320" cy="461665"/>
+          </a:xfrm>
+          <a:prstGeom prst="rect">
+            <a:avLst/>
+          </a:prstGeom>
+          <a:noFill/>
+        </p:spPr>
+        <p:txBody>
+          <a:bodyPr wrap="square" rtlCol="0">
+            <a:spAutoFit/>
+          </a:bodyPr>
+          <a:lstStyle/>
+          <a:p>
+            <a:pPr algn="ctr"/>
+            <a:r>
+              <a:rPr lang="es-MX" sz="2400" b="1" dirty="0" smtClean="0"/>
+              <a:t>IEEE 830</a:t>
+            </a:r>
+            <a:endParaRPr lang="es-MX" sz="2400" b="1" dirty="0"/>
+          </a:p>
+        </p:txBody>
+      </p:sp>
+      <p:sp>
+        <p:nvSpPr>
+          <p:cNvPr id="9" name="Documento 3"/>
           <p:cNvSpPr/>
           <p:nvPr/>
         </p:nvSpPr>
@@ -10539,14 +10525,14 @@
       </p:sp>
       <p:pic>
         <p:nvPicPr>
-          <p:cNvPr id="6" name="Imagen 53" descr="Logo_SM-ROOT"/>
+          <p:cNvPr id="10" name="Imagen 53" descr="Logo_SM-ROOT"/>
           <p:cNvPicPr>
             <a:picLocks noChangeAspect="1" noChangeArrowheads="1"/>
           </p:cNvPicPr>
           <p:nvPr/>
         </p:nvPicPr>
         <p:blipFill>
-          <a:blip r:embed="rId3" cstate="print">
+          <a:blip r:embed="rId2" cstate="print">
             <a:extLst>
               <a:ext uri="{28A0092B-C50C-407E-A947-70E740481C1C}">
                 <a14:useLocalDpi xmlns:a14="http://schemas.microsoft.com/office/drawing/2010/main" val="0"/>
@@ -10580,20 +10566,20 @@
       </p:pic>
       <p:pic>
         <p:nvPicPr>
-          <p:cNvPr id="7" name="Imagen 52" descr="Logo_SM-ROOT"/>
+          <p:cNvPr id="11" name="Imagen 52" descr="Logo_SM-ROOT"/>
           <p:cNvPicPr>
             <a:picLocks noChangeAspect="1" noChangeArrowheads="1"/>
           </p:cNvPicPr>
           <p:nvPr/>
         </p:nvPicPr>
         <p:blipFill>
-          <a:blip r:embed="rId4">
+          <a:blip r:embed="rId3">
             <a:grayscl/>
             <a:biLevel thresh="50000"/>
             <a:extLst>
               <a:ext uri="{BEBA8EAE-BF5A-486C-A8C5-ECC9F3942E4B}">
                 <a14:imgProps xmlns:a14="http://schemas.microsoft.com/office/drawing/2010/main">
-                  <a14:imgLayer r:embed="rId5">
+                  <a14:imgLayer r:embed="rId4">
                     <a14:imgEffect>
                       <a14:artisticPaintStrokes/>
                     </a14:imgEffect>
@@ -10632,14 +10618,14 @@
       </p:pic>
       <p:pic>
         <p:nvPicPr>
-          <p:cNvPr id="8" name="Imagen 54" descr="logo"/>
+          <p:cNvPr id="12" name="Imagen 54" descr="logo"/>
           <p:cNvPicPr>
             <a:picLocks noChangeAspect="1" noChangeArrowheads="1"/>
           </p:cNvPicPr>
           <p:nvPr/>
         </p:nvPicPr>
         <p:blipFill>
-          <a:blip r:embed="rId6" cstate="print">
+          <a:blip r:embed="rId5" cstate="print">
             <a:extLst>
               <a:ext uri="{28A0092B-C50C-407E-A947-70E740481C1C}">
                 <a14:useLocalDpi xmlns:a14="http://schemas.microsoft.com/office/drawing/2010/main" val="0"/>
@@ -10674,7 +10660,7 @@
     </p:spTree>
     <p:extLst>
       <p:ext uri="{BB962C8B-B14F-4D97-AF65-F5344CB8AC3E}">
-        <p14:creationId xmlns:p14="http://schemas.microsoft.com/office/powerpoint/2010/main" val="1184427947"/>
+        <p14:creationId xmlns:p14="http://schemas.microsoft.com/office/powerpoint/2010/main" val="576983190"/>
       </p:ext>
     </p:extLst>
   </p:cSld>
@@ -10691,7 +10677,7 @@
 </p:sld>
 </file>
 
-<file path=ppt/slides/slide25.xml><?xml version="1.0" encoding="utf-8"?>
+<file path=ppt/slides/slide24.xml><?xml version="1.0" encoding="utf-8"?>
 <p:sld xmlns:a="http://schemas.openxmlformats.org/drawingml/2006/main" xmlns:r="http://schemas.openxmlformats.org/officeDocument/2006/relationships" xmlns:p="http://schemas.openxmlformats.org/presentationml/2006/main">
   <p:cSld>
     <p:spTree>
@@ -10726,7 +10712,7 @@
             <a:pPr algn="ctr"/>
             <a:r>
               <a:rPr lang="es-MX" dirty="0" smtClean="0"/>
-              <a:t>ANEXOS</a:t>
+              <a:t>DEMOSTRACIÓN DEL SOFTWARE</a:t>
             </a:r>
             <a:endParaRPr lang="es-MX" dirty="0"/>
           </a:p>
@@ -10742,49 +10728,15 @@
             <p:ph idx="1"/>
           </p:nvPr>
         </p:nvPicPr>
-        <p:blipFill>
-          <a:blip r:embed="rId2" cstate="print">
-            <a:extLst>
-              <a:ext uri="{28A0092B-C50C-407E-A947-70E740481C1C}">
-                <a14:useLocalDpi xmlns:a14="http://schemas.microsoft.com/office/drawing/2010/main" val="0"/>
-              </a:ext>
-            </a:extLst>
-          </a:blip>
-          <a:stretch>
-            <a:fillRect/>
-          </a:stretch>
+        <p:blipFill rotWithShape="1">
+          <a:blip r:embed="rId2"/>
+          <a:srcRect r="33651"/>
+          <a:stretch/>
         </p:blipFill>
         <p:spPr>
           <a:xfrm>
-            <a:off x="2378588" y="2169013"/>
-            <a:ext cx="3120409" cy="4020526"/>
-          </a:xfrm>
-        </p:spPr>
-      </p:pic>
-      <p:pic>
-        <p:nvPicPr>
-          <p:cNvPr id="5" name="Imagen 4"/>
-          <p:cNvPicPr>
-            <a:picLocks noChangeAspect="1"/>
-          </p:cNvPicPr>
-          <p:nvPr/>
-        </p:nvPicPr>
-        <p:blipFill>
-          <a:blip r:embed="rId3" cstate="print">
-            <a:extLst>
-              <a:ext uri="{28A0092B-C50C-407E-A947-70E740481C1C}">
-                <a14:useLocalDpi xmlns:a14="http://schemas.microsoft.com/office/drawing/2010/main" val="0"/>
-              </a:ext>
-            </a:extLst>
-          </a:blip>
-          <a:stretch>
-            <a:fillRect/>
-          </a:stretch>
-        </p:blipFill>
-        <p:spPr>
-          <a:xfrm>
-            <a:off x="7321085" y="2169013"/>
-            <a:ext cx="3065634" cy="4017839"/>
+            <a:off x="4250430" y="2090408"/>
+            <a:ext cx="3843538" cy="3938814"/>
           </a:xfrm>
           <a:prstGeom prst="rect">
             <a:avLst/>
@@ -10793,524 +10745,7 @@
       </p:pic>
       <p:sp>
         <p:nvSpPr>
-          <p:cNvPr id="6" name="CuadroTexto 5"/>
-          <p:cNvSpPr txBox="1"/>
-          <p:nvPr/>
-        </p:nvSpPr>
-        <p:spPr>
-          <a:xfrm>
-            <a:off x="2245990" y="6192226"/>
-            <a:ext cx="3385607" cy="369332"/>
-          </a:xfrm>
-          <a:prstGeom prst="rect">
-            <a:avLst/>
-          </a:prstGeom>
-          <a:noFill/>
-        </p:spPr>
-        <p:txBody>
-          <a:bodyPr wrap="none" rtlCol="0">
-            <a:spAutoFit/>
-          </a:bodyPr>
-          <a:lstStyle/>
-          <a:p>
-            <a:r>
-              <a:rPr lang="es-MX" dirty="0" smtClean="0"/>
-              <a:t>Carta de aceptación del proyecto</a:t>
-            </a:r>
-            <a:endParaRPr lang="es-MX" dirty="0"/>
-          </a:p>
-        </p:txBody>
-      </p:sp>
-      <p:sp>
-        <p:nvSpPr>
-          <p:cNvPr id="7" name="CuadroTexto 6"/>
-          <p:cNvSpPr txBox="1"/>
-          <p:nvPr/>
-        </p:nvSpPr>
-        <p:spPr>
-          <a:xfrm>
-            <a:off x="6794866" y="6186852"/>
-            <a:ext cx="4023345" cy="369332"/>
-          </a:xfrm>
-          <a:prstGeom prst="rect">
-            <a:avLst/>
-          </a:prstGeom>
-          <a:noFill/>
-        </p:spPr>
-        <p:txBody>
-          <a:bodyPr wrap="none" rtlCol="0">
-            <a:spAutoFit/>
-          </a:bodyPr>
-          <a:lstStyle/>
-          <a:p>
-            <a:r>
-              <a:rPr lang="es-MX" dirty="0" smtClean="0"/>
-              <a:t>Carta de liberación y cierre del proyecto</a:t>
-            </a:r>
-            <a:endParaRPr lang="es-MX" dirty="0"/>
-          </a:p>
-        </p:txBody>
-      </p:sp>
-    </p:spTree>
-    <p:extLst>
-      <p:ext uri="{BB962C8B-B14F-4D97-AF65-F5344CB8AC3E}">
-        <p14:creationId xmlns:p14="http://schemas.microsoft.com/office/powerpoint/2010/main" val="1675596822"/>
-      </p:ext>
-    </p:extLst>
-  </p:cSld>
-  <p:clrMapOvr>
-    <a:masterClrMapping/>
-  </p:clrMapOvr>
-</p:sld>
-</file>
-
-<file path=ppt/slides/slide26.xml><?xml version="1.0" encoding="utf-8"?>
-<p:sld xmlns:a="http://schemas.openxmlformats.org/drawingml/2006/main" xmlns:r="http://schemas.openxmlformats.org/officeDocument/2006/relationships" xmlns:p="http://schemas.openxmlformats.org/presentationml/2006/main">
-  <p:cSld>
-    <p:spTree>
-      <p:nvGrpSpPr>
-        <p:cNvPr id="1" name=""/>
-        <p:cNvGrpSpPr/>
-        <p:nvPr/>
-      </p:nvGrpSpPr>
-      <p:grpSpPr>
-        <a:xfrm>
-          <a:off x="0" y="0"/>
-          <a:ext cx="0" cy="0"/>
-          <a:chOff x="0" y="0"/>
-          <a:chExt cx="0" cy="0"/>
-        </a:xfrm>
-      </p:grpSpPr>
-      <p:pic>
-        <p:nvPicPr>
-          <p:cNvPr id="4" name="Marcador de contenido 3"/>
-          <p:cNvPicPr>
-            <a:picLocks noGrp="1" noChangeAspect="1"/>
-          </p:cNvPicPr>
-          <p:nvPr>
-            <p:ph idx="1"/>
-          </p:nvPr>
-        </p:nvPicPr>
-        <p:blipFill>
-          <a:blip r:embed="rId2" cstate="print">
-            <a:extLst>
-              <a:ext uri="{28A0092B-C50C-407E-A947-70E740481C1C}">
-                <a14:useLocalDpi xmlns:a14="http://schemas.microsoft.com/office/drawing/2010/main" val="0"/>
-              </a:ext>
-            </a:extLst>
-          </a:blip>
-          <a:stretch>
-            <a:fillRect/>
-          </a:stretch>
-        </p:blipFill>
-        <p:spPr>
-          <a:xfrm>
-            <a:off x="6204796" y="647700"/>
-            <a:ext cx="2769448" cy="3581400"/>
-          </a:xfrm>
-        </p:spPr>
-      </p:pic>
-      <p:pic>
-        <p:nvPicPr>
-          <p:cNvPr id="5" name="Imagen 4"/>
-          <p:cNvPicPr>
-            <a:picLocks noChangeAspect="1"/>
-          </p:cNvPicPr>
-          <p:nvPr/>
-        </p:nvPicPr>
-        <p:blipFill>
-          <a:blip r:embed="rId3" cstate="print">
-            <a:extLst>
-              <a:ext uri="{28A0092B-C50C-407E-A947-70E740481C1C}">
-                <a14:useLocalDpi xmlns:a14="http://schemas.microsoft.com/office/drawing/2010/main" val="0"/>
-              </a:ext>
-            </a:extLst>
-          </a:blip>
-          <a:stretch>
-            <a:fillRect/>
-          </a:stretch>
-        </p:blipFill>
-        <p:spPr>
-          <a:xfrm>
-            <a:off x="2984420" y="647700"/>
-            <a:ext cx="2797346" cy="3581400"/>
-          </a:xfrm>
-          <a:prstGeom prst="rect">
-            <a:avLst/>
-          </a:prstGeom>
-        </p:spPr>
-      </p:pic>
-      <p:sp>
-        <p:nvSpPr>
-          <p:cNvPr id="6" name="CuadroTexto 5"/>
-          <p:cNvSpPr txBox="1"/>
-          <p:nvPr/>
-        </p:nvSpPr>
-        <p:spPr>
-          <a:xfrm>
-            <a:off x="3739726" y="4290060"/>
-            <a:ext cx="4930140" cy="369332"/>
-          </a:xfrm>
-          <a:prstGeom prst="rect">
-            <a:avLst/>
-          </a:prstGeom>
-          <a:noFill/>
-        </p:spPr>
-        <p:txBody>
-          <a:bodyPr wrap="square" rtlCol="0">
-            <a:spAutoFit/>
-          </a:bodyPr>
-          <a:lstStyle/>
-          <a:p>
-            <a:r>
-              <a:rPr lang="es-MX" dirty="0" smtClean="0"/>
-              <a:t>Minuta de finalización y cierre de proyecto.</a:t>
-            </a:r>
-            <a:endParaRPr lang="es-MX" dirty="0"/>
-          </a:p>
-        </p:txBody>
-      </p:sp>
-    </p:spTree>
-    <p:extLst>
-      <p:ext uri="{BB962C8B-B14F-4D97-AF65-F5344CB8AC3E}">
-        <p14:creationId xmlns:p14="http://schemas.microsoft.com/office/powerpoint/2010/main" val="4018782445"/>
-      </p:ext>
-    </p:extLst>
-  </p:cSld>
-  <p:clrMapOvr>
-    <a:masterClrMapping/>
-  </p:clrMapOvr>
-</p:sld>
-</file>
-
-<file path=ppt/slides/slide27.xml><?xml version="1.0" encoding="utf-8"?>
-<p:sld xmlns:a="http://schemas.openxmlformats.org/drawingml/2006/main" xmlns:r="http://schemas.openxmlformats.org/officeDocument/2006/relationships" xmlns:p="http://schemas.openxmlformats.org/presentationml/2006/main">
-  <p:cSld>
-    <p:spTree>
-      <p:nvGrpSpPr>
-        <p:cNvPr id="1" name=""/>
-        <p:cNvGrpSpPr/>
-        <p:nvPr/>
-      </p:nvGrpSpPr>
-      <p:grpSpPr>
-        <a:xfrm>
-          <a:off x="0" y="0"/>
-          <a:ext cx="0" cy="0"/>
-          <a:chOff x="0" y="0"/>
-          <a:chExt cx="0" cy="0"/>
-        </a:xfrm>
-      </p:grpSpPr>
-      <p:pic>
-        <p:nvPicPr>
-          <p:cNvPr id="4" name="Marcador de contenido 3"/>
-          <p:cNvPicPr>
-            <a:picLocks noGrp="1" noChangeAspect="1"/>
-          </p:cNvPicPr>
-          <p:nvPr>
-            <p:ph idx="1"/>
-          </p:nvPr>
-        </p:nvPicPr>
-        <p:blipFill>
-          <a:blip r:embed="rId2" cstate="print">
-            <a:extLst>
-              <a:ext uri="{28A0092B-C50C-407E-A947-70E740481C1C}">
-                <a14:useLocalDpi xmlns:a14="http://schemas.microsoft.com/office/drawing/2010/main" val="0"/>
-              </a:ext>
-            </a:extLst>
-          </a:blip>
-          <a:stretch>
-            <a:fillRect/>
-          </a:stretch>
-        </p:blipFill>
-        <p:spPr>
-          <a:xfrm>
-            <a:off x="4639733" y="146503"/>
-            <a:ext cx="3662438" cy="2746828"/>
-          </a:xfrm>
-        </p:spPr>
-      </p:pic>
-      <p:pic>
-        <p:nvPicPr>
-          <p:cNvPr id="5" name="Imagen 4"/>
-          <p:cNvPicPr>
-            <a:picLocks noChangeAspect="1"/>
-          </p:cNvPicPr>
-          <p:nvPr/>
-        </p:nvPicPr>
-        <p:blipFill>
-          <a:blip r:embed="rId3" cstate="print">
-            <a:extLst>
-              <a:ext uri="{28A0092B-C50C-407E-A947-70E740481C1C}">
-                <a14:useLocalDpi xmlns:a14="http://schemas.microsoft.com/office/drawing/2010/main" val="0"/>
-              </a:ext>
-            </a:extLst>
-          </a:blip>
-          <a:stretch>
-            <a:fillRect/>
-          </a:stretch>
-        </p:blipFill>
-        <p:spPr>
-          <a:xfrm>
-            <a:off x="7477780" y="3788229"/>
-            <a:ext cx="3280227" cy="2460170"/>
-          </a:xfrm>
-          <a:prstGeom prst="rect">
-            <a:avLst/>
-          </a:prstGeom>
-        </p:spPr>
-      </p:pic>
-      <p:pic>
-        <p:nvPicPr>
-          <p:cNvPr id="6" name="Imagen 5"/>
-          <p:cNvPicPr>
-            <a:picLocks noChangeAspect="1"/>
-          </p:cNvPicPr>
-          <p:nvPr/>
-        </p:nvPicPr>
-        <p:blipFill>
-          <a:blip r:embed="rId4" cstate="print">
-            <a:extLst>
-              <a:ext uri="{28A0092B-C50C-407E-A947-70E740481C1C}">
-                <a14:useLocalDpi xmlns:a14="http://schemas.microsoft.com/office/drawing/2010/main" val="0"/>
-              </a:ext>
-            </a:extLst>
-          </a:blip>
-          <a:stretch>
-            <a:fillRect/>
-          </a:stretch>
-        </p:blipFill>
-        <p:spPr>
-          <a:xfrm>
-            <a:off x="2273906" y="3788229"/>
-            <a:ext cx="3280227" cy="2460170"/>
-          </a:xfrm>
-          <a:prstGeom prst="rect">
-            <a:avLst/>
-          </a:prstGeom>
-        </p:spPr>
-      </p:pic>
-      <p:sp>
-        <p:nvSpPr>
-          <p:cNvPr id="7" name="CuadroTexto 6"/>
-          <p:cNvSpPr txBox="1"/>
-          <p:nvPr/>
-        </p:nvSpPr>
-        <p:spPr>
-          <a:xfrm>
-            <a:off x="3824009" y="2971448"/>
-            <a:ext cx="5293885" cy="369332"/>
-          </a:xfrm>
-          <a:prstGeom prst="rect">
-            <a:avLst/>
-          </a:prstGeom>
-          <a:noFill/>
-        </p:spPr>
-        <p:txBody>
-          <a:bodyPr wrap="none" rtlCol="0">
-            <a:spAutoFit/>
-          </a:bodyPr>
-          <a:lstStyle/>
-          <a:p>
-            <a:r>
-              <a:rPr lang="es-MX" dirty="0" smtClean="0"/>
-              <a:t>Capacitación a Usuarios Administrativos de empresa</a:t>
-            </a:r>
-            <a:endParaRPr lang="es-MX" dirty="0"/>
-          </a:p>
-        </p:txBody>
-      </p:sp>
-    </p:spTree>
-    <p:extLst>
-      <p:ext uri="{BB962C8B-B14F-4D97-AF65-F5344CB8AC3E}">
-        <p14:creationId xmlns:p14="http://schemas.microsoft.com/office/powerpoint/2010/main" val="1433499742"/>
-      </p:ext>
-    </p:extLst>
-  </p:cSld>
-  <p:clrMapOvr>
-    <a:masterClrMapping/>
-  </p:clrMapOvr>
-  <p:timing>
-    <p:tnLst>
-      <p:par>
-        <p:cTn id="1" dur="indefinite" restart="never" nodeType="tmRoot"/>
-      </p:par>
-    </p:tnLst>
-  </p:timing>
-</p:sld>
-</file>
-
-<file path=ppt/slides/slide3.xml><?xml version="1.0" encoding="utf-8"?>
-<p:sld xmlns:a="http://schemas.openxmlformats.org/drawingml/2006/main" xmlns:r="http://schemas.openxmlformats.org/officeDocument/2006/relationships" xmlns:p="http://schemas.openxmlformats.org/presentationml/2006/main">
-  <p:cSld>
-    <p:spTree>
-      <p:nvGrpSpPr>
-        <p:cNvPr id="1" name=""/>
-        <p:cNvGrpSpPr/>
-        <p:nvPr/>
-      </p:nvGrpSpPr>
-      <p:grpSpPr>
-        <a:xfrm>
-          <a:off x="0" y="0"/>
-          <a:ext cx="0" cy="0"/>
-          <a:chOff x="0" y="0"/>
-          <a:chExt cx="0" cy="0"/>
-        </a:xfrm>
-      </p:grpSpPr>
-      <p:sp>
-        <p:nvSpPr>
-          <p:cNvPr id="2" name="Título 1"/>
-          <p:cNvSpPr>
-            <a:spLocks noGrp="1"/>
-          </p:cNvSpPr>
-          <p:nvPr>
-            <p:ph type="title"/>
-          </p:nvPr>
-        </p:nvSpPr>
-        <p:spPr>
-          <a:xfrm>
-            <a:off x="1571888" y="852488"/>
-            <a:ext cx="9601200" cy="838200"/>
-          </a:xfrm>
-        </p:spPr>
-        <p:txBody>
-          <a:bodyPr>
-            <a:normAutofit/>
-          </a:bodyPr>
-          <a:lstStyle/>
-          <a:p>
-            <a:pPr algn="ctr"/>
-            <a:r>
-              <a:rPr lang="es-MX" sz="4000" b="1" dirty="0" smtClean="0"/>
-              <a:t>SOBRE LA EMPRESA</a:t>
-            </a:r>
-            <a:endParaRPr lang="es-MX" sz="4000" b="1" dirty="0"/>
-          </a:p>
-        </p:txBody>
-      </p:sp>
-      <p:sp>
-        <p:nvSpPr>
-          <p:cNvPr id="3" name="Marcador de contenido 2"/>
-          <p:cNvSpPr>
-            <a:spLocks noGrp="1"/>
-          </p:cNvSpPr>
-          <p:nvPr>
-            <p:ph idx="1"/>
-          </p:nvPr>
-        </p:nvSpPr>
-        <p:spPr>
-          <a:xfrm>
-            <a:off x="2623102" y="1690688"/>
-            <a:ext cx="8190041" cy="3358016"/>
-          </a:xfrm>
-        </p:spPr>
-        <p:txBody>
-          <a:bodyPr>
-            <a:noAutofit/>
-          </a:bodyPr>
-          <a:lstStyle/>
-          <a:p>
-            <a:pPr marL="0" indent="0" algn="just">
-              <a:lnSpc>
-                <a:spcPct val="150000"/>
-              </a:lnSpc>
-              <a:buNone/>
-            </a:pPr>
-            <a:r>
-              <a:rPr lang="es-MX" dirty="0"/>
-              <a:t>La panadería </a:t>
-            </a:r>
-            <a:r>
-              <a:rPr lang="es-MX" b="1" dirty="0"/>
-              <a:t>San Pedro</a:t>
-            </a:r>
-            <a:r>
-              <a:rPr lang="es-MX" dirty="0"/>
-              <a:t> se encuentra ubicada en esquina con </a:t>
-            </a:r>
-            <a:r>
-              <a:rPr lang="es-MX" dirty="0" smtClean="0"/>
-              <a:t>Calzada Salomón </a:t>
-            </a:r>
-            <a:r>
-              <a:rPr lang="es-MX" dirty="0"/>
-              <a:t>Gonzales y Puerto Madero en San Cristóbal de Las </a:t>
-            </a:r>
-            <a:r>
-              <a:rPr lang="es-MX" dirty="0" smtClean="0"/>
-              <a:t>Casas, y es </a:t>
-            </a:r>
-            <a:r>
-              <a:rPr lang="es-MX" dirty="0"/>
-              <a:t>una </a:t>
-            </a:r>
-            <a:r>
-              <a:rPr lang="es-MX" dirty="0" smtClean="0"/>
-              <a:t>empresa panificadora </a:t>
-            </a:r>
-            <a:r>
-              <a:rPr lang="es-MX" dirty="0"/>
-              <a:t>que se dedica a la venta de todo </a:t>
-            </a:r>
-            <a:r>
-              <a:rPr lang="es-MX" dirty="0" smtClean="0"/>
-              <a:t>lo relacionado  con la Industria del Pan. La organización </a:t>
-            </a:r>
-            <a:r>
-              <a:rPr lang="es-MX" dirty="0"/>
-              <a:t>cuenta con diferentes sucursales posicionados </a:t>
-            </a:r>
-            <a:r>
-              <a:rPr lang="es-MX" dirty="0" smtClean="0"/>
-              <a:t>de </a:t>
-            </a:r>
-            <a:r>
-              <a:rPr lang="es-MX" dirty="0"/>
-              <a:t>manera </a:t>
-            </a:r>
-            <a:r>
-              <a:rPr lang="es-MX" dirty="0" smtClean="0"/>
-              <a:t>estratégica en la ciudad y realiza ventas en mayoreo</a:t>
-            </a:r>
-            <a:r>
-              <a:rPr lang="es-MX" dirty="0"/>
-              <a:t>, menudeo y </a:t>
-            </a:r>
-            <a:r>
-              <a:rPr lang="es-MX" dirty="0" smtClean="0"/>
-              <a:t>ventas en rutas (que </a:t>
-            </a:r>
-            <a:r>
-              <a:rPr lang="es-MX" dirty="0"/>
-              <a:t>es un método muy sutil que consiste en la venta de productos por </a:t>
-            </a:r>
-            <a:r>
-              <a:rPr lang="es-MX" dirty="0" smtClean="0"/>
-              <a:t>rutas ya definidas por la empresa). </a:t>
-            </a:r>
-          </a:p>
-          <a:p>
-            <a:pPr marL="0" indent="0" algn="just">
-              <a:lnSpc>
-                <a:spcPct val="150000"/>
-              </a:lnSpc>
-              <a:buNone/>
-            </a:pPr>
-            <a:endParaRPr lang="es-MX" dirty="0" smtClean="0"/>
-          </a:p>
-          <a:p>
-            <a:pPr marL="0" indent="0" algn="just">
-              <a:lnSpc>
-                <a:spcPct val="150000"/>
-              </a:lnSpc>
-              <a:buNone/>
-            </a:pPr>
-            <a:endParaRPr lang="es-MX" b="1" dirty="0"/>
-          </a:p>
-        </p:txBody>
-      </p:sp>
-      <p:sp>
-        <p:nvSpPr>
-          <p:cNvPr id="10" name="Documento 3"/>
+          <p:cNvPr id="5" name="Documento 3"/>
           <p:cNvSpPr/>
           <p:nvPr/>
         </p:nvSpPr>
@@ -11450,14 +10885,14 @@
       </p:sp>
       <p:pic>
         <p:nvPicPr>
-          <p:cNvPr id="11" name="Imagen 53" descr="Logo_SM-ROOT"/>
+          <p:cNvPr id="6" name="Imagen 53" descr="Logo_SM-ROOT"/>
           <p:cNvPicPr>
             <a:picLocks noChangeAspect="1" noChangeArrowheads="1"/>
           </p:cNvPicPr>
           <p:nvPr/>
         </p:nvPicPr>
         <p:blipFill>
-          <a:blip r:embed="rId2" cstate="print">
+          <a:blip r:embed="rId3" cstate="print">
             <a:extLst>
               <a:ext uri="{28A0092B-C50C-407E-A947-70E740481C1C}">
                 <a14:useLocalDpi xmlns:a14="http://schemas.microsoft.com/office/drawing/2010/main" val="0"/>
@@ -11491,20 +10926,20 @@
       </p:pic>
       <p:pic>
         <p:nvPicPr>
-          <p:cNvPr id="12" name="Imagen 52" descr="Logo_SM-ROOT"/>
+          <p:cNvPr id="7" name="Imagen 52" descr="Logo_SM-ROOT"/>
           <p:cNvPicPr>
             <a:picLocks noChangeAspect="1" noChangeArrowheads="1"/>
           </p:cNvPicPr>
           <p:nvPr/>
         </p:nvPicPr>
         <p:blipFill>
-          <a:blip r:embed="rId3">
+          <a:blip r:embed="rId4">
             <a:grayscl/>
             <a:biLevel thresh="50000"/>
             <a:extLst>
               <a:ext uri="{BEBA8EAE-BF5A-486C-A8C5-ECC9F3942E4B}">
                 <a14:imgProps xmlns:a14="http://schemas.microsoft.com/office/drawing/2010/main">
-                  <a14:imgLayer r:embed="rId4">
+                  <a14:imgLayer r:embed="rId5">
                     <a14:imgEffect>
                       <a14:artisticPaintStrokes/>
                     </a14:imgEffect>
@@ -11543,14 +10978,14 @@
       </p:pic>
       <p:pic>
         <p:nvPicPr>
-          <p:cNvPr id="13" name="Imagen 54" descr="logo"/>
+          <p:cNvPr id="8" name="Imagen 54" descr="logo"/>
           <p:cNvPicPr>
             <a:picLocks noChangeAspect="1" noChangeArrowheads="1"/>
           </p:cNvPicPr>
           <p:nvPr/>
         </p:nvPicPr>
         <p:blipFill>
-          <a:blip r:embed="rId5" cstate="print">
+          <a:blip r:embed="rId6" cstate="print">
             <a:extLst>
               <a:ext uri="{28A0092B-C50C-407E-A947-70E740481C1C}">
                 <a14:useLocalDpi xmlns:a14="http://schemas.microsoft.com/office/drawing/2010/main" val="0"/>
@@ -11582,40 +11017,10 @@
           </a:extLst>
         </p:spPr>
       </p:pic>
-      <p:pic>
-        <p:nvPicPr>
-          <p:cNvPr id="16" name="Imagen 15"/>
-          <p:cNvPicPr>
-            <a:picLocks noChangeAspect="1"/>
-          </p:cNvPicPr>
-          <p:nvPr/>
-        </p:nvPicPr>
-        <p:blipFill>
-          <a:blip r:embed="rId6" cstate="print">
-            <a:extLst>
-              <a:ext uri="{28A0092B-C50C-407E-A947-70E740481C1C}">
-                <a14:useLocalDpi xmlns:a14="http://schemas.microsoft.com/office/drawing/2010/main" val="0"/>
-              </a:ext>
-            </a:extLst>
-          </a:blip>
-          <a:stretch>
-            <a:fillRect/>
-          </a:stretch>
-        </p:blipFill>
-        <p:spPr>
-          <a:xfrm>
-            <a:off x="5888904" y="5048704"/>
-            <a:ext cx="1658436" cy="1657742"/>
-          </a:xfrm>
-          <a:prstGeom prst="rect">
-            <a:avLst/>
-          </a:prstGeom>
-        </p:spPr>
-      </p:pic>
     </p:spTree>
     <p:extLst>
       <p:ext uri="{BB962C8B-B14F-4D97-AF65-F5344CB8AC3E}">
-        <p14:creationId xmlns:p14="http://schemas.microsoft.com/office/powerpoint/2010/main" val="1711206115"/>
+        <p14:creationId xmlns:p14="http://schemas.microsoft.com/office/powerpoint/2010/main" val="1184427947"/>
       </p:ext>
     </p:extLst>
   </p:cSld>
@@ -11632,7 +11037,7 @@
 </p:sld>
 </file>
 
-<file path=ppt/slides/slide4.xml><?xml version="1.0" encoding="utf-8"?>
+<file path=ppt/slides/slide25.xml><?xml version="1.0" encoding="utf-8"?>
 <p:sld xmlns:a="http://schemas.openxmlformats.org/drawingml/2006/main" xmlns:r="http://schemas.openxmlformats.org/officeDocument/2006/relationships" xmlns:p="http://schemas.openxmlformats.org/presentationml/2006/main">
   <p:cSld>
     <p:spTree>
@@ -11649,9 +11054,33 @@
           <a:chExt cx="0" cy="0"/>
         </a:xfrm>
       </p:grpSpPr>
+      <p:sp>
+        <p:nvSpPr>
+          <p:cNvPr id="2" name="Título 1"/>
+          <p:cNvSpPr>
+            <a:spLocks noGrp="1"/>
+          </p:cNvSpPr>
+          <p:nvPr>
+            <p:ph type="title"/>
+          </p:nvPr>
+        </p:nvSpPr>
+        <p:spPr/>
+        <p:txBody>
+          <a:bodyPr/>
+          <a:lstStyle/>
+          <a:p>
+            <a:pPr algn="ctr"/>
+            <a:r>
+              <a:rPr lang="es-MX" dirty="0" smtClean="0"/>
+              <a:t>ANEXOS</a:t>
+            </a:r>
+            <a:endParaRPr lang="es-MX" dirty="0"/>
+          </a:p>
+        </p:txBody>
+      </p:sp>
       <p:pic>
         <p:nvPicPr>
-          <p:cNvPr id="8" name="Marcador de contenido 7"/>
+          <p:cNvPr id="4" name="Marcador de contenido 3"/>
           <p:cNvPicPr>
             <a:picLocks noGrp="1" noChangeAspect="1"/>
           </p:cNvPicPr>
@@ -11660,54 +11089,27 @@
           </p:nvPr>
         </p:nvPicPr>
         <p:blipFill>
-          <a:blip r:embed="rId2"/>
+          <a:blip r:embed="rId2" cstate="print">
+            <a:extLst>
+              <a:ext uri="{28A0092B-C50C-407E-A947-70E740481C1C}">
+                <a14:useLocalDpi xmlns:a14="http://schemas.microsoft.com/office/drawing/2010/main" val="0"/>
+              </a:ext>
+            </a:extLst>
+          </a:blip>
           <a:stretch>
             <a:fillRect/>
           </a:stretch>
         </p:blipFill>
         <p:spPr>
           <a:xfrm>
-            <a:off x="1648543" y="1309431"/>
-            <a:ext cx="3487861" cy="3424189"/>
-          </a:xfrm>
-          <a:prstGeom prst="rect">
-            <a:avLst/>
-          </a:prstGeom>
+            <a:off x="2378588" y="2169013"/>
+            <a:ext cx="3120409" cy="4020526"/>
+          </a:xfrm>
         </p:spPr>
       </p:pic>
-      <p:sp>
-        <p:nvSpPr>
-          <p:cNvPr id="12" name="CuadroTexto 11"/>
-          <p:cNvSpPr txBox="1"/>
-          <p:nvPr/>
-        </p:nvSpPr>
-        <p:spPr>
-          <a:xfrm>
-            <a:off x="1746762" y="4789620"/>
-            <a:ext cx="3389642" cy="369332"/>
-          </a:xfrm>
-          <a:prstGeom prst="rect">
-            <a:avLst/>
-          </a:prstGeom>
-          <a:noFill/>
-        </p:spPr>
-        <p:txBody>
-          <a:bodyPr wrap="square" rtlCol="0">
-            <a:spAutoFit/>
-          </a:bodyPr>
-          <a:lstStyle/>
-          <a:p>
-            <a:r>
-              <a:rPr lang="es-MX" dirty="0" smtClean="0"/>
-              <a:t>Empresa Panadería San Pedro</a:t>
-            </a:r>
-            <a:endParaRPr lang="es-MX" dirty="0"/>
-          </a:p>
-        </p:txBody>
-      </p:sp>
       <p:pic>
         <p:nvPicPr>
-          <p:cNvPr id="19" name="Imagen 18"/>
+          <p:cNvPr id="5" name="Imagen 4"/>
           <p:cNvPicPr>
             <a:picLocks noChangeAspect="1"/>
           </p:cNvPicPr>
@@ -11727,111 +11129,14 @@
         </p:blipFill>
         <p:spPr>
           <a:xfrm>
-            <a:off x="8996936" y="1309432"/>
-            <a:ext cx="2531750" cy="3375666"/>
+            <a:off x="7321085" y="2169013"/>
+            <a:ext cx="3065634" cy="4017839"/>
           </a:xfrm>
           <a:prstGeom prst="rect">
             <a:avLst/>
           </a:prstGeom>
         </p:spPr>
       </p:pic>
-      <p:pic>
-        <p:nvPicPr>
-          <p:cNvPr id="20" name="Imagen 19"/>
-          <p:cNvPicPr>
-            <a:picLocks noChangeAspect="1"/>
-          </p:cNvPicPr>
-          <p:nvPr/>
-        </p:nvPicPr>
-        <p:blipFill>
-          <a:blip r:embed="rId4" cstate="print">
-            <a:extLst>
-              <a:ext uri="{28A0092B-C50C-407E-A947-70E740481C1C}">
-                <a14:useLocalDpi xmlns:a14="http://schemas.microsoft.com/office/drawing/2010/main" val="0"/>
-              </a:ext>
-            </a:extLst>
-          </a:blip>
-          <a:stretch>
-            <a:fillRect/>
-          </a:stretch>
-        </p:blipFill>
-        <p:spPr>
-          <a:xfrm>
-            <a:off x="5782599" y="1285170"/>
-            <a:ext cx="2568142" cy="3424189"/>
-          </a:xfrm>
-          <a:prstGeom prst="rect">
-            <a:avLst/>
-          </a:prstGeom>
-        </p:spPr>
-      </p:pic>
-      <p:sp>
-        <p:nvSpPr>
-          <p:cNvPr id="21" name="CuadroTexto 20"/>
-          <p:cNvSpPr txBox="1"/>
-          <p:nvPr/>
-        </p:nvSpPr>
-        <p:spPr>
-          <a:xfrm>
-            <a:off x="5936343" y="4733620"/>
-            <a:ext cx="5887528" cy="369332"/>
-          </a:xfrm>
-          <a:prstGeom prst="rect">
-            <a:avLst/>
-          </a:prstGeom>
-          <a:noFill/>
-        </p:spPr>
-        <p:txBody>
-          <a:bodyPr wrap="square" rtlCol="0">
-            <a:spAutoFit/>
-          </a:bodyPr>
-          <a:lstStyle/>
-          <a:p>
-            <a:r>
-              <a:rPr lang="es-MX" dirty="0" smtClean="0"/>
-              <a:t>El equipo de trabajo en las instalaciones de la Panadería.</a:t>
-            </a:r>
-            <a:endParaRPr lang="es-MX" dirty="0"/>
-          </a:p>
-        </p:txBody>
-      </p:sp>
-    </p:spTree>
-    <p:extLst>
-      <p:ext uri="{BB962C8B-B14F-4D97-AF65-F5344CB8AC3E}">
-        <p14:creationId xmlns:p14="http://schemas.microsoft.com/office/powerpoint/2010/main" val="1706208874"/>
-      </p:ext>
-    </p:extLst>
-  </p:cSld>
-  <p:clrMapOvr>
-    <a:masterClrMapping/>
-  </p:clrMapOvr>
-  <p:timing>
-    <p:tnLst>
-      <p:par>
-        <p:cTn id="1" dur="indefinite" restart="never" nodeType="tmRoot"/>
-      </p:par>
-    </p:tnLst>
-  </p:timing>
-</p:sld>
-</file>
-
-<file path=ppt/slides/slide5.xml><?xml version="1.0" encoding="utf-8"?>
-<p:sld xmlns:a="http://schemas.openxmlformats.org/drawingml/2006/main" xmlns:r="http://schemas.openxmlformats.org/officeDocument/2006/relationships" xmlns:p="http://schemas.openxmlformats.org/presentationml/2006/main">
-  <p:cSld>
-    <p:spTree>
-      <p:nvGrpSpPr>
-        <p:cNvPr id="1" name=""/>
-        <p:cNvGrpSpPr/>
-        <p:nvPr/>
-      </p:nvGrpSpPr>
-      <p:grpSpPr>
-        <a:xfrm>
-          <a:off x="0" y="0"/>
-          <a:ext cx="0" cy="0"/>
-          <a:chOff x="0" y="0"/>
-          <a:chExt cx="0" cy="0"/>
-        </a:xfrm>
-      </p:grpSpPr>
       <p:sp>
         <p:nvSpPr>
           <p:cNvPr id="6" name="CuadroTexto 5"/>
@@ -11840,8 +11145,8 @@
         </p:nvSpPr>
         <p:spPr>
           <a:xfrm>
-            <a:off x="3965339" y="454246"/>
-            <a:ext cx="4413719" cy="707886"/>
+            <a:off x="2245990" y="6192226"/>
+            <a:ext cx="3385607" cy="369332"/>
           </a:xfrm>
           <a:prstGeom prst="rect">
             <a:avLst/>
@@ -11849,27 +11154,52 @@
           <a:noFill/>
         </p:spPr>
         <p:txBody>
-          <a:bodyPr wrap="square" rtlCol="0">
+          <a:bodyPr wrap="none" rtlCol="0">
             <a:spAutoFit/>
           </a:bodyPr>
           <a:lstStyle/>
           <a:p>
-            <a:pPr algn="ctr"/>
-            <a:r>
-              <a:rPr lang="es-MX" sz="4000" dirty="0" smtClean="0"/>
-              <a:t>Análisis </a:t>
-            </a:r>
-            <a:r>
-              <a:rPr lang="es-MX" sz="4000" b="1" dirty="0" smtClean="0"/>
-              <a:t>FODA</a:t>
-            </a:r>
-            <a:endParaRPr lang="es-MX" sz="4000" b="1" dirty="0"/>
+            <a:r>
+              <a:rPr lang="es-MX" dirty="0" smtClean="0"/>
+              <a:t>Carta de aceptación del proyecto</a:t>
+            </a:r>
+            <a:endParaRPr lang="es-MX" dirty="0"/>
           </a:p>
         </p:txBody>
       </p:sp>
       <p:sp>
         <p:nvSpPr>
-          <p:cNvPr id="12" name="Documento 3"/>
+          <p:cNvPr id="7" name="CuadroTexto 6"/>
+          <p:cNvSpPr txBox="1"/>
+          <p:nvPr/>
+        </p:nvSpPr>
+        <p:spPr>
+          <a:xfrm>
+            <a:off x="6794866" y="6186852"/>
+            <a:ext cx="4023345" cy="369332"/>
+          </a:xfrm>
+          <a:prstGeom prst="rect">
+            <a:avLst/>
+          </a:prstGeom>
+          <a:noFill/>
+        </p:spPr>
+        <p:txBody>
+          <a:bodyPr wrap="none" rtlCol="0">
+            <a:spAutoFit/>
+          </a:bodyPr>
+          <a:lstStyle/>
+          <a:p>
+            <a:r>
+              <a:rPr lang="es-MX" dirty="0" smtClean="0"/>
+              <a:t>Carta de liberación y cierre del proyecto</a:t>
+            </a:r>
+            <a:endParaRPr lang="es-MX" dirty="0"/>
+          </a:p>
+        </p:txBody>
+      </p:sp>
+      <p:sp>
+        <p:nvSpPr>
+          <p:cNvPr id="8" name="Documento 3"/>
           <p:cNvSpPr/>
           <p:nvPr/>
         </p:nvSpPr>
@@ -12009,14 +11339,14 @@
       </p:sp>
       <p:pic>
         <p:nvPicPr>
-          <p:cNvPr id="13" name="Imagen 53" descr="Logo_SM-ROOT"/>
+          <p:cNvPr id="9" name="Imagen 53" descr="Logo_SM-ROOT"/>
           <p:cNvPicPr>
             <a:picLocks noChangeAspect="1" noChangeArrowheads="1"/>
           </p:cNvPicPr>
           <p:nvPr/>
         </p:nvPicPr>
         <p:blipFill>
-          <a:blip r:embed="rId2" cstate="print">
+          <a:blip r:embed="rId4" cstate="print">
             <a:extLst>
               <a:ext uri="{28A0092B-C50C-407E-A947-70E740481C1C}">
                 <a14:useLocalDpi xmlns:a14="http://schemas.microsoft.com/office/drawing/2010/main" val="0"/>
@@ -12050,20 +11380,20 @@
       </p:pic>
       <p:pic>
         <p:nvPicPr>
-          <p:cNvPr id="14" name="Imagen 52" descr="Logo_SM-ROOT"/>
+          <p:cNvPr id="10" name="Imagen 52" descr="Logo_SM-ROOT"/>
           <p:cNvPicPr>
             <a:picLocks noChangeAspect="1" noChangeArrowheads="1"/>
           </p:cNvPicPr>
           <p:nvPr/>
         </p:nvPicPr>
         <p:blipFill>
-          <a:blip r:embed="rId3">
+          <a:blip r:embed="rId5">
             <a:grayscl/>
             <a:biLevel thresh="50000"/>
             <a:extLst>
               <a:ext uri="{BEBA8EAE-BF5A-486C-A8C5-ECC9F3942E4B}">
                 <a14:imgProps xmlns:a14="http://schemas.microsoft.com/office/drawing/2010/main">
-                  <a14:imgLayer r:embed="rId4">
+                  <a14:imgLayer r:embed="rId6">
                     <a14:imgEffect>
                       <a14:artisticPaintStrokes/>
                     </a14:imgEffect>
@@ -12102,14 +11432,14 @@
       </p:pic>
       <p:pic>
         <p:nvPicPr>
-          <p:cNvPr id="15" name="Imagen 54" descr="logo"/>
+          <p:cNvPr id="11" name="Imagen 54" descr="logo"/>
           <p:cNvPicPr>
             <a:picLocks noChangeAspect="1" noChangeArrowheads="1"/>
           </p:cNvPicPr>
           <p:nvPr/>
         </p:nvPicPr>
         <p:blipFill>
-          <a:blip r:embed="rId5" cstate="print">
+          <a:blip r:embed="rId7" cstate="print">
             <a:extLst>
               <a:ext uri="{28A0092B-C50C-407E-A947-70E740481C1C}">
                 <a14:useLocalDpi xmlns:a14="http://schemas.microsoft.com/office/drawing/2010/main" val="0"/>
@@ -12141,53 +11471,20 @@
           </a:extLst>
         </p:spPr>
       </p:pic>
-      <p:pic>
-        <p:nvPicPr>
-          <p:cNvPr id="4" name="Marcador de contenido 3"/>
-          <p:cNvPicPr>
-            <a:picLocks noGrp="1" noChangeAspect="1"/>
-          </p:cNvPicPr>
-          <p:nvPr>
-            <p:ph idx="1"/>
-          </p:nvPr>
-        </p:nvPicPr>
-        <p:blipFill>
-          <a:blip r:embed="rId6"/>
-          <a:stretch>
-            <a:fillRect/>
-          </a:stretch>
-        </p:blipFill>
-        <p:spPr>
-          <a:xfrm>
-            <a:off x="1915964" y="1388933"/>
-            <a:ext cx="8512467" cy="4988788"/>
-          </a:xfrm>
-          <a:prstGeom prst="rect">
-            <a:avLst/>
-          </a:prstGeom>
-        </p:spPr>
-      </p:pic>
     </p:spTree>
     <p:extLst>
       <p:ext uri="{BB962C8B-B14F-4D97-AF65-F5344CB8AC3E}">
-        <p14:creationId xmlns:p14="http://schemas.microsoft.com/office/powerpoint/2010/main" val="234259211"/>
+        <p14:creationId xmlns:p14="http://schemas.microsoft.com/office/powerpoint/2010/main" val="1675596822"/>
       </p:ext>
     </p:extLst>
   </p:cSld>
   <p:clrMapOvr>
     <a:masterClrMapping/>
   </p:clrMapOvr>
-  <p:timing>
-    <p:tnLst>
-      <p:par>
-        <p:cTn id="1" dur="indefinite" restart="never" nodeType="tmRoot"/>
-      </p:par>
-    </p:tnLst>
-  </p:timing>
 </p:sld>
 </file>
 
-<file path=ppt/slides/slide6.xml><?xml version="1.0" encoding="utf-8"?>
+<file path=ppt/slides/slide26.xml><?xml version="1.0" encoding="utf-8"?>
 <p:sld xmlns:a="http://schemas.openxmlformats.org/drawingml/2006/main" xmlns:r="http://schemas.openxmlformats.org/officeDocument/2006/relationships" xmlns:p="http://schemas.openxmlformats.org/presentationml/2006/main">
   <p:cSld>
     <p:spTree>
@@ -12204,72 +11501,98 @@
           <a:chExt cx="0" cy="0"/>
         </a:xfrm>
       </p:grpSpPr>
-      <p:sp>
-        <p:nvSpPr>
-          <p:cNvPr id="2" name="Título 1"/>
-          <p:cNvSpPr>
-            <a:spLocks noGrp="1"/>
-          </p:cNvSpPr>
-          <p:nvPr>
-            <p:ph type="title"/>
-          </p:nvPr>
-        </p:nvSpPr>
-        <p:spPr/>
-        <p:txBody>
-          <a:bodyPr>
-            <a:normAutofit/>
-          </a:bodyPr>
-          <a:lstStyle/>
-          <a:p>
-            <a:pPr algn="ctr"/>
-            <a:r>
-              <a:rPr lang="es-MX" sz="4000" b="1" dirty="0" smtClean="0"/>
-              <a:t>ORGANIGRAMA</a:t>
-            </a:r>
-            <a:endParaRPr lang="es-MX" sz="4000" b="1" dirty="0"/>
-          </a:p>
-        </p:txBody>
-      </p:sp>
       <p:pic>
         <p:nvPicPr>
-          <p:cNvPr id="4" name="Marcador de contenido 3" descr="C:\Users\FRANC\Desktop\Diagrama1.jpeg"/>
+          <p:cNvPr id="4" name="Marcador de contenido 3"/>
           <p:cNvPicPr>
-            <a:picLocks noGrp="1"/>
+            <a:picLocks noGrp="1" noChangeAspect="1"/>
           </p:cNvPicPr>
           <p:nvPr>
             <p:ph idx="1"/>
           </p:nvPr>
         </p:nvPicPr>
         <p:blipFill>
-          <a:blip r:embed="rId2">
+          <a:blip r:embed="rId2" cstate="print">
             <a:extLst>
               <a:ext uri="{28A0092B-C50C-407E-A947-70E740481C1C}">
                 <a14:useLocalDpi xmlns:a14="http://schemas.microsoft.com/office/drawing/2010/main" val="0"/>
               </a:ext>
             </a:extLst>
           </a:blip>
-          <a:srcRect/>
           <a:stretch>
             <a:fillRect/>
           </a:stretch>
         </p:blipFill>
-        <p:spPr bwMode="auto">
-          <a:xfrm>
-            <a:off x="1044053" y="2171700"/>
-            <a:ext cx="10256293" cy="3885869"/>
+        <p:spPr>
+          <a:xfrm>
+            <a:off x="6204796" y="647700"/>
+            <a:ext cx="2769448" cy="3581400"/>
+          </a:xfrm>
+        </p:spPr>
+      </p:pic>
+      <p:pic>
+        <p:nvPicPr>
+          <p:cNvPr id="5" name="Imagen 4"/>
+          <p:cNvPicPr>
+            <a:picLocks noChangeAspect="1"/>
+          </p:cNvPicPr>
+          <p:nvPr/>
+        </p:nvPicPr>
+        <p:blipFill>
+          <a:blip r:embed="rId3" cstate="print">
+            <a:extLst>
+              <a:ext uri="{28A0092B-C50C-407E-A947-70E740481C1C}">
+                <a14:useLocalDpi xmlns:a14="http://schemas.microsoft.com/office/drawing/2010/main" val="0"/>
+              </a:ext>
+            </a:extLst>
+          </a:blip>
+          <a:stretch>
+            <a:fillRect/>
+          </a:stretch>
+        </p:blipFill>
+        <p:spPr>
+          <a:xfrm>
+            <a:off x="2984420" y="647700"/>
+            <a:ext cx="2797346" cy="3581400"/>
           </a:xfrm>
           <a:prstGeom prst="rect">
             <a:avLst/>
           </a:prstGeom>
-          <a:noFill/>
-          <a:ln>
-            <a:noFill/>
-          </a:ln>
         </p:spPr>
       </p:pic>
       <p:sp>
         <p:nvSpPr>
-          <p:cNvPr id="9" name="Documento 3"/>
+          <p:cNvPr id="6" name="CuadroTexto 5"/>
+          <p:cNvSpPr txBox="1"/>
+          <p:nvPr/>
+        </p:nvSpPr>
+        <p:spPr>
+          <a:xfrm>
+            <a:off x="3739726" y="4290060"/>
+            <a:ext cx="4930140" cy="369332"/>
+          </a:xfrm>
+          <a:prstGeom prst="rect">
+            <a:avLst/>
+          </a:prstGeom>
+          <a:noFill/>
+        </p:spPr>
+        <p:txBody>
+          <a:bodyPr wrap="square" rtlCol="0">
+            <a:spAutoFit/>
+          </a:bodyPr>
+          <a:lstStyle/>
+          <a:p>
+            <a:r>
+              <a:rPr lang="es-MX" dirty="0" smtClean="0"/>
+              <a:t>Minuta de finalización y cierre de proyecto.</a:t>
+            </a:r>
+            <a:endParaRPr lang="es-MX" dirty="0"/>
+          </a:p>
+        </p:txBody>
+      </p:sp>
+      <p:sp>
+        <p:nvSpPr>
+          <p:cNvPr id="7" name="Documento 3"/>
           <p:cNvSpPr/>
           <p:nvPr/>
         </p:nvSpPr>
@@ -12409,14 +11732,14 @@
       </p:sp>
       <p:pic>
         <p:nvPicPr>
-          <p:cNvPr id="10" name="Imagen 53" descr="Logo_SM-ROOT"/>
+          <p:cNvPr id="8" name="Imagen 53" descr="Logo_SM-ROOT"/>
           <p:cNvPicPr>
             <a:picLocks noChangeAspect="1" noChangeArrowheads="1"/>
           </p:cNvPicPr>
           <p:nvPr/>
         </p:nvPicPr>
         <p:blipFill>
-          <a:blip r:embed="rId3" cstate="print">
+          <a:blip r:embed="rId4" cstate="print">
             <a:extLst>
               <a:ext uri="{28A0092B-C50C-407E-A947-70E740481C1C}">
                 <a14:useLocalDpi xmlns:a14="http://schemas.microsoft.com/office/drawing/2010/main" val="0"/>
@@ -12450,20 +11773,20 @@
       </p:pic>
       <p:pic>
         <p:nvPicPr>
-          <p:cNvPr id="11" name="Imagen 52" descr="Logo_SM-ROOT"/>
+          <p:cNvPr id="9" name="Imagen 52" descr="Logo_SM-ROOT"/>
           <p:cNvPicPr>
             <a:picLocks noChangeAspect="1" noChangeArrowheads="1"/>
           </p:cNvPicPr>
           <p:nvPr/>
         </p:nvPicPr>
         <p:blipFill>
-          <a:blip r:embed="rId4">
+          <a:blip r:embed="rId5">
             <a:grayscl/>
             <a:biLevel thresh="50000"/>
             <a:extLst>
               <a:ext uri="{BEBA8EAE-BF5A-486C-A8C5-ECC9F3942E4B}">
                 <a14:imgProps xmlns:a14="http://schemas.microsoft.com/office/drawing/2010/main">
-                  <a14:imgLayer r:embed="rId5">
+                  <a14:imgLayer r:embed="rId6">
                     <a14:imgEffect>
                       <a14:artisticPaintStrokes/>
                     </a14:imgEffect>
@@ -12502,14 +11825,14 @@
       </p:pic>
       <p:pic>
         <p:nvPicPr>
-          <p:cNvPr id="12" name="Imagen 54" descr="logo"/>
+          <p:cNvPr id="10" name="Imagen 54" descr="logo"/>
           <p:cNvPicPr>
             <a:picLocks noChangeAspect="1" noChangeArrowheads="1"/>
           </p:cNvPicPr>
           <p:nvPr/>
         </p:nvPicPr>
         <p:blipFill>
-          <a:blip r:embed="rId6" cstate="print">
+          <a:blip r:embed="rId7" cstate="print">
             <a:extLst>
               <a:ext uri="{28A0092B-C50C-407E-A947-70E740481C1C}">
                 <a14:useLocalDpi xmlns:a14="http://schemas.microsoft.com/office/drawing/2010/main" val="0"/>
@@ -12544,24 +11867,17 @@
     </p:spTree>
     <p:extLst>
       <p:ext uri="{BB962C8B-B14F-4D97-AF65-F5344CB8AC3E}">
-        <p14:creationId xmlns:p14="http://schemas.microsoft.com/office/powerpoint/2010/main" val="576528580"/>
+        <p14:creationId xmlns:p14="http://schemas.microsoft.com/office/powerpoint/2010/main" val="4018782445"/>
       </p:ext>
     </p:extLst>
   </p:cSld>
   <p:clrMapOvr>
     <a:masterClrMapping/>
   </p:clrMapOvr>
-  <p:timing>
-    <p:tnLst>
-      <p:par>
-        <p:cTn id="1" dur="indefinite" restart="never" nodeType="tmRoot"/>
-      </p:par>
-    </p:tnLst>
-  </p:timing>
 </p:sld>
 </file>
 
-<file path=ppt/slides/slide7.xml><?xml version="1.0" encoding="utf-8"?>
+<file path=ppt/slides/slide27.xml><?xml version="1.0" encoding="utf-8"?>
 <p:sld xmlns:a="http://schemas.openxmlformats.org/drawingml/2006/main" xmlns:r="http://schemas.openxmlformats.org/officeDocument/2006/relationships" xmlns:p="http://schemas.openxmlformats.org/presentationml/2006/main">
   <p:cSld>
     <p:spTree>
@@ -12578,172 +11894,128 @@
           <a:chExt cx="0" cy="0"/>
         </a:xfrm>
       </p:grpSpPr>
+      <p:pic>
+        <p:nvPicPr>
+          <p:cNvPr id="4" name="Marcador de contenido 3"/>
+          <p:cNvPicPr>
+            <a:picLocks noGrp="1" noChangeAspect="1"/>
+          </p:cNvPicPr>
+          <p:nvPr>
+            <p:ph idx="1"/>
+          </p:nvPr>
+        </p:nvPicPr>
+        <p:blipFill>
+          <a:blip r:embed="rId2" cstate="print">
+            <a:extLst>
+              <a:ext uri="{28A0092B-C50C-407E-A947-70E740481C1C}">
+                <a14:useLocalDpi xmlns:a14="http://schemas.microsoft.com/office/drawing/2010/main" val="0"/>
+              </a:ext>
+            </a:extLst>
+          </a:blip>
+          <a:stretch>
+            <a:fillRect/>
+          </a:stretch>
+        </p:blipFill>
+        <p:spPr>
+          <a:xfrm>
+            <a:off x="4639731" y="833716"/>
+            <a:ext cx="3662438" cy="2746828"/>
+          </a:xfrm>
+        </p:spPr>
+      </p:pic>
+      <p:pic>
+        <p:nvPicPr>
+          <p:cNvPr id="5" name="Imagen 4"/>
+          <p:cNvPicPr>
+            <a:picLocks noChangeAspect="1"/>
+          </p:cNvPicPr>
+          <p:nvPr/>
+        </p:nvPicPr>
+        <p:blipFill>
+          <a:blip r:embed="rId3" cstate="print">
+            <a:extLst>
+              <a:ext uri="{28A0092B-C50C-407E-A947-70E740481C1C}">
+                <a14:useLocalDpi xmlns:a14="http://schemas.microsoft.com/office/drawing/2010/main" val="0"/>
+              </a:ext>
+            </a:extLst>
+          </a:blip>
+          <a:stretch>
+            <a:fillRect/>
+          </a:stretch>
+        </p:blipFill>
+        <p:spPr>
+          <a:xfrm>
+            <a:off x="7477780" y="4194630"/>
+            <a:ext cx="3280227" cy="2460170"/>
+          </a:xfrm>
+          <a:prstGeom prst="rect">
+            <a:avLst/>
+          </a:prstGeom>
+        </p:spPr>
+      </p:pic>
+      <p:pic>
+        <p:nvPicPr>
+          <p:cNvPr id="6" name="Imagen 5"/>
+          <p:cNvPicPr>
+            <a:picLocks noChangeAspect="1"/>
+          </p:cNvPicPr>
+          <p:nvPr/>
+        </p:nvPicPr>
+        <p:blipFill>
+          <a:blip r:embed="rId4" cstate="print">
+            <a:extLst>
+              <a:ext uri="{28A0092B-C50C-407E-A947-70E740481C1C}">
+                <a14:useLocalDpi xmlns:a14="http://schemas.microsoft.com/office/drawing/2010/main" val="0"/>
+              </a:ext>
+            </a:extLst>
+          </a:blip>
+          <a:stretch>
+            <a:fillRect/>
+          </a:stretch>
+        </p:blipFill>
+        <p:spPr>
+          <a:xfrm>
+            <a:off x="2183895" y="4194630"/>
+            <a:ext cx="3280227" cy="2460170"/>
+          </a:xfrm>
+          <a:prstGeom prst="rect">
+            <a:avLst/>
+          </a:prstGeom>
+        </p:spPr>
+      </p:pic>
       <p:sp>
         <p:nvSpPr>
-          <p:cNvPr id="2" name="Título 1"/>
-          <p:cNvSpPr>
-            <a:spLocks noGrp="1"/>
-          </p:cNvSpPr>
-          <p:nvPr>
-            <p:ph type="title"/>
-          </p:nvPr>
+          <p:cNvPr id="7" name="CuadroTexto 6"/>
+          <p:cNvSpPr txBox="1"/>
+          <p:nvPr/>
         </p:nvSpPr>
-        <p:spPr/>
+        <p:spPr>
+          <a:xfrm>
+            <a:off x="3824008" y="3702921"/>
+            <a:ext cx="5293885" cy="369332"/>
+          </a:xfrm>
+          <a:prstGeom prst="rect">
+            <a:avLst/>
+          </a:prstGeom>
+          <a:noFill/>
+        </p:spPr>
         <p:txBody>
-          <a:bodyPr>
-            <a:normAutofit/>
+          <a:bodyPr wrap="none" rtlCol="0">
+            <a:spAutoFit/>
           </a:bodyPr>
           <a:lstStyle/>
           <a:p>
-            <a:pPr algn="ctr"/>
-            <a:r>
-              <a:rPr lang="es-MX" sz="4000" b="1" dirty="0" smtClean="0"/>
-              <a:t>PLANTEAMIENTO DEL PROBLEMA</a:t>
-            </a:r>
-            <a:endParaRPr lang="es-MX" sz="4000" b="1" dirty="0"/>
+            <a:r>
+              <a:rPr lang="es-MX" dirty="0" smtClean="0"/>
+              <a:t>Capacitación a Usuarios Administrativos de empresa</a:t>
+            </a:r>
+            <a:endParaRPr lang="es-MX" dirty="0"/>
           </a:p>
         </p:txBody>
       </p:sp>
       <p:sp>
         <p:nvSpPr>
-          <p:cNvPr id="3" name="Marcador de contenido 2"/>
-          <p:cNvSpPr>
-            <a:spLocks noGrp="1"/>
-          </p:cNvSpPr>
-          <p:nvPr>
-            <p:ph idx="1"/>
-          </p:nvPr>
-        </p:nvSpPr>
-        <p:spPr>
-          <a:xfrm>
-            <a:off x="1946275" y="1618345"/>
-            <a:ext cx="8591096" cy="3581400"/>
-          </a:xfrm>
-        </p:spPr>
-        <p:txBody>
-          <a:bodyPr>
-            <a:normAutofit/>
-          </a:bodyPr>
-          <a:lstStyle/>
-          <a:p>
-            <a:pPr marL="0" indent="0" algn="just">
-              <a:lnSpc>
-                <a:spcPct val="150000"/>
-              </a:lnSpc>
-              <a:buNone/>
-            </a:pPr>
-            <a:r>
-              <a:rPr lang="es-MX" dirty="0"/>
-              <a:t>La panadería </a:t>
-            </a:r>
-            <a:r>
-              <a:rPr lang="es-MX" b="1" dirty="0"/>
-              <a:t>San </a:t>
-            </a:r>
-            <a:r>
-              <a:rPr lang="es-MX" b="1" dirty="0" smtClean="0"/>
-              <a:t>Pedro</a:t>
-            </a:r>
-            <a:r>
-              <a:rPr lang="es-MX" dirty="0" smtClean="0"/>
-              <a:t> es una empresa grande con una trayectoria de años en el mercado. No obstante, </a:t>
-            </a:r>
-            <a:r>
-              <a:rPr lang="es-MX" dirty="0"/>
-              <a:t>con el tiempo no se ha podido actualizar </a:t>
-            </a:r>
-            <a:r>
-              <a:rPr lang="es-MX" dirty="0" smtClean="0"/>
-              <a:t>en tecnologías, por </a:t>
-            </a:r>
-            <a:r>
-              <a:rPr lang="es-MX" dirty="0"/>
-              <a:t>lo consiguiente </a:t>
-            </a:r>
-            <a:r>
-              <a:rPr lang="es-MX" dirty="0" smtClean="0"/>
-              <a:t>maneja todo </a:t>
-            </a:r>
-            <a:r>
-              <a:rPr lang="es-MX" dirty="0"/>
-              <a:t>el control </a:t>
-            </a:r>
-            <a:r>
-              <a:rPr lang="es-MX" dirty="0" smtClean="0"/>
-              <a:t>de  inventarios</a:t>
-            </a:r>
-            <a:r>
-              <a:rPr lang="es-MX" dirty="0"/>
-              <a:t>, </a:t>
-            </a:r>
-            <a:r>
-              <a:rPr lang="es-MX" dirty="0" smtClean="0"/>
-              <a:t>ventas, compras</a:t>
-            </a:r>
-            <a:r>
-              <a:rPr lang="es-MX" dirty="0"/>
-              <a:t>, suministros, registros de </a:t>
-            </a:r>
-            <a:r>
-              <a:rPr lang="es-MX" dirty="0" smtClean="0"/>
-              <a:t>entradas, salidas y rutas </a:t>
-            </a:r>
-            <a:r>
-              <a:rPr lang="es-MX" dirty="0"/>
-              <a:t>en hojas de </a:t>
-            </a:r>
-            <a:r>
-              <a:rPr lang="es-MX" dirty="0" smtClean="0"/>
-              <a:t>Excel. Esta forma de trabajar es un </a:t>
-            </a:r>
-            <a:r>
-              <a:rPr lang="es-MX" dirty="0" smtClean="0"/>
-              <a:t>poco ambigua </a:t>
-            </a:r>
-            <a:r>
-              <a:rPr lang="es-MX" dirty="0" smtClean="0"/>
-              <a:t>ya que es muy susceptible a que existan </a:t>
-            </a:r>
-            <a:r>
-              <a:rPr lang="es-MX" dirty="0" smtClean="0"/>
-              <a:t>perdidas,  debido a que la </a:t>
-            </a:r>
-            <a:r>
-              <a:rPr lang="es-MX" dirty="0" smtClean="0"/>
-              <a:t>información no siempre es exacta ni fiable, lo que compromete a la empresa a tener perdidas</a:t>
-            </a:r>
-            <a:r>
-              <a:rPr lang="es-MX" dirty="0"/>
-              <a:t> </a:t>
-            </a:r>
-            <a:r>
-              <a:rPr lang="es-MX" dirty="0" smtClean="0"/>
-              <a:t>en materiales y productos.</a:t>
-            </a:r>
-          </a:p>
-          <a:p>
-            <a:pPr marL="0" indent="0" algn="just">
-              <a:lnSpc>
-                <a:spcPct val="150000"/>
-              </a:lnSpc>
-              <a:buNone/>
-            </a:pPr>
-            <a:endParaRPr lang="es-MX" dirty="0"/>
-          </a:p>
-          <a:p>
-            <a:pPr marL="0" indent="0" algn="just">
-              <a:lnSpc>
-                <a:spcPct val="150000"/>
-              </a:lnSpc>
-              <a:buNone/>
-            </a:pPr>
-            <a:endParaRPr lang="es-MX" dirty="0"/>
-          </a:p>
-        </p:txBody>
-      </p:sp>
-      <p:sp>
-        <p:nvSpPr>
-          <p:cNvPr id="4" name="Documento 3"/>
+          <p:cNvPr id="8" name="Documento 3"/>
           <p:cNvSpPr/>
           <p:nvPr/>
         </p:nvSpPr>
@@ -12883,14 +12155,14 @@
       </p:sp>
       <p:pic>
         <p:nvPicPr>
-          <p:cNvPr id="5" name="Imagen 53" descr="Logo_SM-ROOT"/>
+          <p:cNvPr id="9" name="Imagen 53" descr="Logo_SM-ROOT"/>
           <p:cNvPicPr>
             <a:picLocks noChangeAspect="1" noChangeArrowheads="1"/>
           </p:cNvPicPr>
           <p:nvPr/>
         </p:nvPicPr>
         <p:blipFill>
-          <a:blip r:embed="rId2" cstate="print">
+          <a:blip r:embed="rId5" cstate="print">
             <a:extLst>
               <a:ext uri="{28A0092B-C50C-407E-A947-70E740481C1C}">
                 <a14:useLocalDpi xmlns:a14="http://schemas.microsoft.com/office/drawing/2010/main" val="0"/>
@@ -12924,20 +12196,20 @@
       </p:pic>
       <p:pic>
         <p:nvPicPr>
-          <p:cNvPr id="6" name="Imagen 52" descr="Logo_SM-ROOT"/>
+          <p:cNvPr id="10" name="Imagen 52" descr="Logo_SM-ROOT"/>
           <p:cNvPicPr>
             <a:picLocks noChangeAspect="1" noChangeArrowheads="1"/>
           </p:cNvPicPr>
           <p:nvPr/>
         </p:nvPicPr>
         <p:blipFill>
-          <a:blip r:embed="rId3">
+          <a:blip r:embed="rId6">
             <a:grayscl/>
             <a:biLevel thresh="50000"/>
             <a:extLst>
               <a:ext uri="{BEBA8EAE-BF5A-486C-A8C5-ECC9F3942E4B}">
                 <a14:imgProps xmlns:a14="http://schemas.microsoft.com/office/drawing/2010/main">
-                  <a14:imgLayer r:embed="rId4">
+                  <a14:imgLayer r:embed="rId7">
                     <a14:imgEffect>
                       <a14:artisticPaintStrokes/>
                     </a14:imgEffect>
@@ -12976,14 +12248,14 @@
       </p:pic>
       <p:pic>
         <p:nvPicPr>
-          <p:cNvPr id="7" name="Imagen 54" descr="logo"/>
+          <p:cNvPr id="11" name="Imagen 54" descr="logo"/>
           <p:cNvPicPr>
             <a:picLocks noChangeAspect="1" noChangeArrowheads="1"/>
           </p:cNvPicPr>
           <p:nvPr/>
         </p:nvPicPr>
         <p:blipFill>
-          <a:blip r:embed="rId5" cstate="print">
+          <a:blip r:embed="rId8" cstate="print">
             <a:extLst>
               <a:ext uri="{28A0092B-C50C-407E-A947-70E740481C1C}">
                 <a14:useLocalDpi xmlns:a14="http://schemas.microsoft.com/office/drawing/2010/main" val="0"/>
@@ -13018,7 +12290,7 @@
     </p:spTree>
     <p:extLst>
       <p:ext uri="{BB962C8B-B14F-4D97-AF65-F5344CB8AC3E}">
-        <p14:creationId xmlns:p14="http://schemas.microsoft.com/office/powerpoint/2010/main" val="3201415638"/>
+        <p14:creationId xmlns:p14="http://schemas.microsoft.com/office/powerpoint/2010/main" val="1433499742"/>
       </p:ext>
     </p:extLst>
   </p:cSld>
@@ -13035,7 +12307,7 @@
 </p:sld>
 </file>
 
-<file path=ppt/slides/slide8.xml><?xml version="1.0" encoding="utf-8"?>
+<file path=ppt/slides/slide3.xml><?xml version="1.0" encoding="utf-8"?>
 <p:sld xmlns:a="http://schemas.openxmlformats.org/drawingml/2006/main" xmlns:r="http://schemas.openxmlformats.org/officeDocument/2006/relationships" xmlns:p="http://schemas.openxmlformats.org/presentationml/2006/main">
   <p:cSld>
     <p:spTree>
@@ -13062,17 +12334,24 @@
             <p:ph type="title"/>
           </p:nvPr>
         </p:nvSpPr>
-        <p:spPr/>
+        <p:spPr>
+          <a:xfrm>
+            <a:off x="1571888" y="852488"/>
+            <a:ext cx="9601200" cy="838200"/>
+          </a:xfrm>
+        </p:spPr>
         <p:txBody>
-          <a:bodyPr/>
+          <a:bodyPr>
+            <a:normAutofit/>
+          </a:bodyPr>
           <a:lstStyle/>
           <a:p>
             <a:pPr algn="ctr"/>
             <a:r>
               <a:rPr lang="es-MX" sz="4000" b="1" dirty="0" smtClean="0"/>
-              <a:t>JUSTIFICACIÓN</a:t>
-            </a:r>
-            <a:endParaRPr lang="es-MX" b="1" dirty="0"/>
+              <a:t>SOBRE LA EMPRESA</a:t>
+            </a:r>
+            <a:endParaRPr lang="es-MX" sz="4000" b="1" dirty="0"/>
           </a:p>
         </p:txBody>
       </p:sp>
@@ -13088,13 +12367,13 @@
         </p:nvSpPr>
         <p:spPr>
           <a:xfrm>
-            <a:off x="1379197" y="1784595"/>
-            <a:ext cx="10101603" cy="3803403"/>
+            <a:off x="2623102" y="1690688"/>
+            <a:ext cx="8190041" cy="3358016"/>
           </a:xfrm>
         </p:spPr>
         <p:txBody>
           <a:bodyPr>
-            <a:normAutofit/>
+            <a:noAutofit/>
           </a:bodyPr>
           <a:lstStyle/>
           <a:p>
@@ -13105,96 +12384,101 @@
               <a:buNone/>
             </a:pPr>
             <a:r>
+              <a:rPr lang="es-MX" dirty="0"/>
+              <a:t>La panadería </a:t>
+            </a:r>
+            <a:r>
+              <a:rPr lang="es-MX" b="1" dirty="0"/>
+              <a:t>San Pedro</a:t>
+            </a:r>
+            <a:r>
+              <a:rPr lang="es-MX" dirty="0"/>
+              <a:t> se encuentra ubicada en esquina con </a:t>
+            </a:r>
+            <a:r>
               <a:rPr lang="es-MX" dirty="0" smtClean="0"/>
-              <a:t>La empresa panadería </a:t>
-            </a:r>
-            <a:r>
-              <a:rPr lang="es-MX" b="1" dirty="0" smtClean="0"/>
-              <a:t>San Pedro</a:t>
+              <a:t>Calzada Salomón </a:t>
+            </a:r>
+            <a:r>
+              <a:rPr lang="es-MX" dirty="0"/>
+              <a:t>Gonzales y Puerto Madero en San Cristóbal de Las </a:t>
             </a:r>
             <a:r>
               <a:rPr lang="es-MX" dirty="0" smtClean="0"/>
-              <a:t> carece de un control inteligente para administrar sus departamentos, </a:t>
+              <a:t>Casas, y es </a:t>
             </a:r>
             <a:r>
               <a:rPr lang="es-MX" dirty="0"/>
-              <a:t>inventarios, </a:t>
+              <a:t>una </a:t>
             </a:r>
             <a:r>
               <a:rPr lang="es-MX" dirty="0" smtClean="0"/>
-              <a:t>ventas, compras</a:t>
+              <a:t>empresa panificadora </a:t>
             </a:r>
             <a:r>
               <a:rPr lang="es-MX" dirty="0"/>
-              <a:t>, suministros, registros </a:t>
+              <a:t>que se dedica a la venta de todo </a:t>
+            </a:r>
+            <a:r>
+              <a:rPr lang="es-MX" dirty="0" smtClean="0"/>
+              <a:t>lo relacionado  con la Industria del Pan. La organización </a:t>
+            </a:r>
+            <a:r>
+              <a:rPr lang="es-MX" dirty="0"/>
+              <a:t>cuenta con diferentes sucursales posicionados </a:t>
             </a:r>
             <a:r>
               <a:rPr lang="es-MX" dirty="0" smtClean="0"/>
               <a:t>de </a:t>
             </a:r>
             <a:r>
+              <a:rPr lang="es-MX" dirty="0"/>
+              <a:t>manera </a:t>
+            </a:r>
+            <a:r>
               <a:rPr lang="es-MX" dirty="0" smtClean="0"/>
-              <a:t>información entradas</a:t>
+              <a:t>estratégica en la ciudad y realiza ventas en mayoreo</a:t>
             </a:r>
             <a:r>
               <a:rPr lang="es-MX" dirty="0"/>
-              <a:t>, salidas y </a:t>
+              <a:t>, menudeo y </a:t>
             </a:r>
             <a:r>
               <a:rPr lang="es-MX" dirty="0" smtClean="0"/>
-              <a:t>rutas. Por lo que es muy común que existan perdidas  de </a:t>
+              <a:t>ventas en rutas (que </a:t>
+            </a:r>
+            <a:r>
+              <a:rPr lang="es-MX" dirty="0"/>
+              <a:t>es un método muy sutil que consiste en la venta de productos por </a:t>
             </a:r>
             <a:r>
               <a:rPr lang="es-MX" dirty="0" smtClean="0"/>
-              <a:t>información, con el </a:t>
-            </a:r>
-            <a:r>
-              <a:rPr lang="es-MX" dirty="0" smtClean="0"/>
-              <a:t>desarrollo de una aplicación móvil que permita conocer los estados de cada </a:t>
-            </a:r>
-            <a:r>
-              <a:rPr lang="es-MX" dirty="0" smtClean="0"/>
-              <a:t>módulo </a:t>
-            </a:r>
-            <a:r>
-              <a:rPr lang="es-MX" dirty="0" smtClean="0"/>
-              <a:t>y departamento de la empresa, será una forma para mejorar la parte  administrativa de la empresa. El fin de la aplicación consistirá en </a:t>
-            </a:r>
-            <a:r>
-              <a:rPr lang="es-MX" dirty="0" smtClean="0"/>
-              <a:t>que </a:t>
-            </a:r>
-            <a:r>
-              <a:rPr lang="es-MX" dirty="0" smtClean="0"/>
-              <a:t>los </a:t>
-            </a:r>
-            <a:r>
-              <a:rPr lang="es-MX" dirty="0" smtClean="0"/>
-              <a:t>empleados pertenecientes a la </a:t>
-            </a:r>
-            <a:r>
-              <a:rPr lang="es-MX" dirty="0" smtClean="0"/>
-              <a:t>gerencia general </a:t>
-            </a:r>
-            <a:r>
-              <a:rPr lang="es-MX" dirty="0" smtClean="0"/>
-              <a:t>puedan </a:t>
-            </a:r>
-            <a:r>
-              <a:rPr lang="es-MX" dirty="0" smtClean="0"/>
-              <a:t>tener </a:t>
-            </a:r>
-            <a:r>
-              <a:rPr lang="es-MX" dirty="0" smtClean="0"/>
-              <a:t>acceso a la información de los módulos.</a:t>
-            </a:r>
+              <a:t>rutas ya definidas por la empresa). </a:t>
+            </a:r>
+          </a:p>
+          <a:p>
+            <a:pPr marL="0" indent="0" algn="just">
+              <a:lnSpc>
+                <a:spcPct val="150000"/>
+              </a:lnSpc>
+              <a:buNone/>
+            </a:pPr>
             <a:endParaRPr lang="es-MX" dirty="0" smtClean="0"/>
+          </a:p>
+          <a:p>
+            <a:pPr marL="0" indent="0" algn="just">
+              <a:lnSpc>
+                <a:spcPct val="150000"/>
+              </a:lnSpc>
+              <a:buNone/>
+            </a:pPr>
+            <a:endParaRPr lang="es-MX" b="1" dirty="0"/>
           </a:p>
         </p:txBody>
       </p:sp>
       <p:sp>
         <p:nvSpPr>
-          <p:cNvPr id="4" name="Documento 3"/>
+          <p:cNvPr id="10" name="Documento 3"/>
           <p:cNvSpPr/>
           <p:nvPr/>
         </p:nvSpPr>
@@ -13334,6 +12618,2099 @@
       </p:sp>
       <p:pic>
         <p:nvPicPr>
+          <p:cNvPr id="11" name="Imagen 53" descr="Logo_SM-ROOT"/>
+          <p:cNvPicPr>
+            <a:picLocks noChangeAspect="1" noChangeArrowheads="1"/>
+          </p:cNvPicPr>
+          <p:nvPr/>
+        </p:nvPicPr>
+        <p:blipFill>
+          <a:blip r:embed="rId2" cstate="print">
+            <a:extLst>
+              <a:ext uri="{28A0092B-C50C-407E-A947-70E740481C1C}">
+                <a14:useLocalDpi xmlns:a14="http://schemas.microsoft.com/office/drawing/2010/main" val="0"/>
+              </a:ext>
+            </a:extLst>
+          </a:blip>
+          <a:srcRect b="15874"/>
+          <a:stretch>
+            <a:fillRect/>
+          </a:stretch>
+        </p:blipFill>
+        <p:spPr bwMode="auto">
+          <a:xfrm>
+            <a:off x="796925" y="-19049"/>
+            <a:ext cx="1149350" cy="663575"/>
+          </a:xfrm>
+          <a:prstGeom prst="rect">
+            <a:avLst/>
+          </a:prstGeom>
+          <a:noFill/>
+          <a:extLst>
+            <a:ext uri="{909E8E84-426E-40DD-AFC4-6F175D3DCCD1}">
+              <a14:hiddenFill xmlns:a14="http://schemas.microsoft.com/office/drawing/2010/main">
+                <a:solidFill>
+                  <a:srgbClr val="FFFFFF"/>
+                </a:solidFill>
+              </a14:hiddenFill>
+            </a:ext>
+          </a:extLst>
+        </p:spPr>
+      </p:pic>
+      <p:pic>
+        <p:nvPicPr>
+          <p:cNvPr id="12" name="Imagen 52" descr="Logo_SM-ROOT"/>
+          <p:cNvPicPr>
+            <a:picLocks noChangeAspect="1" noChangeArrowheads="1"/>
+          </p:cNvPicPr>
+          <p:nvPr/>
+        </p:nvPicPr>
+        <p:blipFill>
+          <a:blip r:embed="rId3">
+            <a:grayscl/>
+            <a:biLevel thresh="50000"/>
+            <a:extLst>
+              <a:ext uri="{BEBA8EAE-BF5A-486C-A8C5-ECC9F3942E4B}">
+                <a14:imgProps xmlns:a14="http://schemas.microsoft.com/office/drawing/2010/main">
+                  <a14:imgLayer r:embed="rId4">
+                    <a14:imgEffect>
+                      <a14:artisticPaintStrokes/>
+                    </a14:imgEffect>
+                  </a14:imgLayer>
+                </a14:imgProps>
+              </a:ext>
+              <a:ext uri="{28A0092B-C50C-407E-A947-70E740481C1C}">
+                <a14:useLocalDpi xmlns:a14="http://schemas.microsoft.com/office/drawing/2010/main" val="0"/>
+              </a:ext>
+            </a:extLst>
+          </a:blip>
+          <a:srcRect t="84169"/>
+          <a:stretch>
+            <a:fillRect/>
+          </a:stretch>
+        </p:blipFill>
+        <p:spPr bwMode="auto">
+          <a:xfrm>
+            <a:off x="4652168" y="63500"/>
+            <a:ext cx="3040063" cy="330200"/>
+          </a:xfrm>
+          <a:prstGeom prst="rect">
+            <a:avLst/>
+          </a:prstGeom>
+          <a:noFill/>
+          <a:extLst>
+            <a:ext uri="{909E8E84-426E-40DD-AFC4-6F175D3DCCD1}">
+              <a14:hiddenFill xmlns:a14="http://schemas.microsoft.com/office/drawing/2010/main">
+                <a:solidFill>
+                  <a:srgbClr val="FFFFFF"/>
+                </a:solidFill>
+              </a14:hiddenFill>
+            </a:ext>
+          </a:extLst>
+        </p:spPr>
+      </p:pic>
+      <p:pic>
+        <p:nvPicPr>
+          <p:cNvPr id="13" name="Imagen 54" descr="logo"/>
+          <p:cNvPicPr>
+            <a:picLocks noChangeAspect="1" noChangeArrowheads="1"/>
+          </p:cNvPicPr>
+          <p:nvPr/>
+        </p:nvPicPr>
+        <p:blipFill>
+          <a:blip r:embed="rId5" cstate="print">
+            <a:extLst>
+              <a:ext uri="{28A0092B-C50C-407E-A947-70E740481C1C}">
+                <a14:useLocalDpi xmlns:a14="http://schemas.microsoft.com/office/drawing/2010/main" val="0"/>
+              </a:ext>
+            </a:extLst>
+          </a:blip>
+          <a:srcRect/>
+          <a:stretch>
+            <a:fillRect/>
+          </a:stretch>
+        </p:blipFill>
+        <p:spPr bwMode="auto">
+          <a:xfrm>
+            <a:off x="11574286" y="-47625"/>
+            <a:ext cx="631825" cy="720725"/>
+          </a:xfrm>
+          <a:prstGeom prst="rect">
+            <a:avLst/>
+          </a:prstGeom>
+          <a:noFill/>
+          <a:extLst>
+            <a:ext uri="{909E8E84-426E-40DD-AFC4-6F175D3DCCD1}">
+              <a14:hiddenFill xmlns:a14="http://schemas.microsoft.com/office/drawing/2010/main">
+                <a:solidFill>
+                  <a:srgbClr val="FFFFFF"/>
+                </a:solidFill>
+              </a14:hiddenFill>
+            </a:ext>
+          </a:extLst>
+        </p:spPr>
+      </p:pic>
+      <p:pic>
+        <p:nvPicPr>
+          <p:cNvPr id="16" name="Imagen 15"/>
+          <p:cNvPicPr>
+            <a:picLocks noChangeAspect="1"/>
+          </p:cNvPicPr>
+          <p:nvPr/>
+        </p:nvPicPr>
+        <p:blipFill>
+          <a:blip r:embed="rId6" cstate="print">
+            <a:extLst>
+              <a:ext uri="{28A0092B-C50C-407E-A947-70E740481C1C}">
+                <a14:useLocalDpi xmlns:a14="http://schemas.microsoft.com/office/drawing/2010/main" val="0"/>
+              </a:ext>
+            </a:extLst>
+          </a:blip>
+          <a:stretch>
+            <a:fillRect/>
+          </a:stretch>
+        </p:blipFill>
+        <p:spPr>
+          <a:xfrm>
+            <a:off x="5888904" y="5048704"/>
+            <a:ext cx="1658436" cy="1657742"/>
+          </a:xfrm>
+          <a:prstGeom prst="rect">
+            <a:avLst/>
+          </a:prstGeom>
+        </p:spPr>
+      </p:pic>
+    </p:spTree>
+    <p:extLst>
+      <p:ext uri="{BB962C8B-B14F-4D97-AF65-F5344CB8AC3E}">
+        <p14:creationId xmlns:p14="http://schemas.microsoft.com/office/powerpoint/2010/main" val="1711206115"/>
+      </p:ext>
+    </p:extLst>
+  </p:cSld>
+  <p:clrMapOvr>
+    <a:masterClrMapping/>
+  </p:clrMapOvr>
+  <p:timing>
+    <p:tnLst>
+      <p:par>
+        <p:cTn id="1" dur="indefinite" restart="never" nodeType="tmRoot"/>
+      </p:par>
+    </p:tnLst>
+  </p:timing>
+</p:sld>
+</file>
+
+<file path=ppt/slides/slide4.xml><?xml version="1.0" encoding="utf-8"?>
+<p:sld xmlns:a="http://schemas.openxmlformats.org/drawingml/2006/main" xmlns:r="http://schemas.openxmlformats.org/officeDocument/2006/relationships" xmlns:p="http://schemas.openxmlformats.org/presentationml/2006/main">
+  <p:cSld>
+    <p:spTree>
+      <p:nvGrpSpPr>
+        <p:cNvPr id="1" name=""/>
+        <p:cNvGrpSpPr/>
+        <p:nvPr/>
+      </p:nvGrpSpPr>
+      <p:grpSpPr>
+        <a:xfrm>
+          <a:off x="0" y="0"/>
+          <a:ext cx="0" cy="0"/>
+          <a:chOff x="0" y="0"/>
+          <a:chExt cx="0" cy="0"/>
+        </a:xfrm>
+      </p:grpSpPr>
+      <p:pic>
+        <p:nvPicPr>
+          <p:cNvPr id="8" name="Marcador de contenido 7"/>
+          <p:cNvPicPr>
+            <a:picLocks noGrp="1" noChangeAspect="1"/>
+          </p:cNvPicPr>
+          <p:nvPr>
+            <p:ph idx="1"/>
+          </p:nvPr>
+        </p:nvPicPr>
+        <p:blipFill>
+          <a:blip r:embed="rId2"/>
+          <a:stretch>
+            <a:fillRect/>
+          </a:stretch>
+        </p:blipFill>
+        <p:spPr>
+          <a:xfrm>
+            <a:off x="1648543" y="1309431"/>
+            <a:ext cx="3487861" cy="3424189"/>
+          </a:xfrm>
+          <a:prstGeom prst="rect">
+            <a:avLst/>
+          </a:prstGeom>
+        </p:spPr>
+      </p:pic>
+      <p:sp>
+        <p:nvSpPr>
+          <p:cNvPr id="12" name="CuadroTexto 11"/>
+          <p:cNvSpPr txBox="1"/>
+          <p:nvPr/>
+        </p:nvSpPr>
+        <p:spPr>
+          <a:xfrm>
+            <a:off x="1746762" y="4789620"/>
+            <a:ext cx="3389642" cy="369332"/>
+          </a:xfrm>
+          <a:prstGeom prst="rect">
+            <a:avLst/>
+          </a:prstGeom>
+          <a:noFill/>
+        </p:spPr>
+        <p:txBody>
+          <a:bodyPr wrap="square" rtlCol="0">
+            <a:spAutoFit/>
+          </a:bodyPr>
+          <a:lstStyle/>
+          <a:p>
+            <a:r>
+              <a:rPr lang="es-MX" dirty="0" smtClean="0"/>
+              <a:t>Empresa Panadería San Pedro</a:t>
+            </a:r>
+            <a:endParaRPr lang="es-MX" dirty="0"/>
+          </a:p>
+        </p:txBody>
+      </p:sp>
+      <p:pic>
+        <p:nvPicPr>
+          <p:cNvPr id="19" name="Imagen 18"/>
+          <p:cNvPicPr>
+            <a:picLocks noChangeAspect="1"/>
+          </p:cNvPicPr>
+          <p:nvPr/>
+        </p:nvPicPr>
+        <p:blipFill>
+          <a:blip r:embed="rId3" cstate="print">
+            <a:extLst>
+              <a:ext uri="{28A0092B-C50C-407E-A947-70E740481C1C}">
+                <a14:useLocalDpi xmlns:a14="http://schemas.microsoft.com/office/drawing/2010/main" val="0"/>
+              </a:ext>
+            </a:extLst>
+          </a:blip>
+          <a:stretch>
+            <a:fillRect/>
+          </a:stretch>
+        </p:blipFill>
+        <p:spPr>
+          <a:xfrm>
+            <a:off x="8996936" y="1309432"/>
+            <a:ext cx="2531750" cy="3375666"/>
+          </a:xfrm>
+          <a:prstGeom prst="rect">
+            <a:avLst/>
+          </a:prstGeom>
+        </p:spPr>
+      </p:pic>
+      <p:pic>
+        <p:nvPicPr>
+          <p:cNvPr id="20" name="Imagen 19"/>
+          <p:cNvPicPr>
+            <a:picLocks noChangeAspect="1"/>
+          </p:cNvPicPr>
+          <p:nvPr/>
+        </p:nvPicPr>
+        <p:blipFill>
+          <a:blip r:embed="rId4" cstate="print">
+            <a:extLst>
+              <a:ext uri="{28A0092B-C50C-407E-A947-70E740481C1C}">
+                <a14:useLocalDpi xmlns:a14="http://schemas.microsoft.com/office/drawing/2010/main" val="0"/>
+              </a:ext>
+            </a:extLst>
+          </a:blip>
+          <a:stretch>
+            <a:fillRect/>
+          </a:stretch>
+        </p:blipFill>
+        <p:spPr>
+          <a:xfrm>
+            <a:off x="5782599" y="1285170"/>
+            <a:ext cx="2568142" cy="3424189"/>
+          </a:xfrm>
+          <a:prstGeom prst="rect">
+            <a:avLst/>
+          </a:prstGeom>
+        </p:spPr>
+      </p:pic>
+      <p:sp>
+        <p:nvSpPr>
+          <p:cNvPr id="21" name="CuadroTexto 20"/>
+          <p:cNvSpPr txBox="1"/>
+          <p:nvPr/>
+        </p:nvSpPr>
+        <p:spPr>
+          <a:xfrm>
+            <a:off x="5936343" y="4733620"/>
+            <a:ext cx="5887528" cy="369332"/>
+          </a:xfrm>
+          <a:prstGeom prst="rect">
+            <a:avLst/>
+          </a:prstGeom>
+          <a:noFill/>
+        </p:spPr>
+        <p:txBody>
+          <a:bodyPr wrap="square" rtlCol="0">
+            <a:spAutoFit/>
+          </a:bodyPr>
+          <a:lstStyle/>
+          <a:p>
+            <a:r>
+              <a:rPr lang="es-MX" dirty="0" smtClean="0"/>
+              <a:t>El equipo de trabajo en las instalaciones de la Panadería.</a:t>
+            </a:r>
+            <a:endParaRPr lang="es-MX" dirty="0"/>
+          </a:p>
+        </p:txBody>
+      </p:sp>
+      <p:sp>
+        <p:nvSpPr>
+          <p:cNvPr id="7" name="Documento 3"/>
+          <p:cNvSpPr/>
+          <p:nvPr/>
+        </p:nvSpPr>
+        <p:spPr>
+          <a:xfrm flipH="1">
+            <a:off x="-14111" y="-19049"/>
+            <a:ext cx="12206111" cy="608012"/>
+          </a:xfrm>
+          <a:custGeom>
+            <a:avLst/>
+            <a:gdLst>
+              <a:gd name="connsiteX0" fmla="*/ 0 w 21600"/>
+              <a:gd name="connsiteY0" fmla="*/ 0 h 21600"/>
+              <a:gd name="connsiteX1" fmla="*/ 21600 w 21600"/>
+              <a:gd name="connsiteY1" fmla="*/ 0 h 21600"/>
+              <a:gd name="connsiteX2" fmla="*/ 21600 w 21600"/>
+              <a:gd name="connsiteY2" fmla="*/ 17322 h 21600"/>
+              <a:gd name="connsiteX3" fmla="*/ 0 w 21600"/>
+              <a:gd name="connsiteY3" fmla="*/ 20172 h 21600"/>
+              <a:gd name="connsiteX4" fmla="*/ 0 w 21600"/>
+              <a:gd name="connsiteY4" fmla="*/ 0 h 21600"/>
+              <a:gd name="connsiteX0" fmla="*/ 0 w 21600"/>
+              <a:gd name="connsiteY0" fmla="*/ 0 h 21324"/>
+              <a:gd name="connsiteX1" fmla="*/ 21600 w 21600"/>
+              <a:gd name="connsiteY1" fmla="*/ 11269 h 21324"/>
+              <a:gd name="connsiteX2" fmla="*/ 21600 w 21600"/>
+              <a:gd name="connsiteY2" fmla="*/ 17322 h 21324"/>
+              <a:gd name="connsiteX3" fmla="*/ 0 w 21600"/>
+              <a:gd name="connsiteY3" fmla="*/ 20172 h 21324"/>
+              <a:gd name="connsiteX4" fmla="*/ 0 w 21600"/>
+              <a:gd name="connsiteY4" fmla="*/ 0 h 21324"/>
+              <a:gd name="connsiteX0" fmla="*/ 0 w 21600"/>
+              <a:gd name="connsiteY0" fmla="*/ 752 h 10055"/>
+              <a:gd name="connsiteX1" fmla="*/ 21600 w 21600"/>
+              <a:gd name="connsiteY1" fmla="*/ 0 h 10055"/>
+              <a:gd name="connsiteX2" fmla="*/ 21600 w 21600"/>
+              <a:gd name="connsiteY2" fmla="*/ 6053 h 10055"/>
+              <a:gd name="connsiteX3" fmla="*/ 0 w 21600"/>
+              <a:gd name="connsiteY3" fmla="*/ 8903 h 10055"/>
+              <a:gd name="connsiteX4" fmla="*/ 0 w 21600"/>
+              <a:gd name="connsiteY4" fmla="*/ 752 h 10055"/>
+              <a:gd name="connsiteX0" fmla="*/ 24 w 21600"/>
+              <a:gd name="connsiteY0" fmla="*/ 877 h 10055"/>
+              <a:gd name="connsiteX1" fmla="*/ 21600 w 21600"/>
+              <a:gd name="connsiteY1" fmla="*/ 0 h 10055"/>
+              <a:gd name="connsiteX2" fmla="*/ 21600 w 21600"/>
+              <a:gd name="connsiteY2" fmla="*/ 6053 h 10055"/>
+              <a:gd name="connsiteX3" fmla="*/ 0 w 21600"/>
+              <a:gd name="connsiteY3" fmla="*/ 8903 h 10055"/>
+              <a:gd name="connsiteX4" fmla="*/ 24 w 21600"/>
+              <a:gd name="connsiteY4" fmla="*/ 877 h 10055"/>
+              <a:gd name="connsiteX0" fmla="*/ 1 w 21625"/>
+              <a:gd name="connsiteY0" fmla="*/ 126 h 10055"/>
+              <a:gd name="connsiteX1" fmla="*/ 21625 w 21625"/>
+              <a:gd name="connsiteY1" fmla="*/ 0 h 10055"/>
+              <a:gd name="connsiteX2" fmla="*/ 21625 w 21625"/>
+              <a:gd name="connsiteY2" fmla="*/ 6053 h 10055"/>
+              <a:gd name="connsiteX3" fmla="*/ 25 w 21625"/>
+              <a:gd name="connsiteY3" fmla="*/ 8903 h 10055"/>
+              <a:gd name="connsiteX4" fmla="*/ 1 w 21625"/>
+              <a:gd name="connsiteY4" fmla="*/ 126 h 10055"/>
+            </a:gdLst>
+            <a:ahLst/>
+            <a:cxnLst>
+              <a:cxn ang="0">
+                <a:pos x="connsiteX0" y="connsiteY0"/>
+              </a:cxn>
+              <a:cxn ang="0">
+                <a:pos x="connsiteX1" y="connsiteY1"/>
+              </a:cxn>
+              <a:cxn ang="0">
+                <a:pos x="connsiteX2" y="connsiteY2"/>
+              </a:cxn>
+              <a:cxn ang="0">
+                <a:pos x="connsiteX3" y="connsiteY3"/>
+              </a:cxn>
+              <a:cxn ang="0">
+                <a:pos x="connsiteX4" y="connsiteY4"/>
+              </a:cxn>
+            </a:cxnLst>
+            <a:rect l="l" t="t" r="r" b="b"/>
+            <a:pathLst>
+              <a:path w="21625" h="10055">
+                <a:moveTo>
+                  <a:pt x="1" y="126"/>
+                </a:moveTo>
+                <a:lnTo>
+                  <a:pt x="21625" y="0"/>
+                </a:lnTo>
+                <a:lnTo>
+                  <a:pt x="21625" y="6053"/>
+                </a:lnTo>
+                <a:cubicBezTo>
+                  <a:pt x="10825" y="6053"/>
+                  <a:pt x="10825" y="12653"/>
+                  <a:pt x="25" y="8903"/>
+                </a:cubicBezTo>
+                <a:cubicBezTo>
+                  <a:pt x="33" y="6228"/>
+                  <a:pt x="-7" y="2801"/>
+                  <a:pt x="1" y="126"/>
+                </a:cubicBezTo>
+                <a:close/>
+              </a:path>
+            </a:pathLst>
+          </a:custGeom>
+          <a:solidFill>
+            <a:srgbClr val="FF9933"/>
+          </a:solidFill>
+        </p:spPr>
+        <p:style>
+          <a:lnRef idx="0">
+            <a:schemeClr val="accent2"/>
+          </a:lnRef>
+          <a:fillRef idx="3">
+            <a:schemeClr val="accent2"/>
+          </a:fillRef>
+          <a:effectRef idx="3">
+            <a:schemeClr val="accent2"/>
+          </a:effectRef>
+          <a:fontRef idx="minor">
+            <a:schemeClr val="lt1"/>
+          </a:fontRef>
+        </p:style>
+        <p:txBody>
+          <a:bodyPr rot="0" spcFirstLastPara="0" vert="horz" wrap="square" lIns="91440" tIns="45720" rIns="91440" bIns="45720" numCol="1" spcCol="0" rtlCol="0" fromWordArt="0" anchor="ctr" anchorCtr="0" forceAA="0" compatLnSpc="1">
+            <a:prstTxWarp prst="textNoShape">
+              <a:avLst/>
+            </a:prstTxWarp>
+            <a:noAutofit/>
+          </a:bodyPr>
+          <a:lstStyle/>
+          <a:p>
+            <a:endParaRPr lang="es-MX"/>
+          </a:p>
+        </p:txBody>
+      </p:sp>
+      <p:pic>
+        <p:nvPicPr>
+          <p:cNvPr id="9" name="Imagen 53" descr="Logo_SM-ROOT"/>
+          <p:cNvPicPr>
+            <a:picLocks noChangeAspect="1" noChangeArrowheads="1"/>
+          </p:cNvPicPr>
+          <p:nvPr/>
+        </p:nvPicPr>
+        <p:blipFill>
+          <a:blip r:embed="rId5" cstate="print">
+            <a:extLst>
+              <a:ext uri="{28A0092B-C50C-407E-A947-70E740481C1C}">
+                <a14:useLocalDpi xmlns:a14="http://schemas.microsoft.com/office/drawing/2010/main" val="0"/>
+              </a:ext>
+            </a:extLst>
+          </a:blip>
+          <a:srcRect b="15874"/>
+          <a:stretch>
+            <a:fillRect/>
+          </a:stretch>
+        </p:blipFill>
+        <p:spPr bwMode="auto">
+          <a:xfrm>
+            <a:off x="796925" y="-19049"/>
+            <a:ext cx="1149350" cy="663575"/>
+          </a:xfrm>
+          <a:prstGeom prst="rect">
+            <a:avLst/>
+          </a:prstGeom>
+          <a:noFill/>
+          <a:extLst>
+            <a:ext uri="{909E8E84-426E-40DD-AFC4-6F175D3DCCD1}">
+              <a14:hiddenFill xmlns:a14="http://schemas.microsoft.com/office/drawing/2010/main">
+                <a:solidFill>
+                  <a:srgbClr val="FFFFFF"/>
+                </a:solidFill>
+              </a14:hiddenFill>
+            </a:ext>
+          </a:extLst>
+        </p:spPr>
+      </p:pic>
+      <p:pic>
+        <p:nvPicPr>
+          <p:cNvPr id="10" name="Imagen 52" descr="Logo_SM-ROOT"/>
+          <p:cNvPicPr>
+            <a:picLocks noChangeAspect="1" noChangeArrowheads="1"/>
+          </p:cNvPicPr>
+          <p:nvPr/>
+        </p:nvPicPr>
+        <p:blipFill>
+          <a:blip r:embed="rId6">
+            <a:grayscl/>
+            <a:biLevel thresh="50000"/>
+            <a:extLst>
+              <a:ext uri="{BEBA8EAE-BF5A-486C-A8C5-ECC9F3942E4B}">
+                <a14:imgProps xmlns:a14="http://schemas.microsoft.com/office/drawing/2010/main">
+                  <a14:imgLayer r:embed="rId7">
+                    <a14:imgEffect>
+                      <a14:artisticPaintStrokes/>
+                    </a14:imgEffect>
+                  </a14:imgLayer>
+                </a14:imgProps>
+              </a:ext>
+              <a:ext uri="{28A0092B-C50C-407E-A947-70E740481C1C}">
+                <a14:useLocalDpi xmlns:a14="http://schemas.microsoft.com/office/drawing/2010/main" val="0"/>
+              </a:ext>
+            </a:extLst>
+          </a:blip>
+          <a:srcRect t="84169"/>
+          <a:stretch>
+            <a:fillRect/>
+          </a:stretch>
+        </p:blipFill>
+        <p:spPr bwMode="auto">
+          <a:xfrm>
+            <a:off x="4652168" y="63500"/>
+            <a:ext cx="3040063" cy="330200"/>
+          </a:xfrm>
+          <a:prstGeom prst="rect">
+            <a:avLst/>
+          </a:prstGeom>
+          <a:noFill/>
+          <a:extLst>
+            <a:ext uri="{909E8E84-426E-40DD-AFC4-6F175D3DCCD1}">
+              <a14:hiddenFill xmlns:a14="http://schemas.microsoft.com/office/drawing/2010/main">
+                <a:solidFill>
+                  <a:srgbClr val="FFFFFF"/>
+                </a:solidFill>
+              </a14:hiddenFill>
+            </a:ext>
+          </a:extLst>
+        </p:spPr>
+      </p:pic>
+      <p:pic>
+        <p:nvPicPr>
+          <p:cNvPr id="11" name="Imagen 54" descr="logo"/>
+          <p:cNvPicPr>
+            <a:picLocks noChangeAspect="1" noChangeArrowheads="1"/>
+          </p:cNvPicPr>
+          <p:nvPr/>
+        </p:nvPicPr>
+        <p:blipFill>
+          <a:blip r:embed="rId8" cstate="print">
+            <a:extLst>
+              <a:ext uri="{28A0092B-C50C-407E-A947-70E740481C1C}">
+                <a14:useLocalDpi xmlns:a14="http://schemas.microsoft.com/office/drawing/2010/main" val="0"/>
+              </a:ext>
+            </a:extLst>
+          </a:blip>
+          <a:srcRect/>
+          <a:stretch>
+            <a:fillRect/>
+          </a:stretch>
+        </p:blipFill>
+        <p:spPr bwMode="auto">
+          <a:xfrm>
+            <a:off x="11574286" y="-47625"/>
+            <a:ext cx="631825" cy="720725"/>
+          </a:xfrm>
+          <a:prstGeom prst="rect">
+            <a:avLst/>
+          </a:prstGeom>
+          <a:noFill/>
+          <a:extLst>
+            <a:ext uri="{909E8E84-426E-40DD-AFC4-6F175D3DCCD1}">
+              <a14:hiddenFill xmlns:a14="http://schemas.microsoft.com/office/drawing/2010/main">
+                <a:solidFill>
+                  <a:srgbClr val="FFFFFF"/>
+                </a:solidFill>
+              </a14:hiddenFill>
+            </a:ext>
+          </a:extLst>
+        </p:spPr>
+      </p:pic>
+    </p:spTree>
+    <p:extLst>
+      <p:ext uri="{BB962C8B-B14F-4D97-AF65-F5344CB8AC3E}">
+        <p14:creationId xmlns:p14="http://schemas.microsoft.com/office/powerpoint/2010/main" val="1706208874"/>
+      </p:ext>
+    </p:extLst>
+  </p:cSld>
+  <p:clrMapOvr>
+    <a:masterClrMapping/>
+  </p:clrMapOvr>
+  <p:timing>
+    <p:tnLst>
+      <p:par>
+        <p:cTn id="1" dur="indefinite" restart="never" nodeType="tmRoot"/>
+      </p:par>
+    </p:tnLst>
+  </p:timing>
+</p:sld>
+</file>
+
+<file path=ppt/slides/slide5.xml><?xml version="1.0" encoding="utf-8"?>
+<p:sld xmlns:a="http://schemas.openxmlformats.org/drawingml/2006/main" xmlns:r="http://schemas.openxmlformats.org/officeDocument/2006/relationships" xmlns:p="http://schemas.openxmlformats.org/presentationml/2006/main">
+  <p:cSld>
+    <p:spTree>
+      <p:nvGrpSpPr>
+        <p:cNvPr id="1" name=""/>
+        <p:cNvGrpSpPr/>
+        <p:nvPr/>
+      </p:nvGrpSpPr>
+      <p:grpSpPr>
+        <a:xfrm>
+          <a:off x="0" y="0"/>
+          <a:ext cx="0" cy="0"/>
+          <a:chOff x="0" y="0"/>
+          <a:chExt cx="0" cy="0"/>
+        </a:xfrm>
+      </p:grpSpPr>
+      <p:sp>
+        <p:nvSpPr>
+          <p:cNvPr id="6" name="CuadroTexto 5"/>
+          <p:cNvSpPr txBox="1"/>
+          <p:nvPr/>
+        </p:nvSpPr>
+        <p:spPr>
+          <a:xfrm>
+            <a:off x="3965339" y="454246"/>
+            <a:ext cx="4413719" cy="707886"/>
+          </a:xfrm>
+          <a:prstGeom prst="rect">
+            <a:avLst/>
+          </a:prstGeom>
+          <a:noFill/>
+        </p:spPr>
+        <p:txBody>
+          <a:bodyPr wrap="square" rtlCol="0">
+            <a:spAutoFit/>
+          </a:bodyPr>
+          <a:lstStyle/>
+          <a:p>
+            <a:pPr algn="ctr"/>
+            <a:r>
+              <a:rPr lang="es-MX" sz="4000" dirty="0" smtClean="0"/>
+              <a:t>Análisis </a:t>
+            </a:r>
+            <a:r>
+              <a:rPr lang="es-MX" sz="4000" b="1" dirty="0" smtClean="0"/>
+              <a:t>FODA</a:t>
+            </a:r>
+            <a:endParaRPr lang="es-MX" sz="4000" b="1" dirty="0"/>
+          </a:p>
+        </p:txBody>
+      </p:sp>
+      <p:sp>
+        <p:nvSpPr>
+          <p:cNvPr id="12" name="Documento 3"/>
+          <p:cNvSpPr/>
+          <p:nvPr/>
+        </p:nvSpPr>
+        <p:spPr>
+          <a:xfrm flipH="1">
+            <a:off x="-14111" y="-19049"/>
+            <a:ext cx="12206111" cy="608012"/>
+          </a:xfrm>
+          <a:custGeom>
+            <a:avLst/>
+            <a:gdLst>
+              <a:gd name="connsiteX0" fmla="*/ 0 w 21600"/>
+              <a:gd name="connsiteY0" fmla="*/ 0 h 21600"/>
+              <a:gd name="connsiteX1" fmla="*/ 21600 w 21600"/>
+              <a:gd name="connsiteY1" fmla="*/ 0 h 21600"/>
+              <a:gd name="connsiteX2" fmla="*/ 21600 w 21600"/>
+              <a:gd name="connsiteY2" fmla="*/ 17322 h 21600"/>
+              <a:gd name="connsiteX3" fmla="*/ 0 w 21600"/>
+              <a:gd name="connsiteY3" fmla="*/ 20172 h 21600"/>
+              <a:gd name="connsiteX4" fmla="*/ 0 w 21600"/>
+              <a:gd name="connsiteY4" fmla="*/ 0 h 21600"/>
+              <a:gd name="connsiteX0" fmla="*/ 0 w 21600"/>
+              <a:gd name="connsiteY0" fmla="*/ 0 h 21324"/>
+              <a:gd name="connsiteX1" fmla="*/ 21600 w 21600"/>
+              <a:gd name="connsiteY1" fmla="*/ 11269 h 21324"/>
+              <a:gd name="connsiteX2" fmla="*/ 21600 w 21600"/>
+              <a:gd name="connsiteY2" fmla="*/ 17322 h 21324"/>
+              <a:gd name="connsiteX3" fmla="*/ 0 w 21600"/>
+              <a:gd name="connsiteY3" fmla="*/ 20172 h 21324"/>
+              <a:gd name="connsiteX4" fmla="*/ 0 w 21600"/>
+              <a:gd name="connsiteY4" fmla="*/ 0 h 21324"/>
+              <a:gd name="connsiteX0" fmla="*/ 0 w 21600"/>
+              <a:gd name="connsiteY0" fmla="*/ 752 h 10055"/>
+              <a:gd name="connsiteX1" fmla="*/ 21600 w 21600"/>
+              <a:gd name="connsiteY1" fmla="*/ 0 h 10055"/>
+              <a:gd name="connsiteX2" fmla="*/ 21600 w 21600"/>
+              <a:gd name="connsiteY2" fmla="*/ 6053 h 10055"/>
+              <a:gd name="connsiteX3" fmla="*/ 0 w 21600"/>
+              <a:gd name="connsiteY3" fmla="*/ 8903 h 10055"/>
+              <a:gd name="connsiteX4" fmla="*/ 0 w 21600"/>
+              <a:gd name="connsiteY4" fmla="*/ 752 h 10055"/>
+              <a:gd name="connsiteX0" fmla="*/ 24 w 21600"/>
+              <a:gd name="connsiteY0" fmla="*/ 877 h 10055"/>
+              <a:gd name="connsiteX1" fmla="*/ 21600 w 21600"/>
+              <a:gd name="connsiteY1" fmla="*/ 0 h 10055"/>
+              <a:gd name="connsiteX2" fmla="*/ 21600 w 21600"/>
+              <a:gd name="connsiteY2" fmla="*/ 6053 h 10055"/>
+              <a:gd name="connsiteX3" fmla="*/ 0 w 21600"/>
+              <a:gd name="connsiteY3" fmla="*/ 8903 h 10055"/>
+              <a:gd name="connsiteX4" fmla="*/ 24 w 21600"/>
+              <a:gd name="connsiteY4" fmla="*/ 877 h 10055"/>
+              <a:gd name="connsiteX0" fmla="*/ 1 w 21625"/>
+              <a:gd name="connsiteY0" fmla="*/ 126 h 10055"/>
+              <a:gd name="connsiteX1" fmla="*/ 21625 w 21625"/>
+              <a:gd name="connsiteY1" fmla="*/ 0 h 10055"/>
+              <a:gd name="connsiteX2" fmla="*/ 21625 w 21625"/>
+              <a:gd name="connsiteY2" fmla="*/ 6053 h 10055"/>
+              <a:gd name="connsiteX3" fmla="*/ 25 w 21625"/>
+              <a:gd name="connsiteY3" fmla="*/ 8903 h 10055"/>
+              <a:gd name="connsiteX4" fmla="*/ 1 w 21625"/>
+              <a:gd name="connsiteY4" fmla="*/ 126 h 10055"/>
+            </a:gdLst>
+            <a:ahLst/>
+            <a:cxnLst>
+              <a:cxn ang="0">
+                <a:pos x="connsiteX0" y="connsiteY0"/>
+              </a:cxn>
+              <a:cxn ang="0">
+                <a:pos x="connsiteX1" y="connsiteY1"/>
+              </a:cxn>
+              <a:cxn ang="0">
+                <a:pos x="connsiteX2" y="connsiteY2"/>
+              </a:cxn>
+              <a:cxn ang="0">
+                <a:pos x="connsiteX3" y="connsiteY3"/>
+              </a:cxn>
+              <a:cxn ang="0">
+                <a:pos x="connsiteX4" y="connsiteY4"/>
+              </a:cxn>
+            </a:cxnLst>
+            <a:rect l="l" t="t" r="r" b="b"/>
+            <a:pathLst>
+              <a:path w="21625" h="10055">
+                <a:moveTo>
+                  <a:pt x="1" y="126"/>
+                </a:moveTo>
+                <a:lnTo>
+                  <a:pt x="21625" y="0"/>
+                </a:lnTo>
+                <a:lnTo>
+                  <a:pt x="21625" y="6053"/>
+                </a:lnTo>
+                <a:cubicBezTo>
+                  <a:pt x="10825" y="6053"/>
+                  <a:pt x="10825" y="12653"/>
+                  <a:pt x="25" y="8903"/>
+                </a:cubicBezTo>
+                <a:cubicBezTo>
+                  <a:pt x="33" y="6228"/>
+                  <a:pt x="-7" y="2801"/>
+                  <a:pt x="1" y="126"/>
+                </a:cubicBezTo>
+                <a:close/>
+              </a:path>
+            </a:pathLst>
+          </a:custGeom>
+          <a:solidFill>
+            <a:srgbClr val="FF9933"/>
+          </a:solidFill>
+        </p:spPr>
+        <p:style>
+          <a:lnRef idx="0">
+            <a:schemeClr val="accent2"/>
+          </a:lnRef>
+          <a:fillRef idx="3">
+            <a:schemeClr val="accent2"/>
+          </a:fillRef>
+          <a:effectRef idx="3">
+            <a:schemeClr val="accent2"/>
+          </a:effectRef>
+          <a:fontRef idx="minor">
+            <a:schemeClr val="lt1"/>
+          </a:fontRef>
+        </p:style>
+        <p:txBody>
+          <a:bodyPr rot="0" spcFirstLastPara="0" vert="horz" wrap="square" lIns="91440" tIns="45720" rIns="91440" bIns="45720" numCol="1" spcCol="0" rtlCol="0" fromWordArt="0" anchor="ctr" anchorCtr="0" forceAA="0" compatLnSpc="1">
+            <a:prstTxWarp prst="textNoShape">
+              <a:avLst/>
+            </a:prstTxWarp>
+            <a:noAutofit/>
+          </a:bodyPr>
+          <a:lstStyle/>
+          <a:p>
+            <a:endParaRPr lang="es-MX"/>
+          </a:p>
+        </p:txBody>
+      </p:sp>
+      <p:pic>
+        <p:nvPicPr>
+          <p:cNvPr id="13" name="Imagen 53" descr="Logo_SM-ROOT"/>
+          <p:cNvPicPr>
+            <a:picLocks noChangeAspect="1" noChangeArrowheads="1"/>
+          </p:cNvPicPr>
+          <p:nvPr/>
+        </p:nvPicPr>
+        <p:blipFill>
+          <a:blip r:embed="rId2" cstate="print">
+            <a:extLst>
+              <a:ext uri="{28A0092B-C50C-407E-A947-70E740481C1C}">
+                <a14:useLocalDpi xmlns:a14="http://schemas.microsoft.com/office/drawing/2010/main" val="0"/>
+              </a:ext>
+            </a:extLst>
+          </a:blip>
+          <a:srcRect b="15874"/>
+          <a:stretch>
+            <a:fillRect/>
+          </a:stretch>
+        </p:blipFill>
+        <p:spPr bwMode="auto">
+          <a:xfrm>
+            <a:off x="796925" y="-19049"/>
+            <a:ext cx="1149350" cy="663575"/>
+          </a:xfrm>
+          <a:prstGeom prst="rect">
+            <a:avLst/>
+          </a:prstGeom>
+          <a:noFill/>
+          <a:extLst>
+            <a:ext uri="{909E8E84-426E-40DD-AFC4-6F175D3DCCD1}">
+              <a14:hiddenFill xmlns:a14="http://schemas.microsoft.com/office/drawing/2010/main">
+                <a:solidFill>
+                  <a:srgbClr val="FFFFFF"/>
+                </a:solidFill>
+              </a14:hiddenFill>
+            </a:ext>
+          </a:extLst>
+        </p:spPr>
+      </p:pic>
+      <p:pic>
+        <p:nvPicPr>
+          <p:cNvPr id="14" name="Imagen 52" descr="Logo_SM-ROOT"/>
+          <p:cNvPicPr>
+            <a:picLocks noChangeAspect="1" noChangeArrowheads="1"/>
+          </p:cNvPicPr>
+          <p:nvPr/>
+        </p:nvPicPr>
+        <p:blipFill>
+          <a:blip r:embed="rId3">
+            <a:grayscl/>
+            <a:biLevel thresh="50000"/>
+            <a:extLst>
+              <a:ext uri="{BEBA8EAE-BF5A-486C-A8C5-ECC9F3942E4B}">
+                <a14:imgProps xmlns:a14="http://schemas.microsoft.com/office/drawing/2010/main">
+                  <a14:imgLayer r:embed="rId4">
+                    <a14:imgEffect>
+                      <a14:artisticPaintStrokes/>
+                    </a14:imgEffect>
+                  </a14:imgLayer>
+                </a14:imgProps>
+              </a:ext>
+              <a:ext uri="{28A0092B-C50C-407E-A947-70E740481C1C}">
+                <a14:useLocalDpi xmlns:a14="http://schemas.microsoft.com/office/drawing/2010/main" val="0"/>
+              </a:ext>
+            </a:extLst>
+          </a:blip>
+          <a:srcRect t="84169"/>
+          <a:stretch>
+            <a:fillRect/>
+          </a:stretch>
+        </p:blipFill>
+        <p:spPr bwMode="auto">
+          <a:xfrm>
+            <a:off x="4652168" y="63500"/>
+            <a:ext cx="3040063" cy="330200"/>
+          </a:xfrm>
+          <a:prstGeom prst="rect">
+            <a:avLst/>
+          </a:prstGeom>
+          <a:noFill/>
+          <a:extLst>
+            <a:ext uri="{909E8E84-426E-40DD-AFC4-6F175D3DCCD1}">
+              <a14:hiddenFill xmlns:a14="http://schemas.microsoft.com/office/drawing/2010/main">
+                <a:solidFill>
+                  <a:srgbClr val="FFFFFF"/>
+                </a:solidFill>
+              </a14:hiddenFill>
+            </a:ext>
+          </a:extLst>
+        </p:spPr>
+      </p:pic>
+      <p:pic>
+        <p:nvPicPr>
+          <p:cNvPr id="15" name="Imagen 54" descr="logo"/>
+          <p:cNvPicPr>
+            <a:picLocks noChangeAspect="1" noChangeArrowheads="1"/>
+          </p:cNvPicPr>
+          <p:nvPr/>
+        </p:nvPicPr>
+        <p:blipFill>
+          <a:blip r:embed="rId5" cstate="print">
+            <a:extLst>
+              <a:ext uri="{28A0092B-C50C-407E-A947-70E740481C1C}">
+                <a14:useLocalDpi xmlns:a14="http://schemas.microsoft.com/office/drawing/2010/main" val="0"/>
+              </a:ext>
+            </a:extLst>
+          </a:blip>
+          <a:srcRect/>
+          <a:stretch>
+            <a:fillRect/>
+          </a:stretch>
+        </p:blipFill>
+        <p:spPr bwMode="auto">
+          <a:xfrm>
+            <a:off x="11574286" y="-47625"/>
+            <a:ext cx="631825" cy="720725"/>
+          </a:xfrm>
+          <a:prstGeom prst="rect">
+            <a:avLst/>
+          </a:prstGeom>
+          <a:noFill/>
+          <a:extLst>
+            <a:ext uri="{909E8E84-426E-40DD-AFC4-6F175D3DCCD1}">
+              <a14:hiddenFill xmlns:a14="http://schemas.microsoft.com/office/drawing/2010/main">
+                <a:solidFill>
+                  <a:srgbClr val="FFFFFF"/>
+                </a:solidFill>
+              </a14:hiddenFill>
+            </a:ext>
+          </a:extLst>
+        </p:spPr>
+      </p:pic>
+      <p:pic>
+        <p:nvPicPr>
+          <p:cNvPr id="4" name="Marcador de contenido 3"/>
+          <p:cNvPicPr>
+            <a:picLocks noGrp="1" noChangeAspect="1"/>
+          </p:cNvPicPr>
+          <p:nvPr>
+            <p:ph idx="1"/>
+          </p:nvPr>
+        </p:nvPicPr>
+        <p:blipFill>
+          <a:blip r:embed="rId6"/>
+          <a:stretch>
+            <a:fillRect/>
+          </a:stretch>
+        </p:blipFill>
+        <p:spPr>
+          <a:xfrm>
+            <a:off x="1915964" y="1388933"/>
+            <a:ext cx="8512467" cy="4988788"/>
+          </a:xfrm>
+          <a:prstGeom prst="rect">
+            <a:avLst/>
+          </a:prstGeom>
+        </p:spPr>
+      </p:pic>
+    </p:spTree>
+    <p:extLst>
+      <p:ext uri="{BB962C8B-B14F-4D97-AF65-F5344CB8AC3E}">
+        <p14:creationId xmlns:p14="http://schemas.microsoft.com/office/powerpoint/2010/main" val="234259211"/>
+      </p:ext>
+    </p:extLst>
+  </p:cSld>
+  <p:clrMapOvr>
+    <a:masterClrMapping/>
+  </p:clrMapOvr>
+  <p:timing>
+    <p:tnLst>
+      <p:par>
+        <p:cTn id="1" dur="indefinite" restart="never" nodeType="tmRoot"/>
+      </p:par>
+    </p:tnLst>
+  </p:timing>
+</p:sld>
+</file>
+
+<file path=ppt/slides/slide6.xml><?xml version="1.0" encoding="utf-8"?>
+<p:sld xmlns:a="http://schemas.openxmlformats.org/drawingml/2006/main" xmlns:r="http://schemas.openxmlformats.org/officeDocument/2006/relationships" xmlns:p="http://schemas.openxmlformats.org/presentationml/2006/main">
+  <p:cSld>
+    <p:spTree>
+      <p:nvGrpSpPr>
+        <p:cNvPr id="1" name=""/>
+        <p:cNvGrpSpPr/>
+        <p:nvPr/>
+      </p:nvGrpSpPr>
+      <p:grpSpPr>
+        <a:xfrm>
+          <a:off x="0" y="0"/>
+          <a:ext cx="0" cy="0"/>
+          <a:chOff x="0" y="0"/>
+          <a:chExt cx="0" cy="0"/>
+        </a:xfrm>
+      </p:grpSpPr>
+      <p:sp>
+        <p:nvSpPr>
+          <p:cNvPr id="2" name="Título 1"/>
+          <p:cNvSpPr>
+            <a:spLocks noGrp="1"/>
+          </p:cNvSpPr>
+          <p:nvPr>
+            <p:ph type="title"/>
+          </p:nvPr>
+        </p:nvSpPr>
+        <p:spPr/>
+        <p:txBody>
+          <a:bodyPr>
+            <a:normAutofit/>
+          </a:bodyPr>
+          <a:lstStyle/>
+          <a:p>
+            <a:pPr algn="ctr"/>
+            <a:r>
+              <a:rPr lang="es-MX" sz="4000" b="1" dirty="0" smtClean="0"/>
+              <a:t>ORGANIGRAMA</a:t>
+            </a:r>
+            <a:endParaRPr lang="es-MX" sz="4000" b="1" dirty="0"/>
+          </a:p>
+        </p:txBody>
+      </p:sp>
+      <p:pic>
+        <p:nvPicPr>
+          <p:cNvPr id="4" name="Marcador de contenido 3" descr="C:\Users\FRANC\Desktop\Diagrama1.jpeg"/>
+          <p:cNvPicPr>
+            <a:picLocks noGrp="1"/>
+          </p:cNvPicPr>
+          <p:nvPr>
+            <p:ph idx="1"/>
+          </p:nvPr>
+        </p:nvPicPr>
+        <p:blipFill>
+          <a:blip r:embed="rId2">
+            <a:extLst>
+              <a:ext uri="{28A0092B-C50C-407E-A947-70E740481C1C}">
+                <a14:useLocalDpi xmlns:a14="http://schemas.microsoft.com/office/drawing/2010/main" val="0"/>
+              </a:ext>
+            </a:extLst>
+          </a:blip>
+          <a:srcRect/>
+          <a:stretch>
+            <a:fillRect/>
+          </a:stretch>
+        </p:blipFill>
+        <p:spPr bwMode="auto">
+          <a:xfrm>
+            <a:off x="1044053" y="2171700"/>
+            <a:ext cx="10256293" cy="3885869"/>
+          </a:xfrm>
+          <a:prstGeom prst="rect">
+            <a:avLst/>
+          </a:prstGeom>
+          <a:noFill/>
+          <a:ln>
+            <a:noFill/>
+          </a:ln>
+        </p:spPr>
+      </p:pic>
+      <p:sp>
+        <p:nvSpPr>
+          <p:cNvPr id="9" name="Documento 3"/>
+          <p:cNvSpPr/>
+          <p:nvPr/>
+        </p:nvSpPr>
+        <p:spPr>
+          <a:xfrm flipH="1">
+            <a:off x="-14111" y="-19049"/>
+            <a:ext cx="12206111" cy="608012"/>
+          </a:xfrm>
+          <a:custGeom>
+            <a:avLst/>
+            <a:gdLst>
+              <a:gd name="connsiteX0" fmla="*/ 0 w 21600"/>
+              <a:gd name="connsiteY0" fmla="*/ 0 h 21600"/>
+              <a:gd name="connsiteX1" fmla="*/ 21600 w 21600"/>
+              <a:gd name="connsiteY1" fmla="*/ 0 h 21600"/>
+              <a:gd name="connsiteX2" fmla="*/ 21600 w 21600"/>
+              <a:gd name="connsiteY2" fmla="*/ 17322 h 21600"/>
+              <a:gd name="connsiteX3" fmla="*/ 0 w 21600"/>
+              <a:gd name="connsiteY3" fmla="*/ 20172 h 21600"/>
+              <a:gd name="connsiteX4" fmla="*/ 0 w 21600"/>
+              <a:gd name="connsiteY4" fmla="*/ 0 h 21600"/>
+              <a:gd name="connsiteX0" fmla="*/ 0 w 21600"/>
+              <a:gd name="connsiteY0" fmla="*/ 0 h 21324"/>
+              <a:gd name="connsiteX1" fmla="*/ 21600 w 21600"/>
+              <a:gd name="connsiteY1" fmla="*/ 11269 h 21324"/>
+              <a:gd name="connsiteX2" fmla="*/ 21600 w 21600"/>
+              <a:gd name="connsiteY2" fmla="*/ 17322 h 21324"/>
+              <a:gd name="connsiteX3" fmla="*/ 0 w 21600"/>
+              <a:gd name="connsiteY3" fmla="*/ 20172 h 21324"/>
+              <a:gd name="connsiteX4" fmla="*/ 0 w 21600"/>
+              <a:gd name="connsiteY4" fmla="*/ 0 h 21324"/>
+              <a:gd name="connsiteX0" fmla="*/ 0 w 21600"/>
+              <a:gd name="connsiteY0" fmla="*/ 752 h 10055"/>
+              <a:gd name="connsiteX1" fmla="*/ 21600 w 21600"/>
+              <a:gd name="connsiteY1" fmla="*/ 0 h 10055"/>
+              <a:gd name="connsiteX2" fmla="*/ 21600 w 21600"/>
+              <a:gd name="connsiteY2" fmla="*/ 6053 h 10055"/>
+              <a:gd name="connsiteX3" fmla="*/ 0 w 21600"/>
+              <a:gd name="connsiteY3" fmla="*/ 8903 h 10055"/>
+              <a:gd name="connsiteX4" fmla="*/ 0 w 21600"/>
+              <a:gd name="connsiteY4" fmla="*/ 752 h 10055"/>
+              <a:gd name="connsiteX0" fmla="*/ 24 w 21600"/>
+              <a:gd name="connsiteY0" fmla="*/ 877 h 10055"/>
+              <a:gd name="connsiteX1" fmla="*/ 21600 w 21600"/>
+              <a:gd name="connsiteY1" fmla="*/ 0 h 10055"/>
+              <a:gd name="connsiteX2" fmla="*/ 21600 w 21600"/>
+              <a:gd name="connsiteY2" fmla="*/ 6053 h 10055"/>
+              <a:gd name="connsiteX3" fmla="*/ 0 w 21600"/>
+              <a:gd name="connsiteY3" fmla="*/ 8903 h 10055"/>
+              <a:gd name="connsiteX4" fmla="*/ 24 w 21600"/>
+              <a:gd name="connsiteY4" fmla="*/ 877 h 10055"/>
+              <a:gd name="connsiteX0" fmla="*/ 1 w 21625"/>
+              <a:gd name="connsiteY0" fmla="*/ 126 h 10055"/>
+              <a:gd name="connsiteX1" fmla="*/ 21625 w 21625"/>
+              <a:gd name="connsiteY1" fmla="*/ 0 h 10055"/>
+              <a:gd name="connsiteX2" fmla="*/ 21625 w 21625"/>
+              <a:gd name="connsiteY2" fmla="*/ 6053 h 10055"/>
+              <a:gd name="connsiteX3" fmla="*/ 25 w 21625"/>
+              <a:gd name="connsiteY3" fmla="*/ 8903 h 10055"/>
+              <a:gd name="connsiteX4" fmla="*/ 1 w 21625"/>
+              <a:gd name="connsiteY4" fmla="*/ 126 h 10055"/>
+            </a:gdLst>
+            <a:ahLst/>
+            <a:cxnLst>
+              <a:cxn ang="0">
+                <a:pos x="connsiteX0" y="connsiteY0"/>
+              </a:cxn>
+              <a:cxn ang="0">
+                <a:pos x="connsiteX1" y="connsiteY1"/>
+              </a:cxn>
+              <a:cxn ang="0">
+                <a:pos x="connsiteX2" y="connsiteY2"/>
+              </a:cxn>
+              <a:cxn ang="0">
+                <a:pos x="connsiteX3" y="connsiteY3"/>
+              </a:cxn>
+              <a:cxn ang="0">
+                <a:pos x="connsiteX4" y="connsiteY4"/>
+              </a:cxn>
+            </a:cxnLst>
+            <a:rect l="l" t="t" r="r" b="b"/>
+            <a:pathLst>
+              <a:path w="21625" h="10055">
+                <a:moveTo>
+                  <a:pt x="1" y="126"/>
+                </a:moveTo>
+                <a:lnTo>
+                  <a:pt x="21625" y="0"/>
+                </a:lnTo>
+                <a:lnTo>
+                  <a:pt x="21625" y="6053"/>
+                </a:lnTo>
+                <a:cubicBezTo>
+                  <a:pt x="10825" y="6053"/>
+                  <a:pt x="10825" y="12653"/>
+                  <a:pt x="25" y="8903"/>
+                </a:cubicBezTo>
+                <a:cubicBezTo>
+                  <a:pt x="33" y="6228"/>
+                  <a:pt x="-7" y="2801"/>
+                  <a:pt x="1" y="126"/>
+                </a:cubicBezTo>
+                <a:close/>
+              </a:path>
+            </a:pathLst>
+          </a:custGeom>
+          <a:solidFill>
+            <a:srgbClr val="FF9933"/>
+          </a:solidFill>
+        </p:spPr>
+        <p:style>
+          <a:lnRef idx="0">
+            <a:schemeClr val="accent2"/>
+          </a:lnRef>
+          <a:fillRef idx="3">
+            <a:schemeClr val="accent2"/>
+          </a:fillRef>
+          <a:effectRef idx="3">
+            <a:schemeClr val="accent2"/>
+          </a:effectRef>
+          <a:fontRef idx="minor">
+            <a:schemeClr val="lt1"/>
+          </a:fontRef>
+        </p:style>
+        <p:txBody>
+          <a:bodyPr rot="0" spcFirstLastPara="0" vert="horz" wrap="square" lIns="91440" tIns="45720" rIns="91440" bIns="45720" numCol="1" spcCol="0" rtlCol="0" fromWordArt="0" anchor="ctr" anchorCtr="0" forceAA="0" compatLnSpc="1">
+            <a:prstTxWarp prst="textNoShape">
+              <a:avLst/>
+            </a:prstTxWarp>
+            <a:noAutofit/>
+          </a:bodyPr>
+          <a:lstStyle/>
+          <a:p>
+            <a:endParaRPr lang="es-MX"/>
+          </a:p>
+        </p:txBody>
+      </p:sp>
+      <p:pic>
+        <p:nvPicPr>
+          <p:cNvPr id="10" name="Imagen 53" descr="Logo_SM-ROOT"/>
+          <p:cNvPicPr>
+            <a:picLocks noChangeAspect="1" noChangeArrowheads="1"/>
+          </p:cNvPicPr>
+          <p:nvPr/>
+        </p:nvPicPr>
+        <p:blipFill>
+          <a:blip r:embed="rId3" cstate="print">
+            <a:extLst>
+              <a:ext uri="{28A0092B-C50C-407E-A947-70E740481C1C}">
+                <a14:useLocalDpi xmlns:a14="http://schemas.microsoft.com/office/drawing/2010/main" val="0"/>
+              </a:ext>
+            </a:extLst>
+          </a:blip>
+          <a:srcRect b="15874"/>
+          <a:stretch>
+            <a:fillRect/>
+          </a:stretch>
+        </p:blipFill>
+        <p:spPr bwMode="auto">
+          <a:xfrm>
+            <a:off x="796925" y="-19049"/>
+            <a:ext cx="1149350" cy="663575"/>
+          </a:xfrm>
+          <a:prstGeom prst="rect">
+            <a:avLst/>
+          </a:prstGeom>
+          <a:noFill/>
+          <a:extLst>
+            <a:ext uri="{909E8E84-426E-40DD-AFC4-6F175D3DCCD1}">
+              <a14:hiddenFill xmlns:a14="http://schemas.microsoft.com/office/drawing/2010/main">
+                <a:solidFill>
+                  <a:srgbClr val="FFFFFF"/>
+                </a:solidFill>
+              </a14:hiddenFill>
+            </a:ext>
+          </a:extLst>
+        </p:spPr>
+      </p:pic>
+      <p:pic>
+        <p:nvPicPr>
+          <p:cNvPr id="11" name="Imagen 52" descr="Logo_SM-ROOT"/>
+          <p:cNvPicPr>
+            <a:picLocks noChangeAspect="1" noChangeArrowheads="1"/>
+          </p:cNvPicPr>
+          <p:nvPr/>
+        </p:nvPicPr>
+        <p:blipFill>
+          <a:blip r:embed="rId4">
+            <a:grayscl/>
+            <a:biLevel thresh="50000"/>
+            <a:extLst>
+              <a:ext uri="{BEBA8EAE-BF5A-486C-A8C5-ECC9F3942E4B}">
+                <a14:imgProps xmlns:a14="http://schemas.microsoft.com/office/drawing/2010/main">
+                  <a14:imgLayer r:embed="rId5">
+                    <a14:imgEffect>
+                      <a14:artisticPaintStrokes/>
+                    </a14:imgEffect>
+                  </a14:imgLayer>
+                </a14:imgProps>
+              </a:ext>
+              <a:ext uri="{28A0092B-C50C-407E-A947-70E740481C1C}">
+                <a14:useLocalDpi xmlns:a14="http://schemas.microsoft.com/office/drawing/2010/main" val="0"/>
+              </a:ext>
+            </a:extLst>
+          </a:blip>
+          <a:srcRect t="84169"/>
+          <a:stretch>
+            <a:fillRect/>
+          </a:stretch>
+        </p:blipFill>
+        <p:spPr bwMode="auto">
+          <a:xfrm>
+            <a:off x="4652168" y="63500"/>
+            <a:ext cx="3040063" cy="330200"/>
+          </a:xfrm>
+          <a:prstGeom prst="rect">
+            <a:avLst/>
+          </a:prstGeom>
+          <a:noFill/>
+          <a:extLst>
+            <a:ext uri="{909E8E84-426E-40DD-AFC4-6F175D3DCCD1}">
+              <a14:hiddenFill xmlns:a14="http://schemas.microsoft.com/office/drawing/2010/main">
+                <a:solidFill>
+                  <a:srgbClr val="FFFFFF"/>
+                </a:solidFill>
+              </a14:hiddenFill>
+            </a:ext>
+          </a:extLst>
+        </p:spPr>
+      </p:pic>
+      <p:pic>
+        <p:nvPicPr>
+          <p:cNvPr id="12" name="Imagen 54" descr="logo"/>
+          <p:cNvPicPr>
+            <a:picLocks noChangeAspect="1" noChangeArrowheads="1"/>
+          </p:cNvPicPr>
+          <p:nvPr/>
+        </p:nvPicPr>
+        <p:blipFill>
+          <a:blip r:embed="rId6" cstate="print">
+            <a:extLst>
+              <a:ext uri="{28A0092B-C50C-407E-A947-70E740481C1C}">
+                <a14:useLocalDpi xmlns:a14="http://schemas.microsoft.com/office/drawing/2010/main" val="0"/>
+              </a:ext>
+            </a:extLst>
+          </a:blip>
+          <a:srcRect/>
+          <a:stretch>
+            <a:fillRect/>
+          </a:stretch>
+        </p:blipFill>
+        <p:spPr bwMode="auto">
+          <a:xfrm>
+            <a:off x="11574286" y="-47625"/>
+            <a:ext cx="631825" cy="720725"/>
+          </a:xfrm>
+          <a:prstGeom prst="rect">
+            <a:avLst/>
+          </a:prstGeom>
+          <a:noFill/>
+          <a:extLst>
+            <a:ext uri="{909E8E84-426E-40DD-AFC4-6F175D3DCCD1}">
+              <a14:hiddenFill xmlns:a14="http://schemas.microsoft.com/office/drawing/2010/main">
+                <a:solidFill>
+                  <a:srgbClr val="FFFFFF"/>
+                </a:solidFill>
+              </a14:hiddenFill>
+            </a:ext>
+          </a:extLst>
+        </p:spPr>
+      </p:pic>
+    </p:spTree>
+    <p:extLst>
+      <p:ext uri="{BB962C8B-B14F-4D97-AF65-F5344CB8AC3E}">
+        <p14:creationId xmlns:p14="http://schemas.microsoft.com/office/powerpoint/2010/main" val="576528580"/>
+      </p:ext>
+    </p:extLst>
+  </p:cSld>
+  <p:clrMapOvr>
+    <a:masterClrMapping/>
+  </p:clrMapOvr>
+  <p:timing>
+    <p:tnLst>
+      <p:par>
+        <p:cTn id="1" dur="indefinite" restart="never" nodeType="tmRoot"/>
+      </p:par>
+    </p:tnLst>
+  </p:timing>
+</p:sld>
+</file>
+
+<file path=ppt/slides/slide7.xml><?xml version="1.0" encoding="utf-8"?>
+<p:sld xmlns:a="http://schemas.openxmlformats.org/drawingml/2006/main" xmlns:r="http://schemas.openxmlformats.org/officeDocument/2006/relationships" xmlns:p="http://schemas.openxmlformats.org/presentationml/2006/main">
+  <p:cSld>
+    <p:spTree>
+      <p:nvGrpSpPr>
+        <p:cNvPr id="1" name=""/>
+        <p:cNvGrpSpPr/>
+        <p:nvPr/>
+      </p:nvGrpSpPr>
+      <p:grpSpPr>
+        <a:xfrm>
+          <a:off x="0" y="0"/>
+          <a:ext cx="0" cy="0"/>
+          <a:chOff x="0" y="0"/>
+          <a:chExt cx="0" cy="0"/>
+        </a:xfrm>
+      </p:grpSpPr>
+      <p:sp>
+        <p:nvSpPr>
+          <p:cNvPr id="2" name="Título 1"/>
+          <p:cNvSpPr>
+            <a:spLocks noGrp="1"/>
+          </p:cNvSpPr>
+          <p:nvPr>
+            <p:ph type="title"/>
+          </p:nvPr>
+        </p:nvSpPr>
+        <p:spPr/>
+        <p:txBody>
+          <a:bodyPr>
+            <a:normAutofit/>
+          </a:bodyPr>
+          <a:lstStyle/>
+          <a:p>
+            <a:pPr algn="ctr"/>
+            <a:r>
+              <a:rPr lang="es-MX" sz="4000" b="1" dirty="0" smtClean="0"/>
+              <a:t>PLANTEAMIENTO DEL PROBLEMA</a:t>
+            </a:r>
+            <a:endParaRPr lang="es-MX" sz="4000" b="1" dirty="0"/>
+          </a:p>
+        </p:txBody>
+      </p:sp>
+      <p:sp>
+        <p:nvSpPr>
+          <p:cNvPr id="3" name="Marcador de contenido 2"/>
+          <p:cNvSpPr>
+            <a:spLocks noGrp="1"/>
+          </p:cNvSpPr>
+          <p:nvPr>
+            <p:ph idx="1"/>
+          </p:nvPr>
+        </p:nvSpPr>
+        <p:spPr>
+          <a:xfrm>
+            <a:off x="1946275" y="1618345"/>
+            <a:ext cx="8591096" cy="3581400"/>
+          </a:xfrm>
+        </p:spPr>
+        <p:txBody>
+          <a:bodyPr>
+            <a:normAutofit/>
+          </a:bodyPr>
+          <a:lstStyle/>
+          <a:p>
+            <a:pPr marL="0" indent="0" algn="just">
+              <a:lnSpc>
+                <a:spcPct val="150000"/>
+              </a:lnSpc>
+              <a:buNone/>
+            </a:pPr>
+            <a:r>
+              <a:rPr lang="es-MX" dirty="0"/>
+              <a:t>La panadería </a:t>
+            </a:r>
+            <a:r>
+              <a:rPr lang="es-MX" b="1" dirty="0"/>
+              <a:t>San </a:t>
+            </a:r>
+            <a:r>
+              <a:rPr lang="es-MX" b="1" dirty="0" smtClean="0"/>
+              <a:t>Pedro</a:t>
+            </a:r>
+            <a:r>
+              <a:rPr lang="es-MX" dirty="0" smtClean="0"/>
+              <a:t> es una empresa grande con una trayectoria de años en el mercado. No obstante, </a:t>
+            </a:r>
+            <a:r>
+              <a:rPr lang="es-MX" dirty="0"/>
+              <a:t>con el tiempo no se ha podido actualizar </a:t>
+            </a:r>
+            <a:r>
+              <a:rPr lang="es-MX" dirty="0" smtClean="0"/>
+              <a:t>en tecnologías, por </a:t>
+            </a:r>
+            <a:r>
+              <a:rPr lang="es-MX" dirty="0"/>
+              <a:t>lo consiguiente </a:t>
+            </a:r>
+            <a:r>
+              <a:rPr lang="es-MX" dirty="0" smtClean="0"/>
+              <a:t>maneja todo </a:t>
+            </a:r>
+            <a:r>
+              <a:rPr lang="es-MX" dirty="0"/>
+              <a:t>el control </a:t>
+            </a:r>
+            <a:r>
+              <a:rPr lang="es-MX" dirty="0" smtClean="0"/>
+              <a:t>de  inventarios</a:t>
+            </a:r>
+            <a:r>
+              <a:rPr lang="es-MX" dirty="0"/>
+              <a:t>, </a:t>
+            </a:r>
+            <a:r>
+              <a:rPr lang="es-MX" dirty="0" smtClean="0"/>
+              <a:t>ventas, compras</a:t>
+            </a:r>
+            <a:r>
+              <a:rPr lang="es-MX" dirty="0"/>
+              <a:t>, suministros, registros de </a:t>
+            </a:r>
+            <a:r>
+              <a:rPr lang="es-MX" dirty="0" smtClean="0"/>
+              <a:t>entradas, salidas y rutas </a:t>
+            </a:r>
+            <a:r>
+              <a:rPr lang="es-MX" dirty="0"/>
+              <a:t>en hojas de </a:t>
+            </a:r>
+            <a:r>
+              <a:rPr lang="es-MX" dirty="0" smtClean="0"/>
+              <a:t>Excel. Esta forma de trabajar es un poco ambigua ya que es muy susceptible a que existan perdidas,  debido a que la información no siempre es exacta ni fiable, lo que compromete a la empresa a tener perdidas</a:t>
+            </a:r>
+            <a:r>
+              <a:rPr lang="es-MX" dirty="0"/>
+              <a:t> </a:t>
+            </a:r>
+            <a:r>
+              <a:rPr lang="es-MX" dirty="0" smtClean="0"/>
+              <a:t>en materiales y productos.</a:t>
+            </a:r>
+          </a:p>
+          <a:p>
+            <a:pPr marL="0" indent="0" algn="just">
+              <a:lnSpc>
+                <a:spcPct val="150000"/>
+              </a:lnSpc>
+              <a:buNone/>
+            </a:pPr>
+            <a:endParaRPr lang="es-MX" dirty="0"/>
+          </a:p>
+          <a:p>
+            <a:pPr marL="0" indent="0" algn="just">
+              <a:lnSpc>
+                <a:spcPct val="150000"/>
+              </a:lnSpc>
+              <a:buNone/>
+            </a:pPr>
+            <a:endParaRPr lang="es-MX" dirty="0"/>
+          </a:p>
+        </p:txBody>
+      </p:sp>
+      <p:sp>
+        <p:nvSpPr>
+          <p:cNvPr id="4" name="Documento 3"/>
+          <p:cNvSpPr/>
+          <p:nvPr/>
+        </p:nvSpPr>
+        <p:spPr>
+          <a:xfrm flipH="1">
+            <a:off x="-14111" y="-19049"/>
+            <a:ext cx="12206111" cy="608012"/>
+          </a:xfrm>
+          <a:custGeom>
+            <a:avLst/>
+            <a:gdLst>
+              <a:gd name="connsiteX0" fmla="*/ 0 w 21600"/>
+              <a:gd name="connsiteY0" fmla="*/ 0 h 21600"/>
+              <a:gd name="connsiteX1" fmla="*/ 21600 w 21600"/>
+              <a:gd name="connsiteY1" fmla="*/ 0 h 21600"/>
+              <a:gd name="connsiteX2" fmla="*/ 21600 w 21600"/>
+              <a:gd name="connsiteY2" fmla="*/ 17322 h 21600"/>
+              <a:gd name="connsiteX3" fmla="*/ 0 w 21600"/>
+              <a:gd name="connsiteY3" fmla="*/ 20172 h 21600"/>
+              <a:gd name="connsiteX4" fmla="*/ 0 w 21600"/>
+              <a:gd name="connsiteY4" fmla="*/ 0 h 21600"/>
+              <a:gd name="connsiteX0" fmla="*/ 0 w 21600"/>
+              <a:gd name="connsiteY0" fmla="*/ 0 h 21324"/>
+              <a:gd name="connsiteX1" fmla="*/ 21600 w 21600"/>
+              <a:gd name="connsiteY1" fmla="*/ 11269 h 21324"/>
+              <a:gd name="connsiteX2" fmla="*/ 21600 w 21600"/>
+              <a:gd name="connsiteY2" fmla="*/ 17322 h 21324"/>
+              <a:gd name="connsiteX3" fmla="*/ 0 w 21600"/>
+              <a:gd name="connsiteY3" fmla="*/ 20172 h 21324"/>
+              <a:gd name="connsiteX4" fmla="*/ 0 w 21600"/>
+              <a:gd name="connsiteY4" fmla="*/ 0 h 21324"/>
+              <a:gd name="connsiteX0" fmla="*/ 0 w 21600"/>
+              <a:gd name="connsiteY0" fmla="*/ 752 h 10055"/>
+              <a:gd name="connsiteX1" fmla="*/ 21600 w 21600"/>
+              <a:gd name="connsiteY1" fmla="*/ 0 h 10055"/>
+              <a:gd name="connsiteX2" fmla="*/ 21600 w 21600"/>
+              <a:gd name="connsiteY2" fmla="*/ 6053 h 10055"/>
+              <a:gd name="connsiteX3" fmla="*/ 0 w 21600"/>
+              <a:gd name="connsiteY3" fmla="*/ 8903 h 10055"/>
+              <a:gd name="connsiteX4" fmla="*/ 0 w 21600"/>
+              <a:gd name="connsiteY4" fmla="*/ 752 h 10055"/>
+              <a:gd name="connsiteX0" fmla="*/ 24 w 21600"/>
+              <a:gd name="connsiteY0" fmla="*/ 877 h 10055"/>
+              <a:gd name="connsiteX1" fmla="*/ 21600 w 21600"/>
+              <a:gd name="connsiteY1" fmla="*/ 0 h 10055"/>
+              <a:gd name="connsiteX2" fmla="*/ 21600 w 21600"/>
+              <a:gd name="connsiteY2" fmla="*/ 6053 h 10055"/>
+              <a:gd name="connsiteX3" fmla="*/ 0 w 21600"/>
+              <a:gd name="connsiteY3" fmla="*/ 8903 h 10055"/>
+              <a:gd name="connsiteX4" fmla="*/ 24 w 21600"/>
+              <a:gd name="connsiteY4" fmla="*/ 877 h 10055"/>
+              <a:gd name="connsiteX0" fmla="*/ 1 w 21625"/>
+              <a:gd name="connsiteY0" fmla="*/ 126 h 10055"/>
+              <a:gd name="connsiteX1" fmla="*/ 21625 w 21625"/>
+              <a:gd name="connsiteY1" fmla="*/ 0 h 10055"/>
+              <a:gd name="connsiteX2" fmla="*/ 21625 w 21625"/>
+              <a:gd name="connsiteY2" fmla="*/ 6053 h 10055"/>
+              <a:gd name="connsiteX3" fmla="*/ 25 w 21625"/>
+              <a:gd name="connsiteY3" fmla="*/ 8903 h 10055"/>
+              <a:gd name="connsiteX4" fmla="*/ 1 w 21625"/>
+              <a:gd name="connsiteY4" fmla="*/ 126 h 10055"/>
+            </a:gdLst>
+            <a:ahLst/>
+            <a:cxnLst>
+              <a:cxn ang="0">
+                <a:pos x="connsiteX0" y="connsiteY0"/>
+              </a:cxn>
+              <a:cxn ang="0">
+                <a:pos x="connsiteX1" y="connsiteY1"/>
+              </a:cxn>
+              <a:cxn ang="0">
+                <a:pos x="connsiteX2" y="connsiteY2"/>
+              </a:cxn>
+              <a:cxn ang="0">
+                <a:pos x="connsiteX3" y="connsiteY3"/>
+              </a:cxn>
+              <a:cxn ang="0">
+                <a:pos x="connsiteX4" y="connsiteY4"/>
+              </a:cxn>
+            </a:cxnLst>
+            <a:rect l="l" t="t" r="r" b="b"/>
+            <a:pathLst>
+              <a:path w="21625" h="10055">
+                <a:moveTo>
+                  <a:pt x="1" y="126"/>
+                </a:moveTo>
+                <a:lnTo>
+                  <a:pt x="21625" y="0"/>
+                </a:lnTo>
+                <a:lnTo>
+                  <a:pt x="21625" y="6053"/>
+                </a:lnTo>
+                <a:cubicBezTo>
+                  <a:pt x="10825" y="6053"/>
+                  <a:pt x="10825" y="12653"/>
+                  <a:pt x="25" y="8903"/>
+                </a:cubicBezTo>
+                <a:cubicBezTo>
+                  <a:pt x="33" y="6228"/>
+                  <a:pt x="-7" y="2801"/>
+                  <a:pt x="1" y="126"/>
+                </a:cubicBezTo>
+                <a:close/>
+              </a:path>
+            </a:pathLst>
+          </a:custGeom>
+          <a:solidFill>
+            <a:srgbClr val="FF9933"/>
+          </a:solidFill>
+        </p:spPr>
+        <p:style>
+          <a:lnRef idx="0">
+            <a:schemeClr val="accent2"/>
+          </a:lnRef>
+          <a:fillRef idx="3">
+            <a:schemeClr val="accent2"/>
+          </a:fillRef>
+          <a:effectRef idx="3">
+            <a:schemeClr val="accent2"/>
+          </a:effectRef>
+          <a:fontRef idx="minor">
+            <a:schemeClr val="lt1"/>
+          </a:fontRef>
+        </p:style>
+        <p:txBody>
+          <a:bodyPr rot="0" spcFirstLastPara="0" vert="horz" wrap="square" lIns="91440" tIns="45720" rIns="91440" bIns="45720" numCol="1" spcCol="0" rtlCol="0" fromWordArt="0" anchor="ctr" anchorCtr="0" forceAA="0" compatLnSpc="1">
+            <a:prstTxWarp prst="textNoShape">
+              <a:avLst/>
+            </a:prstTxWarp>
+            <a:noAutofit/>
+          </a:bodyPr>
+          <a:lstStyle/>
+          <a:p>
+            <a:endParaRPr lang="es-MX"/>
+          </a:p>
+        </p:txBody>
+      </p:sp>
+      <p:pic>
+        <p:nvPicPr>
+          <p:cNvPr id="5" name="Imagen 53" descr="Logo_SM-ROOT"/>
+          <p:cNvPicPr>
+            <a:picLocks noChangeAspect="1" noChangeArrowheads="1"/>
+          </p:cNvPicPr>
+          <p:nvPr/>
+        </p:nvPicPr>
+        <p:blipFill>
+          <a:blip r:embed="rId2" cstate="print">
+            <a:extLst>
+              <a:ext uri="{28A0092B-C50C-407E-A947-70E740481C1C}">
+                <a14:useLocalDpi xmlns:a14="http://schemas.microsoft.com/office/drawing/2010/main" val="0"/>
+              </a:ext>
+            </a:extLst>
+          </a:blip>
+          <a:srcRect b="15874"/>
+          <a:stretch>
+            <a:fillRect/>
+          </a:stretch>
+        </p:blipFill>
+        <p:spPr bwMode="auto">
+          <a:xfrm>
+            <a:off x="796925" y="-19049"/>
+            <a:ext cx="1149350" cy="663575"/>
+          </a:xfrm>
+          <a:prstGeom prst="rect">
+            <a:avLst/>
+          </a:prstGeom>
+          <a:noFill/>
+          <a:extLst>
+            <a:ext uri="{909E8E84-426E-40DD-AFC4-6F175D3DCCD1}">
+              <a14:hiddenFill xmlns:a14="http://schemas.microsoft.com/office/drawing/2010/main">
+                <a:solidFill>
+                  <a:srgbClr val="FFFFFF"/>
+                </a:solidFill>
+              </a14:hiddenFill>
+            </a:ext>
+          </a:extLst>
+        </p:spPr>
+      </p:pic>
+      <p:pic>
+        <p:nvPicPr>
+          <p:cNvPr id="6" name="Imagen 52" descr="Logo_SM-ROOT"/>
+          <p:cNvPicPr>
+            <a:picLocks noChangeAspect="1" noChangeArrowheads="1"/>
+          </p:cNvPicPr>
+          <p:nvPr/>
+        </p:nvPicPr>
+        <p:blipFill>
+          <a:blip r:embed="rId3">
+            <a:grayscl/>
+            <a:biLevel thresh="50000"/>
+            <a:extLst>
+              <a:ext uri="{BEBA8EAE-BF5A-486C-A8C5-ECC9F3942E4B}">
+                <a14:imgProps xmlns:a14="http://schemas.microsoft.com/office/drawing/2010/main">
+                  <a14:imgLayer r:embed="rId4">
+                    <a14:imgEffect>
+                      <a14:artisticPaintStrokes/>
+                    </a14:imgEffect>
+                  </a14:imgLayer>
+                </a14:imgProps>
+              </a:ext>
+              <a:ext uri="{28A0092B-C50C-407E-A947-70E740481C1C}">
+                <a14:useLocalDpi xmlns:a14="http://schemas.microsoft.com/office/drawing/2010/main" val="0"/>
+              </a:ext>
+            </a:extLst>
+          </a:blip>
+          <a:srcRect t="84169"/>
+          <a:stretch>
+            <a:fillRect/>
+          </a:stretch>
+        </p:blipFill>
+        <p:spPr bwMode="auto">
+          <a:xfrm>
+            <a:off x="4652168" y="63500"/>
+            <a:ext cx="3040063" cy="330200"/>
+          </a:xfrm>
+          <a:prstGeom prst="rect">
+            <a:avLst/>
+          </a:prstGeom>
+          <a:noFill/>
+          <a:extLst>
+            <a:ext uri="{909E8E84-426E-40DD-AFC4-6F175D3DCCD1}">
+              <a14:hiddenFill xmlns:a14="http://schemas.microsoft.com/office/drawing/2010/main">
+                <a:solidFill>
+                  <a:srgbClr val="FFFFFF"/>
+                </a:solidFill>
+              </a14:hiddenFill>
+            </a:ext>
+          </a:extLst>
+        </p:spPr>
+      </p:pic>
+      <p:pic>
+        <p:nvPicPr>
+          <p:cNvPr id="7" name="Imagen 54" descr="logo"/>
+          <p:cNvPicPr>
+            <a:picLocks noChangeAspect="1" noChangeArrowheads="1"/>
+          </p:cNvPicPr>
+          <p:nvPr/>
+        </p:nvPicPr>
+        <p:blipFill>
+          <a:blip r:embed="rId5" cstate="print">
+            <a:extLst>
+              <a:ext uri="{28A0092B-C50C-407E-A947-70E740481C1C}">
+                <a14:useLocalDpi xmlns:a14="http://schemas.microsoft.com/office/drawing/2010/main" val="0"/>
+              </a:ext>
+            </a:extLst>
+          </a:blip>
+          <a:srcRect/>
+          <a:stretch>
+            <a:fillRect/>
+          </a:stretch>
+        </p:blipFill>
+        <p:spPr bwMode="auto">
+          <a:xfrm>
+            <a:off x="11574286" y="-47625"/>
+            <a:ext cx="631825" cy="720725"/>
+          </a:xfrm>
+          <a:prstGeom prst="rect">
+            <a:avLst/>
+          </a:prstGeom>
+          <a:noFill/>
+          <a:extLst>
+            <a:ext uri="{909E8E84-426E-40DD-AFC4-6F175D3DCCD1}">
+              <a14:hiddenFill xmlns:a14="http://schemas.microsoft.com/office/drawing/2010/main">
+                <a:solidFill>
+                  <a:srgbClr val="FFFFFF"/>
+                </a:solidFill>
+              </a14:hiddenFill>
+            </a:ext>
+          </a:extLst>
+        </p:spPr>
+      </p:pic>
+    </p:spTree>
+    <p:extLst>
+      <p:ext uri="{BB962C8B-B14F-4D97-AF65-F5344CB8AC3E}">
+        <p14:creationId xmlns:p14="http://schemas.microsoft.com/office/powerpoint/2010/main" val="3201415638"/>
+      </p:ext>
+    </p:extLst>
+  </p:cSld>
+  <p:clrMapOvr>
+    <a:masterClrMapping/>
+  </p:clrMapOvr>
+  <p:timing>
+    <p:tnLst>
+      <p:par>
+        <p:cTn id="1" dur="indefinite" restart="never" nodeType="tmRoot"/>
+      </p:par>
+    </p:tnLst>
+  </p:timing>
+</p:sld>
+</file>
+
+<file path=ppt/slides/slide8.xml><?xml version="1.0" encoding="utf-8"?>
+<p:sld xmlns:a="http://schemas.openxmlformats.org/drawingml/2006/main" xmlns:r="http://schemas.openxmlformats.org/officeDocument/2006/relationships" xmlns:p="http://schemas.openxmlformats.org/presentationml/2006/main">
+  <p:cSld>
+    <p:spTree>
+      <p:nvGrpSpPr>
+        <p:cNvPr id="1" name=""/>
+        <p:cNvGrpSpPr/>
+        <p:nvPr/>
+      </p:nvGrpSpPr>
+      <p:grpSpPr>
+        <a:xfrm>
+          <a:off x="0" y="0"/>
+          <a:ext cx="0" cy="0"/>
+          <a:chOff x="0" y="0"/>
+          <a:chExt cx="0" cy="0"/>
+        </a:xfrm>
+      </p:grpSpPr>
+      <p:sp>
+        <p:nvSpPr>
+          <p:cNvPr id="2" name="Título 1"/>
+          <p:cNvSpPr>
+            <a:spLocks noGrp="1"/>
+          </p:cNvSpPr>
+          <p:nvPr>
+            <p:ph type="title"/>
+          </p:nvPr>
+        </p:nvSpPr>
+        <p:spPr/>
+        <p:txBody>
+          <a:bodyPr/>
+          <a:lstStyle/>
+          <a:p>
+            <a:pPr algn="ctr"/>
+            <a:r>
+              <a:rPr lang="es-MX" sz="4000" b="1" dirty="0" smtClean="0"/>
+              <a:t>JUSTIFICACIÓN</a:t>
+            </a:r>
+            <a:endParaRPr lang="es-MX" b="1" dirty="0"/>
+          </a:p>
+        </p:txBody>
+      </p:sp>
+      <p:sp>
+        <p:nvSpPr>
+          <p:cNvPr id="3" name="Marcador de contenido 2"/>
+          <p:cNvSpPr>
+            <a:spLocks noGrp="1"/>
+          </p:cNvSpPr>
+          <p:nvPr>
+            <p:ph idx="1"/>
+          </p:nvPr>
+        </p:nvSpPr>
+        <p:spPr>
+          <a:xfrm>
+            <a:off x="1379197" y="1784595"/>
+            <a:ext cx="10101603" cy="3803403"/>
+          </a:xfrm>
+        </p:spPr>
+        <p:txBody>
+          <a:bodyPr>
+            <a:normAutofit/>
+          </a:bodyPr>
+          <a:lstStyle/>
+          <a:p>
+            <a:pPr marL="0" indent="0" algn="just">
+              <a:lnSpc>
+                <a:spcPct val="150000"/>
+              </a:lnSpc>
+              <a:buNone/>
+            </a:pPr>
+            <a:r>
+              <a:rPr lang="es-MX" dirty="0" smtClean="0"/>
+              <a:t>La empresa panadería </a:t>
+            </a:r>
+            <a:r>
+              <a:rPr lang="es-MX" b="1" dirty="0" smtClean="0"/>
+              <a:t>San Pedro</a:t>
+            </a:r>
+            <a:r>
+              <a:rPr lang="es-MX" dirty="0" smtClean="0"/>
+              <a:t> carece de un control inteligente para administrar sus departamentos, </a:t>
+            </a:r>
+            <a:r>
+              <a:rPr lang="es-MX" dirty="0"/>
+              <a:t>inventarios, </a:t>
+            </a:r>
+            <a:r>
+              <a:rPr lang="es-MX" dirty="0" smtClean="0"/>
+              <a:t>ventas, compras</a:t>
+            </a:r>
+            <a:r>
+              <a:rPr lang="es-MX" dirty="0"/>
+              <a:t>, suministros, registros </a:t>
+            </a:r>
+            <a:r>
+              <a:rPr lang="es-MX" dirty="0" smtClean="0"/>
+              <a:t>de información entradas</a:t>
+            </a:r>
+            <a:r>
+              <a:rPr lang="es-MX" dirty="0"/>
+              <a:t>, salidas y </a:t>
+            </a:r>
+            <a:r>
+              <a:rPr lang="es-MX" dirty="0" smtClean="0"/>
+              <a:t>rutas. Por lo que es muy común que existan perdidas  de información, con el desarrollo de una aplicación móvil que permita conocer los estados de cada módulo y departamento de la empresa, será una forma para mejorar la parte  administrativa de la empresa. El fin de la aplicación consistirá en que los empleados pertenecientes a la gerencia general puedan tener acceso a la información de los módulos.</a:t>
+            </a:r>
+          </a:p>
+        </p:txBody>
+      </p:sp>
+      <p:sp>
+        <p:nvSpPr>
+          <p:cNvPr id="4" name="Documento 3"/>
+          <p:cNvSpPr/>
+          <p:nvPr/>
+        </p:nvSpPr>
+        <p:spPr>
+          <a:xfrm flipH="1">
+            <a:off x="-14111" y="-19049"/>
+            <a:ext cx="12206111" cy="608012"/>
+          </a:xfrm>
+          <a:custGeom>
+            <a:avLst/>
+            <a:gdLst>
+              <a:gd name="connsiteX0" fmla="*/ 0 w 21600"/>
+              <a:gd name="connsiteY0" fmla="*/ 0 h 21600"/>
+              <a:gd name="connsiteX1" fmla="*/ 21600 w 21600"/>
+              <a:gd name="connsiteY1" fmla="*/ 0 h 21600"/>
+              <a:gd name="connsiteX2" fmla="*/ 21600 w 21600"/>
+              <a:gd name="connsiteY2" fmla="*/ 17322 h 21600"/>
+              <a:gd name="connsiteX3" fmla="*/ 0 w 21600"/>
+              <a:gd name="connsiteY3" fmla="*/ 20172 h 21600"/>
+              <a:gd name="connsiteX4" fmla="*/ 0 w 21600"/>
+              <a:gd name="connsiteY4" fmla="*/ 0 h 21600"/>
+              <a:gd name="connsiteX0" fmla="*/ 0 w 21600"/>
+              <a:gd name="connsiteY0" fmla="*/ 0 h 21324"/>
+              <a:gd name="connsiteX1" fmla="*/ 21600 w 21600"/>
+              <a:gd name="connsiteY1" fmla="*/ 11269 h 21324"/>
+              <a:gd name="connsiteX2" fmla="*/ 21600 w 21600"/>
+              <a:gd name="connsiteY2" fmla="*/ 17322 h 21324"/>
+              <a:gd name="connsiteX3" fmla="*/ 0 w 21600"/>
+              <a:gd name="connsiteY3" fmla="*/ 20172 h 21324"/>
+              <a:gd name="connsiteX4" fmla="*/ 0 w 21600"/>
+              <a:gd name="connsiteY4" fmla="*/ 0 h 21324"/>
+              <a:gd name="connsiteX0" fmla="*/ 0 w 21600"/>
+              <a:gd name="connsiteY0" fmla="*/ 752 h 10055"/>
+              <a:gd name="connsiteX1" fmla="*/ 21600 w 21600"/>
+              <a:gd name="connsiteY1" fmla="*/ 0 h 10055"/>
+              <a:gd name="connsiteX2" fmla="*/ 21600 w 21600"/>
+              <a:gd name="connsiteY2" fmla="*/ 6053 h 10055"/>
+              <a:gd name="connsiteX3" fmla="*/ 0 w 21600"/>
+              <a:gd name="connsiteY3" fmla="*/ 8903 h 10055"/>
+              <a:gd name="connsiteX4" fmla="*/ 0 w 21600"/>
+              <a:gd name="connsiteY4" fmla="*/ 752 h 10055"/>
+              <a:gd name="connsiteX0" fmla="*/ 24 w 21600"/>
+              <a:gd name="connsiteY0" fmla="*/ 877 h 10055"/>
+              <a:gd name="connsiteX1" fmla="*/ 21600 w 21600"/>
+              <a:gd name="connsiteY1" fmla="*/ 0 h 10055"/>
+              <a:gd name="connsiteX2" fmla="*/ 21600 w 21600"/>
+              <a:gd name="connsiteY2" fmla="*/ 6053 h 10055"/>
+              <a:gd name="connsiteX3" fmla="*/ 0 w 21600"/>
+              <a:gd name="connsiteY3" fmla="*/ 8903 h 10055"/>
+              <a:gd name="connsiteX4" fmla="*/ 24 w 21600"/>
+              <a:gd name="connsiteY4" fmla="*/ 877 h 10055"/>
+              <a:gd name="connsiteX0" fmla="*/ 1 w 21625"/>
+              <a:gd name="connsiteY0" fmla="*/ 126 h 10055"/>
+              <a:gd name="connsiteX1" fmla="*/ 21625 w 21625"/>
+              <a:gd name="connsiteY1" fmla="*/ 0 h 10055"/>
+              <a:gd name="connsiteX2" fmla="*/ 21625 w 21625"/>
+              <a:gd name="connsiteY2" fmla="*/ 6053 h 10055"/>
+              <a:gd name="connsiteX3" fmla="*/ 25 w 21625"/>
+              <a:gd name="connsiteY3" fmla="*/ 8903 h 10055"/>
+              <a:gd name="connsiteX4" fmla="*/ 1 w 21625"/>
+              <a:gd name="connsiteY4" fmla="*/ 126 h 10055"/>
+            </a:gdLst>
+            <a:ahLst/>
+            <a:cxnLst>
+              <a:cxn ang="0">
+                <a:pos x="connsiteX0" y="connsiteY0"/>
+              </a:cxn>
+              <a:cxn ang="0">
+                <a:pos x="connsiteX1" y="connsiteY1"/>
+              </a:cxn>
+              <a:cxn ang="0">
+                <a:pos x="connsiteX2" y="connsiteY2"/>
+              </a:cxn>
+              <a:cxn ang="0">
+                <a:pos x="connsiteX3" y="connsiteY3"/>
+              </a:cxn>
+              <a:cxn ang="0">
+                <a:pos x="connsiteX4" y="connsiteY4"/>
+              </a:cxn>
+            </a:cxnLst>
+            <a:rect l="l" t="t" r="r" b="b"/>
+            <a:pathLst>
+              <a:path w="21625" h="10055">
+                <a:moveTo>
+                  <a:pt x="1" y="126"/>
+                </a:moveTo>
+                <a:lnTo>
+                  <a:pt x="21625" y="0"/>
+                </a:lnTo>
+                <a:lnTo>
+                  <a:pt x="21625" y="6053"/>
+                </a:lnTo>
+                <a:cubicBezTo>
+                  <a:pt x="10825" y="6053"/>
+                  <a:pt x="10825" y="12653"/>
+                  <a:pt x="25" y="8903"/>
+                </a:cubicBezTo>
+                <a:cubicBezTo>
+                  <a:pt x="33" y="6228"/>
+                  <a:pt x="-7" y="2801"/>
+                  <a:pt x="1" y="126"/>
+                </a:cubicBezTo>
+                <a:close/>
+              </a:path>
+            </a:pathLst>
+          </a:custGeom>
+          <a:solidFill>
+            <a:srgbClr val="FF9933"/>
+          </a:solidFill>
+        </p:spPr>
+        <p:style>
+          <a:lnRef idx="0">
+            <a:schemeClr val="accent2"/>
+          </a:lnRef>
+          <a:fillRef idx="3">
+            <a:schemeClr val="accent2"/>
+          </a:fillRef>
+          <a:effectRef idx="3">
+            <a:schemeClr val="accent2"/>
+          </a:effectRef>
+          <a:fontRef idx="minor">
+            <a:schemeClr val="lt1"/>
+          </a:fontRef>
+        </p:style>
+        <p:txBody>
+          <a:bodyPr rot="0" spcFirstLastPara="0" vert="horz" wrap="square" lIns="91440" tIns="45720" rIns="91440" bIns="45720" numCol="1" spcCol="0" rtlCol="0" fromWordArt="0" anchor="ctr" anchorCtr="0" forceAA="0" compatLnSpc="1">
+            <a:prstTxWarp prst="textNoShape">
+              <a:avLst/>
+            </a:prstTxWarp>
+            <a:noAutofit/>
+          </a:bodyPr>
+          <a:lstStyle/>
+          <a:p>
+            <a:endParaRPr lang="es-MX"/>
+          </a:p>
+        </p:txBody>
+      </p:sp>
+      <p:pic>
+        <p:nvPicPr>
           <p:cNvPr id="5" name="Imagen 53" descr="Logo_SM-ROOT"/>
           <p:cNvPicPr>
             <a:picLocks noChangeAspect="1" noChangeArrowheads="1"/>
@@ -13586,15 +14963,7 @@
             </a:r>
             <a:r>
               <a:rPr lang="es-MX" dirty="0" smtClean="0"/>
-              <a:t>desarrollo de la misma, durando en un periodo total de </a:t>
-            </a:r>
-            <a:r>
-              <a:rPr lang="es-MX" dirty="0" smtClean="0"/>
-              <a:t>32 semanas, </a:t>
-            </a:r>
-            <a:r>
-              <a:rPr lang="es-MX" dirty="0" smtClean="0"/>
-              <a:t>iniciando en </a:t>
+              <a:t>desarrollo de la misma, durando en un periodo total de 32 semanas, iniciando en </a:t>
             </a:r>
             <a:r>
               <a:rPr lang="es-MX" dirty="0"/>

--- a/9°A/Integradora/diapositiva/SM-ROOT_APPMO-SP.pptx
+++ b/9°A/Integradora/diapositiva/SM-ROOT_APPMO-SP.pptx
@@ -305,7 +305,7 @@
           <a:p>
             <a:fld id="{05AC1E8C-0CF9-436B-A299-46ADE80B9252}" type="datetimeFigureOut">
               <a:rPr lang="es-MX" smtClean="0"/>
-              <a:t>19/08/2019</a:t>
+              <a:t>20/08/2019</a:t>
             </a:fld>
             <a:endParaRPr lang="es-MX"/>
           </a:p>
@@ -635,7 +635,7 @@
           <a:p>
             <a:fld id="{05AC1E8C-0CF9-436B-A299-46ADE80B9252}" type="datetimeFigureOut">
               <a:rPr lang="es-MX" smtClean="0"/>
-              <a:t>19/08/2019</a:t>
+              <a:t>20/08/2019</a:t>
             </a:fld>
             <a:endParaRPr lang="es-MX"/>
           </a:p>
@@ -815,7 +815,7 @@
           <a:p>
             <a:fld id="{05AC1E8C-0CF9-436B-A299-46ADE80B9252}" type="datetimeFigureOut">
               <a:rPr lang="es-MX" smtClean="0"/>
-              <a:t>19/08/2019</a:t>
+              <a:t>20/08/2019</a:t>
             </a:fld>
             <a:endParaRPr lang="es-MX"/>
           </a:p>
@@ -985,7 +985,7 @@
           <a:p>
             <a:fld id="{05AC1E8C-0CF9-436B-A299-46ADE80B9252}" type="datetimeFigureOut">
               <a:rPr lang="es-MX" smtClean="0"/>
-              <a:t>19/08/2019</a:t>
+              <a:t>20/08/2019</a:t>
             </a:fld>
             <a:endParaRPr lang="es-MX"/>
           </a:p>
@@ -1262,7 +1262,7 @@
           <a:p>
             <a:fld id="{05AC1E8C-0CF9-436B-A299-46ADE80B9252}" type="datetimeFigureOut">
               <a:rPr lang="es-MX" smtClean="0"/>
-              <a:t>19/08/2019</a:t>
+              <a:t>20/08/2019</a:t>
             </a:fld>
             <a:endParaRPr lang="es-MX"/>
           </a:p>
@@ -1656,7 +1656,7 @@
           <a:p>
             <a:fld id="{05AC1E8C-0CF9-436B-A299-46ADE80B9252}" type="datetimeFigureOut">
               <a:rPr lang="es-MX" smtClean="0"/>
-              <a:t>19/08/2019</a:t>
+              <a:t>20/08/2019</a:t>
             </a:fld>
             <a:endParaRPr lang="es-MX"/>
           </a:p>
@@ -2138,7 +2138,7 @@
           <a:p>
             <a:fld id="{05AC1E8C-0CF9-436B-A299-46ADE80B9252}" type="datetimeFigureOut">
               <a:rPr lang="es-MX" smtClean="0"/>
-              <a:t>19/08/2019</a:t>
+              <a:t>20/08/2019</a:t>
             </a:fld>
             <a:endParaRPr lang="es-MX"/>
           </a:p>
@@ -2261,7 +2261,7 @@
           <a:p>
             <a:fld id="{05AC1E8C-0CF9-436B-A299-46ADE80B9252}" type="datetimeFigureOut">
               <a:rPr lang="es-MX" smtClean="0"/>
-              <a:t>19/08/2019</a:t>
+              <a:t>20/08/2019</a:t>
             </a:fld>
             <a:endParaRPr lang="es-MX"/>
           </a:p>
@@ -2356,7 +2356,7 @@
           <a:p>
             <a:fld id="{05AC1E8C-0CF9-436B-A299-46ADE80B9252}" type="datetimeFigureOut">
               <a:rPr lang="es-MX" smtClean="0"/>
-              <a:t>19/08/2019</a:t>
+              <a:t>20/08/2019</a:t>
             </a:fld>
             <a:endParaRPr lang="es-MX"/>
           </a:p>
@@ -2702,7 +2702,7 @@
           <a:p>
             <a:fld id="{05AC1E8C-0CF9-436B-A299-46ADE80B9252}" type="datetimeFigureOut">
               <a:rPr lang="es-MX" smtClean="0"/>
-              <a:t>19/08/2019</a:t>
+              <a:t>20/08/2019</a:t>
             </a:fld>
             <a:endParaRPr lang="es-MX"/>
           </a:p>
@@ -3095,7 +3095,7 @@
           <a:p>
             <a:fld id="{05AC1E8C-0CF9-436B-A299-46ADE80B9252}" type="datetimeFigureOut">
               <a:rPr lang="es-MX" smtClean="0"/>
-              <a:t>19/08/2019</a:t>
+              <a:t>20/08/2019</a:t>
             </a:fld>
             <a:endParaRPr lang="es-MX"/>
           </a:p>
@@ -3373,7 +3373,7 @@
           <a:p>
             <a:fld id="{05AC1E8C-0CF9-436B-A299-46ADE80B9252}" type="datetimeFigureOut">
               <a:rPr lang="es-MX" smtClean="0"/>
-              <a:t>19/08/2019</a:t>
+              <a:t>20/08/2019</a:t>
             </a:fld>
             <a:endParaRPr lang="es-MX"/>
           </a:p>
@@ -4293,7 +4293,7 @@
               <a:t>Hernández </a:t>
             </a:r>
             <a:r>
-              <a:rPr lang="es-MX" sz="1600" b="1" dirty="0" err="1">
+              <a:rPr lang="es-MX" sz="1600" b="1" dirty="0">
                 <a:latin typeface="Arial" panose="020B0604020202020204" pitchFamily="34" charset="0"/>
                 <a:ea typeface="PMingLiU"/>
                 <a:cs typeface="Arial" panose="020B0604020202020204" pitchFamily="34" charset="0"/>
@@ -4524,11 +4524,7 @@
             </a:r>
             <a:r>
               <a:rPr lang="es-MX" dirty="0" smtClean="0"/>
-              <a:t>móvil, siguiendo </a:t>
-            </a:r>
-            <a:r>
-              <a:rPr lang="es-MX" dirty="0" smtClean="0"/>
-              <a:t>la metodología </a:t>
+              <a:t>móvil, siguiendo la metodología </a:t>
             </a:r>
             <a:r>
               <a:rPr lang="es-MX" dirty="0"/>
@@ -4560,31 +4556,11 @@
             </a:r>
             <a:r>
               <a:rPr lang="es-MX" dirty="0" smtClean="0"/>
-              <a:t>proyecto. Bajo esta planeación </a:t>
-            </a:r>
-            <a:r>
-              <a:rPr lang="es-MX" dirty="0" smtClean="0"/>
-              <a:t>se Incluyen documentos </a:t>
-            </a:r>
-            <a:r>
-              <a:rPr lang="es-MX" dirty="0" smtClean="0"/>
-              <a:t>tales como Project Charter, Stakeholders, Diagrama de Gantt, </a:t>
-            </a:r>
-            <a:r>
-              <a:rPr lang="es-MX" dirty="0" smtClean="0"/>
-              <a:t>etc. La </a:t>
-            </a:r>
-            <a:r>
-              <a:rPr lang="es-MX" dirty="0" smtClean="0"/>
-              <a:t>aplicación Móvil tendrá la finalidad de aportar a la empresa </a:t>
+              <a:t>proyecto. Bajo esta planeación se Incluyen documentos tales como Project Charter, Stakeholders, Diagrama de Gantt, etc. La aplicación Móvil tendrá la finalidad de aportar a la empresa </a:t>
             </a:r>
             <a:r>
               <a:rPr lang="es-MX" b="1" dirty="0" smtClean="0"/>
-              <a:t>Panadería San </a:t>
-            </a:r>
-            <a:r>
-              <a:rPr lang="es-MX" b="1" dirty="0" smtClean="0"/>
-              <a:t>Pedro </a:t>
+              <a:t>Panadería San Pedro </a:t>
             </a:r>
             <a:r>
               <a:rPr lang="es-MX" dirty="0" smtClean="0"/>
@@ -4947,11 +4923,7 @@
             <a:pPr algn="ctr"/>
             <a:r>
               <a:rPr lang="es-MX" sz="4000" b="1" dirty="0" smtClean="0"/>
-              <a:t>LISTA DE STAKEHOLDERS, </a:t>
-            </a:r>
-            <a:r>
-              <a:rPr lang="es-MX" sz="4000" b="1" dirty="0" smtClean="0"/>
-              <a:t>ROLES Y MATRIZ DE RESPONSABILIDAD.</a:t>
+              <a:t>LISTA DE STAKEHOLDERS, ROLES Y MATRIZ DE RESPONSABILIDAD.</a:t>
             </a:r>
             <a:endParaRPr lang="es-MX" sz="4000" b="1" dirty="0"/>
           </a:p>
@@ -9942,27 +9914,15 @@
             </a:r>
             <a:r>
               <a:rPr lang="es-MX" dirty="0"/>
-              <a:t>estándar IEEE 830-1998 para el SRS o ERS (Especificación de requerimientos de </a:t>
+              <a:t>estándar IEEE 830-1998 para el SRS o ERS (Especificación de requerimientos de  </a:t>
+            </a:r>
+            <a:r>
+              <a:rPr lang="es-MX" dirty="0" smtClean="0"/>
+              <a:t> software</a:t>
             </a:r>
             <a:r>
               <a:rPr lang="es-MX" dirty="0"/>
-              <a:t> </a:t>
-            </a:r>
-            <a:r>
-              <a:rPr lang="es-MX" dirty="0" smtClean="0"/>
-              <a:t> </a:t>
-            </a:r>
-            <a:r>
-              <a:rPr lang="es-MX" dirty="0" smtClean="0"/>
-              <a:t>software</a:t>
-            </a:r>
-            <a:r>
-              <a:rPr lang="es-MX" dirty="0"/>
-              <a:t>) es un conjunto de recomendaciones para la especificación de los </a:t>
-            </a:r>
-            <a:r>
-              <a:rPr lang="es-MX" dirty="0"/>
-              <a:t> </a:t>
+              <a:t>) es un conjunto de recomendaciones para la especificación de los  </a:t>
             </a:r>
             <a:r>
               <a:rPr lang="es-MX" dirty="0" smtClean="0"/>
@@ -9970,11 +9930,7 @@
             </a:r>
             <a:r>
               <a:rPr lang="es-MX" dirty="0"/>
-              <a:t>o requisitos de software el cual tiene como producto final la </a:t>
-            </a:r>
-            <a:r>
-              <a:rPr lang="es-MX" dirty="0"/>
-              <a:t> </a:t>
+              <a:t>o requisitos de software el cual tiene como producto final la  </a:t>
             </a:r>
             <a:r>
               <a:rPr lang="es-MX" dirty="0" smtClean="0"/>
@@ -10964,23 +10920,7 @@
             </a:r>
             <a:r>
               <a:rPr lang="es-MX" dirty="0" smtClean="0"/>
-              <a:t>lo relacionado </a:t>
-            </a:r>
-            <a:r>
-              <a:rPr lang="es-MX" dirty="0" smtClean="0"/>
-              <a:t> con </a:t>
-            </a:r>
-            <a:r>
-              <a:rPr lang="es-MX" dirty="0" smtClean="0"/>
-              <a:t>la Industria del Pan. </a:t>
-            </a:r>
-            <a:r>
-              <a:rPr lang="es-MX" dirty="0" smtClean="0"/>
-              <a:t>La </a:t>
-            </a:r>
-            <a:r>
-              <a:rPr lang="es-MX" dirty="0" smtClean="0"/>
-              <a:t>organización </a:t>
+              <a:t>lo relacionado  con la Industria del Pan. La organización </a:t>
             </a:r>
             <a:r>
               <a:rPr lang="es-MX" dirty="0"/>
@@ -11004,11 +10944,7 @@
             </a:r>
             <a:r>
               <a:rPr lang="es-MX" dirty="0" smtClean="0"/>
-              <a:t>ventas </a:t>
-            </a:r>
-            <a:r>
-              <a:rPr lang="es-MX" dirty="0" smtClean="0"/>
-              <a:t>en rutas (que </a:t>
+              <a:t>ventas en rutas (que </a:t>
             </a:r>
             <a:r>
               <a:rPr lang="es-MX" dirty="0"/>
@@ -11016,11 +10952,7 @@
             </a:r>
             <a:r>
               <a:rPr lang="es-MX" dirty="0" smtClean="0"/>
-              <a:t>rutas </a:t>
-            </a:r>
-            <a:r>
-              <a:rPr lang="es-MX" dirty="0" smtClean="0"/>
-              <a:t>ya definidas por la empresa). </a:t>
+              <a:t>rutas ya definidas por la empresa). </a:t>
             </a:r>
           </a:p>
           <a:p>
@@ -12381,15 +12313,7 @@
             </a:r>
             <a:r>
               <a:rPr lang="es-MX" dirty="0" smtClean="0"/>
-              <a:t> es una empresa grande con una trayectoria de </a:t>
-            </a:r>
-            <a:r>
-              <a:rPr lang="es-MX" dirty="0" smtClean="0"/>
-              <a:t>años en </a:t>
-            </a:r>
-            <a:r>
-              <a:rPr lang="es-MX" dirty="0" smtClean="0"/>
-              <a:t>el mercado. No obstante, </a:t>
+              <a:t> es una empresa grande con una trayectoria de años en el mercado. No obstante, </a:t>
             </a:r>
             <a:r>
               <a:rPr lang="es-MX" dirty="0"/>
@@ -12397,11 +12321,7 @@
             </a:r>
             <a:r>
               <a:rPr lang="es-MX" dirty="0" smtClean="0"/>
-              <a:t>en </a:t>
-            </a:r>
-            <a:r>
-              <a:rPr lang="es-MX" dirty="0" smtClean="0"/>
-              <a:t>tecnologías, por </a:t>
+              <a:t>en tecnologías, por </a:t>
             </a:r>
             <a:r>
               <a:rPr lang="es-MX" dirty="0"/>
@@ -12441,39 +12361,7 @@
             </a:r>
             <a:r>
               <a:rPr lang="es-MX" dirty="0" smtClean="0"/>
-              <a:t>Excel. Esta </a:t>
-            </a:r>
-            <a:r>
-              <a:rPr lang="es-MX" dirty="0" smtClean="0"/>
-              <a:t>forma de trabajar </a:t>
-            </a:r>
-            <a:r>
-              <a:rPr lang="es-MX" dirty="0" smtClean="0"/>
-              <a:t>es un ambiguo ya que es </a:t>
-            </a:r>
-            <a:r>
-              <a:rPr lang="es-MX" dirty="0" smtClean="0"/>
-              <a:t>muy susceptible a </a:t>
-            </a:r>
-            <a:r>
-              <a:rPr lang="es-MX" dirty="0" smtClean="0"/>
-              <a:t>que existan perdidas </a:t>
-            </a:r>
-            <a:r>
-              <a:rPr lang="es-MX" dirty="0" smtClean="0"/>
-              <a:t>y la </a:t>
-            </a:r>
-            <a:r>
-              <a:rPr lang="es-MX" dirty="0" smtClean="0"/>
-              <a:t>información no </a:t>
-            </a:r>
-            <a:r>
-              <a:rPr lang="es-MX" dirty="0" smtClean="0"/>
-              <a:t>siempre es exacta ni fiable, lo que compromete a la empresa a tener </a:t>
-            </a:r>
-            <a:r>
-              <a:rPr lang="es-MX" dirty="0" smtClean="0"/>
-              <a:t>perdidas</a:t>
+              <a:t>Excel. Esta forma de trabajar es un ambiguo ya que es muy susceptible a que existan perdidas y la información no siempre es exacta ni fiable, lo que compromete a la empresa a tener perdidas</a:t>
             </a:r>
             <a:r>
               <a:rPr lang="es-MX" dirty="0"/>
@@ -12483,7 +12371,6 @@
               <a:rPr lang="es-MX" dirty="0" smtClean="0"/>
               <a:t>en materiales y productos.</a:t>
             </a:r>
-            <a:endParaRPr lang="es-MX" dirty="0" smtClean="0"/>
           </a:p>
           <a:p>
             <a:pPr marL="0" indent="0" algn="just">
@@ -12878,15 +12765,7 @@
             </a:r>
             <a:r>
               <a:rPr lang="es-MX" dirty="0" smtClean="0"/>
-              <a:t> carece de un control inteligente </a:t>
-            </a:r>
-            <a:r>
-              <a:rPr lang="es-MX" dirty="0" smtClean="0"/>
-              <a:t>para administrar </a:t>
-            </a:r>
-            <a:r>
-              <a:rPr lang="es-MX" dirty="0" smtClean="0"/>
-              <a:t>sus departamentos, </a:t>
+              <a:t> carece de un control inteligente para administrar sus departamentos, </a:t>
             </a:r>
             <a:r>
               <a:rPr lang="es-MX" dirty="0"/>
@@ -12910,11 +12789,7 @@
             </a:r>
             <a:r>
               <a:rPr lang="es-MX" dirty="0" smtClean="0"/>
-              <a:t>rutas. Por lo que es muy común que existan perdidas  de </a:t>
-            </a:r>
-            <a:r>
-              <a:rPr lang="es-MX" dirty="0" smtClean="0"/>
-              <a:t>información.</a:t>
+              <a:t>rutas. Por lo que es muy común que existan perdidas  de información.</a:t>
             </a:r>
             <a:r>
               <a:rPr lang="es-MX" dirty="0"/>
@@ -12922,35 +12797,7 @@
             </a:r>
             <a:r>
               <a:rPr lang="es-MX" dirty="0" smtClean="0"/>
-              <a:t>El </a:t>
-            </a:r>
-            <a:r>
-              <a:rPr lang="es-MX" dirty="0" smtClean="0"/>
-              <a:t>desarrollo de una aplicación móvil que permita conocer los estados de </a:t>
-            </a:r>
-            <a:r>
-              <a:rPr lang="es-MX" dirty="0" smtClean="0"/>
-              <a:t>cada modulo </a:t>
-            </a:r>
-            <a:r>
-              <a:rPr lang="es-MX" dirty="0" smtClean="0"/>
-              <a:t>y departamento de la empresa, será una forma para mejorar la parte </a:t>
-            </a:r>
-            <a:r>
-              <a:rPr lang="es-MX" dirty="0" smtClean="0"/>
-              <a:t> administrativa </a:t>
-            </a:r>
-            <a:r>
-              <a:rPr lang="es-MX" dirty="0" smtClean="0"/>
-              <a:t>de la empresa. El fin de la aplicación consistirá en que, tanto los </a:t>
-            </a:r>
-            <a:r>
-              <a:rPr lang="es-MX" dirty="0" smtClean="0"/>
-              <a:t>empleados con permisos nivel administrador </a:t>
-            </a:r>
-            <a:r>
-              <a:rPr lang="es-MX" dirty="0" smtClean="0"/>
-              <a:t>puedan tener a la mano la información sin que existan perdidas.</a:t>
+              <a:t>El desarrollo de una aplicación móvil que permita conocer los estados de cada modulo y departamento de la empresa, será una forma para mejorar la parte  administrativa de la empresa. El fin de la aplicación consistirá en que, tanto los empleados con permisos nivel administrador puedan tener a la mano la información sin que existan perdidas.</a:t>
             </a:r>
           </a:p>
           <a:p>
@@ -13350,11 +13197,7 @@
             </a:r>
             <a:r>
               <a:rPr lang="es-MX" dirty="0" smtClean="0"/>
-              <a:t>de documentos </a:t>
-            </a:r>
-            <a:r>
-              <a:rPr lang="es-MX" dirty="0" smtClean="0"/>
-              <a:t>la </a:t>
+              <a:t>de documentos la </a:t>
             </a:r>
             <a:r>
               <a:rPr lang="es-MX" dirty="0"/>
@@ -13362,15 +13205,7 @@
             </a:r>
             <a:r>
               <a:rPr lang="es-MX" dirty="0" smtClean="0"/>
-              <a:t>desarrollo de la misma, durando </a:t>
-            </a:r>
-            <a:r>
-              <a:rPr lang="es-MX" dirty="0" smtClean="0"/>
-              <a:t>en un periodo total </a:t>
-            </a:r>
-            <a:r>
-              <a:rPr lang="es-MX" dirty="0" smtClean="0"/>
-              <a:t>de </a:t>
+              <a:t>desarrollo de la misma, durando en un periodo total de </a:t>
             </a:r>
             <a:r>
               <a:rPr lang="es-MX" dirty="0"/>
@@ -13394,27 +13229,7 @@
             </a:r>
             <a:r>
               <a:rPr lang="es-MX" dirty="0" smtClean="0"/>
-              <a:t>agosto. El </a:t>
-            </a:r>
-            <a:r>
-              <a:rPr lang="es-MX" dirty="0" smtClean="0"/>
-              <a:t>proyecto será guiado usando la metodología del PMBOK </a:t>
-            </a:r>
-            <a:r>
-              <a:rPr lang="es-MX" dirty="0" smtClean="0"/>
-              <a:t>versión 6.0 para </a:t>
-            </a:r>
-            <a:r>
-              <a:rPr lang="es-MX" dirty="0" smtClean="0"/>
-              <a:t>establecer </a:t>
-            </a:r>
-            <a:r>
-              <a:rPr lang="es-MX" dirty="0" smtClean="0"/>
-              <a:t>bases en </a:t>
-            </a:r>
-            <a:r>
-              <a:rPr lang="es-MX" dirty="0" smtClean="0"/>
-              <a:t>el inicio, planeación, control, seguimiento, tiempos, costos  y fin del proyecto. </a:t>
+              <a:t>agosto. El proyecto será guiado usando la metodología del PMBOK versión 6.0 para establecer bases en el inicio, planeación, control, seguimiento, tiempos, costos  y fin del proyecto. </a:t>
             </a:r>
           </a:p>
           <a:p>
